--- a/Presentatie/Docker102.pptx
+++ b/Presentatie/Docker102.pptx
@@ -5,10 +5,10 @@
     <p:sldMasterId id="2147483648" r:id="rId4"/>
   </p:sldMasterIdLst>
   <p:notesMasterIdLst>
-    <p:notesMasterId r:id="rId20"/>
+    <p:notesMasterId r:id="rId31"/>
   </p:notesMasterIdLst>
   <p:handoutMasterIdLst>
-    <p:handoutMasterId r:id="rId21"/>
+    <p:handoutMasterId r:id="rId32"/>
   </p:handoutMasterIdLst>
   <p:sldIdLst>
     <p:sldId id="257" r:id="rId5"/>
@@ -23,9 +23,20 @@
     <p:sldId id="461" r:id="rId14"/>
     <p:sldId id="491" r:id="rId15"/>
     <p:sldId id="492" r:id="rId16"/>
-    <p:sldId id="493" r:id="rId17"/>
-    <p:sldId id="494" r:id="rId18"/>
-    <p:sldId id="490" r:id="rId19"/>
+    <p:sldId id="495" r:id="rId17"/>
+    <p:sldId id="497" r:id="rId18"/>
+    <p:sldId id="498" r:id="rId19"/>
+    <p:sldId id="500" r:id="rId20"/>
+    <p:sldId id="501" r:id="rId21"/>
+    <p:sldId id="502" r:id="rId22"/>
+    <p:sldId id="503" r:id="rId23"/>
+    <p:sldId id="504" r:id="rId24"/>
+    <p:sldId id="505" r:id="rId25"/>
+    <p:sldId id="506" r:id="rId26"/>
+    <p:sldId id="507" r:id="rId27"/>
+    <p:sldId id="493" r:id="rId28"/>
+    <p:sldId id="494" r:id="rId29"/>
+    <p:sldId id="490" r:id="rId30"/>
   </p:sldIdLst>
   <p:sldSz cx="9144000" cy="6858000" type="screen4x3"/>
   <p:notesSz cx="6858000" cy="9144000"/>
@@ -238,7 +249,7 @@
           <a:p>
             <a:fld id="{4FDA5BBF-9A9E-E34C-87D2-CD6D1CA60245}" type="datetime1">
               <a:rPr lang="en-US" smtClean="0"/>
-              <a:t>9/24/2017</a:t>
+              <a:t>9/30/2017</a:t>
             </a:fld>
             <a:endParaRPr lang="en-US"/>
           </a:p>
@@ -404,7 +415,7 @@
           <a:p>
             <a:fld id="{FE5FB5CF-D153-1544-8329-2FC1F4ABF24D}" type="datetime1">
               <a:rPr lang="en-US" smtClean="0"/>
-              <a:t>9/24/2017</a:t>
+              <a:t>9/30/2017</a:t>
             </a:fld>
             <a:endParaRPr lang="nl-NL"/>
           </a:p>
@@ -788,6 +799,534 @@
 </p:notes>
 </file>
 
+<file path=ppt/notesSlides/notesSlide10.xml><?xml version="1.0" encoding="utf-8"?>
+<p:notes xmlns:a="http://schemas.openxmlformats.org/drawingml/2006/main" xmlns:r="http://schemas.openxmlformats.org/officeDocument/2006/relationships" xmlns:p="http://schemas.openxmlformats.org/presentationml/2006/main">
+  <p:cSld>
+    <p:spTree>
+      <p:nvGrpSpPr>
+        <p:cNvPr id="1" name=""/>
+        <p:cNvGrpSpPr/>
+        <p:nvPr/>
+      </p:nvGrpSpPr>
+      <p:grpSpPr>
+        <a:xfrm>
+          <a:off x="0" y="0"/>
+          <a:ext cx="0" cy="0"/>
+          <a:chOff x="0" y="0"/>
+          <a:chExt cx="0" cy="0"/>
+        </a:xfrm>
+      </p:grpSpPr>
+      <p:sp>
+        <p:nvSpPr>
+          <p:cNvPr id="2" name="Slide Image Placeholder 1"/>
+          <p:cNvSpPr>
+            <a:spLocks noGrp="1" noRot="1" noChangeAspect="1"/>
+          </p:cNvSpPr>
+          <p:nvPr>
+            <p:ph type="sldImg"/>
+          </p:nvPr>
+        </p:nvSpPr>
+        <p:spPr/>
+      </p:sp>
+      <p:sp>
+        <p:nvSpPr>
+          <p:cNvPr id="3" name="Notes Placeholder 2"/>
+          <p:cNvSpPr>
+            <a:spLocks noGrp="1"/>
+          </p:cNvSpPr>
+          <p:nvPr>
+            <p:ph type="body" idx="1"/>
+          </p:nvPr>
+        </p:nvSpPr>
+        <p:spPr/>
+        <p:txBody>
+          <a:bodyPr/>
+          <a:lstStyle/>
+          <a:p>
+            <a:r>
+              <a:rPr lang="en-US" dirty="0" smtClean="0"/>
+              <a:t>Docker network create</a:t>
+            </a:r>
+            <a:r>
+              <a:rPr lang="en-US" baseline="0" dirty="0" smtClean="0"/>
+              <a:t> –drive bridge </a:t>
+            </a:r>
+            <a:r>
+              <a:rPr lang="en-US" baseline="0" dirty="0" err="1" smtClean="0"/>
+              <a:t>firstnetwork</a:t>
+            </a:r>
+            <a:endParaRPr lang="en-US" baseline="0" dirty="0" smtClean="0"/>
+          </a:p>
+          <a:p>
+            <a:endParaRPr lang="en-US" dirty="0" smtClean="0"/>
+          </a:p>
+          <a:p>
+            <a:r>
+              <a:rPr lang="nl-NL" dirty="0" err="1" smtClean="0"/>
+              <a:t>docker</a:t>
+            </a:r>
+            <a:r>
+              <a:rPr lang="nl-NL" dirty="0" smtClean="0"/>
+              <a:t> container run –</a:t>
+            </a:r>
+            <a:r>
+              <a:rPr lang="nl-NL" dirty="0" err="1" smtClean="0"/>
+              <a:t>rm</a:t>
+            </a:r>
+            <a:r>
+              <a:rPr lang="nl-NL" baseline="0" dirty="0" smtClean="0"/>
+              <a:t> </a:t>
+            </a:r>
+            <a:r>
+              <a:rPr lang="nl-NL" dirty="0" smtClean="0"/>
+              <a:t>-</a:t>
+            </a:r>
+            <a:r>
+              <a:rPr lang="nl-NL" dirty="0" err="1" smtClean="0"/>
+              <a:t>itd</a:t>
+            </a:r>
+            <a:r>
+              <a:rPr lang="nl-NL" dirty="0" smtClean="0"/>
+              <a:t> -p 5000:5000 -e FLASK_APP=app.py -e FLASK_DEBUG=1 --name web2 -v ${PWD}:/</a:t>
+            </a:r>
+            <a:r>
+              <a:rPr lang="nl-NL" dirty="0" err="1" smtClean="0"/>
+              <a:t>app</a:t>
+            </a:r>
+            <a:r>
+              <a:rPr lang="nl-NL" dirty="0" smtClean="0"/>
+              <a:t> --net </a:t>
+            </a:r>
+            <a:r>
+              <a:rPr lang="nl-NL" dirty="0" err="1" smtClean="0"/>
+              <a:t>firstnetwork</a:t>
+            </a:r>
+            <a:r>
+              <a:rPr lang="nl-NL" dirty="0" smtClean="0"/>
+              <a:t> web2</a:t>
+            </a:r>
+          </a:p>
+          <a:p>
+            <a:r>
+              <a:rPr lang="nl-NL" dirty="0" err="1" smtClean="0"/>
+              <a:t>docker</a:t>
+            </a:r>
+            <a:r>
+              <a:rPr lang="nl-NL" dirty="0" smtClean="0"/>
+              <a:t> container run –</a:t>
+            </a:r>
+            <a:r>
+              <a:rPr lang="nl-NL" dirty="0" err="1" smtClean="0"/>
+              <a:t>rm</a:t>
+            </a:r>
+            <a:r>
+              <a:rPr lang="nl-NL" baseline="0" dirty="0" smtClean="0"/>
+              <a:t> </a:t>
+            </a:r>
+            <a:r>
+              <a:rPr lang="nl-NL" dirty="0" smtClean="0"/>
+              <a:t>-</a:t>
+            </a:r>
+            <a:r>
+              <a:rPr lang="nl-NL" dirty="0" err="1" smtClean="0"/>
+              <a:t>itd</a:t>
+            </a:r>
+            <a:r>
+              <a:rPr lang="nl-NL" dirty="0" smtClean="0"/>
+              <a:t> -p 6379:6379 --name </a:t>
+            </a:r>
+            <a:r>
+              <a:rPr lang="nl-NL" dirty="0" err="1" smtClean="0"/>
+              <a:t>redis</a:t>
+            </a:r>
+            <a:r>
+              <a:rPr lang="nl-NL" dirty="0" smtClean="0"/>
+              <a:t> --net </a:t>
+            </a:r>
+            <a:r>
+              <a:rPr lang="nl-NL" dirty="0" err="1" smtClean="0"/>
+              <a:t>firstnetwork</a:t>
+            </a:r>
+            <a:r>
+              <a:rPr lang="nl-NL" dirty="0" smtClean="0"/>
+              <a:t> redis:3.2-alpine</a:t>
+            </a:r>
+          </a:p>
+          <a:p>
+            <a:endParaRPr lang="en-US" dirty="0" smtClean="0"/>
+          </a:p>
+          <a:p>
+            <a:r>
+              <a:rPr lang="en-US" dirty="0" err="1" smtClean="0"/>
+              <a:t>docker</a:t>
+            </a:r>
+            <a:r>
+              <a:rPr lang="en-US" dirty="0" smtClean="0"/>
+              <a:t> network inspect </a:t>
+            </a:r>
+            <a:r>
+              <a:rPr lang="en-US" dirty="0" err="1" smtClean="0"/>
+              <a:t>firstnetwork</a:t>
+            </a:r>
+            <a:endParaRPr lang="en-US" dirty="0" smtClean="0"/>
+          </a:p>
+          <a:p>
+            <a:r>
+              <a:rPr lang="en-US" dirty="0" err="1" smtClean="0"/>
+              <a:t>docker</a:t>
+            </a:r>
+            <a:r>
+              <a:rPr lang="en-US" dirty="0" smtClean="0"/>
+              <a:t> container exec web2</a:t>
+            </a:r>
+            <a:r>
+              <a:rPr lang="en-US" baseline="0" dirty="0" smtClean="0"/>
+              <a:t> </a:t>
+            </a:r>
+            <a:r>
+              <a:rPr lang="en-US" dirty="0" smtClean="0"/>
+              <a:t>ping </a:t>
+            </a:r>
+            <a:r>
+              <a:rPr lang="en-US" dirty="0" err="1" smtClean="0"/>
+              <a:t>redis</a:t>
+            </a:r>
+            <a:endParaRPr lang="en-US" dirty="0" smtClean="0"/>
+          </a:p>
+          <a:p>
+            <a:endParaRPr lang="nl-NL" dirty="0" smtClean="0"/>
+          </a:p>
+          <a:p>
+            <a:r>
+              <a:rPr lang="en-US" dirty="0" err="1" smtClean="0"/>
+              <a:t>docker</a:t>
+            </a:r>
+            <a:r>
+              <a:rPr lang="en-US" dirty="0" smtClean="0"/>
+              <a:t> container exec –it</a:t>
+            </a:r>
+            <a:r>
+              <a:rPr lang="en-US" baseline="0" dirty="0" smtClean="0"/>
+              <a:t> </a:t>
+            </a:r>
+            <a:r>
+              <a:rPr lang="en-US" dirty="0" err="1" smtClean="0"/>
+              <a:t>redis</a:t>
+            </a:r>
+            <a:r>
+              <a:rPr lang="en-US" dirty="0" smtClean="0"/>
+              <a:t> </a:t>
+            </a:r>
+            <a:r>
+              <a:rPr lang="en-US" dirty="0" err="1" smtClean="0"/>
+              <a:t>redis</a:t>
+            </a:r>
+            <a:r>
+              <a:rPr lang="en-US" dirty="0" smtClean="0"/>
+              <a:t>-cli</a:t>
+            </a:r>
+          </a:p>
+          <a:p>
+            <a:endParaRPr lang="en-US" dirty="0" smtClean="0"/>
+          </a:p>
+          <a:p>
+            <a:r>
+              <a:rPr lang="en-US" dirty="0" smtClean="0"/>
+              <a:t>127.0.0.1:6379&gt; KEYS *</a:t>
+            </a:r>
+          </a:p>
+          <a:p>
+            <a:r>
+              <a:rPr lang="en-US" dirty="0" smtClean="0"/>
+              <a:t>1) "web2_counter"</a:t>
+            </a:r>
+          </a:p>
+          <a:p>
+            <a:r>
+              <a:rPr lang="en-US" dirty="0" smtClean="0"/>
+              <a:t>127.0.0.1:6379&gt; INCRBY web2_counter 100000</a:t>
+            </a:r>
+          </a:p>
+          <a:p>
+            <a:r>
+              <a:rPr lang="en-US" dirty="0" smtClean="0"/>
+              <a:t>(integer) 100022</a:t>
+            </a:r>
+          </a:p>
+          <a:p>
+            <a:r>
+              <a:rPr lang="en-US" dirty="0" smtClean="0"/>
+              <a:t>127.0.0.1:6379&gt;</a:t>
+            </a:r>
+          </a:p>
+          <a:p>
+            <a:endParaRPr lang="en-US" dirty="0" smtClean="0"/>
+          </a:p>
+          <a:p>
+            <a:endParaRPr lang="en-US" dirty="0" smtClean="0"/>
+          </a:p>
+          <a:p>
+            <a:endParaRPr lang="en-US" dirty="0" smtClean="0"/>
+          </a:p>
+          <a:p>
+            <a:endParaRPr lang="nl-NL" dirty="0"/>
+          </a:p>
+        </p:txBody>
+      </p:sp>
+      <p:sp>
+        <p:nvSpPr>
+          <p:cNvPr id="4" name="Slide Number Placeholder 3"/>
+          <p:cNvSpPr>
+            <a:spLocks noGrp="1"/>
+          </p:cNvSpPr>
+          <p:nvPr>
+            <p:ph type="sldNum" sz="quarter" idx="10"/>
+          </p:nvPr>
+        </p:nvSpPr>
+        <p:spPr/>
+        <p:txBody>
+          <a:bodyPr/>
+          <a:lstStyle/>
+          <a:p>
+            <a:fld id="{2DB1139D-5AC7-4B0B-A715-E40E0591EF82}" type="slidenum">
+              <a:rPr lang="nl-NL" smtClean="0"/>
+              <a:t>22</a:t>
+            </a:fld>
+            <a:endParaRPr lang="nl-NL"/>
+          </a:p>
+        </p:txBody>
+      </p:sp>
+    </p:spTree>
+    <p:extLst>
+      <p:ext uri="{BB962C8B-B14F-4D97-AF65-F5344CB8AC3E}">
+        <p14:creationId xmlns:p14="http://schemas.microsoft.com/office/powerpoint/2010/main" val="2217171176"/>
+      </p:ext>
+    </p:extLst>
+  </p:cSld>
+  <p:clrMapOvr>
+    <a:masterClrMapping/>
+  </p:clrMapOvr>
+</p:notes>
+</file>
+
+<file path=ppt/notesSlides/notesSlide11.xml><?xml version="1.0" encoding="utf-8"?>
+<p:notes xmlns:a="http://schemas.openxmlformats.org/drawingml/2006/main" xmlns:r="http://schemas.openxmlformats.org/officeDocument/2006/relationships" xmlns:p="http://schemas.openxmlformats.org/presentationml/2006/main">
+  <p:cSld>
+    <p:spTree>
+      <p:nvGrpSpPr>
+        <p:cNvPr id="1" name=""/>
+        <p:cNvGrpSpPr/>
+        <p:nvPr/>
+      </p:nvGrpSpPr>
+      <p:grpSpPr>
+        <a:xfrm>
+          <a:off x="0" y="0"/>
+          <a:ext cx="0" cy="0"/>
+          <a:chOff x="0" y="0"/>
+          <a:chExt cx="0" cy="0"/>
+        </a:xfrm>
+      </p:grpSpPr>
+      <p:sp>
+        <p:nvSpPr>
+          <p:cNvPr id="2" name="Slide Image Placeholder 1"/>
+          <p:cNvSpPr>
+            <a:spLocks noGrp="1" noRot="1" noChangeAspect="1"/>
+          </p:cNvSpPr>
+          <p:nvPr>
+            <p:ph type="sldImg"/>
+          </p:nvPr>
+        </p:nvSpPr>
+        <p:spPr/>
+      </p:sp>
+      <p:sp>
+        <p:nvSpPr>
+          <p:cNvPr id="3" name="Notes Placeholder 2"/>
+          <p:cNvSpPr>
+            <a:spLocks noGrp="1"/>
+          </p:cNvSpPr>
+          <p:nvPr>
+            <p:ph type="body" idx="1"/>
+          </p:nvPr>
+        </p:nvSpPr>
+        <p:spPr/>
+        <p:txBody>
+          <a:bodyPr/>
+          <a:lstStyle/>
+          <a:p>
+            <a:r>
+              <a:rPr lang="en-US" dirty="0" err="1" smtClean="0"/>
+              <a:t>Voor</a:t>
+            </a:r>
+            <a:r>
+              <a:rPr lang="en-US" dirty="0" smtClean="0"/>
+              <a:t> </a:t>
+            </a:r>
+            <a:r>
+              <a:rPr lang="en-US" dirty="0" err="1" smtClean="0"/>
+              <a:t>redis</a:t>
+            </a:r>
+            <a:endParaRPr lang="en-US" dirty="0" smtClean="0"/>
+          </a:p>
+          <a:p>
+            <a:endParaRPr lang="en-US" dirty="0" smtClean="0"/>
+          </a:p>
+          <a:p>
+            <a:r>
+              <a:rPr lang="en-US" dirty="0" smtClean="0"/>
+              <a:t>Docker volume create </a:t>
+            </a:r>
+            <a:r>
+              <a:rPr lang="en-US" dirty="0" err="1" smtClean="0"/>
+              <a:t>redisstore</a:t>
+            </a:r>
+            <a:endParaRPr lang="en-US" dirty="0" smtClean="0"/>
+          </a:p>
+          <a:p>
+            <a:r>
+              <a:rPr lang="en-US" dirty="0" smtClean="0"/>
+              <a:t>Docker volume inspect</a:t>
+            </a:r>
+          </a:p>
+          <a:p>
+            <a:endParaRPr lang="en-US" dirty="0" smtClean="0"/>
+          </a:p>
+          <a:p>
+            <a:r>
+              <a:rPr lang="en-US" dirty="0" smtClean="0"/>
+              <a:t>--v </a:t>
+            </a:r>
+            <a:r>
+              <a:rPr lang="en-US" dirty="0" err="1" smtClean="0"/>
+              <a:t>redisstore</a:t>
+            </a:r>
+            <a:r>
+              <a:rPr lang="en-US" dirty="0" smtClean="0"/>
+              <a:t>:/data</a:t>
+            </a:r>
+          </a:p>
+          <a:p>
+            <a:endParaRPr lang="en-US" dirty="0" smtClean="0"/>
+          </a:p>
+          <a:p>
+            <a:r>
+              <a:rPr lang="en-US" dirty="0" smtClean="0"/>
+              <a:t>VB:</a:t>
+            </a:r>
+          </a:p>
+          <a:p>
+            <a:r>
+              <a:rPr lang="nl-NL" dirty="0" err="1" smtClean="0"/>
+              <a:t>docker</a:t>
+            </a:r>
+            <a:r>
+              <a:rPr lang="nl-NL" dirty="0" smtClean="0"/>
+              <a:t> container run –</a:t>
+            </a:r>
+            <a:r>
+              <a:rPr lang="nl-NL" dirty="0" err="1" smtClean="0"/>
+              <a:t>rm</a:t>
+            </a:r>
+            <a:r>
+              <a:rPr lang="nl-NL" baseline="0" dirty="0" smtClean="0"/>
+              <a:t> </a:t>
+            </a:r>
+            <a:r>
+              <a:rPr lang="nl-NL" dirty="0" smtClean="0"/>
+              <a:t>-</a:t>
+            </a:r>
+            <a:r>
+              <a:rPr lang="nl-NL" dirty="0" err="1" smtClean="0"/>
+              <a:t>itd</a:t>
+            </a:r>
+            <a:r>
+              <a:rPr lang="nl-NL" dirty="0" smtClean="0"/>
+              <a:t> -p 6379:6379 --name </a:t>
+            </a:r>
+            <a:r>
+              <a:rPr lang="nl-NL" dirty="0" err="1" smtClean="0"/>
+              <a:t>redis</a:t>
+            </a:r>
+            <a:r>
+              <a:rPr lang="nl-NL" dirty="0" smtClean="0"/>
+              <a:t> --net </a:t>
+            </a:r>
+            <a:r>
+              <a:rPr lang="nl-NL" dirty="0" err="1" smtClean="0"/>
+              <a:t>firstnetwork</a:t>
+            </a:r>
+            <a:r>
+              <a:rPr lang="nl-NL" dirty="0" smtClean="0"/>
+              <a:t> -v </a:t>
+            </a:r>
+            <a:r>
+              <a:rPr lang="nl-NL" dirty="0" err="1" smtClean="0"/>
+              <a:t>redisstore</a:t>
+            </a:r>
+            <a:r>
+              <a:rPr lang="nl-NL" dirty="0" smtClean="0"/>
+              <a:t>:/data redis:3.2-alpine</a:t>
+            </a:r>
+          </a:p>
+          <a:p>
+            <a:endParaRPr lang="en-US" dirty="0" smtClean="0"/>
+          </a:p>
+          <a:p>
+            <a:r>
+              <a:rPr lang="en-US" dirty="0" smtClean="0"/>
+              <a:t>Stop</a:t>
+            </a:r>
+            <a:r>
+              <a:rPr lang="en-US" baseline="0" dirty="0" smtClean="0"/>
+              <a:t> </a:t>
+            </a:r>
+            <a:r>
+              <a:rPr lang="en-US" baseline="0" dirty="0" err="1" smtClean="0"/>
+              <a:t>en</a:t>
+            </a:r>
+            <a:r>
+              <a:rPr lang="en-US" baseline="0" smtClean="0"/>
+              <a:t> restart</a:t>
+            </a:r>
+            <a:endParaRPr lang="nl-NL" dirty="0"/>
+          </a:p>
+        </p:txBody>
+      </p:sp>
+      <p:sp>
+        <p:nvSpPr>
+          <p:cNvPr id="4" name="Slide Number Placeholder 3"/>
+          <p:cNvSpPr>
+            <a:spLocks noGrp="1"/>
+          </p:cNvSpPr>
+          <p:nvPr>
+            <p:ph type="sldNum" sz="quarter" idx="10"/>
+          </p:nvPr>
+        </p:nvSpPr>
+        <p:spPr/>
+        <p:txBody>
+          <a:bodyPr/>
+          <a:lstStyle/>
+          <a:p>
+            <a:fld id="{2DB1139D-5AC7-4B0B-A715-E40E0591EF82}" type="slidenum">
+              <a:rPr lang="nl-NL" smtClean="0"/>
+              <a:t>23</a:t>
+            </a:fld>
+            <a:endParaRPr lang="nl-NL"/>
+          </a:p>
+        </p:txBody>
+      </p:sp>
+    </p:spTree>
+    <p:extLst>
+      <p:ext uri="{BB962C8B-B14F-4D97-AF65-F5344CB8AC3E}">
+        <p14:creationId xmlns:p14="http://schemas.microsoft.com/office/powerpoint/2010/main" val="2353268940"/>
+      </p:ext>
+    </p:extLst>
+  </p:cSld>
+  <p:clrMapOvr>
+    <a:masterClrMapping/>
+  </p:clrMapOvr>
+</p:notes>
+</file>
+
 <file path=ppt/notesSlides/notesSlide2.xml><?xml version="1.0" encoding="utf-8"?>
 <p:notes xmlns:a="http://schemas.openxmlformats.org/drawingml/2006/main" xmlns:r="http://schemas.openxmlformats.org/officeDocument/2006/relationships" xmlns:p="http://schemas.openxmlformats.org/presentationml/2006/main">
   <p:cSld>
@@ -1563,6 +2102,411 @@
     <p:extLst>
       <p:ext uri="{BB962C8B-B14F-4D97-AF65-F5344CB8AC3E}">
         <p14:creationId xmlns:p14="http://schemas.microsoft.com/office/powerpoint/2010/main" val="2280226084"/>
+      </p:ext>
+    </p:extLst>
+  </p:cSld>
+  <p:clrMapOvr>
+    <a:masterClrMapping/>
+  </p:clrMapOvr>
+</p:notes>
+</file>
+
+<file path=ppt/notesSlides/notesSlide8.xml><?xml version="1.0" encoding="utf-8"?>
+<p:notes xmlns:a="http://schemas.openxmlformats.org/drawingml/2006/main" xmlns:r="http://schemas.openxmlformats.org/officeDocument/2006/relationships" xmlns:p="http://schemas.openxmlformats.org/presentationml/2006/main">
+  <p:cSld>
+    <p:spTree>
+      <p:nvGrpSpPr>
+        <p:cNvPr id="1" name=""/>
+        <p:cNvGrpSpPr/>
+        <p:nvPr/>
+      </p:nvGrpSpPr>
+      <p:grpSpPr>
+        <a:xfrm>
+          <a:off x="0" y="0"/>
+          <a:ext cx="0" cy="0"/>
+          <a:chOff x="0" y="0"/>
+          <a:chExt cx="0" cy="0"/>
+        </a:xfrm>
+      </p:grpSpPr>
+      <p:sp>
+        <p:nvSpPr>
+          <p:cNvPr id="2" name="Slide Image Placeholder 1"/>
+          <p:cNvSpPr>
+            <a:spLocks noGrp="1" noRot="1" noChangeAspect="1"/>
+          </p:cNvSpPr>
+          <p:nvPr>
+            <p:ph type="sldImg"/>
+          </p:nvPr>
+        </p:nvSpPr>
+        <p:spPr/>
+      </p:sp>
+      <p:sp>
+        <p:nvSpPr>
+          <p:cNvPr id="3" name="Notes Placeholder 2"/>
+          <p:cNvSpPr>
+            <a:spLocks noGrp="1"/>
+          </p:cNvSpPr>
+          <p:nvPr>
+            <p:ph type="body" idx="1"/>
+          </p:nvPr>
+        </p:nvSpPr>
+        <p:spPr/>
+        <p:txBody>
+          <a:bodyPr/>
+          <a:lstStyle/>
+          <a:p>
+            <a:endParaRPr lang="nl-NL" dirty="0"/>
+          </a:p>
+        </p:txBody>
+      </p:sp>
+      <p:sp>
+        <p:nvSpPr>
+          <p:cNvPr id="4" name="Slide Number Placeholder 3"/>
+          <p:cNvSpPr>
+            <a:spLocks noGrp="1"/>
+          </p:cNvSpPr>
+          <p:nvPr>
+            <p:ph type="sldNum" sz="quarter" idx="10"/>
+          </p:nvPr>
+        </p:nvSpPr>
+        <p:spPr/>
+        <p:txBody>
+          <a:bodyPr/>
+          <a:lstStyle/>
+          <a:p>
+            <a:fld id="{2DB1139D-5AC7-4B0B-A715-E40E0591EF82}" type="slidenum">
+              <a:rPr lang="nl-NL" smtClean="0"/>
+              <a:t>16</a:t>
+            </a:fld>
+            <a:endParaRPr lang="nl-NL"/>
+          </a:p>
+        </p:txBody>
+      </p:sp>
+    </p:spTree>
+    <p:extLst>
+      <p:ext uri="{BB962C8B-B14F-4D97-AF65-F5344CB8AC3E}">
+        <p14:creationId xmlns:p14="http://schemas.microsoft.com/office/powerpoint/2010/main" val="1176128002"/>
+      </p:ext>
+    </p:extLst>
+  </p:cSld>
+  <p:clrMapOvr>
+    <a:masterClrMapping/>
+  </p:clrMapOvr>
+</p:notes>
+</file>
+
+<file path=ppt/notesSlides/notesSlide9.xml><?xml version="1.0" encoding="utf-8"?>
+<p:notes xmlns:a="http://schemas.openxmlformats.org/drawingml/2006/main" xmlns:r="http://schemas.openxmlformats.org/officeDocument/2006/relationships" xmlns:p="http://schemas.openxmlformats.org/presentationml/2006/main">
+  <p:cSld>
+    <p:spTree>
+      <p:nvGrpSpPr>
+        <p:cNvPr id="1" name=""/>
+        <p:cNvGrpSpPr/>
+        <p:nvPr/>
+      </p:nvGrpSpPr>
+      <p:grpSpPr>
+        <a:xfrm>
+          <a:off x="0" y="0"/>
+          <a:ext cx="0" cy="0"/>
+          <a:chOff x="0" y="0"/>
+          <a:chExt cx="0" cy="0"/>
+        </a:xfrm>
+      </p:grpSpPr>
+      <p:sp>
+        <p:nvSpPr>
+          <p:cNvPr id="2" name="Slide Image Placeholder 1"/>
+          <p:cNvSpPr>
+            <a:spLocks noGrp="1" noRot="1" noChangeAspect="1"/>
+          </p:cNvSpPr>
+          <p:nvPr>
+            <p:ph type="sldImg"/>
+          </p:nvPr>
+        </p:nvSpPr>
+        <p:spPr/>
+      </p:sp>
+      <p:sp>
+        <p:nvSpPr>
+          <p:cNvPr id="3" name="Notes Placeholder 2"/>
+          <p:cNvSpPr>
+            <a:spLocks noGrp="1"/>
+          </p:cNvSpPr>
+          <p:nvPr>
+            <p:ph type="body" idx="1"/>
+          </p:nvPr>
+        </p:nvSpPr>
+        <p:spPr/>
+        <p:txBody>
+          <a:bodyPr/>
+          <a:lstStyle/>
+          <a:p>
+            <a:r>
+              <a:rPr lang="en-US" dirty="0" err="1" smtClean="0"/>
+              <a:t>Redis</a:t>
+            </a:r>
+            <a:r>
+              <a:rPr lang="en-US" baseline="0" dirty="0" smtClean="0"/>
+              <a:t> example:</a:t>
+            </a:r>
+          </a:p>
+          <a:p>
+            <a:endParaRPr lang="en-US" baseline="0" dirty="0" smtClean="0"/>
+          </a:p>
+          <a:p>
+            <a:r>
+              <a:rPr lang="en-US" dirty="0" smtClean="0"/>
+              <a:t> </a:t>
+            </a:r>
+            <a:r>
+              <a:rPr lang="en-US" dirty="0" err="1" smtClean="0"/>
+              <a:t>docker</a:t>
+            </a:r>
+            <a:r>
+              <a:rPr lang="en-US" dirty="0" smtClean="0"/>
+              <a:t> container run –</a:t>
+            </a:r>
+            <a:r>
+              <a:rPr lang="en-US" dirty="0" err="1" smtClean="0"/>
+              <a:t>rm</a:t>
+            </a:r>
+            <a:r>
+              <a:rPr lang="en-US" baseline="0" dirty="0" smtClean="0"/>
+              <a:t> </a:t>
+            </a:r>
+            <a:r>
+              <a:rPr lang="en-US" dirty="0" smtClean="0"/>
+              <a:t>-</a:t>
+            </a:r>
+            <a:r>
+              <a:rPr lang="en-US" dirty="0" err="1" smtClean="0"/>
+              <a:t>itd</a:t>
+            </a:r>
+            <a:r>
+              <a:rPr lang="en-US" dirty="0" smtClean="0"/>
+              <a:t> -p 6379:6379 --name </a:t>
+            </a:r>
+            <a:r>
+              <a:rPr lang="en-US" dirty="0" err="1" smtClean="0"/>
+              <a:t>redis</a:t>
+            </a:r>
+            <a:r>
+              <a:rPr lang="en-US" dirty="0" smtClean="0"/>
+              <a:t> redis:3.2-alpine</a:t>
+            </a:r>
+          </a:p>
+          <a:p>
+            <a:endParaRPr lang="en-US" dirty="0" smtClean="0"/>
+          </a:p>
+          <a:p>
+            <a:r>
+              <a:rPr lang="en-US" dirty="0" smtClean="0"/>
+              <a:t>Check with </a:t>
+            </a:r>
+            <a:r>
+              <a:rPr lang="en-US" dirty="0" err="1" smtClean="0"/>
+              <a:t>docker</a:t>
+            </a:r>
+            <a:r>
+              <a:rPr lang="en-US" dirty="0" smtClean="0"/>
+              <a:t> network inspect bridge</a:t>
+            </a:r>
+          </a:p>
+          <a:p>
+            <a:r>
+              <a:rPr lang="en-US" dirty="0" smtClean="0"/>
+              <a:t>Show in </a:t>
+            </a:r>
+            <a:r>
+              <a:rPr lang="en-US" dirty="0" err="1" smtClean="0"/>
+              <a:t>redis</a:t>
+            </a:r>
+            <a:r>
+              <a:rPr lang="en-US" dirty="0" smtClean="0"/>
+              <a:t> container</a:t>
+            </a:r>
+          </a:p>
+          <a:p>
+            <a:endParaRPr lang="en-US" dirty="0" smtClean="0"/>
+          </a:p>
+          <a:p>
+            <a:r>
+              <a:rPr lang="en-US" dirty="0" err="1" smtClean="0"/>
+              <a:t>docker</a:t>
+            </a:r>
+            <a:r>
+              <a:rPr lang="en-US" dirty="0" smtClean="0"/>
+              <a:t> container run --</a:t>
+            </a:r>
+            <a:r>
+              <a:rPr lang="en-US" dirty="0" err="1" smtClean="0"/>
+              <a:t>rm</a:t>
+            </a:r>
+            <a:r>
+              <a:rPr lang="en-US" dirty="0" smtClean="0"/>
+              <a:t> –</a:t>
+            </a:r>
+            <a:r>
+              <a:rPr lang="en-US" dirty="0" err="1" smtClean="0"/>
+              <a:t>itd</a:t>
+            </a:r>
+            <a:r>
+              <a:rPr lang="en-US" baseline="0" dirty="0" smtClean="0"/>
+              <a:t> </a:t>
+            </a:r>
+            <a:r>
+              <a:rPr lang="en-US" dirty="0" smtClean="0"/>
+              <a:t>-p 5000:5000 -e FLASK_APP=app.py -e FLASK_DEBUG=1 --name web2 -v ${PWD}:/app web2</a:t>
+            </a:r>
+          </a:p>
+          <a:p>
+            <a:endParaRPr lang="en-US" dirty="0" smtClean="0"/>
+          </a:p>
+          <a:p>
+            <a:r>
+              <a:rPr lang="en-US" dirty="0" err="1" smtClean="0"/>
+              <a:t>docker</a:t>
+            </a:r>
+            <a:r>
+              <a:rPr lang="en-US" dirty="0" smtClean="0"/>
+              <a:t> container exec </a:t>
+            </a:r>
+            <a:r>
+              <a:rPr lang="en-US" dirty="0" err="1" smtClean="0"/>
+              <a:t>redis</a:t>
+            </a:r>
+            <a:r>
+              <a:rPr lang="en-US" dirty="0" smtClean="0"/>
+              <a:t> </a:t>
+            </a:r>
+            <a:r>
+              <a:rPr lang="en-US" dirty="0" err="1" smtClean="0"/>
+              <a:t>ifconfig</a:t>
+            </a:r>
+            <a:endParaRPr lang="en-US" dirty="0" smtClean="0"/>
+          </a:p>
+          <a:p>
+            <a:r>
+              <a:rPr lang="en-US" dirty="0" err="1" smtClean="0"/>
+              <a:t>ip</a:t>
+            </a:r>
+            <a:r>
+              <a:rPr lang="en-US" dirty="0" smtClean="0"/>
+              <a:t> </a:t>
+            </a:r>
+            <a:r>
+              <a:rPr lang="en-US" dirty="0" err="1" smtClean="0"/>
+              <a:t>adres</a:t>
+            </a:r>
+            <a:endParaRPr lang="en-US" dirty="0" smtClean="0"/>
+          </a:p>
+          <a:p>
+            <a:endParaRPr lang="en-US" dirty="0" smtClean="0"/>
+          </a:p>
+          <a:p>
+            <a:r>
+              <a:rPr lang="en-US" dirty="0" err="1" smtClean="0"/>
+              <a:t>docker</a:t>
+            </a:r>
+            <a:r>
+              <a:rPr lang="en-US" dirty="0" smtClean="0"/>
+              <a:t> container exec web2</a:t>
+            </a:r>
+            <a:r>
+              <a:rPr lang="en-US" baseline="0" dirty="0" smtClean="0"/>
+              <a:t> ping 172.17.0.2</a:t>
+            </a:r>
+          </a:p>
+          <a:p>
+            <a:endParaRPr lang="en-US" baseline="0" dirty="0" smtClean="0"/>
+          </a:p>
+          <a:p>
+            <a:r>
+              <a:rPr lang="en-US" dirty="0" err="1" smtClean="0"/>
+              <a:t>docker</a:t>
+            </a:r>
+            <a:r>
+              <a:rPr lang="en-US" dirty="0" smtClean="0"/>
+              <a:t> container exec </a:t>
+            </a:r>
+            <a:r>
+              <a:rPr lang="en-US" dirty="0" err="1" smtClean="0"/>
+              <a:t>redis</a:t>
+            </a:r>
+            <a:r>
+              <a:rPr lang="en-US" dirty="0" smtClean="0"/>
+              <a:t> cat /</a:t>
+            </a:r>
+            <a:r>
+              <a:rPr lang="en-US" dirty="0" err="1" smtClean="0"/>
+              <a:t>etc</a:t>
+            </a:r>
+            <a:r>
+              <a:rPr lang="en-US" dirty="0" smtClean="0"/>
+              <a:t>/hosts</a:t>
+            </a:r>
+          </a:p>
+          <a:p>
+            <a:r>
+              <a:rPr lang="en-US" dirty="0" smtClean="0"/>
+              <a:t>Host defined</a:t>
+            </a:r>
+          </a:p>
+          <a:p>
+            <a:endParaRPr lang="en-US" dirty="0" smtClean="0"/>
+          </a:p>
+          <a:p>
+            <a:r>
+              <a:rPr lang="en-US" dirty="0" err="1" smtClean="0"/>
+              <a:t>docker</a:t>
+            </a:r>
+            <a:r>
+              <a:rPr lang="en-US" dirty="0" smtClean="0"/>
+              <a:t> run --</a:t>
+            </a:r>
+            <a:r>
+              <a:rPr lang="en-US" dirty="0" err="1" smtClean="0"/>
+              <a:t>rm</a:t>
+            </a:r>
+            <a:r>
+              <a:rPr lang="en-US" dirty="0" smtClean="0"/>
+              <a:t> -v ${PWD}:/data alpine ls /data</a:t>
+            </a:r>
+          </a:p>
+          <a:p>
+            <a:r>
+              <a:rPr lang="en-US" dirty="0" smtClean="0"/>
+              <a:t>${PWD} is path</a:t>
+            </a:r>
+            <a:endParaRPr lang="nl-NL" dirty="0"/>
+          </a:p>
+        </p:txBody>
+      </p:sp>
+      <p:sp>
+        <p:nvSpPr>
+          <p:cNvPr id="4" name="Slide Number Placeholder 3"/>
+          <p:cNvSpPr>
+            <a:spLocks noGrp="1"/>
+          </p:cNvSpPr>
+          <p:nvPr>
+            <p:ph type="sldNum" sz="quarter" idx="10"/>
+          </p:nvPr>
+        </p:nvSpPr>
+        <p:spPr/>
+        <p:txBody>
+          <a:bodyPr/>
+          <a:lstStyle/>
+          <a:p>
+            <a:fld id="{2DB1139D-5AC7-4B0B-A715-E40E0591EF82}" type="slidenum">
+              <a:rPr lang="nl-NL" smtClean="0"/>
+              <a:t>21</a:t>
+            </a:fld>
+            <a:endParaRPr lang="nl-NL"/>
+          </a:p>
+        </p:txBody>
+      </p:sp>
+    </p:spTree>
+    <p:extLst>
+      <p:ext uri="{BB962C8B-B14F-4D97-AF65-F5344CB8AC3E}">
+        <p14:creationId xmlns:p14="http://schemas.microsoft.com/office/powerpoint/2010/main" val="3824815070"/>
       </p:ext>
     </p:extLst>
   </p:cSld>
@@ -4096,73 +5040,77 @@
       </p:sp>
       <p:sp>
         <p:nvSpPr>
-          <p:cNvPr id="6" name="TextBox 5"/>
-          <p:cNvSpPr txBox="1"/>
+          <p:cNvPr id="4" name="Rectangle 3"/>
+          <p:cNvSpPr/>
           <p:nvPr userDrawn="1"/>
         </p:nvSpPr>
         <p:spPr>
           <a:xfrm>
-            <a:off x="544529" y="6339158"/>
-            <a:ext cx="6832313" cy="369332"/>
+            <a:off x="251716" y="6341542"/>
+            <a:ext cx="6210728" cy="307777"/>
           </a:xfrm>
           <a:prstGeom prst="rect">
             <a:avLst/>
           </a:prstGeom>
-          <a:noFill/>
-        </p:spPr>
-        <p:txBody>
-          <a:bodyPr wrap="square" rtlCol="0">
+        </p:spPr>
+        <p:txBody>
+          <a:bodyPr wrap="square">
             <a:spAutoFit/>
           </a:bodyPr>
           <a:lstStyle/>
           <a:p>
             <a:r>
-              <a:rPr lang="en-US" baseline="0" dirty="0" smtClean="0">
+              <a:rPr lang="en-US" sz="1400" baseline="0" dirty="0" smtClean="0">
                 <a:solidFill>
                   <a:schemeClr val="tx2">
                     <a:lumMod val="50000"/>
                   </a:schemeClr>
                 </a:solidFill>
-                <a:latin typeface="SimSun" panose="02010600030101010101" pitchFamily="2" charset="-122"/>
-                <a:ea typeface="SimSun" panose="02010600030101010101" pitchFamily="2" charset="-122"/>
+                <a:latin typeface="Tahoma" panose="020B0604030504040204" pitchFamily="34" charset="0"/>
+                <a:ea typeface="Tahoma" panose="020B0604030504040204" pitchFamily="34" charset="0"/>
+                <a:cs typeface="Tahoma" panose="020B0604030504040204" pitchFamily="34" charset="0"/>
               </a:rPr>
               <a:t>- </a:t>
             </a:r>
             <a:fld id="{BEAB3AC6-8DA9-4B31-8D95-166557D2968B}" type="slidenum">
-              <a:rPr lang="en-US" baseline="0" smtClean="0">
+              <a:rPr lang="en-US" sz="1400" baseline="0" smtClean="0">
                 <a:solidFill>
                   <a:schemeClr val="tx2">
                     <a:lumMod val="50000"/>
                   </a:schemeClr>
                 </a:solidFill>
-                <a:latin typeface="SimSun" panose="02010600030101010101" pitchFamily="2" charset="-122"/>
-                <a:ea typeface="SimSun" panose="02010600030101010101" pitchFamily="2" charset="-122"/>
+                <a:latin typeface="Tahoma" panose="020B0604030504040204" pitchFamily="34" charset="0"/>
+                <a:ea typeface="Tahoma" panose="020B0604030504040204" pitchFamily="34" charset="0"/>
+                <a:cs typeface="Tahoma" panose="020B0604030504040204" pitchFamily="34" charset="0"/>
               </a:rPr>
               <a:pPr/>
               <a:t>‹#›</a:t>
             </a:fld>
             <a:r>
-              <a:rPr lang="en-US" baseline="0" dirty="0" smtClean="0">
+              <a:rPr lang="en-US" sz="1400" baseline="0" dirty="0" smtClean="0">
                 <a:solidFill>
                   <a:schemeClr val="tx2">
                     <a:lumMod val="50000"/>
                   </a:schemeClr>
                 </a:solidFill>
-                <a:latin typeface="SimSun" panose="02010600030101010101" pitchFamily="2" charset="-122"/>
-                <a:ea typeface="SimSun" panose="02010600030101010101" pitchFamily="2" charset="-122"/>
+                <a:latin typeface="Tahoma" panose="020B0604030504040204" pitchFamily="34" charset="0"/>
+                <a:ea typeface="Tahoma" panose="020B0604030504040204" pitchFamily="34" charset="0"/>
+                <a:cs typeface="Tahoma" panose="020B0604030504040204" pitchFamily="34" charset="0"/>
               </a:rPr>
               <a:t> -    </a:t>
             </a:r>
             <a:r>
-              <a:rPr lang="en-US" sz="1200" baseline="0" dirty="0" smtClean="0">
-                <a:latin typeface="SimSun" panose="02010600030101010101" pitchFamily="2" charset="-122"/>
-                <a:ea typeface="SimSun" panose="02010600030101010101" pitchFamily="2" charset="-122"/>
+              <a:rPr lang="en-US" sz="1400" baseline="0" dirty="0" smtClean="0">
+                <a:latin typeface="Tahoma" panose="020B0604030504040204" pitchFamily="34" charset="0"/>
+                <a:ea typeface="Tahoma" panose="020B0604030504040204" pitchFamily="34" charset="0"/>
+                <a:cs typeface="Tahoma" panose="020B0604030504040204" pitchFamily="34" charset="0"/>
               </a:rPr>
               <a:t>© by Johannes Sim &amp; Renzo Veldkamp</a:t>
             </a:r>
-            <a:endParaRPr lang="nl-NL" sz="1200" dirty="0">
-              <a:latin typeface="SimSun" panose="02010600030101010101" pitchFamily="2" charset="-122"/>
-              <a:ea typeface="SimSun" panose="02010600030101010101" pitchFamily="2" charset="-122"/>
+            <a:endParaRPr lang="nl-NL" sz="1400" dirty="0">
+              <a:latin typeface="Tahoma" panose="020B0604030504040204" pitchFamily="34" charset="0"/>
+              <a:ea typeface="Tahoma" panose="020B0604030504040204" pitchFamily="34" charset="0"/>
+              <a:cs typeface="Tahoma" panose="020B0604030504040204" pitchFamily="34" charset="0"/>
             </a:endParaRPr>
           </a:p>
         </p:txBody>
@@ -4506,15 +5454,7 @@
             <a:pPr algn="ctr"/>
             <a:r>
               <a:rPr lang="en-US" dirty="0" smtClean="0"/>
-              <a:t>Docker </a:t>
-            </a:r>
-            <a:r>
-              <a:rPr lang="en-US" dirty="0" smtClean="0"/>
-              <a:t>102</a:t>
-            </a:r>
-            <a:r>
-              <a:rPr lang="en-US" dirty="0" smtClean="0"/>
-              <a:t/>
+              <a:t>Docker 102</a:t>
             </a:r>
             <a:br>
               <a:rPr lang="en-US" dirty="0" smtClean="0"/>
@@ -5582,31 +6522,220 @@
         </p:nvSpPr>
         <p:spPr/>
         <p:txBody>
+          <a:bodyPr>
+            <a:normAutofit fontScale="32500" lnSpcReduction="20000"/>
+          </a:bodyPr>
+          <a:lstStyle/>
+          <a:p>
+            <a:r>
+              <a:rPr lang="en-US" sz="5900" dirty="0" smtClean="0"/>
+              <a:t>Why</a:t>
+            </a:r>
+          </a:p>
+          <a:p>
+            <a:pPr lvl="1"/>
+            <a:r>
+              <a:rPr lang="en-US" sz="4200" dirty="0" smtClean="0"/>
+              <a:t>Example from Docker</a:t>
+            </a:r>
+          </a:p>
+          <a:p>
+            <a:pPr lvl="1"/>
+            <a:r>
+              <a:rPr lang="en-US" sz="4200" dirty="0" smtClean="0"/>
+              <a:t>Start with 1 Docker-compose command</a:t>
+            </a:r>
+          </a:p>
+          <a:p>
+            <a:pPr lvl="1"/>
+            <a:r>
+              <a:rPr lang="en-US" sz="4200" dirty="0" smtClean="0"/>
+              <a:t>Also with build command</a:t>
+            </a:r>
+          </a:p>
+          <a:p>
+            <a:pPr lvl="1"/>
+            <a:endParaRPr lang="en-US" sz="4200" dirty="0" smtClean="0"/>
+          </a:p>
+          <a:p>
+            <a:pPr lvl="1"/>
+            <a:endParaRPr lang="en-US" sz="4200" dirty="0"/>
+          </a:p>
+          <a:p>
+            <a:r>
+              <a:rPr lang="en-US" sz="5900" dirty="0" smtClean="0"/>
+              <a:t>What:</a:t>
+            </a:r>
+          </a:p>
+          <a:p>
+            <a:pPr lvl="1"/>
+            <a:r>
+              <a:rPr lang="en-US" sz="5700" dirty="0" smtClean="0"/>
+              <a:t>Voting app</a:t>
+            </a:r>
+          </a:p>
+          <a:p>
+            <a:pPr lvl="1"/>
+            <a:r>
+              <a:rPr lang="en-US" sz="4200" dirty="0" smtClean="0"/>
+              <a:t>5 </a:t>
+            </a:r>
+            <a:r>
+              <a:rPr lang="en-US" sz="4200" dirty="0" err="1" smtClean="0"/>
+              <a:t>Micoservices</a:t>
+            </a:r>
+            <a:endParaRPr lang="en-US" sz="4200" dirty="0" smtClean="0"/>
+          </a:p>
+          <a:p>
+            <a:pPr lvl="2"/>
+            <a:r>
+              <a:rPr lang="en-US" sz="4200" dirty="0" smtClean="0"/>
+              <a:t>Python</a:t>
+            </a:r>
+          </a:p>
+          <a:p>
+            <a:pPr lvl="2"/>
+            <a:r>
+              <a:rPr lang="en-US" sz="4200" dirty="0" err="1" smtClean="0"/>
+              <a:t>NodeJS</a:t>
+            </a:r>
+            <a:endParaRPr lang="en-US" sz="4200" dirty="0" smtClean="0"/>
+          </a:p>
+          <a:p>
+            <a:pPr lvl="2"/>
+            <a:r>
+              <a:rPr lang="en-US" sz="4200" dirty="0" err="1" smtClean="0"/>
+              <a:t>.Net</a:t>
+            </a:r>
+            <a:endParaRPr lang="en-US" sz="4200" dirty="0" smtClean="0"/>
+          </a:p>
+          <a:p>
+            <a:pPr lvl="2"/>
+            <a:r>
+              <a:rPr lang="en-US" sz="4200" dirty="0" err="1" smtClean="0"/>
+              <a:t>Redis</a:t>
+            </a:r>
+            <a:endParaRPr lang="en-US" sz="4200" dirty="0" smtClean="0"/>
+          </a:p>
+          <a:p>
+            <a:pPr lvl="2"/>
+            <a:r>
+              <a:rPr lang="en-US" sz="4200" dirty="0" smtClean="0"/>
+              <a:t>PostgreSQL</a:t>
+            </a:r>
+          </a:p>
+          <a:p>
+            <a:pPr lvl="2"/>
+            <a:endParaRPr lang="en-US" dirty="0"/>
+          </a:p>
+          <a:p>
+            <a:pPr lvl="1"/>
+            <a:endParaRPr lang="en-US" dirty="0" smtClean="0"/>
+          </a:p>
+          <a:p>
+            <a:pPr lvl="1"/>
+            <a:endParaRPr lang="en-US" dirty="0"/>
+          </a:p>
+          <a:p>
+            <a:pPr lvl="1"/>
+            <a:endParaRPr lang="en-US" dirty="0" smtClean="0"/>
+          </a:p>
+          <a:p>
+            <a:pPr lvl="1"/>
+            <a:endParaRPr lang="en-US" dirty="0"/>
+          </a:p>
+          <a:p>
+            <a:pPr lvl="1"/>
+            <a:endParaRPr lang="en-US" dirty="0" smtClean="0"/>
+          </a:p>
+          <a:p>
+            <a:pPr lvl="1"/>
+            <a:endParaRPr lang="en-US" dirty="0"/>
+          </a:p>
+          <a:p>
+            <a:pPr lvl="1"/>
+            <a:endParaRPr lang="en-US" dirty="0" smtClean="0"/>
+          </a:p>
+          <a:p>
+            <a:pPr lvl="1"/>
+            <a:endParaRPr lang="en-US" sz="4500" dirty="0"/>
+          </a:p>
+          <a:p>
+            <a:pPr lvl="1"/>
+            <a:endParaRPr lang="en-US" sz="4500" dirty="0" smtClean="0"/>
+          </a:p>
+          <a:p>
+            <a:r>
+              <a:rPr lang="en-US" sz="4500" dirty="0">
+                <a:hlinkClick r:id="rId2"/>
+              </a:rPr>
+              <a:t>https://</a:t>
+            </a:r>
+            <a:r>
+              <a:rPr lang="en-US" sz="4500" dirty="0" smtClean="0">
+                <a:hlinkClick r:id="rId2"/>
+              </a:rPr>
+              <a:t>github.com/dockersamples/example-voting-app</a:t>
+            </a:r>
+            <a:r>
+              <a:rPr lang="en-US" sz="4500" dirty="0" smtClean="0"/>
+              <a:t> </a:t>
+            </a:r>
+            <a:endParaRPr lang="en-US" sz="4500" dirty="0"/>
+          </a:p>
+          <a:p>
+            <a:pPr lvl="1"/>
+            <a:endParaRPr lang="en-US" dirty="0"/>
+          </a:p>
+          <a:p>
+            <a:pPr lvl="2"/>
+            <a:endParaRPr lang="en-US" dirty="0" smtClean="0"/>
+          </a:p>
+          <a:p>
+            <a:pPr marL="265107" lvl="1" indent="0">
+              <a:buNone/>
+            </a:pPr>
+            <a:endParaRPr lang="en-US" dirty="0" smtClean="0"/>
+          </a:p>
+          <a:p>
+            <a:pPr lvl="1"/>
+            <a:endParaRPr lang="nl-NL" dirty="0"/>
+          </a:p>
+        </p:txBody>
+      </p:sp>
+      <p:sp>
+        <p:nvSpPr>
+          <p:cNvPr id="3" name="Title 2"/>
+          <p:cNvSpPr>
+            <a:spLocks noGrp="1"/>
+          </p:cNvSpPr>
+          <p:nvPr>
+            <p:ph type="title"/>
+          </p:nvPr>
+        </p:nvSpPr>
+        <p:spPr/>
+        <p:txBody>
           <a:bodyPr/>
           <a:lstStyle/>
           <a:p>
-            <a:endParaRPr lang="nl-NL"/>
-          </a:p>
-        </p:txBody>
-      </p:sp>
-      <p:sp>
-        <p:nvSpPr>
-          <p:cNvPr id="3" name="Title 2"/>
-          <p:cNvSpPr>
-            <a:spLocks noGrp="1"/>
-          </p:cNvSpPr>
-          <p:nvPr>
-            <p:ph type="title"/>
-          </p:nvPr>
-        </p:nvSpPr>
-        <p:spPr/>
-        <p:txBody>
-          <a:bodyPr/>
-          <a:lstStyle/>
-          <a:p>
-            <a:r>
-              <a:rPr lang="en-US" dirty="0" smtClean="0"/>
-              <a:t>OSS EXAMPLE</a:t>
+            <a:r>
+              <a:rPr lang="en-US" dirty="0" smtClean="0"/>
+              <a:t>EASE </a:t>
+            </a:r>
+            <a:r>
+              <a:rPr lang="en-US" dirty="0" err="1" smtClean="0"/>
+              <a:t>oF</a:t>
+            </a:r>
+            <a:r>
+              <a:rPr lang="en-US" dirty="0" smtClean="0"/>
+              <a:t> DOCKER</a:t>
+            </a:r>
+            <a:br>
+              <a:rPr lang="en-US" dirty="0" smtClean="0"/>
+            </a:br>
+            <a:r>
+              <a:rPr lang="en-US" dirty="0" smtClean="0"/>
+              <a:t>VOTING Application</a:t>
             </a:r>
             <a:endParaRPr lang="nl-NL" dirty="0"/>
           </a:p>
@@ -5615,20 +6744,13 @@
     </p:spTree>
     <p:extLst>
       <p:ext uri="{BB962C8B-B14F-4D97-AF65-F5344CB8AC3E}">
-        <p14:creationId xmlns:p14="http://schemas.microsoft.com/office/powerpoint/2010/main" val="3021255920"/>
+        <p14:creationId xmlns:p14="http://schemas.microsoft.com/office/powerpoint/2010/main" val="2322438100"/>
       </p:ext>
     </p:extLst>
   </p:cSld>
   <p:clrMapOvr>
     <a:masterClrMapping/>
   </p:clrMapOvr>
-  <p:timing>
-    <p:tnLst>
-      <p:par>
-        <p:cTn id="1" dur="indefinite" restart="never" nodeType="tmRoot"/>
-      </p:par>
-    </p:tnLst>
-  </p:timing>
 </p:sld>
 </file>
 
@@ -5649,43 +6771,60 @@
           <a:chExt cx="0" cy="0"/>
         </a:xfrm>
       </p:grpSpPr>
-      <p:sp>
-        <p:nvSpPr>
-          <p:cNvPr id="2" name="Content Placeholder 1"/>
-          <p:cNvSpPr>
-            <a:spLocks noGrp="1"/>
-          </p:cNvSpPr>
+      <p:pic>
+        <p:nvPicPr>
+          <p:cNvPr id="4" name="Content Placeholder 3"/>
+          <p:cNvPicPr>
+            <a:picLocks noGrp="1" noChangeAspect="1"/>
+          </p:cNvPicPr>
           <p:nvPr>
             <p:ph idx="1"/>
           </p:nvPr>
+        </p:nvPicPr>
+        <p:blipFill>
+          <a:blip r:embed="rId2">
+            <a:extLst>
+              <a:ext uri="{28A0092B-C50C-407E-A947-70E740481C1C}">
+                <a14:useLocalDpi xmlns:a14="http://schemas.microsoft.com/office/drawing/2010/main" val="0"/>
+              </a:ext>
+            </a:extLst>
+          </a:blip>
+          <a:stretch>
+            <a:fillRect/>
+          </a:stretch>
+        </p:blipFill>
+        <p:spPr>
+          <a:xfrm>
+            <a:off x="1009776" y="1409700"/>
+            <a:ext cx="6040966" cy="4530725"/>
+          </a:xfrm>
+        </p:spPr>
+      </p:pic>
+      <p:sp>
+        <p:nvSpPr>
+          <p:cNvPr id="3" name="Title 2"/>
+          <p:cNvSpPr>
+            <a:spLocks noGrp="1"/>
+          </p:cNvSpPr>
+          <p:nvPr>
+            <p:ph type="title"/>
+          </p:nvPr>
         </p:nvSpPr>
         <p:spPr/>
         <p:txBody>
           <a:bodyPr/>
           <a:lstStyle/>
           <a:p>
-            <a:endParaRPr lang="nl-NL"/>
-          </a:p>
-        </p:txBody>
-      </p:sp>
-      <p:sp>
-        <p:nvSpPr>
-          <p:cNvPr id="3" name="Title 2"/>
-          <p:cNvSpPr>
-            <a:spLocks noGrp="1"/>
-          </p:cNvSpPr>
-          <p:nvPr>
-            <p:ph type="title"/>
-          </p:nvPr>
-        </p:nvSpPr>
-        <p:spPr/>
-        <p:txBody>
-          <a:bodyPr/>
-          <a:lstStyle/>
-          <a:p>
-            <a:r>
-              <a:rPr lang="en-US" dirty="0" smtClean="0"/>
-              <a:t>LAB: OSS APP</a:t>
+            <a:r>
+              <a:rPr lang="en-US" dirty="0" smtClean="0"/>
+              <a:t>VOTING Application</a:t>
+            </a:r>
+            <a:br>
+              <a:rPr lang="en-US" dirty="0" smtClean="0"/>
+            </a:br>
+            <a:r>
+              <a:rPr lang="en-US" dirty="0" smtClean="0"/>
+              <a:t>ARCHITECTURE</a:t>
             </a:r>
             <a:endParaRPr lang="nl-NL" dirty="0"/>
           </a:p>
@@ -5694,20 +6833,13 @@
     </p:spTree>
     <p:extLst>
       <p:ext uri="{BB962C8B-B14F-4D97-AF65-F5344CB8AC3E}">
-        <p14:creationId xmlns:p14="http://schemas.microsoft.com/office/powerpoint/2010/main" val="1886449296"/>
+        <p14:creationId xmlns:p14="http://schemas.microsoft.com/office/powerpoint/2010/main" val="199532376"/>
       </p:ext>
     </p:extLst>
   </p:cSld>
   <p:clrMapOvr>
     <a:masterClrMapping/>
   </p:clrMapOvr>
-  <p:timing>
-    <p:tnLst>
-      <p:par>
-        <p:cTn id="1" dur="indefinite" restart="never" nodeType="tmRoot"/>
-      </p:par>
-    </p:tnLst>
-  </p:timing>
 </p:sld>
 </file>
 
@@ -5728,62 +6860,755 @@
           <a:chExt cx="0" cy="0"/>
         </a:xfrm>
       </p:grpSpPr>
-      <p:sp>
-        <p:nvSpPr>
-          <p:cNvPr id="2" name="Content Placeholder 1"/>
-          <p:cNvSpPr>
-            <a:spLocks noGrp="1"/>
-          </p:cNvSpPr>
+      <p:pic>
+        <p:nvPicPr>
+          <p:cNvPr id="4" name="Content Placeholder 3"/>
+          <p:cNvPicPr>
+            <a:picLocks noGrp="1" noChangeAspect="1"/>
+          </p:cNvPicPr>
           <p:nvPr>
             <p:ph idx="1"/>
           </p:nvPr>
+        </p:nvPicPr>
+        <p:blipFill>
+          <a:blip r:embed="rId2">
+            <a:extLst>
+              <a:ext uri="{28A0092B-C50C-407E-A947-70E740481C1C}">
+                <a14:useLocalDpi xmlns:a14="http://schemas.microsoft.com/office/drawing/2010/main" val="0"/>
+              </a:ext>
+            </a:extLst>
+          </a:blip>
+          <a:stretch>
+            <a:fillRect/>
+          </a:stretch>
+        </p:blipFill>
+        <p:spPr>
+          <a:xfrm>
+            <a:off x="1009776" y="1409700"/>
+            <a:ext cx="6040966" cy="4530725"/>
+          </a:xfrm>
+        </p:spPr>
+      </p:pic>
+      <p:sp>
+        <p:nvSpPr>
+          <p:cNvPr id="3" name="Title 2"/>
+          <p:cNvSpPr>
+            <a:spLocks noGrp="1"/>
+          </p:cNvSpPr>
+          <p:nvPr>
+            <p:ph type="title"/>
+          </p:nvPr>
         </p:nvSpPr>
         <p:spPr/>
         <p:txBody>
           <a:bodyPr/>
           <a:lstStyle/>
           <a:p>
-            <a:endParaRPr lang="en-US" dirty="0"/>
-          </a:p>
-          <a:p>
+            <a:r>
+              <a:rPr lang="en-US" dirty="0" smtClean="0"/>
+              <a:t>VOTING Application</a:t>
+            </a:r>
+            <a:br>
+              <a:rPr lang="en-US" dirty="0" smtClean="0"/>
+            </a:br>
+            <a:r>
+              <a:rPr lang="en-US" dirty="0" smtClean="0"/>
+              <a:t>ARCHITECTURE – </a:t>
+            </a:r>
+            <a:r>
+              <a:rPr lang="en-US" dirty="0" err="1" smtClean="0"/>
+              <a:t>InfrastruCTURE</a:t>
+            </a:r>
+            <a:r>
+              <a:rPr lang="en-US" dirty="0" smtClean="0"/>
+              <a:t> </a:t>
+            </a:r>
             <a:endParaRPr lang="nl-NL" dirty="0"/>
           </a:p>
         </p:txBody>
       </p:sp>
       <p:sp>
         <p:nvSpPr>
-          <p:cNvPr id="3" name="Title 2"/>
-          <p:cNvSpPr>
-            <a:spLocks noGrp="1"/>
-          </p:cNvSpPr>
-          <p:nvPr>
-            <p:ph type="title"/>
-          </p:nvPr>
-        </p:nvSpPr>
-        <p:spPr/>
-        <p:txBody>
-          <a:bodyPr/>
-          <a:lstStyle/>
-          <a:p>
-            <a:r>
-              <a:rPr lang="en-US" dirty="0" smtClean="0"/>
-              <a:t>LAB</a:t>
-            </a:r>
-            <a:br>
-              <a:rPr lang="en-US" dirty="0" smtClean="0"/>
-            </a:br>
-            <a:r>
-              <a:rPr lang="en-US" dirty="0" smtClean="0"/>
-              <a:t>DOCKER VOTING APP</a:t>
-            </a:r>
-            <a:endParaRPr lang="nl-NL" dirty="0"/>
+          <p:cNvPr id="2" name="Rectangle 1"/>
+          <p:cNvSpPr/>
+          <p:nvPr/>
+        </p:nvSpPr>
+        <p:spPr>
+          <a:xfrm>
+            <a:off x="2173384" y="2620370"/>
+            <a:ext cx="1607046" cy="313898"/>
+          </a:xfrm>
+          <a:prstGeom prst="rect">
+            <a:avLst/>
+          </a:prstGeom>
+          <a:solidFill>
+            <a:schemeClr val="tx2">
+              <a:lumMod val="60000"/>
+              <a:lumOff val="40000"/>
+            </a:schemeClr>
+          </a:solidFill>
+        </p:spPr>
+        <p:style>
+          <a:lnRef idx="2">
+            <a:schemeClr val="accent1">
+              <a:shade val="50000"/>
+            </a:schemeClr>
+          </a:lnRef>
+          <a:fillRef idx="1">
+            <a:schemeClr val="accent1"/>
+          </a:fillRef>
+          <a:effectRef idx="0">
+            <a:schemeClr val="accent1"/>
+          </a:effectRef>
+          <a:fontRef idx="minor">
+            <a:schemeClr val="lt1"/>
+          </a:fontRef>
+        </p:style>
+        <p:txBody>
+          <a:bodyPr rtlCol="0" anchor="ctr"/>
+          <a:lstStyle/>
+          <a:p>
+            <a:pPr algn="ctr"/>
+            <a:r>
+              <a:rPr lang="en-US" sz="1400" dirty="0" smtClean="0"/>
+              <a:t>Webserver Linux</a:t>
+            </a:r>
+            <a:endParaRPr lang="nl-NL" sz="1400" dirty="0"/>
+          </a:p>
+        </p:txBody>
+      </p:sp>
+      <p:sp>
+        <p:nvSpPr>
+          <p:cNvPr id="5" name="Rectangle 4"/>
+          <p:cNvSpPr/>
+          <p:nvPr/>
+        </p:nvSpPr>
+        <p:spPr>
+          <a:xfrm>
+            <a:off x="4304710" y="2622642"/>
+            <a:ext cx="1607046" cy="313898"/>
+          </a:xfrm>
+          <a:prstGeom prst="rect">
+            <a:avLst/>
+          </a:prstGeom>
+          <a:solidFill>
+            <a:schemeClr val="tx2">
+              <a:lumMod val="60000"/>
+              <a:lumOff val="40000"/>
+            </a:schemeClr>
+          </a:solidFill>
+        </p:spPr>
+        <p:style>
+          <a:lnRef idx="2">
+            <a:schemeClr val="accent1">
+              <a:shade val="50000"/>
+            </a:schemeClr>
+          </a:lnRef>
+          <a:fillRef idx="1">
+            <a:schemeClr val="accent1"/>
+          </a:fillRef>
+          <a:effectRef idx="0">
+            <a:schemeClr val="accent1"/>
+          </a:effectRef>
+          <a:fontRef idx="minor">
+            <a:schemeClr val="lt1"/>
+          </a:fontRef>
+        </p:style>
+        <p:txBody>
+          <a:bodyPr rtlCol="0" anchor="ctr"/>
+          <a:lstStyle/>
+          <a:p>
+            <a:pPr algn="ctr"/>
+            <a:r>
+              <a:rPr lang="en-US" sz="1600" dirty="0" err="1" smtClean="0"/>
+              <a:t>Applicatie</a:t>
+            </a:r>
+            <a:r>
+              <a:rPr lang="en-US" sz="1600" dirty="0" smtClean="0"/>
+              <a:t> server</a:t>
+            </a:r>
+            <a:endParaRPr lang="nl-NL" sz="1600" dirty="0"/>
+          </a:p>
+        </p:txBody>
+      </p:sp>
+      <p:sp>
+        <p:nvSpPr>
+          <p:cNvPr id="6" name="Rectangle 5"/>
+          <p:cNvSpPr/>
+          <p:nvPr/>
+        </p:nvSpPr>
+        <p:spPr>
+          <a:xfrm>
+            <a:off x="1957289" y="4096606"/>
+            <a:ext cx="1607046" cy="313898"/>
+          </a:xfrm>
+          <a:prstGeom prst="rect">
+            <a:avLst/>
+          </a:prstGeom>
+          <a:solidFill>
+            <a:schemeClr val="tx2">
+              <a:lumMod val="60000"/>
+              <a:lumOff val="40000"/>
+            </a:schemeClr>
+          </a:solidFill>
+        </p:spPr>
+        <p:style>
+          <a:lnRef idx="2">
+            <a:schemeClr val="accent1">
+              <a:shade val="50000"/>
+            </a:schemeClr>
+          </a:lnRef>
+          <a:fillRef idx="1">
+            <a:schemeClr val="accent1"/>
+          </a:fillRef>
+          <a:effectRef idx="0">
+            <a:schemeClr val="accent1"/>
+          </a:effectRef>
+          <a:fontRef idx="minor">
+            <a:schemeClr val="lt1"/>
+          </a:fontRef>
+        </p:style>
+        <p:txBody>
+          <a:bodyPr rtlCol="0" anchor="ctr"/>
+          <a:lstStyle/>
+          <a:p>
+            <a:pPr algn="ctr"/>
+            <a:r>
+              <a:rPr lang="en-US" sz="1600" dirty="0" smtClean="0"/>
+              <a:t>Special server</a:t>
+            </a:r>
+            <a:endParaRPr lang="nl-NL" sz="1600" dirty="0"/>
+          </a:p>
+        </p:txBody>
+      </p:sp>
+      <p:sp>
+        <p:nvSpPr>
+          <p:cNvPr id="7" name="Rectangle 6"/>
+          <p:cNvSpPr/>
+          <p:nvPr/>
+        </p:nvSpPr>
+        <p:spPr>
+          <a:xfrm>
+            <a:off x="4495784" y="4096602"/>
+            <a:ext cx="1607046" cy="313898"/>
+          </a:xfrm>
+          <a:prstGeom prst="rect">
+            <a:avLst/>
+          </a:prstGeom>
+          <a:solidFill>
+            <a:schemeClr val="tx2">
+              <a:lumMod val="60000"/>
+              <a:lumOff val="40000"/>
+            </a:schemeClr>
+          </a:solidFill>
+        </p:spPr>
+        <p:style>
+          <a:lnRef idx="2">
+            <a:schemeClr val="accent1">
+              <a:shade val="50000"/>
+            </a:schemeClr>
+          </a:lnRef>
+          <a:fillRef idx="1">
+            <a:schemeClr val="accent1"/>
+          </a:fillRef>
+          <a:effectRef idx="0">
+            <a:schemeClr val="accent1"/>
+          </a:effectRef>
+          <a:fontRef idx="minor">
+            <a:schemeClr val="lt1"/>
+          </a:fontRef>
+        </p:style>
+        <p:txBody>
+          <a:bodyPr rtlCol="0" anchor="ctr"/>
+          <a:lstStyle/>
+          <a:p>
+            <a:pPr algn="ctr"/>
+            <a:r>
+              <a:rPr lang="en-US" sz="1600" dirty="0" smtClean="0"/>
+              <a:t>Database server</a:t>
+            </a:r>
+            <a:endParaRPr lang="nl-NL" sz="1600" dirty="0"/>
+          </a:p>
+        </p:txBody>
+      </p:sp>
+      <p:sp>
+        <p:nvSpPr>
+          <p:cNvPr id="8" name="Rectangle 7"/>
+          <p:cNvSpPr/>
+          <p:nvPr/>
+        </p:nvSpPr>
+        <p:spPr>
+          <a:xfrm>
+            <a:off x="3240188" y="5584214"/>
+            <a:ext cx="1607046" cy="313898"/>
+          </a:xfrm>
+          <a:prstGeom prst="rect">
+            <a:avLst/>
+          </a:prstGeom>
+          <a:solidFill>
+            <a:schemeClr val="tx2">
+              <a:lumMod val="60000"/>
+              <a:lumOff val="40000"/>
+            </a:schemeClr>
+          </a:solidFill>
+        </p:spPr>
+        <p:style>
+          <a:lnRef idx="2">
+            <a:schemeClr val="accent1">
+              <a:shade val="50000"/>
+            </a:schemeClr>
+          </a:lnRef>
+          <a:fillRef idx="1">
+            <a:schemeClr val="accent1"/>
+          </a:fillRef>
+          <a:effectRef idx="0">
+            <a:schemeClr val="accent1"/>
+          </a:effectRef>
+          <a:fontRef idx="minor">
+            <a:schemeClr val="lt1"/>
+          </a:fontRef>
+        </p:style>
+        <p:txBody>
+          <a:bodyPr rtlCol="0" anchor="ctr"/>
+          <a:lstStyle/>
+          <a:p>
+            <a:pPr algn="ctr"/>
+            <a:r>
+              <a:rPr lang="en-US" sz="1400" dirty="0" smtClean="0"/>
+              <a:t>Webserver Wintel</a:t>
+            </a:r>
+            <a:endParaRPr lang="nl-NL" sz="1400" dirty="0"/>
           </a:p>
         </p:txBody>
       </p:sp>
     </p:spTree>
     <p:extLst>
       <p:ext uri="{BB962C8B-B14F-4D97-AF65-F5344CB8AC3E}">
-        <p14:creationId xmlns:p14="http://schemas.microsoft.com/office/powerpoint/2010/main" val="4094036678"/>
+        <p14:creationId xmlns:p14="http://schemas.microsoft.com/office/powerpoint/2010/main" val="500494257"/>
+      </p:ext>
+    </p:extLst>
+  </p:cSld>
+  <p:clrMapOvr>
+    <a:masterClrMapping/>
+  </p:clrMapOvr>
+</p:sld>
+</file>
+
+<file path=ppt/slides/slide16.xml><?xml version="1.0" encoding="utf-8"?>
+<p:sld xmlns:a="http://schemas.openxmlformats.org/drawingml/2006/main" xmlns:r="http://schemas.openxmlformats.org/officeDocument/2006/relationships" xmlns:p="http://schemas.openxmlformats.org/presentationml/2006/main">
+  <p:cSld>
+    <p:spTree>
+      <p:nvGrpSpPr>
+        <p:cNvPr id="1" name=""/>
+        <p:cNvGrpSpPr/>
+        <p:nvPr/>
+      </p:nvGrpSpPr>
+      <p:grpSpPr>
+        <a:xfrm>
+          <a:off x="0" y="0"/>
+          <a:ext cx="0" cy="0"/>
+          <a:chOff x="0" y="0"/>
+          <a:chExt cx="0" cy="0"/>
+        </a:xfrm>
+      </p:grpSpPr>
+      <p:pic>
+        <p:nvPicPr>
+          <p:cNvPr id="4" name="Content Placeholder 3"/>
+          <p:cNvPicPr>
+            <a:picLocks noGrp="1" noChangeAspect="1"/>
+          </p:cNvPicPr>
+          <p:nvPr>
+            <p:ph idx="1"/>
+          </p:nvPr>
+        </p:nvPicPr>
+        <p:blipFill>
+          <a:blip r:embed="rId3">
+            <a:extLst>
+              <a:ext uri="{28A0092B-C50C-407E-A947-70E740481C1C}">
+                <a14:useLocalDpi xmlns:a14="http://schemas.microsoft.com/office/drawing/2010/main" val="0"/>
+              </a:ext>
+            </a:extLst>
+          </a:blip>
+          <a:stretch>
+            <a:fillRect/>
+          </a:stretch>
+        </p:blipFill>
+        <p:spPr>
+          <a:xfrm>
+            <a:off x="1009776" y="1409700"/>
+            <a:ext cx="6040966" cy="4530725"/>
+          </a:xfrm>
+        </p:spPr>
+      </p:pic>
+      <p:sp>
+        <p:nvSpPr>
+          <p:cNvPr id="3" name="Title 2"/>
+          <p:cNvSpPr>
+            <a:spLocks noGrp="1"/>
+          </p:cNvSpPr>
+          <p:nvPr>
+            <p:ph type="title"/>
+          </p:nvPr>
+        </p:nvSpPr>
+        <p:spPr/>
+        <p:txBody>
+          <a:bodyPr/>
+          <a:lstStyle/>
+          <a:p>
+            <a:r>
+              <a:rPr lang="en-US" dirty="0" smtClean="0"/>
+              <a:t>VOTING Application</a:t>
+            </a:r>
+            <a:br>
+              <a:rPr lang="en-US" dirty="0" smtClean="0"/>
+            </a:br>
+            <a:r>
+              <a:rPr lang="en-US" dirty="0" smtClean="0"/>
+              <a:t>ARCHITECTURE – </a:t>
+            </a:r>
+            <a:r>
+              <a:rPr lang="en-US" dirty="0" err="1" smtClean="0"/>
+              <a:t>InfrastruCTURE</a:t>
+            </a:r>
+            <a:r>
+              <a:rPr lang="en-US" dirty="0" smtClean="0"/>
+              <a:t> </a:t>
+            </a:r>
+            <a:endParaRPr lang="nl-NL" dirty="0"/>
+          </a:p>
+        </p:txBody>
+      </p:sp>
+      <p:sp>
+        <p:nvSpPr>
+          <p:cNvPr id="9" name="Rectangle 8"/>
+          <p:cNvSpPr/>
+          <p:nvPr/>
+        </p:nvSpPr>
+        <p:spPr>
+          <a:xfrm>
+            <a:off x="1343346" y="5677469"/>
+            <a:ext cx="5592194" cy="262956"/>
+          </a:xfrm>
+          <a:prstGeom prst="rect">
+            <a:avLst/>
+          </a:prstGeom>
+          <a:solidFill>
+            <a:schemeClr val="tx2">
+              <a:lumMod val="60000"/>
+              <a:lumOff val="40000"/>
+            </a:schemeClr>
+          </a:solidFill>
+        </p:spPr>
+        <p:style>
+          <a:lnRef idx="2">
+            <a:schemeClr val="accent1">
+              <a:shade val="50000"/>
+            </a:schemeClr>
+          </a:lnRef>
+          <a:fillRef idx="1">
+            <a:schemeClr val="accent1"/>
+          </a:fillRef>
+          <a:effectRef idx="0">
+            <a:schemeClr val="accent1"/>
+          </a:effectRef>
+          <a:fontRef idx="minor">
+            <a:schemeClr val="lt1"/>
+          </a:fontRef>
+        </p:style>
+        <p:txBody>
+          <a:bodyPr rtlCol="0" anchor="ctr"/>
+          <a:lstStyle/>
+          <a:p>
+            <a:pPr algn="ctr"/>
+            <a:r>
+              <a:rPr lang="en-US" sz="1400" dirty="0" smtClean="0"/>
+              <a:t>Webserver Linux</a:t>
+            </a:r>
+            <a:endParaRPr lang="nl-NL" sz="1400" dirty="0"/>
+          </a:p>
+        </p:txBody>
+      </p:sp>
+    </p:spTree>
+    <p:extLst>
+      <p:ext uri="{BB962C8B-B14F-4D97-AF65-F5344CB8AC3E}">
+        <p14:creationId xmlns:p14="http://schemas.microsoft.com/office/powerpoint/2010/main" val="3586595352"/>
+      </p:ext>
+    </p:extLst>
+  </p:cSld>
+  <p:clrMapOvr>
+    <a:masterClrMapping/>
+  </p:clrMapOvr>
+</p:sld>
+</file>
+
+<file path=ppt/slides/slide17.xml><?xml version="1.0" encoding="utf-8"?>
+<p:sld xmlns:a="http://schemas.openxmlformats.org/drawingml/2006/main" xmlns:r="http://schemas.openxmlformats.org/officeDocument/2006/relationships" xmlns:p="http://schemas.openxmlformats.org/presentationml/2006/main">
+  <p:cSld>
+    <p:spTree>
+      <p:nvGrpSpPr>
+        <p:cNvPr id="1" name=""/>
+        <p:cNvGrpSpPr/>
+        <p:nvPr/>
+      </p:nvGrpSpPr>
+      <p:grpSpPr>
+        <a:xfrm>
+          <a:off x="0" y="0"/>
+          <a:ext cx="0" cy="0"/>
+          <a:chOff x="0" y="0"/>
+          <a:chExt cx="0" cy="0"/>
+        </a:xfrm>
+      </p:grpSpPr>
+      <p:sp>
+        <p:nvSpPr>
+          <p:cNvPr id="2" name="Content Placeholder 1"/>
+          <p:cNvSpPr>
+            <a:spLocks noGrp="1"/>
+          </p:cNvSpPr>
+          <p:nvPr>
+            <p:ph idx="1"/>
+          </p:nvPr>
+        </p:nvSpPr>
+        <p:spPr>
+          <a:xfrm>
+            <a:off x="617539" y="1295518"/>
+            <a:ext cx="8163164" cy="4530827"/>
+          </a:xfrm>
+        </p:spPr>
+        <p:txBody>
+          <a:bodyPr/>
+          <a:lstStyle/>
+          <a:p>
+            <a:r>
+              <a:rPr lang="en-US" dirty="0" smtClean="0"/>
+              <a:t>Start with 1 command:</a:t>
+            </a:r>
+          </a:p>
+          <a:p>
+            <a:endParaRPr lang="en-US" dirty="0"/>
+          </a:p>
+        </p:txBody>
+      </p:sp>
+      <p:sp>
+        <p:nvSpPr>
+          <p:cNvPr id="3" name="Title 2"/>
+          <p:cNvSpPr>
+            <a:spLocks noGrp="1"/>
+          </p:cNvSpPr>
+          <p:nvPr>
+            <p:ph type="title"/>
+          </p:nvPr>
+        </p:nvSpPr>
+        <p:spPr/>
+        <p:txBody>
+          <a:bodyPr/>
+          <a:lstStyle/>
+          <a:p>
+            <a:r>
+              <a:rPr lang="en-US" dirty="0" smtClean="0"/>
+              <a:t>VOTING APP</a:t>
+            </a:r>
+            <a:endParaRPr lang="nl-NL" dirty="0"/>
+          </a:p>
+        </p:txBody>
+      </p:sp>
+      <p:sp>
+        <p:nvSpPr>
+          <p:cNvPr id="4" name="TextBox 3"/>
+          <p:cNvSpPr txBox="1"/>
+          <p:nvPr/>
+        </p:nvSpPr>
+        <p:spPr>
+          <a:xfrm>
+            <a:off x="1228298" y="2914600"/>
+            <a:ext cx="5459105" cy="646331"/>
+          </a:xfrm>
+          <a:prstGeom prst="rect">
+            <a:avLst/>
+          </a:prstGeom>
+          <a:solidFill>
+            <a:srgbClr val="FFFF00"/>
+          </a:solidFill>
+        </p:spPr>
+        <p:txBody>
+          <a:bodyPr wrap="square" rtlCol="0">
+            <a:spAutoFit/>
+          </a:bodyPr>
+          <a:lstStyle/>
+          <a:p>
+            <a:r>
+              <a:rPr lang="en-US" sz="3600" dirty="0" smtClean="0"/>
+              <a:t>Docker-compose </a:t>
+            </a:r>
+            <a:r>
+              <a:rPr lang="en-US" sz="3600" dirty="0"/>
+              <a:t>up -- </a:t>
+            </a:r>
+            <a:r>
+              <a:rPr lang="en-US" sz="3600" dirty="0" smtClean="0"/>
+              <a:t>build</a:t>
+            </a:r>
+            <a:endParaRPr lang="nl-NL" sz="3600" dirty="0"/>
+          </a:p>
+        </p:txBody>
+      </p:sp>
+    </p:spTree>
+    <p:extLst>
+      <p:ext uri="{BB962C8B-B14F-4D97-AF65-F5344CB8AC3E}">
+        <p14:creationId xmlns:p14="http://schemas.microsoft.com/office/powerpoint/2010/main" val="1846587630"/>
+      </p:ext>
+    </p:extLst>
+  </p:cSld>
+  <p:clrMapOvr>
+    <a:masterClrMapping/>
+  </p:clrMapOvr>
+</p:sld>
+</file>
+
+<file path=ppt/slides/slide18.xml><?xml version="1.0" encoding="utf-8"?>
+<p:sld xmlns:a="http://schemas.openxmlformats.org/drawingml/2006/main" xmlns:r="http://schemas.openxmlformats.org/officeDocument/2006/relationships" xmlns:p="http://schemas.openxmlformats.org/presentationml/2006/main">
+  <p:cSld>
+    <p:spTree>
+      <p:nvGrpSpPr>
+        <p:cNvPr id="1" name=""/>
+        <p:cNvGrpSpPr/>
+        <p:nvPr/>
+      </p:nvGrpSpPr>
+      <p:grpSpPr>
+        <a:xfrm>
+          <a:off x="0" y="0"/>
+          <a:ext cx="0" cy="0"/>
+          <a:chOff x="0" y="0"/>
+          <a:chExt cx="0" cy="0"/>
+        </a:xfrm>
+      </p:grpSpPr>
+      <p:pic>
+        <p:nvPicPr>
+          <p:cNvPr id="4" name="Content Placeholder 3"/>
+          <p:cNvPicPr>
+            <a:picLocks noGrp="1" noChangeAspect="1"/>
+          </p:cNvPicPr>
+          <p:nvPr>
+            <p:ph idx="1"/>
+          </p:nvPr>
+        </p:nvPicPr>
+        <p:blipFill>
+          <a:blip r:embed="rId2"/>
+          <a:stretch>
+            <a:fillRect/>
+          </a:stretch>
+        </p:blipFill>
+        <p:spPr>
+          <a:xfrm>
+            <a:off x="617538" y="1666601"/>
+            <a:ext cx="8162925" cy="4016923"/>
+          </a:xfrm>
+          <a:prstGeom prst="rect">
+            <a:avLst/>
+          </a:prstGeom>
+        </p:spPr>
+      </p:pic>
+      <p:sp>
+        <p:nvSpPr>
+          <p:cNvPr id="3" name="Title 2"/>
+          <p:cNvSpPr>
+            <a:spLocks noGrp="1"/>
+          </p:cNvSpPr>
+          <p:nvPr>
+            <p:ph type="title"/>
+          </p:nvPr>
+        </p:nvSpPr>
+        <p:spPr/>
+        <p:txBody>
+          <a:bodyPr/>
+          <a:lstStyle/>
+          <a:p>
+            <a:r>
+              <a:rPr lang="en-US" dirty="0" smtClean="0"/>
+              <a:t>VOTING app</a:t>
+            </a:r>
+            <a:endParaRPr lang="nl-NL" dirty="0"/>
+          </a:p>
+        </p:txBody>
+      </p:sp>
+    </p:spTree>
+    <p:extLst>
+      <p:ext uri="{BB962C8B-B14F-4D97-AF65-F5344CB8AC3E}">
+        <p14:creationId xmlns:p14="http://schemas.microsoft.com/office/powerpoint/2010/main" val="2240620556"/>
+      </p:ext>
+    </p:extLst>
+  </p:cSld>
+  <p:clrMapOvr>
+    <a:masterClrMapping/>
+  </p:clrMapOvr>
+</p:sld>
+</file>
+
+<file path=ppt/slides/slide19.xml><?xml version="1.0" encoding="utf-8"?>
+<p:sld xmlns:a="http://schemas.openxmlformats.org/drawingml/2006/main" xmlns:r="http://schemas.openxmlformats.org/officeDocument/2006/relationships" xmlns:p="http://schemas.openxmlformats.org/presentationml/2006/main">
+  <p:cSld>
+    <p:spTree>
+      <p:nvGrpSpPr>
+        <p:cNvPr id="1" name=""/>
+        <p:cNvGrpSpPr/>
+        <p:nvPr/>
+      </p:nvGrpSpPr>
+      <p:grpSpPr>
+        <a:xfrm>
+          <a:off x="0" y="0"/>
+          <a:ext cx="0" cy="0"/>
+          <a:chOff x="0" y="0"/>
+          <a:chExt cx="0" cy="0"/>
+        </a:xfrm>
+      </p:grpSpPr>
+      <p:sp>
+        <p:nvSpPr>
+          <p:cNvPr id="2" name="Content Placeholder 1"/>
+          <p:cNvSpPr>
+            <a:spLocks noGrp="1"/>
+          </p:cNvSpPr>
+          <p:nvPr>
+            <p:ph idx="1"/>
+          </p:nvPr>
+        </p:nvSpPr>
+        <p:spPr/>
+        <p:txBody>
+          <a:bodyPr/>
+          <a:lstStyle/>
+          <a:p>
+            <a:pPr marL="0" indent="0">
+              <a:buNone/>
+            </a:pPr>
+            <a:endParaRPr lang="nl-NL" dirty="0"/>
+          </a:p>
+        </p:txBody>
+      </p:sp>
+      <p:sp>
+        <p:nvSpPr>
+          <p:cNvPr id="3" name="Title 2"/>
+          <p:cNvSpPr>
+            <a:spLocks noGrp="1"/>
+          </p:cNvSpPr>
+          <p:nvPr>
+            <p:ph type="title"/>
+          </p:nvPr>
+        </p:nvSpPr>
+        <p:spPr/>
+        <p:txBody>
+          <a:bodyPr/>
+          <a:lstStyle/>
+          <a:p>
+            <a:r>
+              <a:rPr lang="en-US" dirty="0" smtClean="0"/>
+              <a:t>Logging</a:t>
+            </a:r>
+            <a:endParaRPr lang="nl-NL" dirty="0"/>
+          </a:p>
+        </p:txBody>
+      </p:sp>
+    </p:spTree>
+    <p:extLst>
+      <p:ext uri="{BB962C8B-B14F-4D97-AF65-F5344CB8AC3E}">
+        <p14:creationId xmlns:p14="http://schemas.microsoft.com/office/powerpoint/2010/main" val="2405537758"/>
       </p:ext>
     </p:extLst>
   </p:cSld>
@@ -5839,11 +7664,7 @@
           <a:p>
             <a:r>
               <a:rPr lang="en-US" dirty="0" smtClean="0"/>
-              <a:t>Docker </a:t>
-            </a:r>
-            <a:r>
-              <a:rPr lang="en-US" dirty="0" smtClean="0"/>
-              <a:t>102</a:t>
+              <a:t>Docker 102</a:t>
             </a:r>
             <a:endParaRPr lang="nl-NL" dirty="0"/>
           </a:p>
@@ -5875,15 +7696,7 @@
             <a:pPr lvl="1"/>
             <a:r>
               <a:rPr lang="en-US" dirty="0" smtClean="0"/>
-              <a:t>Practical </a:t>
-            </a:r>
-            <a:r>
-              <a:rPr lang="en-US" dirty="0" smtClean="0"/>
-              <a:t>102 </a:t>
-            </a:r>
-            <a:r>
-              <a:rPr lang="en-US" dirty="0" smtClean="0"/>
-              <a:t>Docker</a:t>
+              <a:t>Practical 102 Docker</a:t>
             </a:r>
           </a:p>
           <a:p>
@@ -5953,7 +7766,6 @@
               <a:rPr lang="en-US" dirty="0" smtClean="0"/>
               <a:t> </a:t>
             </a:r>
-            <a:endParaRPr lang="en-US" dirty="0" smtClean="0"/>
           </a:p>
           <a:p>
             <a:pPr marL="265107" lvl="1" indent="0">
@@ -6015,6 +7827,699 @@
     <p:extLst>
       <p:ext uri="{BB962C8B-B14F-4D97-AF65-F5344CB8AC3E}">
         <p14:creationId xmlns:p14="http://schemas.microsoft.com/office/powerpoint/2010/main" val="2233479154"/>
+      </p:ext>
+    </p:extLst>
+  </p:cSld>
+  <p:clrMapOvr>
+    <a:masterClrMapping/>
+  </p:clrMapOvr>
+  <p:timing>
+    <p:tnLst>
+      <p:par>
+        <p:cTn id="1" dur="indefinite" restart="never" nodeType="tmRoot"/>
+      </p:par>
+    </p:tnLst>
+  </p:timing>
+</p:sld>
+</file>
+
+<file path=ppt/slides/slide20.xml><?xml version="1.0" encoding="utf-8"?>
+<p:sld xmlns:a="http://schemas.openxmlformats.org/drawingml/2006/main" xmlns:r="http://schemas.openxmlformats.org/officeDocument/2006/relationships" xmlns:p="http://schemas.openxmlformats.org/presentationml/2006/main">
+  <p:cSld>
+    <p:spTree>
+      <p:nvGrpSpPr>
+        <p:cNvPr id="1" name=""/>
+        <p:cNvGrpSpPr/>
+        <p:nvPr/>
+      </p:nvGrpSpPr>
+      <p:grpSpPr>
+        <a:xfrm>
+          <a:off x="0" y="0"/>
+          <a:ext cx="0" cy="0"/>
+          <a:chOff x="0" y="0"/>
+          <a:chExt cx="0" cy="0"/>
+        </a:xfrm>
+      </p:grpSpPr>
+      <p:pic>
+        <p:nvPicPr>
+          <p:cNvPr id="4" name="Content Placeholder 3"/>
+          <p:cNvPicPr>
+            <a:picLocks noGrp="1" noChangeAspect="1"/>
+          </p:cNvPicPr>
+          <p:nvPr>
+            <p:ph idx="1"/>
+          </p:nvPr>
+        </p:nvPicPr>
+        <p:blipFill>
+          <a:blip r:embed="rId2"/>
+          <a:stretch>
+            <a:fillRect/>
+          </a:stretch>
+        </p:blipFill>
+        <p:spPr>
+          <a:xfrm>
+            <a:off x="617539" y="1647625"/>
+            <a:ext cx="8162925" cy="888594"/>
+          </a:xfrm>
+          <a:prstGeom prst="rect">
+            <a:avLst/>
+          </a:prstGeom>
+        </p:spPr>
+      </p:pic>
+      <p:sp>
+        <p:nvSpPr>
+          <p:cNvPr id="3" name="Title 2"/>
+          <p:cNvSpPr>
+            <a:spLocks noGrp="1"/>
+          </p:cNvSpPr>
+          <p:nvPr>
+            <p:ph type="title"/>
+          </p:nvPr>
+        </p:nvSpPr>
+        <p:spPr/>
+        <p:txBody>
+          <a:bodyPr/>
+          <a:lstStyle/>
+          <a:p>
+            <a:r>
+              <a:rPr lang="en-US" dirty="0" smtClean="0"/>
+              <a:t>VOTING app</a:t>
+            </a:r>
+            <a:br>
+              <a:rPr lang="en-US" dirty="0" smtClean="0"/>
+            </a:br>
+            <a:r>
+              <a:rPr lang="en-US" dirty="0" smtClean="0"/>
+              <a:t>Which container are running</a:t>
+            </a:r>
+            <a:endParaRPr lang="nl-NL" dirty="0"/>
+          </a:p>
+        </p:txBody>
+      </p:sp>
+    </p:spTree>
+    <p:extLst>
+      <p:ext uri="{BB962C8B-B14F-4D97-AF65-F5344CB8AC3E}">
+        <p14:creationId xmlns:p14="http://schemas.microsoft.com/office/powerpoint/2010/main" val="2838169353"/>
+      </p:ext>
+    </p:extLst>
+  </p:cSld>
+  <p:clrMapOvr>
+    <a:masterClrMapping/>
+  </p:clrMapOvr>
+  <p:timing>
+    <p:tnLst>
+      <p:par>
+        <p:cTn id="1" dur="indefinite" restart="never" nodeType="tmRoot"/>
+      </p:par>
+    </p:tnLst>
+  </p:timing>
+</p:sld>
+</file>
+
+<file path=ppt/slides/slide21.xml><?xml version="1.0" encoding="utf-8"?>
+<p:sld xmlns:a="http://schemas.openxmlformats.org/drawingml/2006/main" xmlns:r="http://schemas.openxmlformats.org/officeDocument/2006/relationships" xmlns:p="http://schemas.openxmlformats.org/presentationml/2006/main">
+  <p:cSld>
+    <p:spTree>
+      <p:nvGrpSpPr>
+        <p:cNvPr id="1" name=""/>
+        <p:cNvGrpSpPr/>
+        <p:nvPr/>
+      </p:nvGrpSpPr>
+      <p:grpSpPr>
+        <a:xfrm>
+          <a:off x="0" y="0"/>
+          <a:ext cx="0" cy="0"/>
+          <a:chOff x="0" y="0"/>
+          <a:chExt cx="0" cy="0"/>
+        </a:xfrm>
+      </p:grpSpPr>
+      <p:sp>
+        <p:nvSpPr>
+          <p:cNvPr id="2" name="Content Placeholder 1"/>
+          <p:cNvSpPr>
+            <a:spLocks noGrp="1"/>
+          </p:cNvSpPr>
+          <p:nvPr>
+            <p:ph idx="1"/>
+          </p:nvPr>
+        </p:nvSpPr>
+        <p:spPr/>
+        <p:txBody>
+          <a:bodyPr/>
+          <a:lstStyle/>
+          <a:p>
+            <a:r>
+              <a:rPr lang="en-US" dirty="0" smtClean="0"/>
+              <a:t>DOCKER network ls</a:t>
+            </a:r>
+          </a:p>
+          <a:p>
+            <a:pPr lvl="1"/>
+            <a:r>
+              <a:rPr lang="en-US" dirty="0" smtClean="0"/>
+              <a:t>bridge: default network – 1 host</a:t>
+            </a:r>
+          </a:p>
+          <a:p>
+            <a:pPr lvl="1"/>
+            <a:r>
+              <a:rPr lang="en-US" dirty="0" smtClean="0"/>
+              <a:t>Host, none in use Docker </a:t>
+            </a:r>
+            <a:r>
+              <a:rPr lang="en-US" dirty="0" err="1" smtClean="0"/>
+              <a:t>deamon</a:t>
+            </a:r>
+            <a:endParaRPr lang="en-US" dirty="0" smtClean="0"/>
+          </a:p>
+          <a:p>
+            <a:r>
+              <a:rPr lang="en-US" dirty="0" smtClean="0"/>
+              <a:t>Docker network &lt;name&gt; inspect&gt;</a:t>
+            </a:r>
+          </a:p>
+          <a:p>
+            <a:endParaRPr lang="nl-NL" dirty="0"/>
+          </a:p>
+        </p:txBody>
+      </p:sp>
+      <p:sp>
+        <p:nvSpPr>
+          <p:cNvPr id="3" name="Title 2"/>
+          <p:cNvSpPr>
+            <a:spLocks noGrp="1"/>
+          </p:cNvSpPr>
+          <p:nvPr>
+            <p:ph type="title"/>
+          </p:nvPr>
+        </p:nvSpPr>
+        <p:spPr/>
+        <p:txBody>
+          <a:bodyPr/>
+          <a:lstStyle/>
+          <a:p>
+            <a:r>
+              <a:rPr lang="en-US" dirty="0" smtClean="0"/>
+              <a:t>DOCKER NETWORK</a:t>
+            </a:r>
+            <a:endParaRPr lang="nl-NL" dirty="0"/>
+          </a:p>
+        </p:txBody>
+      </p:sp>
+    </p:spTree>
+    <p:extLst>
+      <p:ext uri="{BB962C8B-B14F-4D97-AF65-F5344CB8AC3E}">
+        <p14:creationId xmlns:p14="http://schemas.microsoft.com/office/powerpoint/2010/main" val="2570838152"/>
+      </p:ext>
+    </p:extLst>
+  </p:cSld>
+  <p:clrMapOvr>
+    <a:masterClrMapping/>
+  </p:clrMapOvr>
+</p:sld>
+</file>
+
+<file path=ppt/slides/slide22.xml><?xml version="1.0" encoding="utf-8"?>
+<p:sld xmlns:a="http://schemas.openxmlformats.org/drawingml/2006/main" xmlns:r="http://schemas.openxmlformats.org/officeDocument/2006/relationships" xmlns:p="http://schemas.openxmlformats.org/presentationml/2006/main">
+  <p:cSld>
+    <p:spTree>
+      <p:nvGrpSpPr>
+        <p:cNvPr id="1" name=""/>
+        <p:cNvGrpSpPr/>
+        <p:nvPr/>
+      </p:nvGrpSpPr>
+      <p:grpSpPr>
+        <a:xfrm>
+          <a:off x="0" y="0"/>
+          <a:ext cx="0" cy="0"/>
+          <a:chOff x="0" y="0"/>
+          <a:chExt cx="0" cy="0"/>
+        </a:xfrm>
+      </p:grpSpPr>
+      <p:sp>
+        <p:nvSpPr>
+          <p:cNvPr id="2" name="Content Placeholder 1"/>
+          <p:cNvSpPr>
+            <a:spLocks noGrp="1"/>
+          </p:cNvSpPr>
+          <p:nvPr>
+            <p:ph idx="1"/>
+          </p:nvPr>
+        </p:nvSpPr>
+        <p:spPr/>
+        <p:txBody>
+          <a:bodyPr/>
+          <a:lstStyle/>
+          <a:p>
+            <a:r>
+              <a:rPr lang="en-US" dirty="0" smtClean="0"/>
+              <a:t>Works only on 1 host</a:t>
+            </a:r>
+          </a:p>
+          <a:p>
+            <a:pPr lvl="1"/>
+            <a:r>
+              <a:rPr lang="en-US" dirty="0" smtClean="0"/>
+              <a:t>DNS name</a:t>
+            </a:r>
+          </a:p>
+          <a:p>
+            <a:pPr lvl="2"/>
+            <a:r>
+              <a:rPr lang="en-US" dirty="0" smtClean="0"/>
+              <a:t>Default bridge has no DNS due backwards compatible</a:t>
+            </a:r>
+          </a:p>
+          <a:p>
+            <a:endParaRPr lang="en-US" dirty="0"/>
+          </a:p>
+          <a:p>
+            <a:r>
+              <a:rPr lang="en-US" dirty="0" smtClean="0"/>
+              <a:t>Docker network create –driver bridge &lt;network-name&gt;</a:t>
+            </a:r>
+            <a:endParaRPr lang="nl-NL" dirty="0" smtClean="0"/>
+          </a:p>
+          <a:p>
+            <a:endParaRPr lang="en-US" dirty="0" smtClean="0"/>
+          </a:p>
+          <a:p>
+            <a:r>
+              <a:rPr lang="en-US" dirty="0" smtClean="0"/>
+              <a:t>Run with: --net &lt;name&gt;</a:t>
+            </a:r>
+          </a:p>
+          <a:p>
+            <a:endParaRPr lang="en-US" dirty="0"/>
+          </a:p>
+          <a:p>
+            <a:r>
+              <a:rPr lang="en-US" dirty="0" smtClean="0"/>
+              <a:t>Check with:</a:t>
+            </a:r>
+          </a:p>
+          <a:p>
+            <a:pPr lvl="1"/>
+            <a:r>
+              <a:rPr lang="en-US" dirty="0" smtClean="0"/>
+              <a:t>Docker network inspect</a:t>
+            </a:r>
+          </a:p>
+          <a:p>
+            <a:pPr lvl="1"/>
+            <a:r>
+              <a:rPr lang="en-US" dirty="0" smtClean="0"/>
+              <a:t>Docker container exec –it &lt;container-name&gt; ping &lt;container-name&gt;</a:t>
+            </a:r>
+          </a:p>
+          <a:p>
+            <a:endParaRPr lang="en-US" dirty="0" smtClean="0"/>
+          </a:p>
+          <a:p>
+            <a:endParaRPr lang="nl-NL" dirty="0"/>
+          </a:p>
+        </p:txBody>
+      </p:sp>
+      <p:sp>
+        <p:nvSpPr>
+          <p:cNvPr id="3" name="Title 2"/>
+          <p:cNvSpPr>
+            <a:spLocks noGrp="1"/>
+          </p:cNvSpPr>
+          <p:nvPr>
+            <p:ph type="title"/>
+          </p:nvPr>
+        </p:nvSpPr>
+        <p:spPr/>
+        <p:txBody>
+          <a:bodyPr/>
+          <a:lstStyle/>
+          <a:p>
+            <a:r>
+              <a:rPr lang="en-US" dirty="0" smtClean="0"/>
+              <a:t>NEW Docker BRIDGE network</a:t>
+            </a:r>
+            <a:endParaRPr lang="nl-NL" dirty="0"/>
+          </a:p>
+        </p:txBody>
+      </p:sp>
+    </p:spTree>
+    <p:extLst>
+      <p:ext uri="{BB962C8B-B14F-4D97-AF65-F5344CB8AC3E}">
+        <p14:creationId xmlns:p14="http://schemas.microsoft.com/office/powerpoint/2010/main" val="1303669840"/>
+      </p:ext>
+    </p:extLst>
+  </p:cSld>
+  <p:clrMapOvr>
+    <a:masterClrMapping/>
+  </p:clrMapOvr>
+</p:sld>
+</file>
+
+<file path=ppt/slides/slide23.xml><?xml version="1.0" encoding="utf-8"?>
+<p:sld xmlns:a="http://schemas.openxmlformats.org/drawingml/2006/main" xmlns:r="http://schemas.openxmlformats.org/officeDocument/2006/relationships" xmlns:p="http://schemas.openxmlformats.org/presentationml/2006/main">
+  <p:cSld>
+    <p:spTree>
+      <p:nvGrpSpPr>
+        <p:cNvPr id="1" name=""/>
+        <p:cNvGrpSpPr/>
+        <p:nvPr/>
+      </p:nvGrpSpPr>
+      <p:grpSpPr>
+        <a:xfrm>
+          <a:off x="0" y="0"/>
+          <a:ext cx="0" cy="0"/>
+          <a:chOff x="0" y="0"/>
+          <a:chExt cx="0" cy="0"/>
+        </a:xfrm>
+      </p:grpSpPr>
+      <p:sp>
+        <p:nvSpPr>
+          <p:cNvPr id="2" name="Content Placeholder 1"/>
+          <p:cNvSpPr>
+            <a:spLocks noGrp="1"/>
+          </p:cNvSpPr>
+          <p:nvPr>
+            <p:ph idx="1"/>
+          </p:nvPr>
+        </p:nvSpPr>
+        <p:spPr/>
+        <p:txBody>
+          <a:bodyPr/>
+          <a:lstStyle/>
+          <a:p>
+            <a:r>
+              <a:rPr lang="en-US" dirty="0" err="1"/>
+              <a:t>d</a:t>
+            </a:r>
+            <a:r>
+              <a:rPr lang="en-US" dirty="0" err="1" smtClean="0"/>
+              <a:t>ocker</a:t>
+            </a:r>
+            <a:r>
+              <a:rPr lang="en-US" dirty="0" smtClean="0"/>
+              <a:t> create volume &lt;name&gt;</a:t>
+            </a:r>
+          </a:p>
+          <a:p>
+            <a:pPr marL="0" indent="0">
+              <a:buNone/>
+            </a:pPr>
+            <a:endParaRPr lang="en-US" dirty="0"/>
+          </a:p>
+          <a:p>
+            <a:r>
+              <a:rPr lang="en-US" dirty="0" err="1"/>
+              <a:t>d</a:t>
+            </a:r>
+            <a:r>
+              <a:rPr lang="en-US" dirty="0" err="1" smtClean="0"/>
+              <a:t>ocker</a:t>
+            </a:r>
+            <a:r>
+              <a:rPr lang="en-US" dirty="0" smtClean="0"/>
+              <a:t> volume inspect</a:t>
+            </a:r>
+          </a:p>
+          <a:p>
+            <a:endParaRPr lang="en-US" dirty="0"/>
+          </a:p>
+          <a:p>
+            <a:r>
+              <a:rPr lang="en-US" dirty="0" smtClean="0"/>
+              <a:t>Use with –v &lt;name&gt;:&lt;directory of data&gt;</a:t>
+            </a:r>
+            <a:endParaRPr lang="nl-NL" dirty="0"/>
+          </a:p>
+        </p:txBody>
+      </p:sp>
+      <p:sp>
+        <p:nvSpPr>
+          <p:cNvPr id="3" name="Title 2"/>
+          <p:cNvSpPr>
+            <a:spLocks noGrp="1"/>
+          </p:cNvSpPr>
+          <p:nvPr>
+            <p:ph type="title"/>
+          </p:nvPr>
+        </p:nvSpPr>
+        <p:spPr/>
+        <p:txBody>
+          <a:bodyPr/>
+          <a:lstStyle/>
+          <a:p>
+            <a:r>
+              <a:rPr lang="en-US" dirty="0" smtClean="0"/>
+              <a:t>DOCKER VOLUME</a:t>
+            </a:r>
+            <a:endParaRPr lang="nl-NL" dirty="0"/>
+          </a:p>
+        </p:txBody>
+      </p:sp>
+    </p:spTree>
+    <p:extLst>
+      <p:ext uri="{BB962C8B-B14F-4D97-AF65-F5344CB8AC3E}">
+        <p14:creationId xmlns:p14="http://schemas.microsoft.com/office/powerpoint/2010/main" val="3781710363"/>
+      </p:ext>
+    </p:extLst>
+  </p:cSld>
+  <p:clrMapOvr>
+    <a:masterClrMapping/>
+  </p:clrMapOvr>
+</p:sld>
+</file>
+
+<file path=ppt/slides/slide24.xml><?xml version="1.0" encoding="utf-8"?>
+<p:sld xmlns:a="http://schemas.openxmlformats.org/drawingml/2006/main" xmlns:r="http://schemas.openxmlformats.org/officeDocument/2006/relationships" xmlns:p="http://schemas.openxmlformats.org/presentationml/2006/main">
+  <p:cSld>
+    <p:spTree>
+      <p:nvGrpSpPr>
+        <p:cNvPr id="1" name=""/>
+        <p:cNvGrpSpPr/>
+        <p:nvPr/>
+      </p:nvGrpSpPr>
+      <p:grpSpPr>
+        <a:xfrm>
+          <a:off x="0" y="0"/>
+          <a:ext cx="0" cy="0"/>
+          <a:chOff x="0" y="0"/>
+          <a:chExt cx="0" cy="0"/>
+        </a:xfrm>
+      </p:grpSpPr>
+      <p:sp>
+        <p:nvSpPr>
+          <p:cNvPr id="2" name="Content Placeholder 1"/>
+          <p:cNvSpPr>
+            <a:spLocks noGrp="1"/>
+          </p:cNvSpPr>
+          <p:nvPr>
+            <p:ph idx="1"/>
+          </p:nvPr>
+        </p:nvSpPr>
+        <p:spPr/>
+        <p:txBody>
+          <a:bodyPr/>
+          <a:lstStyle/>
+          <a:p>
+            <a:endParaRPr lang="nl-NL"/>
+          </a:p>
+        </p:txBody>
+      </p:sp>
+      <p:sp>
+        <p:nvSpPr>
+          <p:cNvPr id="3" name="Title 2"/>
+          <p:cNvSpPr>
+            <a:spLocks noGrp="1"/>
+          </p:cNvSpPr>
+          <p:nvPr>
+            <p:ph type="title"/>
+          </p:nvPr>
+        </p:nvSpPr>
+        <p:spPr/>
+        <p:txBody>
+          <a:bodyPr/>
+          <a:lstStyle/>
+          <a:p>
+            <a:r>
+              <a:rPr lang="en-US" dirty="0" smtClean="0"/>
+              <a:t>OSS EXAMPLE</a:t>
+            </a:r>
+            <a:endParaRPr lang="nl-NL" dirty="0"/>
+          </a:p>
+        </p:txBody>
+      </p:sp>
+    </p:spTree>
+    <p:extLst>
+      <p:ext uri="{BB962C8B-B14F-4D97-AF65-F5344CB8AC3E}">
+        <p14:creationId xmlns:p14="http://schemas.microsoft.com/office/powerpoint/2010/main" val="3021255920"/>
+      </p:ext>
+    </p:extLst>
+  </p:cSld>
+  <p:clrMapOvr>
+    <a:masterClrMapping/>
+  </p:clrMapOvr>
+  <p:timing>
+    <p:tnLst>
+      <p:par>
+        <p:cTn id="1" dur="indefinite" restart="never" nodeType="tmRoot"/>
+      </p:par>
+    </p:tnLst>
+  </p:timing>
+</p:sld>
+</file>
+
+<file path=ppt/slides/slide25.xml><?xml version="1.0" encoding="utf-8"?>
+<p:sld xmlns:a="http://schemas.openxmlformats.org/drawingml/2006/main" xmlns:r="http://schemas.openxmlformats.org/officeDocument/2006/relationships" xmlns:p="http://schemas.openxmlformats.org/presentationml/2006/main">
+  <p:cSld>
+    <p:spTree>
+      <p:nvGrpSpPr>
+        <p:cNvPr id="1" name=""/>
+        <p:cNvGrpSpPr/>
+        <p:nvPr/>
+      </p:nvGrpSpPr>
+      <p:grpSpPr>
+        <a:xfrm>
+          <a:off x="0" y="0"/>
+          <a:ext cx="0" cy="0"/>
+          <a:chOff x="0" y="0"/>
+          <a:chExt cx="0" cy="0"/>
+        </a:xfrm>
+      </p:grpSpPr>
+      <p:sp>
+        <p:nvSpPr>
+          <p:cNvPr id="2" name="Content Placeholder 1"/>
+          <p:cNvSpPr>
+            <a:spLocks noGrp="1"/>
+          </p:cNvSpPr>
+          <p:nvPr>
+            <p:ph idx="1"/>
+          </p:nvPr>
+        </p:nvSpPr>
+        <p:spPr/>
+        <p:txBody>
+          <a:bodyPr/>
+          <a:lstStyle/>
+          <a:p>
+            <a:endParaRPr lang="nl-NL"/>
+          </a:p>
+        </p:txBody>
+      </p:sp>
+      <p:sp>
+        <p:nvSpPr>
+          <p:cNvPr id="3" name="Title 2"/>
+          <p:cNvSpPr>
+            <a:spLocks noGrp="1"/>
+          </p:cNvSpPr>
+          <p:nvPr>
+            <p:ph type="title"/>
+          </p:nvPr>
+        </p:nvSpPr>
+        <p:spPr/>
+        <p:txBody>
+          <a:bodyPr/>
+          <a:lstStyle/>
+          <a:p>
+            <a:r>
+              <a:rPr lang="en-US" dirty="0" smtClean="0"/>
+              <a:t>LAB: OSS APP</a:t>
+            </a:r>
+            <a:endParaRPr lang="nl-NL" dirty="0"/>
+          </a:p>
+        </p:txBody>
+      </p:sp>
+    </p:spTree>
+    <p:extLst>
+      <p:ext uri="{BB962C8B-B14F-4D97-AF65-F5344CB8AC3E}">
+        <p14:creationId xmlns:p14="http://schemas.microsoft.com/office/powerpoint/2010/main" val="1886449296"/>
+      </p:ext>
+    </p:extLst>
+  </p:cSld>
+  <p:clrMapOvr>
+    <a:masterClrMapping/>
+  </p:clrMapOvr>
+  <p:timing>
+    <p:tnLst>
+      <p:par>
+        <p:cTn id="1" dur="indefinite" restart="never" nodeType="tmRoot"/>
+      </p:par>
+    </p:tnLst>
+  </p:timing>
+</p:sld>
+</file>
+
+<file path=ppt/slides/slide26.xml><?xml version="1.0" encoding="utf-8"?>
+<p:sld xmlns:a="http://schemas.openxmlformats.org/drawingml/2006/main" xmlns:r="http://schemas.openxmlformats.org/officeDocument/2006/relationships" xmlns:p="http://schemas.openxmlformats.org/presentationml/2006/main">
+  <p:cSld>
+    <p:spTree>
+      <p:nvGrpSpPr>
+        <p:cNvPr id="1" name=""/>
+        <p:cNvGrpSpPr/>
+        <p:nvPr/>
+      </p:nvGrpSpPr>
+      <p:grpSpPr>
+        <a:xfrm>
+          <a:off x="0" y="0"/>
+          <a:ext cx="0" cy="0"/>
+          <a:chOff x="0" y="0"/>
+          <a:chExt cx="0" cy="0"/>
+        </a:xfrm>
+      </p:grpSpPr>
+      <p:sp>
+        <p:nvSpPr>
+          <p:cNvPr id="2" name="Content Placeholder 1"/>
+          <p:cNvSpPr>
+            <a:spLocks noGrp="1"/>
+          </p:cNvSpPr>
+          <p:nvPr>
+            <p:ph idx="1"/>
+          </p:nvPr>
+        </p:nvSpPr>
+        <p:spPr/>
+        <p:txBody>
+          <a:bodyPr/>
+          <a:lstStyle/>
+          <a:p>
+            <a:endParaRPr lang="en-US" dirty="0"/>
+          </a:p>
+          <a:p>
+            <a:endParaRPr lang="nl-NL" dirty="0"/>
+          </a:p>
+        </p:txBody>
+      </p:sp>
+      <p:sp>
+        <p:nvSpPr>
+          <p:cNvPr id="3" name="Title 2"/>
+          <p:cNvSpPr>
+            <a:spLocks noGrp="1"/>
+          </p:cNvSpPr>
+          <p:nvPr>
+            <p:ph type="title"/>
+          </p:nvPr>
+        </p:nvSpPr>
+        <p:spPr/>
+        <p:txBody>
+          <a:bodyPr/>
+          <a:lstStyle/>
+          <a:p>
+            <a:r>
+              <a:rPr lang="en-US" dirty="0" smtClean="0"/>
+              <a:t>LAB</a:t>
+            </a:r>
+            <a:br>
+              <a:rPr lang="en-US" dirty="0" smtClean="0"/>
+            </a:br>
+            <a:r>
+              <a:rPr lang="en-US" dirty="0" smtClean="0"/>
+              <a:t>DOCKER VOTING APP</a:t>
+            </a:r>
+            <a:endParaRPr lang="nl-NL" dirty="0"/>
+          </a:p>
+        </p:txBody>
+      </p:sp>
+    </p:spTree>
+    <p:extLst>
+      <p:ext uri="{BB962C8B-B14F-4D97-AF65-F5344CB8AC3E}">
+        <p14:creationId xmlns:p14="http://schemas.microsoft.com/office/powerpoint/2010/main" val="4094036678"/>
       </p:ext>
     </p:extLst>
   </p:cSld>
@@ -6195,11 +8700,7 @@
             </a:r>
             <a:r>
               <a:rPr lang="nl-NL" dirty="0" smtClean="0"/>
-              <a:t> </a:t>
-            </a:r>
-            <a:r>
-              <a:rPr lang="nl-NL" dirty="0" smtClean="0"/>
-              <a:t>102</a:t>
+              <a:t> 102</a:t>
             </a:r>
             <a:endParaRPr lang="nl-NL" dirty="0"/>
           </a:p>
@@ -8073,11 +10574,7 @@
             </a:r>
             <a:r>
               <a:rPr lang="en-US" dirty="0" smtClean="0"/>
-              <a:t> </a:t>
-            </a:r>
-            <a:r>
-              <a:rPr lang="en-US" dirty="0" smtClean="0"/>
-              <a:t>LEVEL</a:t>
+              <a:t> LEVEL</a:t>
             </a:r>
             <a:endParaRPr lang="nl-NL" dirty="0"/>
           </a:p>
@@ -8213,11 +10710,7 @@
           <a:p>
             <a:r>
               <a:rPr lang="en-US" dirty="0" smtClean="0"/>
-              <a:t>TOPIC: DOCKER </a:t>
-            </a:r>
-            <a:r>
-              <a:rPr lang="en-US" dirty="0" smtClean="0"/>
-              <a:t>ARCHITECTURE</a:t>
+              <a:t>TOPIC: DOCKER ARCHITECTURE</a:t>
             </a:r>
             <a:br>
               <a:rPr lang="en-US" dirty="0" smtClean="0"/>
@@ -9238,12 +11731,6 @@
 </file>
 
 <file path=customXml/item1.xml><?xml version="1.0" encoding="utf-8"?>
-<p:properties xmlns:p="http://schemas.microsoft.com/office/2006/metadata/properties" xmlns:xsi="http://www.w3.org/2001/XMLSchema-instance" xmlns:pc="http://schemas.microsoft.com/office/infopath/2007/PartnerControls">
-  <documentManagement/>
-</p:properties>
-</file>
-
-<file path=customXml/item2.xml><?xml version="1.0" encoding="utf-8"?>
 <?mso-contentType ?>
 <FormTemplates xmlns="http://schemas.microsoft.com/sharepoint/v3/contenttype/forms">
   <Display>DocumentLibraryForm</Display>
@@ -9252,7 +11739,7 @@
 </FormTemplates>
 </file>
 
-<file path=customXml/item3.xml><?xml version="1.0" encoding="utf-8"?>
+<file path=customXml/item2.xml><?xml version="1.0" encoding="utf-8"?>
 <ct:contentTypeSchema xmlns:ct="http://schemas.microsoft.com/office/2006/metadata/contentType" xmlns:ma="http://schemas.microsoft.com/office/2006/metadata/properties/metaAttributes" ct:_="" ma:_="" ma:contentTypeName="Document" ma:contentTypeID="0x0101009843F10021B1B74BA5DD583B6999787F" ma:contentTypeVersion="1" ma:contentTypeDescription="Een nieuw document maken." ma:contentTypeScope="" ma:versionID="9fe8e6bb692149f7f6309adc5fa49803">
   <xsd:schema xmlns:xsd="http://www.w3.org/2001/XMLSchema" xmlns:xs="http://www.w3.org/2001/XMLSchema" xmlns:p="http://schemas.microsoft.com/office/2006/metadata/properties" targetNamespace="http://schemas.microsoft.com/office/2006/metadata/properties" ma:root="true" ma:fieldsID="eba296b9b19381bc8f01ad6905184223">
     <xsd:element name="properties">
@@ -9366,22 +11853,13 @@
 </ct:contentTypeSchema>
 </file>
 
-<file path=customXml/itemProps1.xml><?xml version="1.0" encoding="utf-8"?>
-<ds:datastoreItem xmlns:ds="http://schemas.openxmlformats.org/officeDocument/2006/customXml" ds:itemID="{DE0A3E1F-B2EC-4B36-9F71-3169FFDE4AE0}">
-  <ds:schemaRefs>
-    <ds:schemaRef ds:uri="http://purl.org/dc/terms/"/>
-    <ds:schemaRef ds:uri="http://schemas.openxmlformats.org/package/2006/metadata/core-properties"/>
-    <ds:schemaRef ds:uri="http://schemas.microsoft.com/office/2006/documentManagement/types"/>
-    <ds:schemaRef ds:uri="http://schemas.microsoft.com/office/infopath/2007/PartnerControls"/>
-    <ds:schemaRef ds:uri="http://purl.org/dc/elements/1.1/"/>
-    <ds:schemaRef ds:uri="http://schemas.microsoft.com/office/2006/metadata/properties"/>
-    <ds:schemaRef ds:uri="http://www.w3.org/XML/1998/namespace"/>
-    <ds:schemaRef ds:uri="http://purl.org/dc/dcmitype/"/>
-  </ds:schemaRefs>
-</ds:datastoreItem>
+<file path=customXml/item3.xml><?xml version="1.0" encoding="utf-8"?>
+<p:properties xmlns:p="http://schemas.microsoft.com/office/2006/metadata/properties" xmlns:xsi="http://www.w3.org/2001/XMLSchema-instance" xmlns:pc="http://schemas.microsoft.com/office/infopath/2007/PartnerControls">
+  <documentManagement/>
+</p:properties>
 </file>
 
-<file path=customXml/itemProps2.xml><?xml version="1.0" encoding="utf-8"?>
+<file path=customXml/itemProps1.xml><?xml version="1.0" encoding="utf-8"?>
 <ds:datastoreItem xmlns:ds="http://schemas.openxmlformats.org/officeDocument/2006/customXml" ds:itemID="{4A752D92-0ACC-48D2-A658-AB744FE70ECE}">
   <ds:schemaRefs>
     <ds:schemaRef ds:uri="http://schemas.microsoft.com/sharepoint/v3/contenttype/forms"/>
@@ -9389,7 +11867,7 @@
 </ds:datastoreItem>
 </file>
 
-<file path=customXml/itemProps3.xml><?xml version="1.0" encoding="utf-8"?>
+<file path=customXml/itemProps2.xml><?xml version="1.0" encoding="utf-8"?>
 <ds:datastoreItem xmlns:ds="http://schemas.openxmlformats.org/officeDocument/2006/customXml" ds:itemID="{F6916CFB-C98C-4D26-B77C-F1E6DDC5B92D}">
   <ds:schemaRefs>
     <ds:schemaRef ds:uri="http://schemas.microsoft.com/office/2006/metadata/contentType"/>
@@ -9403,4 +11881,19 @@
     <ds:schemaRef ds:uri="http://schemas.microsoft.com/office/infopath/2007/PartnerControls"/>
   </ds:schemaRefs>
 </ds:datastoreItem>
+</file>
+
+<file path=customXml/itemProps3.xml><?xml version="1.0" encoding="utf-8"?>
+<ds:datastoreItem xmlns:ds="http://schemas.openxmlformats.org/officeDocument/2006/customXml" ds:itemID="{DE0A3E1F-B2EC-4B36-9F71-3169FFDE4AE0}">
+  <ds:schemaRefs>
+    <ds:schemaRef ds:uri="http://schemas.microsoft.com/office/infopath/2007/PartnerControls"/>
+    <ds:schemaRef ds:uri="http://purl.org/dc/elements/1.1/"/>
+    <ds:schemaRef ds:uri="http://schemas.microsoft.com/office/2006/metadata/properties"/>
+    <ds:schemaRef ds:uri="http://schemas.microsoft.com/office/2006/documentManagement/types"/>
+    <ds:schemaRef ds:uri="http://purl.org/dc/terms/"/>
+    <ds:schemaRef ds:uri="http://schemas.openxmlformats.org/package/2006/metadata/core-properties"/>
+    <ds:schemaRef ds:uri="http://purl.org/dc/dcmitype/"/>
+    <ds:schemaRef ds:uri="http://www.w3.org/XML/1998/namespace"/>
+  </ds:schemaRefs>
+</ds:datastoreItem>
 </file>
--- a/Presentatie/Docker102.pptx
+++ b/Presentatie/Docker102.pptx
@@ -5,10 +5,10 @@
     <p:sldMasterId id="2147483648" r:id="rId4"/>
   </p:sldMasterIdLst>
   <p:notesMasterIdLst>
-    <p:notesMasterId r:id="rId31"/>
+    <p:notesMasterId r:id="rId29"/>
   </p:notesMasterIdLst>
   <p:handoutMasterIdLst>
-    <p:handoutMasterId r:id="rId32"/>
+    <p:handoutMasterId r:id="rId30"/>
   </p:handoutMasterIdLst>
   <p:sldIdLst>
     <p:sldId id="257" r:id="rId5"/>
@@ -21,22 +21,20 @@
     <p:sldId id="434" r:id="rId12"/>
     <p:sldId id="437" r:id="rId13"/>
     <p:sldId id="461" r:id="rId14"/>
-    <p:sldId id="491" r:id="rId15"/>
-    <p:sldId id="492" r:id="rId16"/>
-    <p:sldId id="495" r:id="rId17"/>
-    <p:sldId id="497" r:id="rId18"/>
-    <p:sldId id="498" r:id="rId19"/>
-    <p:sldId id="500" r:id="rId20"/>
-    <p:sldId id="501" r:id="rId21"/>
-    <p:sldId id="502" r:id="rId22"/>
-    <p:sldId id="503" r:id="rId23"/>
-    <p:sldId id="504" r:id="rId24"/>
-    <p:sldId id="505" r:id="rId25"/>
-    <p:sldId id="506" r:id="rId26"/>
-    <p:sldId id="507" r:id="rId27"/>
-    <p:sldId id="493" r:id="rId28"/>
-    <p:sldId id="494" r:id="rId29"/>
-    <p:sldId id="490" r:id="rId30"/>
+    <p:sldId id="503" r:id="rId15"/>
+    <p:sldId id="491" r:id="rId16"/>
+    <p:sldId id="492" r:id="rId17"/>
+    <p:sldId id="508" r:id="rId18"/>
+    <p:sldId id="509" r:id="rId19"/>
+    <p:sldId id="506" r:id="rId20"/>
+    <p:sldId id="505" r:id="rId21"/>
+    <p:sldId id="507" r:id="rId22"/>
+    <p:sldId id="495" r:id="rId23"/>
+    <p:sldId id="498" r:id="rId24"/>
+    <p:sldId id="500" r:id="rId25"/>
+    <p:sldId id="501" r:id="rId26"/>
+    <p:sldId id="502" r:id="rId27"/>
+    <p:sldId id="504" r:id="rId28"/>
   </p:sldIdLst>
   <p:sldSz cx="9144000" cy="6858000" type="screen4x3"/>
   <p:notesSz cx="6858000" cy="9144000"/>
@@ -249,7 +247,7 @@
           <a:p>
             <a:fld id="{4FDA5BBF-9A9E-E34C-87D2-CD6D1CA60245}" type="datetime1">
               <a:rPr lang="en-US" smtClean="0"/>
-              <a:t>9/30/2017</a:t>
+              <a:t>11/8/2017</a:t>
             </a:fld>
             <a:endParaRPr lang="en-US"/>
           </a:p>
@@ -415,7 +413,7 @@
           <a:p>
             <a:fld id="{FE5FB5CF-D153-1544-8329-2FC1F4ABF24D}" type="datetime1">
               <a:rPr lang="en-US" smtClean="0"/>
-              <a:t>9/30/2017</a:t>
+              <a:t>11/8/2017</a:t>
             </a:fld>
             <a:endParaRPr lang="nl-NL"/>
           </a:p>
@@ -844,21 +842,64 @@
           <a:lstStyle/>
           <a:p>
             <a:r>
-              <a:rPr lang="en-US" dirty="0" smtClean="0"/>
-              <a:t>Docker network create</a:t>
-            </a:r>
-            <a:r>
-              <a:rPr lang="en-US" baseline="0" dirty="0" smtClean="0"/>
-              <a:t> –drive bridge </a:t>
-            </a:r>
-            <a:r>
-              <a:rPr lang="en-US" baseline="0" dirty="0" err="1" smtClean="0"/>
-              <a:t>firstnetwork</a:t>
-            </a:r>
-            <a:endParaRPr lang="en-US" baseline="0" dirty="0" smtClean="0"/>
-          </a:p>
-          <a:p>
+              <a:rPr lang="en-US" dirty="0" err="1" smtClean="0"/>
+              <a:t>Voor</a:t>
+            </a:r>
+            <a:r>
+              <a:rPr lang="en-US" dirty="0" smtClean="0"/>
+              <a:t> </a:t>
+            </a:r>
+            <a:r>
+              <a:rPr lang="en-US" dirty="0" err="1" smtClean="0"/>
+              <a:t>redis</a:t>
+            </a:r>
             <a:endParaRPr lang="en-US" dirty="0" smtClean="0"/>
+          </a:p>
+          <a:p>
+            <a:endParaRPr lang="en-US" dirty="0" smtClean="0"/>
+          </a:p>
+          <a:p>
+            <a:r>
+              <a:rPr lang="en-US" dirty="0" smtClean="0"/>
+              <a:t>Docker volume create </a:t>
+            </a:r>
+            <a:r>
+              <a:rPr lang="en-US" dirty="0" err="1" smtClean="0"/>
+              <a:t>redisstore</a:t>
+            </a:r>
+            <a:endParaRPr lang="en-US" dirty="0" smtClean="0"/>
+          </a:p>
+          <a:p>
+            <a:r>
+              <a:rPr lang="en-US" dirty="0" smtClean="0"/>
+              <a:t>Docker volume inspect</a:t>
+            </a:r>
+          </a:p>
+          <a:p>
+            <a:endParaRPr lang="en-US" dirty="0" smtClean="0"/>
+          </a:p>
+          <a:p>
+            <a:r>
+              <a:rPr lang="en-US" dirty="0" smtClean="0"/>
+              <a:t>--v </a:t>
+            </a:r>
+            <a:r>
+              <a:rPr lang="en-US" dirty="0" err="1" smtClean="0"/>
+              <a:t>redisstore</a:t>
+            </a:r>
+            <a:r>
+              <a:rPr lang="en-US" dirty="0" smtClean="0"/>
+              <a:t>:/data</a:t>
+            </a:r>
+          </a:p>
+          <a:p>
+            <a:endParaRPr lang="en-US" dirty="0" smtClean="0"/>
+          </a:p>
+          <a:p>
+            <a:r>
+              <a:rPr lang="en-US" dirty="0" smtClean="0"/>
+              <a:t>VB:</a:t>
+            </a:r>
           </a:p>
           <a:p>
             <a:r>
@@ -887,11 +928,11 @@
             </a:r>
             <a:r>
               <a:rPr lang="nl-NL" dirty="0" smtClean="0"/>
-              <a:t> -p 5000:5000 -e FLASK_APP=app.py -e FLASK_DEBUG=1 --name web2 -v ${PWD}:/</a:t>
+              <a:t> -p 6379:6379 --name </a:t>
             </a:r>
             <a:r>
               <a:rPr lang="nl-NL" dirty="0" err="1" smtClean="0"/>
-              <a:t>app</a:t>
+              <a:t>redis</a:t>
             </a:r>
             <a:r>
               <a:rPr lang="nl-NL" dirty="0" smtClean="0"/>
@@ -903,53 +944,15 @@
             </a:r>
             <a:r>
               <a:rPr lang="nl-NL" dirty="0" smtClean="0"/>
-              <a:t> web2</a:t>
-            </a:r>
-          </a:p>
-          <a:p>
+              <a:t> -v </a:t>
+            </a:r>
             <a:r>
               <a:rPr lang="nl-NL" dirty="0" err="1" smtClean="0"/>
-              <a:t>docker</a:t>
+              <a:t>redisstore</a:t>
             </a:r>
             <a:r>
               <a:rPr lang="nl-NL" dirty="0" smtClean="0"/>
-              <a:t> container run –</a:t>
-            </a:r>
-            <a:r>
-              <a:rPr lang="nl-NL" dirty="0" err="1" smtClean="0"/>
-              <a:t>rm</a:t>
-            </a:r>
-            <a:r>
-              <a:rPr lang="nl-NL" baseline="0" dirty="0" smtClean="0"/>
-              <a:t> </a:t>
-            </a:r>
-            <a:r>
-              <a:rPr lang="nl-NL" dirty="0" smtClean="0"/>
-              <a:t>-</a:t>
-            </a:r>
-            <a:r>
-              <a:rPr lang="nl-NL" dirty="0" err="1" smtClean="0"/>
-              <a:t>itd</a:t>
-            </a:r>
-            <a:r>
-              <a:rPr lang="nl-NL" dirty="0" smtClean="0"/>
-              <a:t> -p 6379:6379 --name </a:t>
-            </a:r>
-            <a:r>
-              <a:rPr lang="nl-NL" dirty="0" err="1" smtClean="0"/>
-              <a:t>redis</a:t>
-            </a:r>
-            <a:r>
-              <a:rPr lang="nl-NL" dirty="0" smtClean="0"/>
-              <a:t> --net </a:t>
-            </a:r>
-            <a:r>
-              <a:rPr lang="nl-NL" dirty="0" err="1" smtClean="0"/>
-              <a:t>firstnetwork</a:t>
-            </a:r>
-            <a:r>
-              <a:rPr lang="nl-NL" dirty="0" smtClean="0"/>
-              <a:t> redis:3.2-alpine</a:t>
+              <a:t>:/data redis:3.2-alpine</a:t>
             </a:r>
           </a:p>
           <a:p>
@@ -957,118 +960,21 @@
           </a:p>
           <a:p>
             <a:r>
-              <a:rPr lang="en-US" dirty="0" err="1" smtClean="0"/>
-              <a:t>docker</a:t>
-            </a:r>
-            <a:r>
-              <a:rPr lang="en-US" dirty="0" smtClean="0"/>
-              <a:t> network inspect </a:t>
-            </a:r>
-            <a:r>
-              <a:rPr lang="en-US" dirty="0" err="1" smtClean="0"/>
-              <a:t>firstnetwork</a:t>
-            </a:r>
-            <a:endParaRPr lang="en-US" dirty="0" smtClean="0"/>
-          </a:p>
-          <a:p>
-            <a:r>
-              <a:rPr lang="en-US" dirty="0" err="1" smtClean="0"/>
-              <a:t>docker</a:t>
-            </a:r>
-            <a:r>
-              <a:rPr lang="en-US" dirty="0" smtClean="0"/>
-              <a:t> container exec web2</a:t>
+              <a:rPr lang="en-US" dirty="0" smtClean="0"/>
+              <a:t>Stop</a:t>
             </a:r>
             <a:r>
               <a:rPr lang="en-US" baseline="0" dirty="0" smtClean="0"/>
               <a:t> </a:t>
             </a:r>
             <a:r>
-              <a:rPr lang="en-US" dirty="0" smtClean="0"/>
-              <a:t>ping </a:t>
-            </a:r>
-            <a:r>
-              <a:rPr lang="en-US" dirty="0" err="1" smtClean="0"/>
-              <a:t>redis</a:t>
-            </a:r>
-            <a:endParaRPr lang="en-US" dirty="0" smtClean="0"/>
-          </a:p>
-          <a:p>
-            <a:endParaRPr lang="nl-NL" dirty="0" smtClean="0"/>
-          </a:p>
-          <a:p>
-            <a:r>
-              <a:rPr lang="en-US" dirty="0" err="1" smtClean="0"/>
-              <a:t>docker</a:t>
-            </a:r>
-            <a:r>
-              <a:rPr lang="en-US" dirty="0" smtClean="0"/>
-              <a:t> container exec –it</a:t>
-            </a:r>
-            <a:r>
-              <a:rPr lang="en-US" baseline="0" dirty="0" smtClean="0"/>
-              <a:t> </a:t>
-            </a:r>
-            <a:r>
-              <a:rPr lang="en-US" dirty="0" err="1" smtClean="0"/>
-              <a:t>redis</a:t>
-            </a:r>
-            <a:r>
-              <a:rPr lang="en-US" dirty="0" smtClean="0"/>
-              <a:t> </a:t>
-            </a:r>
-            <a:r>
-              <a:rPr lang="en-US" dirty="0" err="1" smtClean="0"/>
-              <a:t>redis</a:t>
-            </a:r>
-            <a:r>
-              <a:rPr lang="en-US" dirty="0" smtClean="0"/>
-              <a:t>-cli</a:t>
-            </a:r>
-          </a:p>
-          <a:p>
-            <a:endParaRPr lang="en-US" dirty="0" smtClean="0"/>
-          </a:p>
-          <a:p>
-            <a:r>
-              <a:rPr lang="en-US" dirty="0" smtClean="0"/>
-              <a:t>127.0.0.1:6379&gt; KEYS *</a:t>
-            </a:r>
-          </a:p>
-          <a:p>
-            <a:r>
-              <a:rPr lang="en-US" dirty="0" smtClean="0"/>
-              <a:t>1) "web2_counter"</a:t>
-            </a:r>
-          </a:p>
-          <a:p>
-            <a:r>
-              <a:rPr lang="en-US" dirty="0" smtClean="0"/>
-              <a:t>127.0.0.1:6379&gt; INCRBY web2_counter 100000</a:t>
-            </a:r>
-          </a:p>
-          <a:p>
-            <a:r>
-              <a:rPr lang="en-US" dirty="0" smtClean="0"/>
-              <a:t>(integer) 100022</a:t>
-            </a:r>
-          </a:p>
-          <a:p>
-            <a:r>
-              <a:rPr lang="en-US" dirty="0" smtClean="0"/>
-              <a:t>127.0.0.1:6379&gt;</a:t>
-            </a:r>
-          </a:p>
-          <a:p>
-            <a:endParaRPr lang="en-US" dirty="0" smtClean="0"/>
-          </a:p>
-          <a:p>
-            <a:endParaRPr lang="en-US" dirty="0" smtClean="0"/>
-          </a:p>
-          <a:p>
-            <a:endParaRPr lang="en-US" dirty="0" smtClean="0"/>
-          </a:p>
-          <a:p>
+              <a:rPr lang="en-US" baseline="0" dirty="0" err="1" smtClean="0"/>
+              <a:t>en</a:t>
+            </a:r>
+            <a:r>
+              <a:rPr lang="en-US" baseline="0" smtClean="0"/>
+              <a:t> restart</a:t>
+            </a:r>
             <a:endParaRPr lang="nl-NL" dirty="0"/>
           </a:p>
         </p:txBody>
@@ -1090,7 +996,7 @@
           <a:p>
             <a:fld id="{2DB1139D-5AC7-4B0B-A715-E40E0591EF82}" type="slidenum">
               <a:rPr lang="nl-NL" smtClean="0"/>
-              <a:t>22</a:t>
+              <a:t>18</a:t>
             </a:fld>
             <a:endParaRPr lang="nl-NL"/>
           </a:p>
@@ -1099,7 +1005,7 @@
     </p:spTree>
     <p:extLst>
       <p:ext uri="{BB962C8B-B14F-4D97-AF65-F5344CB8AC3E}">
-        <p14:creationId xmlns:p14="http://schemas.microsoft.com/office/powerpoint/2010/main" val="2217171176"/>
+        <p14:creationId xmlns:p14="http://schemas.microsoft.com/office/powerpoint/2010/main" val="2353268940"/>
       </p:ext>
     </p:extLst>
   </p:cSld>
@@ -1153,140 +1059,6 @@
           <a:bodyPr/>
           <a:lstStyle/>
           <a:p>
-            <a:r>
-              <a:rPr lang="en-US" dirty="0" err="1" smtClean="0"/>
-              <a:t>Voor</a:t>
-            </a:r>
-            <a:r>
-              <a:rPr lang="en-US" dirty="0" smtClean="0"/>
-              <a:t> </a:t>
-            </a:r>
-            <a:r>
-              <a:rPr lang="en-US" dirty="0" err="1" smtClean="0"/>
-              <a:t>redis</a:t>
-            </a:r>
-            <a:endParaRPr lang="en-US" dirty="0" smtClean="0"/>
-          </a:p>
-          <a:p>
-            <a:endParaRPr lang="en-US" dirty="0" smtClean="0"/>
-          </a:p>
-          <a:p>
-            <a:r>
-              <a:rPr lang="en-US" dirty="0" smtClean="0"/>
-              <a:t>Docker volume create </a:t>
-            </a:r>
-            <a:r>
-              <a:rPr lang="en-US" dirty="0" err="1" smtClean="0"/>
-              <a:t>redisstore</a:t>
-            </a:r>
-            <a:endParaRPr lang="en-US" dirty="0" smtClean="0"/>
-          </a:p>
-          <a:p>
-            <a:r>
-              <a:rPr lang="en-US" dirty="0" smtClean="0"/>
-              <a:t>Docker volume inspect</a:t>
-            </a:r>
-          </a:p>
-          <a:p>
-            <a:endParaRPr lang="en-US" dirty="0" smtClean="0"/>
-          </a:p>
-          <a:p>
-            <a:r>
-              <a:rPr lang="en-US" dirty="0" smtClean="0"/>
-              <a:t>--v </a:t>
-            </a:r>
-            <a:r>
-              <a:rPr lang="en-US" dirty="0" err="1" smtClean="0"/>
-              <a:t>redisstore</a:t>
-            </a:r>
-            <a:r>
-              <a:rPr lang="en-US" dirty="0" smtClean="0"/>
-              <a:t>:/data</a:t>
-            </a:r>
-          </a:p>
-          <a:p>
-            <a:endParaRPr lang="en-US" dirty="0" smtClean="0"/>
-          </a:p>
-          <a:p>
-            <a:r>
-              <a:rPr lang="en-US" dirty="0" smtClean="0"/>
-              <a:t>VB:</a:t>
-            </a:r>
-          </a:p>
-          <a:p>
-            <a:r>
-              <a:rPr lang="nl-NL" dirty="0" err="1" smtClean="0"/>
-              <a:t>docker</a:t>
-            </a:r>
-            <a:r>
-              <a:rPr lang="nl-NL" dirty="0" smtClean="0"/>
-              <a:t> container run –</a:t>
-            </a:r>
-            <a:r>
-              <a:rPr lang="nl-NL" dirty="0" err="1" smtClean="0"/>
-              <a:t>rm</a:t>
-            </a:r>
-            <a:r>
-              <a:rPr lang="nl-NL" baseline="0" dirty="0" smtClean="0"/>
-              <a:t> </a:t>
-            </a:r>
-            <a:r>
-              <a:rPr lang="nl-NL" dirty="0" smtClean="0"/>
-              <a:t>-</a:t>
-            </a:r>
-            <a:r>
-              <a:rPr lang="nl-NL" dirty="0" err="1" smtClean="0"/>
-              <a:t>itd</a:t>
-            </a:r>
-            <a:r>
-              <a:rPr lang="nl-NL" dirty="0" smtClean="0"/>
-              <a:t> -p 6379:6379 --name </a:t>
-            </a:r>
-            <a:r>
-              <a:rPr lang="nl-NL" dirty="0" err="1" smtClean="0"/>
-              <a:t>redis</a:t>
-            </a:r>
-            <a:r>
-              <a:rPr lang="nl-NL" dirty="0" smtClean="0"/>
-              <a:t> --net </a:t>
-            </a:r>
-            <a:r>
-              <a:rPr lang="nl-NL" dirty="0" err="1" smtClean="0"/>
-              <a:t>firstnetwork</a:t>
-            </a:r>
-            <a:r>
-              <a:rPr lang="nl-NL" dirty="0" smtClean="0"/>
-              <a:t> -v </a:t>
-            </a:r>
-            <a:r>
-              <a:rPr lang="nl-NL" dirty="0" err="1" smtClean="0"/>
-              <a:t>redisstore</a:t>
-            </a:r>
-            <a:r>
-              <a:rPr lang="nl-NL" dirty="0" smtClean="0"/>
-              <a:t>:/data redis:3.2-alpine</a:t>
-            </a:r>
-          </a:p>
-          <a:p>
-            <a:endParaRPr lang="en-US" dirty="0" smtClean="0"/>
-          </a:p>
-          <a:p>
-            <a:r>
-              <a:rPr lang="en-US" dirty="0" smtClean="0"/>
-              <a:t>Stop</a:t>
-            </a:r>
-            <a:r>
-              <a:rPr lang="en-US" baseline="0" dirty="0" smtClean="0"/>
-              <a:t> </a:t>
-            </a:r>
-            <a:r>
-              <a:rPr lang="en-US" baseline="0" dirty="0" err="1" smtClean="0"/>
-              <a:t>en</a:t>
-            </a:r>
-            <a:r>
-              <a:rPr lang="en-US" baseline="0" smtClean="0"/>
-              <a:t> restart</a:t>
-            </a:r>
             <a:endParaRPr lang="nl-NL" dirty="0"/>
           </a:p>
         </p:txBody>
@@ -1308,7 +1080,7 @@
           <a:p>
             <a:fld id="{2DB1139D-5AC7-4B0B-A715-E40E0591EF82}" type="slidenum">
               <a:rPr lang="nl-NL" smtClean="0"/>
-              <a:t>23</a:t>
+              <a:t>21</a:t>
             </a:fld>
             <a:endParaRPr lang="nl-NL"/>
           </a:p>
@@ -1317,7 +1089,7 @@
     </p:spTree>
     <p:extLst>
       <p:ext uri="{BB962C8B-B14F-4D97-AF65-F5344CB8AC3E}">
-        <p14:creationId xmlns:p14="http://schemas.microsoft.com/office/powerpoint/2010/main" val="2353268940"/>
+        <p14:creationId xmlns:p14="http://schemas.microsoft.com/office/powerpoint/2010/main" val="1176128002"/>
       </p:ext>
     </p:extLst>
   </p:cSld>
@@ -2155,6 +1927,232 @@
           <a:bodyPr/>
           <a:lstStyle/>
           <a:p>
+            <a:r>
+              <a:rPr lang="en-US" dirty="0" smtClean="0"/>
+              <a:t>Docker network create</a:t>
+            </a:r>
+            <a:r>
+              <a:rPr lang="en-US" baseline="0" dirty="0" smtClean="0"/>
+              <a:t> –drive bridge </a:t>
+            </a:r>
+            <a:r>
+              <a:rPr lang="en-US" baseline="0" dirty="0" err="1" smtClean="0"/>
+              <a:t>firstnetwork</a:t>
+            </a:r>
+            <a:endParaRPr lang="en-US" baseline="0" dirty="0" smtClean="0"/>
+          </a:p>
+          <a:p>
+            <a:endParaRPr lang="en-US" dirty="0" smtClean="0"/>
+          </a:p>
+          <a:p>
+            <a:r>
+              <a:rPr lang="nl-NL" dirty="0" err="1" smtClean="0"/>
+              <a:t>docker</a:t>
+            </a:r>
+            <a:r>
+              <a:rPr lang="nl-NL" dirty="0" smtClean="0"/>
+              <a:t> container run –</a:t>
+            </a:r>
+            <a:r>
+              <a:rPr lang="nl-NL" dirty="0" err="1" smtClean="0"/>
+              <a:t>rm</a:t>
+            </a:r>
+            <a:r>
+              <a:rPr lang="nl-NL" baseline="0" dirty="0" smtClean="0"/>
+              <a:t> </a:t>
+            </a:r>
+            <a:r>
+              <a:rPr lang="nl-NL" dirty="0" smtClean="0"/>
+              <a:t>-</a:t>
+            </a:r>
+            <a:r>
+              <a:rPr lang="nl-NL" dirty="0" err="1" smtClean="0"/>
+              <a:t>itd</a:t>
+            </a:r>
+            <a:r>
+              <a:rPr lang="nl-NL" dirty="0" smtClean="0"/>
+              <a:t> -p 5000:5000 -e FLASK_APP=app.py -e FLASK_DEBUG=1 --name web2 -v ${PWD}:/</a:t>
+            </a:r>
+            <a:r>
+              <a:rPr lang="nl-NL" dirty="0" err="1" smtClean="0"/>
+              <a:t>app</a:t>
+            </a:r>
+            <a:r>
+              <a:rPr lang="nl-NL" dirty="0" smtClean="0"/>
+              <a:t> --net </a:t>
+            </a:r>
+            <a:r>
+              <a:rPr lang="nl-NL" dirty="0" err="1" smtClean="0"/>
+              <a:t>firstnetwork</a:t>
+            </a:r>
+            <a:r>
+              <a:rPr lang="nl-NL" dirty="0" smtClean="0"/>
+              <a:t> web2</a:t>
+            </a:r>
+          </a:p>
+          <a:p>
+            <a:r>
+              <a:rPr lang="nl-NL" dirty="0" err="1" smtClean="0"/>
+              <a:t>docker</a:t>
+            </a:r>
+            <a:r>
+              <a:rPr lang="nl-NL" dirty="0" smtClean="0"/>
+              <a:t> container run –</a:t>
+            </a:r>
+            <a:r>
+              <a:rPr lang="nl-NL" dirty="0" err="1" smtClean="0"/>
+              <a:t>rm</a:t>
+            </a:r>
+            <a:r>
+              <a:rPr lang="nl-NL" baseline="0" dirty="0" smtClean="0"/>
+              <a:t> </a:t>
+            </a:r>
+            <a:r>
+              <a:rPr lang="nl-NL" dirty="0" smtClean="0"/>
+              <a:t>-</a:t>
+            </a:r>
+            <a:r>
+              <a:rPr lang="nl-NL" dirty="0" err="1" smtClean="0"/>
+              <a:t>itd</a:t>
+            </a:r>
+            <a:r>
+              <a:rPr lang="nl-NL" dirty="0" smtClean="0"/>
+              <a:t> -p 6379:6379 --name </a:t>
+            </a:r>
+            <a:r>
+              <a:rPr lang="nl-NL" dirty="0" err="1" smtClean="0"/>
+              <a:t>redis</a:t>
+            </a:r>
+            <a:r>
+              <a:rPr lang="nl-NL" dirty="0" smtClean="0"/>
+              <a:t> --net </a:t>
+            </a:r>
+            <a:r>
+              <a:rPr lang="nl-NL" dirty="0" err="1" smtClean="0"/>
+              <a:t>firstnetwork</a:t>
+            </a:r>
+            <a:r>
+              <a:rPr lang="nl-NL" dirty="0" smtClean="0"/>
+              <a:t> redis:3.2-alpine</a:t>
+            </a:r>
+          </a:p>
+          <a:p>
+            <a:endParaRPr lang="en-US" dirty="0" smtClean="0"/>
+          </a:p>
+          <a:p>
+            <a:r>
+              <a:rPr lang="en-US" dirty="0" err="1" smtClean="0"/>
+              <a:t>docker</a:t>
+            </a:r>
+            <a:r>
+              <a:rPr lang="en-US" dirty="0" smtClean="0"/>
+              <a:t> network inspect </a:t>
+            </a:r>
+            <a:r>
+              <a:rPr lang="en-US" dirty="0" err="1" smtClean="0"/>
+              <a:t>firstnetwork</a:t>
+            </a:r>
+            <a:endParaRPr lang="en-US" dirty="0" smtClean="0"/>
+          </a:p>
+          <a:p>
+            <a:r>
+              <a:rPr lang="en-US" dirty="0" err="1" smtClean="0"/>
+              <a:t>docker</a:t>
+            </a:r>
+            <a:r>
+              <a:rPr lang="en-US" dirty="0" smtClean="0"/>
+              <a:t> container exec web2</a:t>
+            </a:r>
+            <a:r>
+              <a:rPr lang="en-US" baseline="0" dirty="0" smtClean="0"/>
+              <a:t> </a:t>
+            </a:r>
+            <a:r>
+              <a:rPr lang="en-US" dirty="0" smtClean="0"/>
+              <a:t>ping </a:t>
+            </a:r>
+            <a:r>
+              <a:rPr lang="en-US" dirty="0" err="1" smtClean="0"/>
+              <a:t>redis</a:t>
+            </a:r>
+            <a:endParaRPr lang="en-US" dirty="0" smtClean="0"/>
+          </a:p>
+          <a:p>
+            <a:endParaRPr lang="nl-NL" dirty="0" smtClean="0"/>
+          </a:p>
+          <a:p>
+            <a:r>
+              <a:rPr lang="en-US" dirty="0" err="1" smtClean="0"/>
+              <a:t>docker</a:t>
+            </a:r>
+            <a:r>
+              <a:rPr lang="en-US" dirty="0" smtClean="0"/>
+              <a:t> container exec –it</a:t>
+            </a:r>
+            <a:r>
+              <a:rPr lang="en-US" baseline="0" dirty="0" smtClean="0"/>
+              <a:t> </a:t>
+            </a:r>
+            <a:r>
+              <a:rPr lang="en-US" dirty="0" err="1" smtClean="0"/>
+              <a:t>redis</a:t>
+            </a:r>
+            <a:r>
+              <a:rPr lang="en-US" dirty="0" smtClean="0"/>
+              <a:t> </a:t>
+            </a:r>
+            <a:r>
+              <a:rPr lang="en-US" dirty="0" err="1" smtClean="0"/>
+              <a:t>redis</a:t>
+            </a:r>
+            <a:r>
+              <a:rPr lang="en-US" dirty="0" smtClean="0"/>
+              <a:t>-cli</a:t>
+            </a:r>
+          </a:p>
+          <a:p>
+            <a:endParaRPr lang="en-US" dirty="0" smtClean="0"/>
+          </a:p>
+          <a:p>
+            <a:r>
+              <a:rPr lang="en-US" dirty="0" smtClean="0"/>
+              <a:t>127.0.0.1:6379&gt; KEYS *</a:t>
+            </a:r>
+          </a:p>
+          <a:p>
+            <a:r>
+              <a:rPr lang="en-US" dirty="0" smtClean="0"/>
+              <a:t>1) "web2_counter"</a:t>
+            </a:r>
+          </a:p>
+          <a:p>
+            <a:r>
+              <a:rPr lang="en-US" dirty="0" smtClean="0"/>
+              <a:t>127.0.0.1:6379&gt; INCRBY web2_counter 100000</a:t>
+            </a:r>
+          </a:p>
+          <a:p>
+            <a:r>
+              <a:rPr lang="en-US" dirty="0" smtClean="0"/>
+              <a:t>(integer) 100022</a:t>
+            </a:r>
+          </a:p>
+          <a:p>
+            <a:r>
+              <a:rPr lang="en-US" dirty="0" smtClean="0"/>
+              <a:t>127.0.0.1:6379&gt;</a:t>
+            </a:r>
+          </a:p>
+          <a:p>
+            <a:endParaRPr lang="en-US" dirty="0" smtClean="0"/>
+          </a:p>
+          <a:p>
+            <a:endParaRPr lang="en-US" dirty="0" smtClean="0"/>
+          </a:p>
+          <a:p>
+            <a:endParaRPr lang="en-US" dirty="0" smtClean="0"/>
+          </a:p>
+          <a:p>
             <a:endParaRPr lang="nl-NL" dirty="0"/>
           </a:p>
         </p:txBody>
@@ -2185,7 +2183,7 @@
     </p:spTree>
     <p:extLst>
       <p:ext uri="{BB962C8B-B14F-4D97-AF65-F5344CB8AC3E}">
-        <p14:creationId xmlns:p14="http://schemas.microsoft.com/office/powerpoint/2010/main" val="1176128002"/>
+        <p14:creationId xmlns:p14="http://schemas.microsoft.com/office/powerpoint/2010/main" val="2217171176"/>
       </p:ext>
     </p:extLst>
   </p:cSld>
@@ -2497,7 +2495,7 @@
           <a:p>
             <a:fld id="{2DB1139D-5AC7-4B0B-A715-E40E0591EF82}" type="slidenum">
               <a:rPr lang="nl-NL" smtClean="0"/>
-              <a:t>21</a:t>
+              <a:t>17</a:t>
             </a:fld>
             <a:endParaRPr lang="nl-NL"/>
           </a:p>
@@ -5454,7 +5452,18 @@
             <a:pPr algn="ctr"/>
             <a:r>
               <a:rPr lang="en-US" dirty="0" smtClean="0"/>
-              <a:t>Docker 102</a:t>
+              <a:t>RECAP DOCKER 101</a:t>
+            </a:r>
+            <a:br>
+              <a:rPr lang="en-US" dirty="0" smtClean="0"/>
+            </a:br>
+            <a:r>
+              <a:rPr lang="en-US" dirty="0" smtClean="0"/>
+              <a:t>Docker </a:t>
+            </a:r>
+            <a:r>
+              <a:rPr lang="en-US" dirty="0" smtClean="0"/>
+              <a:t>102</a:t>
             </a:r>
             <a:br>
               <a:rPr lang="en-US" dirty="0" smtClean="0"/>
@@ -6247,46 +6256,6 @@
           </a:p>
         </p:txBody>
       </p:sp>
-      <p:sp>
-        <p:nvSpPr>
-          <p:cNvPr id="25" name="Down Arrow 24"/>
-          <p:cNvSpPr/>
-          <p:nvPr/>
-        </p:nvSpPr>
-        <p:spPr>
-          <a:xfrm>
-            <a:off x="4026090" y="204717"/>
-            <a:ext cx="1376484" cy="1090803"/>
-          </a:xfrm>
-          <a:prstGeom prst="downArrow">
-            <a:avLst/>
-          </a:prstGeom>
-        </p:spPr>
-        <p:style>
-          <a:lnRef idx="2">
-            <a:schemeClr val="accent1">
-              <a:shade val="50000"/>
-            </a:schemeClr>
-          </a:lnRef>
-          <a:fillRef idx="1">
-            <a:schemeClr val="accent1"/>
-          </a:fillRef>
-          <a:effectRef idx="0">
-            <a:schemeClr val="accent1"/>
-          </a:effectRef>
-          <a:fontRef idx="minor">
-            <a:schemeClr val="lt1"/>
-          </a:fontRef>
-        </p:style>
-        <p:txBody>
-          <a:bodyPr rtlCol="0" anchor="ctr"/>
-          <a:lstStyle/>
-          <a:p>
-            <a:pPr algn="ctr"/>
-            <a:endParaRPr lang="nl-NL"/>
-          </a:p>
-        </p:txBody>
-      </p:sp>
     </p:spTree>
     <p:extLst>
       <p:ext uri="{BB962C8B-B14F-4D97-AF65-F5344CB8AC3E}">
@@ -6339,10 +6308,9 @@
           <a:bodyPr/>
           <a:lstStyle/>
           <a:p>
-            <a:r>
-              <a:rPr lang="en-US" dirty="0" smtClean="0"/>
-              <a:t>Goal: small compact container</a:t>
-            </a:r>
+            <a:pPr marL="0" indent="0">
+              <a:buNone/>
+            </a:pPr>
             <a:endParaRPr lang="nl-NL" dirty="0"/>
           </a:p>
         </p:txBody>
@@ -6364,7 +6332,7 @@
           <a:p>
             <a:r>
               <a:rPr lang="en-US" dirty="0" smtClean="0"/>
-              <a:t>MULTISTAGE BUILD</a:t>
+              <a:t>Logging</a:t>
             </a:r>
             <a:endParaRPr lang="nl-NL" dirty="0"/>
           </a:p>
@@ -6373,7 +6341,7 @@
     </p:spTree>
     <p:extLst>
       <p:ext uri="{BB962C8B-B14F-4D97-AF65-F5344CB8AC3E}">
-        <p14:creationId xmlns:p14="http://schemas.microsoft.com/office/powerpoint/2010/main" val="3986838780"/>
+        <p14:creationId xmlns:p14="http://schemas.microsoft.com/office/powerpoint/2010/main" val="2405537758"/>
       </p:ext>
     </p:extLst>
   </p:cSld>
@@ -6424,28 +6392,8 @@
           <a:p>
             <a:r>
               <a:rPr lang="en-US" dirty="0" smtClean="0"/>
-              <a:t>Ease of use for application – command line</a:t>
-            </a:r>
-          </a:p>
-          <a:p>
-            <a:r>
-              <a:rPr lang="en-US" dirty="0" smtClean="0"/>
-              <a:t>One command for application with multiple containers</a:t>
-            </a:r>
-          </a:p>
-          <a:p>
-            <a:r>
-              <a:rPr lang="en-US" dirty="0" smtClean="0"/>
-              <a:t>YAML file – version control</a:t>
-            </a:r>
-          </a:p>
-          <a:p>
-            <a:r>
-              <a:rPr lang="en-US" dirty="0" smtClean="0"/>
-              <a:t>Same file for dev and ops</a:t>
-            </a:r>
-          </a:p>
-          <a:p>
+              <a:t>Goal: small compact container</a:t>
+            </a:r>
             <a:endParaRPr lang="nl-NL" dirty="0"/>
           </a:p>
         </p:txBody>
@@ -6467,7 +6415,7 @@
           <a:p>
             <a:r>
               <a:rPr lang="en-US" dirty="0" smtClean="0"/>
-              <a:t>DOCKER COMPOSE</a:t>
+              <a:t>MULTISTAGE BUILD</a:t>
             </a:r>
             <a:endParaRPr lang="nl-NL" dirty="0"/>
           </a:p>
@@ -6476,7 +6424,7 @@
     </p:spTree>
     <p:extLst>
       <p:ext uri="{BB962C8B-B14F-4D97-AF65-F5344CB8AC3E}">
-        <p14:creationId xmlns:p14="http://schemas.microsoft.com/office/powerpoint/2010/main" val="1102928042"/>
+        <p14:creationId xmlns:p14="http://schemas.microsoft.com/office/powerpoint/2010/main" val="3986838780"/>
       </p:ext>
     </p:extLst>
   </p:cSld>
@@ -6522,220 +6470,55 @@
         </p:nvSpPr>
         <p:spPr/>
         <p:txBody>
-          <a:bodyPr>
-            <a:normAutofit fontScale="32500" lnSpcReduction="20000"/>
-          </a:bodyPr>
-          <a:lstStyle/>
-          <a:p>
-            <a:r>
-              <a:rPr lang="en-US" sz="5900" dirty="0" smtClean="0"/>
-              <a:t>Why</a:t>
-            </a:r>
-          </a:p>
-          <a:p>
-            <a:pPr lvl="1"/>
-            <a:r>
-              <a:rPr lang="en-US" sz="4200" dirty="0" smtClean="0"/>
-              <a:t>Example from Docker</a:t>
-            </a:r>
-          </a:p>
-          <a:p>
-            <a:pPr lvl="1"/>
-            <a:r>
-              <a:rPr lang="en-US" sz="4200" dirty="0" smtClean="0"/>
-              <a:t>Start with 1 Docker-compose command</a:t>
-            </a:r>
-          </a:p>
-          <a:p>
-            <a:pPr lvl="1"/>
-            <a:r>
-              <a:rPr lang="en-US" sz="4200" dirty="0" smtClean="0"/>
-              <a:t>Also with build command</a:t>
-            </a:r>
-          </a:p>
-          <a:p>
-            <a:pPr lvl="1"/>
-            <a:endParaRPr lang="en-US" sz="4200" dirty="0" smtClean="0"/>
-          </a:p>
-          <a:p>
-            <a:pPr lvl="1"/>
-            <a:endParaRPr lang="en-US" sz="4200" dirty="0"/>
-          </a:p>
-          <a:p>
-            <a:r>
-              <a:rPr lang="en-US" sz="5900" dirty="0" smtClean="0"/>
-              <a:t>What:</a:t>
-            </a:r>
-          </a:p>
-          <a:p>
-            <a:pPr lvl="1"/>
-            <a:r>
-              <a:rPr lang="en-US" sz="5700" dirty="0" smtClean="0"/>
-              <a:t>Voting app</a:t>
-            </a:r>
-          </a:p>
-          <a:p>
-            <a:pPr lvl="1"/>
-            <a:r>
-              <a:rPr lang="en-US" sz="4200" dirty="0" smtClean="0"/>
-              <a:t>5 </a:t>
-            </a:r>
-            <a:r>
-              <a:rPr lang="en-US" sz="4200" dirty="0" err="1" smtClean="0"/>
-              <a:t>Micoservices</a:t>
-            </a:r>
-            <a:endParaRPr lang="en-US" sz="4200" dirty="0" smtClean="0"/>
-          </a:p>
-          <a:p>
-            <a:pPr lvl="2"/>
-            <a:r>
-              <a:rPr lang="en-US" sz="4200" dirty="0" smtClean="0"/>
-              <a:t>Python</a:t>
-            </a:r>
-          </a:p>
-          <a:p>
-            <a:pPr lvl="2"/>
-            <a:r>
-              <a:rPr lang="en-US" sz="4200" dirty="0" err="1" smtClean="0"/>
-              <a:t>NodeJS</a:t>
-            </a:r>
-            <a:endParaRPr lang="en-US" sz="4200" dirty="0" smtClean="0"/>
-          </a:p>
-          <a:p>
-            <a:pPr lvl="2"/>
-            <a:r>
-              <a:rPr lang="en-US" sz="4200" dirty="0" err="1" smtClean="0"/>
-              <a:t>.Net</a:t>
-            </a:r>
-            <a:endParaRPr lang="en-US" sz="4200" dirty="0" smtClean="0"/>
-          </a:p>
-          <a:p>
-            <a:pPr lvl="2"/>
-            <a:r>
-              <a:rPr lang="en-US" sz="4200" dirty="0" err="1" smtClean="0"/>
-              <a:t>Redis</a:t>
-            </a:r>
-            <a:endParaRPr lang="en-US" sz="4200" dirty="0" smtClean="0"/>
-          </a:p>
-          <a:p>
-            <a:pPr lvl="2"/>
-            <a:r>
-              <a:rPr lang="en-US" sz="4200" dirty="0" smtClean="0"/>
-              <a:t>PostgreSQL</a:t>
-            </a:r>
-          </a:p>
-          <a:p>
-            <a:pPr lvl="2"/>
-            <a:endParaRPr lang="en-US" dirty="0"/>
-          </a:p>
-          <a:p>
-            <a:pPr lvl="1"/>
-            <a:endParaRPr lang="en-US" dirty="0" smtClean="0"/>
-          </a:p>
-          <a:p>
-            <a:pPr lvl="1"/>
-            <a:endParaRPr lang="en-US" dirty="0"/>
-          </a:p>
-          <a:p>
-            <a:pPr lvl="1"/>
-            <a:endParaRPr lang="en-US" dirty="0" smtClean="0"/>
-          </a:p>
-          <a:p>
-            <a:pPr lvl="1"/>
-            <a:endParaRPr lang="en-US" dirty="0"/>
-          </a:p>
-          <a:p>
-            <a:pPr lvl="1"/>
-            <a:endParaRPr lang="en-US" dirty="0" smtClean="0"/>
-          </a:p>
-          <a:p>
-            <a:pPr lvl="1"/>
-            <a:endParaRPr lang="en-US" dirty="0"/>
-          </a:p>
-          <a:p>
-            <a:pPr lvl="1"/>
-            <a:endParaRPr lang="en-US" dirty="0" smtClean="0"/>
-          </a:p>
-          <a:p>
-            <a:pPr lvl="1"/>
-            <a:endParaRPr lang="en-US" sz="4500" dirty="0"/>
-          </a:p>
-          <a:p>
-            <a:pPr lvl="1"/>
-            <a:endParaRPr lang="en-US" sz="4500" dirty="0" smtClean="0"/>
-          </a:p>
-          <a:p>
-            <a:r>
-              <a:rPr lang="en-US" sz="4500" dirty="0">
-                <a:hlinkClick r:id="rId2"/>
-              </a:rPr>
-              <a:t>https://</a:t>
-            </a:r>
-            <a:r>
-              <a:rPr lang="en-US" sz="4500" dirty="0" smtClean="0">
-                <a:hlinkClick r:id="rId2"/>
-              </a:rPr>
-              <a:t>github.com/dockersamples/example-voting-app</a:t>
-            </a:r>
-            <a:r>
-              <a:rPr lang="en-US" sz="4500" dirty="0" smtClean="0"/>
-              <a:t> </a:t>
-            </a:r>
-            <a:endParaRPr lang="en-US" sz="4500" dirty="0"/>
-          </a:p>
-          <a:p>
-            <a:pPr lvl="1"/>
-            <a:endParaRPr lang="en-US" dirty="0"/>
-          </a:p>
-          <a:p>
-            <a:pPr lvl="2"/>
-            <a:endParaRPr lang="en-US" dirty="0" smtClean="0"/>
-          </a:p>
-          <a:p>
-            <a:pPr marL="265107" lvl="1" indent="0">
-              <a:buNone/>
-            </a:pPr>
-            <a:endParaRPr lang="en-US" dirty="0" smtClean="0"/>
-          </a:p>
-          <a:p>
-            <a:pPr lvl="1"/>
-            <a:endParaRPr lang="nl-NL" dirty="0"/>
-          </a:p>
-        </p:txBody>
-      </p:sp>
-      <p:sp>
-        <p:nvSpPr>
-          <p:cNvPr id="3" name="Title 2"/>
-          <p:cNvSpPr>
-            <a:spLocks noGrp="1"/>
-          </p:cNvSpPr>
-          <p:nvPr>
-            <p:ph type="title"/>
-          </p:nvPr>
-        </p:nvSpPr>
-        <p:spPr/>
-        <p:txBody>
           <a:bodyPr/>
           <a:lstStyle/>
           <a:p>
             <a:r>
               <a:rPr lang="en-US" dirty="0" smtClean="0"/>
-              <a:t>EASE </a:t>
-            </a:r>
-            <a:r>
-              <a:rPr lang="en-US" dirty="0" err="1" smtClean="0"/>
-              <a:t>oF</a:t>
-            </a:r>
-            <a:r>
-              <a:rPr lang="en-US" dirty="0" smtClean="0"/>
-              <a:t> DOCKER</a:t>
-            </a:r>
-            <a:br>
-              <a:rPr lang="en-US" dirty="0" smtClean="0"/>
-            </a:br>
-            <a:r>
-              <a:rPr lang="en-US" dirty="0" smtClean="0"/>
-              <a:t>VOTING Application</a:t>
+              <a:t>Ease of use for application – command line</a:t>
+            </a:r>
+          </a:p>
+          <a:p>
+            <a:r>
+              <a:rPr lang="en-US" dirty="0" smtClean="0"/>
+              <a:t>One command for application with multiple containers</a:t>
+            </a:r>
+          </a:p>
+          <a:p>
+            <a:r>
+              <a:rPr lang="en-US" dirty="0" smtClean="0"/>
+              <a:t>YAML file – version control</a:t>
+            </a:r>
+          </a:p>
+          <a:p>
+            <a:r>
+              <a:rPr lang="en-US" dirty="0" smtClean="0"/>
+              <a:t>Same file for dev and ops</a:t>
+            </a:r>
+          </a:p>
+          <a:p>
+            <a:endParaRPr lang="nl-NL" dirty="0"/>
+          </a:p>
+        </p:txBody>
+      </p:sp>
+      <p:sp>
+        <p:nvSpPr>
+          <p:cNvPr id="3" name="Title 2"/>
+          <p:cNvSpPr>
+            <a:spLocks noGrp="1"/>
+          </p:cNvSpPr>
+          <p:nvPr>
+            <p:ph type="title"/>
+          </p:nvPr>
+        </p:nvSpPr>
+        <p:spPr/>
+        <p:txBody>
+          <a:bodyPr/>
+          <a:lstStyle/>
+          <a:p>
+            <a:r>
+              <a:rPr lang="en-US" dirty="0" smtClean="0"/>
+              <a:t>DOCKER COMPOSE</a:t>
             </a:r>
             <a:endParaRPr lang="nl-NL" dirty="0"/>
           </a:p>
@@ -6744,13 +6527,20 @@
     </p:spTree>
     <p:extLst>
       <p:ext uri="{BB962C8B-B14F-4D97-AF65-F5344CB8AC3E}">
-        <p14:creationId xmlns:p14="http://schemas.microsoft.com/office/powerpoint/2010/main" val="2322438100"/>
+        <p14:creationId xmlns:p14="http://schemas.microsoft.com/office/powerpoint/2010/main" val="1102928042"/>
       </p:ext>
     </p:extLst>
   </p:cSld>
   <p:clrMapOvr>
     <a:masterClrMapping/>
   </p:clrMapOvr>
+  <p:timing>
+    <p:tnLst>
+      <p:par>
+        <p:cTn id="1" dur="indefinite" restart="never" nodeType="tmRoot"/>
+      </p:par>
+    </p:tnLst>
+  </p:timing>
 </p:sld>
 </file>
 
@@ -6782,22 +6572,19 @@
           </p:nvPr>
         </p:nvPicPr>
         <p:blipFill>
-          <a:blip r:embed="rId2">
-            <a:extLst>
-              <a:ext uri="{28A0092B-C50C-407E-A947-70E740481C1C}">
-                <a14:useLocalDpi xmlns:a14="http://schemas.microsoft.com/office/drawing/2010/main" val="0"/>
-              </a:ext>
-            </a:extLst>
-          </a:blip>
+          <a:blip r:embed="rId2"/>
           <a:stretch>
             <a:fillRect/>
           </a:stretch>
         </p:blipFill>
         <p:spPr>
           <a:xfrm>
-            <a:off x="1009776" y="1409700"/>
-            <a:ext cx="6040966" cy="4530725"/>
-          </a:xfrm>
+            <a:off x="617539" y="1295518"/>
+            <a:ext cx="5124450" cy="1695450"/>
+          </a:xfrm>
+          <a:prstGeom prst="rect">
+            <a:avLst/>
+          </a:prstGeom>
         </p:spPr>
       </p:pic>
       <p:sp>
@@ -6817,14 +6604,65 @@
           <a:p>
             <a:r>
               <a:rPr lang="en-US" dirty="0" smtClean="0"/>
-              <a:t>VOTING Application</a:t>
-            </a:r>
-            <a:br>
-              <a:rPr lang="en-US" dirty="0" smtClean="0"/>
-            </a:br>
-            <a:r>
-              <a:rPr lang="en-US" dirty="0" smtClean="0"/>
-              <a:t>ARCHITECTURE</a:t>
+              <a:t>DOCKER COMPOSE EXAMPLE</a:t>
+            </a:r>
+            <a:endParaRPr lang="nl-NL" dirty="0"/>
+          </a:p>
+        </p:txBody>
+      </p:sp>
+      <p:pic>
+        <p:nvPicPr>
+          <p:cNvPr id="5" name="Picture 4"/>
+          <p:cNvPicPr>
+            <a:picLocks noChangeAspect="1"/>
+          </p:cNvPicPr>
+          <p:nvPr/>
+        </p:nvPicPr>
+        <p:blipFill>
+          <a:blip r:embed="rId3"/>
+          <a:stretch>
+            <a:fillRect/>
+          </a:stretch>
+        </p:blipFill>
+        <p:spPr>
+          <a:xfrm>
+            <a:off x="617539" y="4513144"/>
+            <a:ext cx="2466975" cy="342900"/>
+          </a:xfrm>
+          <a:prstGeom prst="rect">
+            <a:avLst/>
+          </a:prstGeom>
+        </p:spPr>
+      </p:pic>
+      <p:sp>
+        <p:nvSpPr>
+          <p:cNvPr id="6" name="TextBox 5"/>
+          <p:cNvSpPr txBox="1"/>
+          <p:nvPr/>
+        </p:nvSpPr>
+        <p:spPr>
+          <a:xfrm>
+            <a:off x="682386" y="3939093"/>
+            <a:ext cx="579967" cy="369332"/>
+          </a:xfrm>
+          <a:prstGeom prst="rect">
+            <a:avLst/>
+          </a:prstGeom>
+          <a:noFill/>
+        </p:spPr>
+        <p:txBody>
+          <a:bodyPr wrap="none" rtlCol="0">
+            <a:spAutoFit/>
+          </a:bodyPr>
+          <a:lstStyle/>
+          <a:p>
+            <a:r>
+              <a:rPr lang="en-US" dirty="0" smtClean="0"/>
+              <a:t>.</a:t>
+            </a:r>
+            <a:r>
+              <a:rPr lang="en-US" dirty="0" err="1" smtClean="0"/>
+              <a:t>env</a:t>
             </a:r>
             <a:endParaRPr lang="nl-NL" dirty="0"/>
           </a:p>
@@ -6833,7 +6671,7 @@
     </p:spTree>
     <p:extLst>
       <p:ext uri="{BB962C8B-B14F-4D97-AF65-F5344CB8AC3E}">
-        <p14:creationId xmlns:p14="http://schemas.microsoft.com/office/powerpoint/2010/main" val="199532376"/>
+        <p14:creationId xmlns:p14="http://schemas.microsoft.com/office/powerpoint/2010/main" val="1625570541"/>
       </p:ext>
     </p:extLst>
   </p:cSld>
@@ -6871,22 +6709,19 @@
           </p:nvPr>
         </p:nvPicPr>
         <p:blipFill>
-          <a:blip r:embed="rId2">
-            <a:extLst>
-              <a:ext uri="{28A0092B-C50C-407E-A947-70E740481C1C}">
-                <a14:useLocalDpi xmlns:a14="http://schemas.microsoft.com/office/drawing/2010/main" val="0"/>
-              </a:ext>
-            </a:extLst>
-          </a:blip>
+          <a:blip r:embed="rId2"/>
           <a:stretch>
             <a:fillRect/>
           </a:stretch>
         </p:blipFill>
         <p:spPr>
           <a:xfrm>
-            <a:off x="1009776" y="1409700"/>
-            <a:ext cx="6040966" cy="4530725"/>
-          </a:xfrm>
+            <a:off x="617539" y="1109425"/>
+            <a:ext cx="7677150" cy="1009650"/>
+          </a:xfrm>
+          <a:prstGeom prst="rect">
+            <a:avLst/>
+          </a:prstGeom>
         </p:spPr>
       </p:pic>
       <p:sp>
@@ -6906,22 +6741,7 @@
           <a:p>
             <a:r>
               <a:rPr lang="en-US" dirty="0" smtClean="0"/>
-              <a:t>VOTING Application</a:t>
-            </a:r>
-            <a:br>
-              <a:rPr lang="en-US" dirty="0" smtClean="0"/>
-            </a:br>
-            <a:r>
-              <a:rPr lang="en-US" dirty="0" smtClean="0"/>
-              <a:t>ARCHITECTURE – </a:t>
-            </a:r>
-            <a:r>
-              <a:rPr lang="en-US" dirty="0" err="1" smtClean="0"/>
-              <a:t>InfrastruCTURE</a:t>
-            </a:r>
-            <a:r>
-              <a:rPr lang="en-US" dirty="0" smtClean="0"/>
-              <a:t> </a:t>
+              <a:t>DOCKER-COMPOSE UP </a:t>
             </a:r>
             <a:endParaRPr lang="nl-NL" dirty="0"/>
           </a:p>
@@ -6929,23 +6749,20 @@
       </p:sp>
       <p:sp>
         <p:nvSpPr>
-          <p:cNvPr id="2" name="Rectangle 1"/>
+          <p:cNvPr id="5" name="Rectangle 4"/>
           <p:cNvSpPr/>
           <p:nvPr/>
         </p:nvSpPr>
         <p:spPr>
           <a:xfrm>
-            <a:off x="2173384" y="2620370"/>
-            <a:ext cx="1607046" cy="313898"/>
+            <a:off x="617539" y="1105469"/>
+            <a:ext cx="5455715" cy="190049"/>
           </a:xfrm>
           <a:prstGeom prst="rect">
             <a:avLst/>
           </a:prstGeom>
           <a:solidFill>
-            <a:schemeClr val="tx2">
-              <a:lumMod val="60000"/>
-              <a:lumOff val="40000"/>
-            </a:schemeClr>
+            <a:schemeClr val="tx1"/>
           </a:solidFill>
         </p:spPr>
         <p:style>
@@ -6969,222 +6786,14 @@
           <a:lstStyle/>
           <a:p>
             <a:pPr algn="ctr"/>
-            <a:r>
-              <a:rPr lang="en-US" sz="1400" dirty="0" smtClean="0"/>
-              <a:t>Webserver Linux</a:t>
-            </a:r>
-            <a:endParaRPr lang="nl-NL" sz="1400" dirty="0"/>
-          </a:p>
-        </p:txBody>
-      </p:sp>
-      <p:sp>
-        <p:nvSpPr>
-          <p:cNvPr id="5" name="Rectangle 4"/>
-          <p:cNvSpPr/>
-          <p:nvPr/>
-        </p:nvSpPr>
-        <p:spPr>
-          <a:xfrm>
-            <a:off x="4304710" y="2622642"/>
-            <a:ext cx="1607046" cy="313898"/>
-          </a:xfrm>
-          <a:prstGeom prst="rect">
-            <a:avLst/>
-          </a:prstGeom>
-          <a:solidFill>
-            <a:schemeClr val="tx2">
-              <a:lumMod val="60000"/>
-              <a:lumOff val="40000"/>
-            </a:schemeClr>
-          </a:solidFill>
-        </p:spPr>
-        <p:style>
-          <a:lnRef idx="2">
-            <a:schemeClr val="accent1">
-              <a:shade val="50000"/>
-            </a:schemeClr>
-          </a:lnRef>
-          <a:fillRef idx="1">
-            <a:schemeClr val="accent1"/>
-          </a:fillRef>
-          <a:effectRef idx="0">
-            <a:schemeClr val="accent1"/>
-          </a:effectRef>
-          <a:fontRef idx="minor">
-            <a:schemeClr val="lt1"/>
-          </a:fontRef>
-        </p:style>
-        <p:txBody>
-          <a:bodyPr rtlCol="0" anchor="ctr"/>
-          <a:lstStyle/>
-          <a:p>
-            <a:pPr algn="ctr"/>
-            <a:r>
-              <a:rPr lang="en-US" sz="1600" dirty="0" err="1" smtClean="0"/>
-              <a:t>Applicatie</a:t>
-            </a:r>
-            <a:r>
-              <a:rPr lang="en-US" sz="1600" dirty="0" smtClean="0"/>
-              <a:t> server</a:t>
-            </a:r>
-            <a:endParaRPr lang="nl-NL" sz="1600" dirty="0"/>
-          </a:p>
-        </p:txBody>
-      </p:sp>
-      <p:sp>
-        <p:nvSpPr>
-          <p:cNvPr id="6" name="Rectangle 5"/>
-          <p:cNvSpPr/>
-          <p:nvPr/>
-        </p:nvSpPr>
-        <p:spPr>
-          <a:xfrm>
-            <a:off x="1957289" y="4096606"/>
-            <a:ext cx="1607046" cy="313898"/>
-          </a:xfrm>
-          <a:prstGeom prst="rect">
-            <a:avLst/>
-          </a:prstGeom>
-          <a:solidFill>
-            <a:schemeClr val="tx2">
-              <a:lumMod val="60000"/>
-              <a:lumOff val="40000"/>
-            </a:schemeClr>
-          </a:solidFill>
-        </p:spPr>
-        <p:style>
-          <a:lnRef idx="2">
-            <a:schemeClr val="accent1">
-              <a:shade val="50000"/>
-            </a:schemeClr>
-          </a:lnRef>
-          <a:fillRef idx="1">
-            <a:schemeClr val="accent1"/>
-          </a:fillRef>
-          <a:effectRef idx="0">
-            <a:schemeClr val="accent1"/>
-          </a:effectRef>
-          <a:fontRef idx="minor">
-            <a:schemeClr val="lt1"/>
-          </a:fontRef>
-        </p:style>
-        <p:txBody>
-          <a:bodyPr rtlCol="0" anchor="ctr"/>
-          <a:lstStyle/>
-          <a:p>
-            <a:pPr algn="ctr"/>
-            <a:r>
-              <a:rPr lang="en-US" sz="1600" dirty="0" smtClean="0"/>
-              <a:t>Special server</a:t>
-            </a:r>
-            <a:endParaRPr lang="nl-NL" sz="1600" dirty="0"/>
-          </a:p>
-        </p:txBody>
-      </p:sp>
-      <p:sp>
-        <p:nvSpPr>
-          <p:cNvPr id="7" name="Rectangle 6"/>
-          <p:cNvSpPr/>
-          <p:nvPr/>
-        </p:nvSpPr>
-        <p:spPr>
-          <a:xfrm>
-            <a:off x="4495784" y="4096602"/>
-            <a:ext cx="1607046" cy="313898"/>
-          </a:xfrm>
-          <a:prstGeom prst="rect">
-            <a:avLst/>
-          </a:prstGeom>
-          <a:solidFill>
-            <a:schemeClr val="tx2">
-              <a:lumMod val="60000"/>
-              <a:lumOff val="40000"/>
-            </a:schemeClr>
-          </a:solidFill>
-        </p:spPr>
-        <p:style>
-          <a:lnRef idx="2">
-            <a:schemeClr val="accent1">
-              <a:shade val="50000"/>
-            </a:schemeClr>
-          </a:lnRef>
-          <a:fillRef idx="1">
-            <a:schemeClr val="accent1"/>
-          </a:fillRef>
-          <a:effectRef idx="0">
-            <a:schemeClr val="accent1"/>
-          </a:effectRef>
-          <a:fontRef idx="minor">
-            <a:schemeClr val="lt1"/>
-          </a:fontRef>
-        </p:style>
-        <p:txBody>
-          <a:bodyPr rtlCol="0" anchor="ctr"/>
-          <a:lstStyle/>
-          <a:p>
-            <a:pPr algn="ctr"/>
-            <a:r>
-              <a:rPr lang="en-US" sz="1600" dirty="0" smtClean="0"/>
-              <a:t>Database server</a:t>
-            </a:r>
-            <a:endParaRPr lang="nl-NL" sz="1600" dirty="0"/>
-          </a:p>
-        </p:txBody>
-      </p:sp>
-      <p:sp>
-        <p:nvSpPr>
-          <p:cNvPr id="8" name="Rectangle 7"/>
-          <p:cNvSpPr/>
-          <p:nvPr/>
-        </p:nvSpPr>
-        <p:spPr>
-          <a:xfrm>
-            <a:off x="3240188" y="5584214"/>
-            <a:ext cx="1607046" cy="313898"/>
-          </a:xfrm>
-          <a:prstGeom prst="rect">
-            <a:avLst/>
-          </a:prstGeom>
-          <a:solidFill>
-            <a:schemeClr val="tx2">
-              <a:lumMod val="60000"/>
-              <a:lumOff val="40000"/>
-            </a:schemeClr>
-          </a:solidFill>
-        </p:spPr>
-        <p:style>
-          <a:lnRef idx="2">
-            <a:schemeClr val="accent1">
-              <a:shade val="50000"/>
-            </a:schemeClr>
-          </a:lnRef>
-          <a:fillRef idx="1">
-            <a:schemeClr val="accent1"/>
-          </a:fillRef>
-          <a:effectRef idx="0">
-            <a:schemeClr val="accent1"/>
-          </a:effectRef>
-          <a:fontRef idx="minor">
-            <a:schemeClr val="lt1"/>
-          </a:fontRef>
-        </p:style>
-        <p:txBody>
-          <a:bodyPr rtlCol="0" anchor="ctr"/>
-          <a:lstStyle/>
-          <a:p>
-            <a:pPr algn="ctr"/>
-            <a:r>
-              <a:rPr lang="en-US" sz="1400" dirty="0" smtClean="0"/>
-              <a:t>Webserver Wintel</a:t>
-            </a:r>
-            <a:endParaRPr lang="nl-NL" sz="1400" dirty="0"/>
+            <a:endParaRPr lang="nl-NL"/>
           </a:p>
         </p:txBody>
       </p:sp>
     </p:spTree>
     <p:extLst>
       <p:ext uri="{BB962C8B-B14F-4D97-AF65-F5344CB8AC3E}">
-        <p14:creationId xmlns:p14="http://schemas.microsoft.com/office/powerpoint/2010/main" val="500494257"/>
+        <p14:creationId xmlns:p14="http://schemas.microsoft.com/office/powerpoint/2010/main" val="4142034026"/>
       </p:ext>
     </p:extLst>
   </p:cSld>
@@ -7211,43 +6820,14 @@
           <a:chExt cx="0" cy="0"/>
         </a:xfrm>
       </p:grpSpPr>
-      <p:pic>
-        <p:nvPicPr>
-          <p:cNvPr id="4" name="Content Placeholder 3"/>
-          <p:cNvPicPr>
-            <a:picLocks noGrp="1" noChangeAspect="1"/>
-          </p:cNvPicPr>
+      <p:sp>
+        <p:nvSpPr>
+          <p:cNvPr id="2" name="Content Placeholder 1"/>
+          <p:cNvSpPr>
+            <a:spLocks noGrp="1"/>
+          </p:cNvSpPr>
           <p:nvPr>
             <p:ph idx="1"/>
-          </p:nvPr>
-        </p:nvPicPr>
-        <p:blipFill>
-          <a:blip r:embed="rId3">
-            <a:extLst>
-              <a:ext uri="{28A0092B-C50C-407E-A947-70E740481C1C}">
-                <a14:useLocalDpi xmlns:a14="http://schemas.microsoft.com/office/drawing/2010/main" val="0"/>
-              </a:ext>
-            </a:extLst>
-          </a:blip>
-          <a:stretch>
-            <a:fillRect/>
-          </a:stretch>
-        </p:blipFill>
-        <p:spPr>
-          <a:xfrm>
-            <a:off x="1009776" y="1409700"/>
-            <a:ext cx="6040966" cy="4530725"/>
-          </a:xfrm>
-        </p:spPr>
-      </p:pic>
-      <p:sp>
-        <p:nvSpPr>
-          <p:cNvPr id="3" name="Title 2"/>
-          <p:cNvSpPr>
-            <a:spLocks noGrp="1"/>
-          </p:cNvSpPr>
-          <p:nvPr>
-            <p:ph type="title"/>
           </p:nvPr>
         </p:nvSpPr>
         <p:spPr/>
@@ -7257,87 +6837,113 @@
           <a:p>
             <a:r>
               <a:rPr lang="en-US" dirty="0" smtClean="0"/>
-              <a:t>VOTING Application</a:t>
-            </a:r>
-            <a:br>
-              <a:rPr lang="en-US" dirty="0" smtClean="0"/>
-            </a:br>
-            <a:r>
-              <a:rPr lang="en-US" dirty="0" smtClean="0"/>
-              <a:t>ARCHITECTURE – </a:t>
-            </a:r>
-            <a:r>
-              <a:rPr lang="en-US" dirty="0" err="1" smtClean="0"/>
-              <a:t>InfrastruCTURE</a:t>
-            </a:r>
-            <a:r>
-              <a:rPr lang="en-US" dirty="0" smtClean="0"/>
-              <a:t> </a:t>
-            </a:r>
+              <a:t>Works only on 1 host</a:t>
+            </a:r>
+          </a:p>
+          <a:p>
+            <a:pPr lvl="1"/>
+            <a:r>
+              <a:rPr lang="en-US" dirty="0" smtClean="0"/>
+              <a:t>DNS name</a:t>
+            </a:r>
+          </a:p>
+          <a:p>
+            <a:pPr lvl="2"/>
+            <a:r>
+              <a:rPr lang="en-US" dirty="0" smtClean="0"/>
+              <a:t>Default bridge has no DNS due backwards compatible</a:t>
+            </a:r>
+          </a:p>
+          <a:p>
+            <a:endParaRPr lang="en-US" dirty="0"/>
+          </a:p>
+          <a:p>
+            <a:r>
+              <a:rPr lang="en-US" dirty="0" smtClean="0"/>
+              <a:t>Docker network create –driver bridge &lt;network-name&gt;</a:t>
+            </a:r>
+            <a:endParaRPr lang="nl-NL" dirty="0" smtClean="0"/>
+          </a:p>
+          <a:p>
+            <a:endParaRPr lang="en-US" dirty="0" smtClean="0"/>
+          </a:p>
+          <a:p>
+            <a:r>
+              <a:rPr lang="en-US" dirty="0" smtClean="0"/>
+              <a:t>Run with: --net &lt;name&gt;</a:t>
+            </a:r>
+          </a:p>
+          <a:p>
+            <a:endParaRPr lang="en-US" dirty="0"/>
+          </a:p>
+          <a:p>
+            <a:r>
+              <a:rPr lang="en-US" dirty="0" smtClean="0"/>
+              <a:t>Check with:</a:t>
+            </a:r>
+          </a:p>
+          <a:p>
+            <a:pPr lvl="1"/>
+            <a:r>
+              <a:rPr lang="en-US" dirty="0" smtClean="0"/>
+              <a:t>Docker network inspect</a:t>
+            </a:r>
+          </a:p>
+          <a:p>
+            <a:pPr lvl="1"/>
+            <a:r>
+              <a:rPr lang="en-US" dirty="0" smtClean="0"/>
+              <a:t>Docker container exec –it &lt;container-name&gt; ping &lt;container-name&gt;</a:t>
+            </a:r>
+          </a:p>
+          <a:p>
+            <a:endParaRPr lang="en-US" dirty="0" smtClean="0"/>
+          </a:p>
+          <a:p>
             <a:endParaRPr lang="nl-NL" dirty="0"/>
           </a:p>
         </p:txBody>
       </p:sp>
       <p:sp>
         <p:nvSpPr>
-          <p:cNvPr id="9" name="Rectangle 8"/>
-          <p:cNvSpPr/>
-          <p:nvPr/>
-        </p:nvSpPr>
-        <p:spPr>
-          <a:xfrm>
-            <a:off x="1343346" y="5677469"/>
-            <a:ext cx="5592194" cy="262956"/>
-          </a:xfrm>
-          <a:prstGeom prst="rect">
-            <a:avLst/>
-          </a:prstGeom>
-          <a:solidFill>
-            <a:schemeClr val="tx2">
-              <a:lumMod val="60000"/>
-              <a:lumOff val="40000"/>
-            </a:schemeClr>
-          </a:solidFill>
-        </p:spPr>
-        <p:style>
-          <a:lnRef idx="2">
-            <a:schemeClr val="accent1">
-              <a:shade val="50000"/>
-            </a:schemeClr>
-          </a:lnRef>
-          <a:fillRef idx="1">
-            <a:schemeClr val="accent1"/>
-          </a:fillRef>
-          <a:effectRef idx="0">
-            <a:schemeClr val="accent1"/>
-          </a:effectRef>
-          <a:fontRef idx="minor">
-            <a:schemeClr val="lt1"/>
-          </a:fontRef>
-        </p:style>
-        <p:txBody>
-          <a:bodyPr rtlCol="0" anchor="ctr"/>
+          <p:cNvPr id="3" name="Title 2"/>
+          <p:cNvSpPr>
+            <a:spLocks noGrp="1"/>
+          </p:cNvSpPr>
+          <p:nvPr>
+            <p:ph type="title"/>
+          </p:nvPr>
+        </p:nvSpPr>
+        <p:spPr/>
+        <p:txBody>
+          <a:bodyPr/>
           <a:lstStyle/>
           <a:p>
-            <a:pPr algn="ctr"/>
-            <a:r>
-              <a:rPr lang="en-US" sz="1400" dirty="0" smtClean="0"/>
-              <a:t>Webserver Linux</a:t>
-            </a:r>
-            <a:endParaRPr lang="nl-NL" sz="1400" dirty="0"/>
+            <a:r>
+              <a:rPr lang="en-US" dirty="0" smtClean="0"/>
+              <a:t>NEW Docker BRIDGE network</a:t>
+            </a:r>
+            <a:endParaRPr lang="nl-NL" dirty="0"/>
           </a:p>
         </p:txBody>
       </p:sp>
     </p:spTree>
     <p:extLst>
       <p:ext uri="{BB962C8B-B14F-4D97-AF65-F5344CB8AC3E}">
-        <p14:creationId xmlns:p14="http://schemas.microsoft.com/office/powerpoint/2010/main" val="3586595352"/>
+        <p14:creationId xmlns:p14="http://schemas.microsoft.com/office/powerpoint/2010/main" val="1303669840"/>
       </p:ext>
     </p:extLst>
   </p:cSld>
   <p:clrMapOvr>
     <a:masterClrMapping/>
   </p:clrMapOvr>
+  <p:timing>
+    <p:tnLst>
+      <p:par>
+        <p:cTn id="1" dur="indefinite" restart="never" nodeType="tmRoot"/>
+      </p:par>
+    </p:tnLst>
+  </p:timing>
 </p:sld>
 </file>
 
@@ -7368,23 +6974,43 @@
             <p:ph idx="1"/>
           </p:nvPr>
         </p:nvSpPr>
-        <p:spPr>
-          <a:xfrm>
-            <a:off x="617539" y="1295518"/>
-            <a:ext cx="8163164" cy="4530827"/>
-          </a:xfrm>
-        </p:spPr>
+        <p:spPr/>
         <p:txBody>
           <a:bodyPr/>
           <a:lstStyle/>
           <a:p>
             <a:r>
               <a:rPr lang="en-US" dirty="0" smtClean="0"/>
-              <a:t>Start with 1 command:</a:t>
-            </a:r>
-          </a:p>
-          <a:p>
-            <a:endParaRPr lang="en-US" dirty="0"/>
+              <a:t>DOCKER network ls</a:t>
+            </a:r>
+          </a:p>
+          <a:p>
+            <a:pPr lvl="1"/>
+            <a:r>
+              <a:rPr lang="en-US" dirty="0" smtClean="0"/>
+              <a:t>bridge: default network – 1 host</a:t>
+            </a:r>
+          </a:p>
+          <a:p>
+            <a:pPr lvl="1"/>
+            <a:r>
+              <a:rPr lang="en-US" dirty="0" smtClean="0"/>
+              <a:t>Host, none in use Docker </a:t>
+            </a:r>
+            <a:r>
+              <a:rPr lang="en-US" dirty="0" err="1" smtClean="0"/>
+              <a:t>deamon</a:t>
+            </a:r>
+            <a:endParaRPr lang="en-US" dirty="0" smtClean="0"/>
+          </a:p>
+          <a:p>
+            <a:r>
+              <a:rPr lang="en-US" dirty="0" smtClean="0"/>
+              <a:t>Docker network &lt;name&gt; inspect&gt;</a:t>
+            </a:r>
+          </a:p>
+          <a:p>
+            <a:endParaRPr lang="nl-NL" dirty="0"/>
           </a:p>
         </p:txBody>
       </p:sp>
@@ -7405,62 +7031,29 @@
           <a:p>
             <a:r>
               <a:rPr lang="en-US" dirty="0" smtClean="0"/>
-              <a:t>VOTING APP</a:t>
+              <a:t>DOCKER NETWORK</a:t>
             </a:r>
             <a:endParaRPr lang="nl-NL" dirty="0"/>
-          </a:p>
-        </p:txBody>
-      </p:sp>
-      <p:sp>
-        <p:nvSpPr>
-          <p:cNvPr id="4" name="TextBox 3"/>
-          <p:cNvSpPr txBox="1"/>
-          <p:nvPr/>
-        </p:nvSpPr>
-        <p:spPr>
-          <a:xfrm>
-            <a:off x="1228298" y="2914600"/>
-            <a:ext cx="5459105" cy="646331"/>
-          </a:xfrm>
-          <a:prstGeom prst="rect">
-            <a:avLst/>
-          </a:prstGeom>
-          <a:solidFill>
-            <a:srgbClr val="FFFF00"/>
-          </a:solidFill>
-        </p:spPr>
-        <p:txBody>
-          <a:bodyPr wrap="square" rtlCol="0">
-            <a:spAutoFit/>
-          </a:bodyPr>
-          <a:lstStyle/>
-          <a:p>
-            <a:r>
-              <a:rPr lang="en-US" sz="3600" dirty="0" smtClean="0"/>
-              <a:t>Docker-compose </a:t>
-            </a:r>
-            <a:r>
-              <a:rPr lang="en-US" sz="3600" dirty="0"/>
-              <a:t>up -- </a:t>
-            </a:r>
-            <a:r>
-              <a:rPr lang="en-US" sz="3600" dirty="0" smtClean="0"/>
-              <a:t>build</a:t>
-            </a:r>
-            <a:endParaRPr lang="nl-NL" sz="3600" dirty="0"/>
           </a:p>
         </p:txBody>
       </p:sp>
     </p:spTree>
     <p:extLst>
       <p:ext uri="{BB962C8B-B14F-4D97-AF65-F5344CB8AC3E}">
-        <p14:creationId xmlns:p14="http://schemas.microsoft.com/office/powerpoint/2010/main" val="1846587630"/>
+        <p14:creationId xmlns:p14="http://schemas.microsoft.com/office/powerpoint/2010/main" val="2570838152"/>
       </p:ext>
     </p:extLst>
   </p:cSld>
   <p:clrMapOvr>
     <a:masterClrMapping/>
   </p:clrMapOvr>
+  <p:timing>
+    <p:tnLst>
+      <p:par>
+        <p:cTn id="1" dur="indefinite" restart="never" nodeType="tmRoot"/>
+      </p:par>
+    </p:tnLst>
+  </p:timing>
 </p:sld>
 </file>
 
@@ -7481,40 +7074,14 @@
           <a:chExt cx="0" cy="0"/>
         </a:xfrm>
       </p:grpSpPr>
-      <p:pic>
-        <p:nvPicPr>
-          <p:cNvPr id="4" name="Content Placeholder 3"/>
-          <p:cNvPicPr>
-            <a:picLocks noGrp="1" noChangeAspect="1"/>
-          </p:cNvPicPr>
+      <p:sp>
+        <p:nvSpPr>
+          <p:cNvPr id="2" name="Content Placeholder 1"/>
+          <p:cNvSpPr>
+            <a:spLocks noGrp="1"/>
+          </p:cNvSpPr>
           <p:nvPr>
             <p:ph idx="1"/>
-          </p:nvPr>
-        </p:nvPicPr>
-        <p:blipFill>
-          <a:blip r:embed="rId2"/>
-          <a:stretch>
-            <a:fillRect/>
-          </a:stretch>
-        </p:blipFill>
-        <p:spPr>
-          <a:xfrm>
-            <a:off x="617538" y="1666601"/>
-            <a:ext cx="8162925" cy="4016923"/>
-          </a:xfrm>
-          <a:prstGeom prst="rect">
-            <a:avLst/>
-          </a:prstGeom>
-        </p:spPr>
-      </p:pic>
-      <p:sp>
-        <p:nvSpPr>
-          <p:cNvPr id="3" name="Title 2"/>
-          <p:cNvSpPr>
-            <a:spLocks noGrp="1"/>
-          </p:cNvSpPr>
-          <p:nvPr>
-            <p:ph type="title"/>
           </p:nvPr>
         </p:nvSpPr>
         <p:spPr/>
@@ -7523,8 +7090,68 @@
           <a:lstStyle/>
           <a:p>
             <a:r>
-              <a:rPr lang="en-US" dirty="0" smtClean="0"/>
-              <a:t>VOTING app</a:t>
+              <a:rPr lang="en-US" dirty="0" err="1"/>
+              <a:t>d</a:t>
+            </a:r>
+            <a:r>
+              <a:rPr lang="en-US" dirty="0" err="1" smtClean="0"/>
+              <a:t>ocker</a:t>
+            </a:r>
+            <a:r>
+              <a:rPr lang="en-US" dirty="0" smtClean="0"/>
+              <a:t> create volume &lt;name&gt;</a:t>
+            </a:r>
+          </a:p>
+          <a:p>
+            <a:pPr marL="0" indent="0">
+              <a:buNone/>
+            </a:pPr>
+            <a:endParaRPr lang="en-US" dirty="0"/>
+          </a:p>
+          <a:p>
+            <a:r>
+              <a:rPr lang="en-US" dirty="0" err="1"/>
+              <a:t>d</a:t>
+            </a:r>
+            <a:r>
+              <a:rPr lang="en-US" dirty="0" err="1" smtClean="0"/>
+              <a:t>ocker</a:t>
+            </a:r>
+            <a:r>
+              <a:rPr lang="en-US" dirty="0" smtClean="0"/>
+              <a:t> volume inspect</a:t>
+            </a:r>
+          </a:p>
+          <a:p>
+            <a:endParaRPr lang="en-US" dirty="0"/>
+          </a:p>
+          <a:p>
+            <a:r>
+              <a:rPr lang="en-US" dirty="0" smtClean="0"/>
+              <a:t>Use with –v &lt;name&gt;:&lt;directory of data&gt;</a:t>
+            </a:r>
+            <a:endParaRPr lang="nl-NL" dirty="0"/>
+          </a:p>
+        </p:txBody>
+      </p:sp>
+      <p:sp>
+        <p:nvSpPr>
+          <p:cNvPr id="3" name="Title 2"/>
+          <p:cNvSpPr>
+            <a:spLocks noGrp="1"/>
+          </p:cNvSpPr>
+          <p:nvPr>
+            <p:ph type="title"/>
+          </p:nvPr>
+        </p:nvSpPr>
+        <p:spPr/>
+        <p:txBody>
+          <a:bodyPr/>
+          <a:lstStyle/>
+          <a:p>
+            <a:r>
+              <a:rPr lang="en-US" dirty="0" smtClean="0"/>
+              <a:t>DOCKER VOLUME</a:t>
             </a:r>
             <a:endParaRPr lang="nl-NL" dirty="0"/>
           </a:p>
@@ -7533,13 +7160,20 @@
     </p:spTree>
     <p:extLst>
       <p:ext uri="{BB962C8B-B14F-4D97-AF65-F5344CB8AC3E}">
-        <p14:creationId xmlns:p14="http://schemas.microsoft.com/office/powerpoint/2010/main" val="2240620556"/>
+        <p14:creationId xmlns:p14="http://schemas.microsoft.com/office/powerpoint/2010/main" val="3781710363"/>
       </p:ext>
     </p:extLst>
   </p:cSld>
   <p:clrMapOvr>
     <a:masterClrMapping/>
   </p:clrMapOvr>
+  <p:timing>
+    <p:tnLst>
+      <p:par>
+        <p:cTn id="1" dur="indefinite" restart="never" nodeType="tmRoot"/>
+      </p:par>
+    </p:tnLst>
+  </p:timing>
 </p:sld>
 </file>
 
@@ -7572,34 +7206,220 @@
         </p:nvSpPr>
         <p:spPr/>
         <p:txBody>
+          <a:bodyPr>
+            <a:normAutofit fontScale="32500" lnSpcReduction="20000"/>
+          </a:bodyPr>
+          <a:lstStyle/>
+          <a:p>
+            <a:r>
+              <a:rPr lang="en-US" sz="5900" dirty="0" smtClean="0"/>
+              <a:t>Why</a:t>
+            </a:r>
+          </a:p>
+          <a:p>
+            <a:pPr lvl="1"/>
+            <a:r>
+              <a:rPr lang="en-US" sz="4200" dirty="0" smtClean="0"/>
+              <a:t>Example from Docker</a:t>
+            </a:r>
+          </a:p>
+          <a:p>
+            <a:pPr lvl="1"/>
+            <a:r>
+              <a:rPr lang="en-US" sz="4200" dirty="0" smtClean="0"/>
+              <a:t>Start with 1 Docker-compose command</a:t>
+            </a:r>
+          </a:p>
+          <a:p>
+            <a:pPr lvl="1"/>
+            <a:r>
+              <a:rPr lang="en-US" sz="4200" dirty="0" smtClean="0"/>
+              <a:t>Also with build command</a:t>
+            </a:r>
+          </a:p>
+          <a:p>
+            <a:pPr lvl="1"/>
+            <a:endParaRPr lang="en-US" sz="4200" dirty="0" smtClean="0"/>
+          </a:p>
+          <a:p>
+            <a:pPr lvl="1"/>
+            <a:endParaRPr lang="en-US" sz="4200" dirty="0"/>
+          </a:p>
+          <a:p>
+            <a:r>
+              <a:rPr lang="en-US" sz="5900" dirty="0" smtClean="0"/>
+              <a:t>What:</a:t>
+            </a:r>
+          </a:p>
+          <a:p>
+            <a:pPr lvl="1"/>
+            <a:r>
+              <a:rPr lang="en-US" sz="5700" dirty="0" smtClean="0"/>
+              <a:t>Voting app</a:t>
+            </a:r>
+          </a:p>
+          <a:p>
+            <a:pPr lvl="1"/>
+            <a:r>
+              <a:rPr lang="en-US" sz="4200" dirty="0" smtClean="0"/>
+              <a:t>5 </a:t>
+            </a:r>
+            <a:r>
+              <a:rPr lang="en-US" sz="4200" dirty="0" err="1" smtClean="0"/>
+              <a:t>Micoservices</a:t>
+            </a:r>
+            <a:endParaRPr lang="en-US" sz="4200" dirty="0" smtClean="0"/>
+          </a:p>
+          <a:p>
+            <a:pPr lvl="2"/>
+            <a:r>
+              <a:rPr lang="en-US" sz="4200" dirty="0" smtClean="0"/>
+              <a:t>Python</a:t>
+            </a:r>
+          </a:p>
+          <a:p>
+            <a:pPr lvl="2"/>
+            <a:r>
+              <a:rPr lang="en-US" sz="4200" dirty="0" err="1" smtClean="0"/>
+              <a:t>NodeJS</a:t>
+            </a:r>
+            <a:endParaRPr lang="en-US" sz="4200" dirty="0" smtClean="0"/>
+          </a:p>
+          <a:p>
+            <a:pPr lvl="2"/>
+            <a:r>
+              <a:rPr lang="en-US" sz="4200" dirty="0" err="1" smtClean="0"/>
+              <a:t>.Net</a:t>
+            </a:r>
+            <a:endParaRPr lang="en-US" sz="4200" dirty="0" smtClean="0"/>
+          </a:p>
+          <a:p>
+            <a:pPr lvl="2"/>
+            <a:r>
+              <a:rPr lang="en-US" sz="4200" dirty="0" err="1" smtClean="0"/>
+              <a:t>Redis</a:t>
+            </a:r>
+            <a:endParaRPr lang="en-US" sz="4200" dirty="0" smtClean="0"/>
+          </a:p>
+          <a:p>
+            <a:pPr lvl="2"/>
+            <a:r>
+              <a:rPr lang="en-US" sz="4200" dirty="0" smtClean="0"/>
+              <a:t>PostgreSQL</a:t>
+            </a:r>
+          </a:p>
+          <a:p>
+            <a:pPr lvl="2"/>
+            <a:endParaRPr lang="en-US" dirty="0"/>
+          </a:p>
+          <a:p>
+            <a:pPr lvl="1"/>
+            <a:endParaRPr lang="en-US" dirty="0" smtClean="0"/>
+          </a:p>
+          <a:p>
+            <a:pPr lvl="1"/>
+            <a:endParaRPr lang="en-US" dirty="0"/>
+          </a:p>
+          <a:p>
+            <a:pPr lvl="1"/>
+            <a:endParaRPr lang="en-US" dirty="0" smtClean="0"/>
+          </a:p>
+          <a:p>
+            <a:pPr lvl="1"/>
+            <a:endParaRPr lang="en-US" dirty="0"/>
+          </a:p>
+          <a:p>
+            <a:pPr lvl="1"/>
+            <a:endParaRPr lang="en-US" dirty="0" smtClean="0"/>
+          </a:p>
+          <a:p>
+            <a:pPr lvl="1"/>
+            <a:endParaRPr lang="en-US" dirty="0"/>
+          </a:p>
+          <a:p>
+            <a:pPr lvl="1"/>
+            <a:endParaRPr lang="en-US" dirty="0" smtClean="0"/>
+          </a:p>
+          <a:p>
+            <a:pPr lvl="1"/>
+            <a:endParaRPr lang="en-US" sz="4500" dirty="0"/>
+          </a:p>
+          <a:p>
+            <a:pPr lvl="1"/>
+            <a:endParaRPr lang="en-US" sz="4500" dirty="0" smtClean="0"/>
+          </a:p>
+          <a:p>
+            <a:r>
+              <a:rPr lang="en-US" sz="4500" dirty="0">
+                <a:hlinkClick r:id="rId2"/>
+              </a:rPr>
+              <a:t>https://</a:t>
+            </a:r>
+            <a:r>
+              <a:rPr lang="en-US" sz="4500" dirty="0" smtClean="0">
+                <a:hlinkClick r:id="rId2"/>
+              </a:rPr>
+              <a:t>github.com/dockersamples/example-voting-app</a:t>
+            </a:r>
+            <a:r>
+              <a:rPr lang="en-US" sz="4500" dirty="0" smtClean="0"/>
+              <a:t> </a:t>
+            </a:r>
+            <a:endParaRPr lang="en-US" sz="4500" dirty="0"/>
+          </a:p>
+          <a:p>
+            <a:pPr lvl="1"/>
+            <a:endParaRPr lang="en-US" dirty="0"/>
+          </a:p>
+          <a:p>
+            <a:pPr lvl="2"/>
+            <a:endParaRPr lang="en-US" dirty="0" smtClean="0"/>
+          </a:p>
+          <a:p>
+            <a:pPr marL="265107" lvl="1" indent="0">
+              <a:buNone/>
+            </a:pPr>
+            <a:endParaRPr lang="en-US" dirty="0" smtClean="0"/>
+          </a:p>
+          <a:p>
+            <a:pPr lvl="1"/>
+            <a:endParaRPr lang="nl-NL" dirty="0"/>
+          </a:p>
+        </p:txBody>
+      </p:sp>
+      <p:sp>
+        <p:nvSpPr>
+          <p:cNvPr id="3" name="Title 2"/>
+          <p:cNvSpPr>
+            <a:spLocks noGrp="1"/>
+          </p:cNvSpPr>
+          <p:nvPr>
+            <p:ph type="title"/>
+          </p:nvPr>
+        </p:nvSpPr>
+        <p:spPr/>
+        <p:txBody>
           <a:bodyPr/>
           <a:lstStyle/>
           <a:p>
-            <a:pPr marL="0" indent="0">
-              <a:buNone/>
-            </a:pPr>
-            <a:endParaRPr lang="nl-NL" dirty="0"/>
-          </a:p>
-        </p:txBody>
-      </p:sp>
-      <p:sp>
-        <p:nvSpPr>
-          <p:cNvPr id="3" name="Title 2"/>
-          <p:cNvSpPr>
-            <a:spLocks noGrp="1"/>
-          </p:cNvSpPr>
-          <p:nvPr>
-            <p:ph type="title"/>
-          </p:nvPr>
-        </p:nvSpPr>
-        <p:spPr/>
-        <p:txBody>
-          <a:bodyPr/>
-          <a:lstStyle/>
-          <a:p>
-            <a:r>
-              <a:rPr lang="en-US" dirty="0" smtClean="0"/>
-              <a:t>Logging</a:t>
+            <a:r>
+              <a:rPr lang="en-US" dirty="0" smtClean="0"/>
+              <a:t>EASE </a:t>
+            </a:r>
+            <a:r>
+              <a:rPr lang="en-US" dirty="0" err="1" smtClean="0"/>
+              <a:t>oF</a:t>
+            </a:r>
+            <a:r>
+              <a:rPr lang="en-US" dirty="0" smtClean="0"/>
+              <a:t> DOCKER</a:t>
+            </a:r>
+            <a:br>
+              <a:rPr lang="en-US" dirty="0" smtClean="0"/>
+            </a:br>
+            <a:r>
+              <a:rPr lang="en-US" dirty="0" smtClean="0"/>
+              <a:t>VOTING Application</a:t>
             </a:r>
             <a:endParaRPr lang="nl-NL" dirty="0"/>
           </a:p>
@@ -7608,7 +7428,7 @@
     </p:spTree>
     <p:extLst>
       <p:ext uri="{BB962C8B-B14F-4D97-AF65-F5344CB8AC3E}">
-        <p14:creationId xmlns:p14="http://schemas.microsoft.com/office/powerpoint/2010/main" val="2405537758"/>
+        <p14:creationId xmlns:p14="http://schemas.microsoft.com/office/powerpoint/2010/main" val="2322438100"/>
       </p:ext>
     </p:extLst>
   </p:cSld>
@@ -7871,55 +7691,320 @@
           </p:nvPr>
         </p:nvPicPr>
         <p:blipFill>
-          <a:blip r:embed="rId2"/>
+          <a:blip r:embed="rId2">
+            <a:extLst>
+              <a:ext uri="{28A0092B-C50C-407E-A947-70E740481C1C}">
+                <a14:useLocalDpi xmlns:a14="http://schemas.microsoft.com/office/drawing/2010/main" val="0"/>
+              </a:ext>
+            </a:extLst>
+          </a:blip>
           <a:stretch>
             <a:fillRect/>
           </a:stretch>
         </p:blipFill>
         <p:spPr>
           <a:xfrm>
-            <a:off x="617539" y="1647625"/>
-            <a:ext cx="8162925" cy="888594"/>
+            <a:off x="1009776" y="1409700"/>
+            <a:ext cx="6040966" cy="4530725"/>
+          </a:xfrm>
+        </p:spPr>
+      </p:pic>
+      <p:sp>
+        <p:nvSpPr>
+          <p:cNvPr id="3" name="Title 2"/>
+          <p:cNvSpPr>
+            <a:spLocks noGrp="1"/>
+          </p:cNvSpPr>
+          <p:nvPr>
+            <p:ph type="title"/>
+          </p:nvPr>
+        </p:nvSpPr>
+        <p:spPr/>
+        <p:txBody>
+          <a:bodyPr/>
+          <a:lstStyle/>
+          <a:p>
+            <a:r>
+              <a:rPr lang="en-US" dirty="0" smtClean="0"/>
+              <a:t>VOTING Application</a:t>
+            </a:r>
+            <a:br>
+              <a:rPr lang="en-US" dirty="0" smtClean="0"/>
+            </a:br>
+            <a:r>
+              <a:rPr lang="en-US" dirty="0" smtClean="0"/>
+              <a:t>ARCHITECTURE – </a:t>
+            </a:r>
+            <a:r>
+              <a:rPr lang="en-US" dirty="0" err="1" smtClean="0"/>
+              <a:t>InfrastruCTURE</a:t>
+            </a:r>
+            <a:r>
+              <a:rPr lang="en-US" dirty="0" smtClean="0"/>
+              <a:t> </a:t>
+            </a:r>
+            <a:endParaRPr lang="nl-NL" dirty="0"/>
+          </a:p>
+        </p:txBody>
+      </p:sp>
+      <p:sp>
+        <p:nvSpPr>
+          <p:cNvPr id="2" name="Rectangle 1"/>
+          <p:cNvSpPr/>
+          <p:nvPr/>
+        </p:nvSpPr>
+        <p:spPr>
+          <a:xfrm>
+            <a:off x="2173384" y="2620370"/>
+            <a:ext cx="1607046" cy="313898"/>
           </a:xfrm>
           <a:prstGeom prst="rect">
             <a:avLst/>
           </a:prstGeom>
-        </p:spPr>
-      </p:pic>
-      <p:sp>
-        <p:nvSpPr>
-          <p:cNvPr id="3" name="Title 2"/>
-          <p:cNvSpPr>
-            <a:spLocks noGrp="1"/>
-          </p:cNvSpPr>
-          <p:nvPr>
-            <p:ph type="title"/>
-          </p:nvPr>
-        </p:nvSpPr>
-        <p:spPr/>
-        <p:txBody>
-          <a:bodyPr/>
+          <a:solidFill>
+            <a:schemeClr val="tx2">
+              <a:lumMod val="60000"/>
+              <a:lumOff val="40000"/>
+            </a:schemeClr>
+          </a:solidFill>
+        </p:spPr>
+        <p:style>
+          <a:lnRef idx="2">
+            <a:schemeClr val="accent1">
+              <a:shade val="50000"/>
+            </a:schemeClr>
+          </a:lnRef>
+          <a:fillRef idx="1">
+            <a:schemeClr val="accent1"/>
+          </a:fillRef>
+          <a:effectRef idx="0">
+            <a:schemeClr val="accent1"/>
+          </a:effectRef>
+          <a:fontRef idx="minor">
+            <a:schemeClr val="lt1"/>
+          </a:fontRef>
+        </p:style>
+        <p:txBody>
+          <a:bodyPr rtlCol="0" anchor="ctr"/>
           <a:lstStyle/>
           <a:p>
-            <a:r>
-              <a:rPr lang="en-US" dirty="0" smtClean="0"/>
-              <a:t>VOTING app</a:t>
-            </a:r>
-            <a:br>
-              <a:rPr lang="en-US" dirty="0" smtClean="0"/>
-            </a:br>
-            <a:r>
-              <a:rPr lang="en-US" dirty="0" smtClean="0"/>
-              <a:t>Which container are running</a:t>
-            </a:r>
-            <a:endParaRPr lang="nl-NL" dirty="0"/>
+            <a:pPr algn="ctr"/>
+            <a:r>
+              <a:rPr lang="en-US" sz="1400" dirty="0" smtClean="0"/>
+              <a:t>Webserver Linux</a:t>
+            </a:r>
+            <a:endParaRPr lang="nl-NL" sz="1400" dirty="0"/>
+          </a:p>
+        </p:txBody>
+      </p:sp>
+      <p:sp>
+        <p:nvSpPr>
+          <p:cNvPr id="5" name="Rectangle 4"/>
+          <p:cNvSpPr/>
+          <p:nvPr/>
+        </p:nvSpPr>
+        <p:spPr>
+          <a:xfrm>
+            <a:off x="4304710" y="2622642"/>
+            <a:ext cx="1607046" cy="313898"/>
+          </a:xfrm>
+          <a:prstGeom prst="rect">
+            <a:avLst/>
+          </a:prstGeom>
+          <a:solidFill>
+            <a:schemeClr val="tx2">
+              <a:lumMod val="60000"/>
+              <a:lumOff val="40000"/>
+            </a:schemeClr>
+          </a:solidFill>
+        </p:spPr>
+        <p:style>
+          <a:lnRef idx="2">
+            <a:schemeClr val="accent1">
+              <a:shade val="50000"/>
+            </a:schemeClr>
+          </a:lnRef>
+          <a:fillRef idx="1">
+            <a:schemeClr val="accent1"/>
+          </a:fillRef>
+          <a:effectRef idx="0">
+            <a:schemeClr val="accent1"/>
+          </a:effectRef>
+          <a:fontRef idx="minor">
+            <a:schemeClr val="lt1"/>
+          </a:fontRef>
+        </p:style>
+        <p:txBody>
+          <a:bodyPr rtlCol="0" anchor="ctr"/>
+          <a:lstStyle/>
+          <a:p>
+            <a:pPr algn="ctr"/>
+            <a:r>
+              <a:rPr lang="en-US" sz="1600" dirty="0" err="1" smtClean="0"/>
+              <a:t>Applicatie</a:t>
+            </a:r>
+            <a:r>
+              <a:rPr lang="en-US" sz="1600" dirty="0" smtClean="0"/>
+              <a:t> server</a:t>
+            </a:r>
+            <a:endParaRPr lang="nl-NL" sz="1600" dirty="0"/>
+          </a:p>
+        </p:txBody>
+      </p:sp>
+      <p:sp>
+        <p:nvSpPr>
+          <p:cNvPr id="6" name="Rectangle 5"/>
+          <p:cNvSpPr/>
+          <p:nvPr/>
+        </p:nvSpPr>
+        <p:spPr>
+          <a:xfrm>
+            <a:off x="1957289" y="4096606"/>
+            <a:ext cx="1607046" cy="313898"/>
+          </a:xfrm>
+          <a:prstGeom prst="rect">
+            <a:avLst/>
+          </a:prstGeom>
+          <a:solidFill>
+            <a:schemeClr val="tx2">
+              <a:lumMod val="60000"/>
+              <a:lumOff val="40000"/>
+            </a:schemeClr>
+          </a:solidFill>
+        </p:spPr>
+        <p:style>
+          <a:lnRef idx="2">
+            <a:schemeClr val="accent1">
+              <a:shade val="50000"/>
+            </a:schemeClr>
+          </a:lnRef>
+          <a:fillRef idx="1">
+            <a:schemeClr val="accent1"/>
+          </a:fillRef>
+          <a:effectRef idx="0">
+            <a:schemeClr val="accent1"/>
+          </a:effectRef>
+          <a:fontRef idx="minor">
+            <a:schemeClr val="lt1"/>
+          </a:fontRef>
+        </p:style>
+        <p:txBody>
+          <a:bodyPr rtlCol="0" anchor="ctr"/>
+          <a:lstStyle/>
+          <a:p>
+            <a:pPr algn="ctr"/>
+            <a:r>
+              <a:rPr lang="en-US" sz="1600" dirty="0" smtClean="0"/>
+              <a:t>Special server</a:t>
+            </a:r>
+            <a:endParaRPr lang="nl-NL" sz="1600" dirty="0"/>
+          </a:p>
+        </p:txBody>
+      </p:sp>
+      <p:sp>
+        <p:nvSpPr>
+          <p:cNvPr id="7" name="Rectangle 6"/>
+          <p:cNvSpPr/>
+          <p:nvPr/>
+        </p:nvSpPr>
+        <p:spPr>
+          <a:xfrm>
+            <a:off x="4495784" y="4096602"/>
+            <a:ext cx="1607046" cy="313898"/>
+          </a:xfrm>
+          <a:prstGeom prst="rect">
+            <a:avLst/>
+          </a:prstGeom>
+          <a:solidFill>
+            <a:schemeClr val="tx2">
+              <a:lumMod val="60000"/>
+              <a:lumOff val="40000"/>
+            </a:schemeClr>
+          </a:solidFill>
+        </p:spPr>
+        <p:style>
+          <a:lnRef idx="2">
+            <a:schemeClr val="accent1">
+              <a:shade val="50000"/>
+            </a:schemeClr>
+          </a:lnRef>
+          <a:fillRef idx="1">
+            <a:schemeClr val="accent1"/>
+          </a:fillRef>
+          <a:effectRef idx="0">
+            <a:schemeClr val="accent1"/>
+          </a:effectRef>
+          <a:fontRef idx="minor">
+            <a:schemeClr val="lt1"/>
+          </a:fontRef>
+        </p:style>
+        <p:txBody>
+          <a:bodyPr rtlCol="0" anchor="ctr"/>
+          <a:lstStyle/>
+          <a:p>
+            <a:pPr algn="ctr"/>
+            <a:r>
+              <a:rPr lang="en-US" sz="1600" dirty="0" smtClean="0"/>
+              <a:t>Database server</a:t>
+            </a:r>
+            <a:endParaRPr lang="nl-NL" sz="1600" dirty="0"/>
+          </a:p>
+        </p:txBody>
+      </p:sp>
+      <p:sp>
+        <p:nvSpPr>
+          <p:cNvPr id="8" name="Rectangle 7"/>
+          <p:cNvSpPr/>
+          <p:nvPr/>
+        </p:nvSpPr>
+        <p:spPr>
+          <a:xfrm>
+            <a:off x="3240188" y="5584214"/>
+            <a:ext cx="1607046" cy="313898"/>
+          </a:xfrm>
+          <a:prstGeom prst="rect">
+            <a:avLst/>
+          </a:prstGeom>
+          <a:solidFill>
+            <a:schemeClr val="tx2">
+              <a:lumMod val="60000"/>
+              <a:lumOff val="40000"/>
+            </a:schemeClr>
+          </a:solidFill>
+        </p:spPr>
+        <p:style>
+          <a:lnRef idx="2">
+            <a:schemeClr val="accent1">
+              <a:shade val="50000"/>
+            </a:schemeClr>
+          </a:lnRef>
+          <a:fillRef idx="1">
+            <a:schemeClr val="accent1"/>
+          </a:fillRef>
+          <a:effectRef idx="0">
+            <a:schemeClr val="accent1"/>
+          </a:effectRef>
+          <a:fontRef idx="minor">
+            <a:schemeClr val="lt1"/>
+          </a:fontRef>
+        </p:style>
+        <p:txBody>
+          <a:bodyPr rtlCol="0" anchor="ctr"/>
+          <a:lstStyle/>
+          <a:p>
+            <a:pPr algn="ctr"/>
+            <a:r>
+              <a:rPr lang="en-US" sz="1400" dirty="0" smtClean="0"/>
+              <a:t>Webserver Wintel</a:t>
+            </a:r>
+            <a:endParaRPr lang="nl-NL" sz="1400" dirty="0"/>
           </a:p>
         </p:txBody>
       </p:sp>
     </p:spTree>
     <p:extLst>
       <p:ext uri="{BB962C8B-B14F-4D97-AF65-F5344CB8AC3E}">
-        <p14:creationId xmlns:p14="http://schemas.microsoft.com/office/powerpoint/2010/main" val="2838169353"/>
+        <p14:creationId xmlns:p14="http://schemas.microsoft.com/office/powerpoint/2010/main" val="500494257"/>
       </p:ext>
     </p:extLst>
   </p:cSld>
@@ -7953,14 +8038,43 @@
           <a:chExt cx="0" cy="0"/>
         </a:xfrm>
       </p:grpSpPr>
-      <p:sp>
-        <p:nvSpPr>
-          <p:cNvPr id="2" name="Content Placeholder 1"/>
+      <p:pic>
+        <p:nvPicPr>
+          <p:cNvPr id="4" name="Content Placeholder 3"/>
+          <p:cNvPicPr>
+            <a:picLocks noGrp="1" noChangeAspect="1"/>
+          </p:cNvPicPr>
+          <p:nvPr>
+            <p:ph idx="1"/>
+          </p:nvPr>
+        </p:nvPicPr>
+        <p:blipFill>
+          <a:blip r:embed="rId3">
+            <a:extLst>
+              <a:ext uri="{28A0092B-C50C-407E-A947-70E740481C1C}">
+                <a14:useLocalDpi xmlns:a14="http://schemas.microsoft.com/office/drawing/2010/main" val="0"/>
+              </a:ext>
+            </a:extLst>
+          </a:blip>
+          <a:stretch>
+            <a:fillRect/>
+          </a:stretch>
+        </p:blipFill>
+        <p:spPr>
+          <a:xfrm>
+            <a:off x="1009776" y="1409700"/>
+            <a:ext cx="6040966" cy="4530725"/>
+          </a:xfrm>
+        </p:spPr>
+      </p:pic>
+      <p:sp>
+        <p:nvSpPr>
+          <p:cNvPr id="3" name="Title 2"/>
           <p:cNvSpPr>
             <a:spLocks noGrp="1"/>
           </p:cNvSpPr>
           <p:nvPr>
-            <p:ph idx="1"/>
+            <p:ph type="title"/>
           </p:nvPr>
         </p:nvSpPr>
         <p:spPr/>
@@ -7970,72 +8084,94 @@
           <a:p>
             <a:r>
               <a:rPr lang="en-US" dirty="0" smtClean="0"/>
-              <a:t>DOCKER network ls</a:t>
-            </a:r>
-          </a:p>
-          <a:p>
-            <a:pPr lvl="1"/>
-            <a:r>
-              <a:rPr lang="en-US" dirty="0" smtClean="0"/>
-              <a:t>bridge: default network – 1 host</a:t>
-            </a:r>
-          </a:p>
-          <a:p>
-            <a:pPr lvl="1"/>
-            <a:r>
-              <a:rPr lang="en-US" dirty="0" smtClean="0"/>
-              <a:t>Host, none in use Docker </a:t>
+              <a:t>VOTING Application</a:t>
+            </a:r>
+            <a:br>
+              <a:rPr lang="en-US" dirty="0" smtClean="0"/>
+            </a:br>
+            <a:r>
+              <a:rPr lang="en-US" dirty="0" smtClean="0"/>
+              <a:t>ARCHITECTURE – </a:t>
             </a:r>
             <a:r>
               <a:rPr lang="en-US" dirty="0" err="1" smtClean="0"/>
-              <a:t>deamon</a:t>
-            </a:r>
-            <a:endParaRPr lang="en-US" dirty="0" smtClean="0"/>
-          </a:p>
-          <a:p>
-            <a:r>
-              <a:rPr lang="en-US" dirty="0" smtClean="0"/>
-              <a:t>Docker network &lt;name&gt; inspect&gt;</a:t>
-            </a:r>
-          </a:p>
-          <a:p>
+              <a:t>InfrastruCTURE</a:t>
+            </a:r>
+            <a:r>
+              <a:rPr lang="en-US" dirty="0" smtClean="0"/>
+              <a:t> </a:t>
+            </a:r>
             <a:endParaRPr lang="nl-NL" dirty="0"/>
           </a:p>
         </p:txBody>
       </p:sp>
       <p:sp>
         <p:nvSpPr>
-          <p:cNvPr id="3" name="Title 2"/>
-          <p:cNvSpPr>
-            <a:spLocks noGrp="1"/>
-          </p:cNvSpPr>
-          <p:nvPr>
-            <p:ph type="title"/>
-          </p:nvPr>
-        </p:nvSpPr>
-        <p:spPr/>
-        <p:txBody>
-          <a:bodyPr/>
+          <p:cNvPr id="9" name="Rectangle 8"/>
+          <p:cNvSpPr/>
+          <p:nvPr/>
+        </p:nvSpPr>
+        <p:spPr>
+          <a:xfrm>
+            <a:off x="1343346" y="5677469"/>
+            <a:ext cx="5592194" cy="262956"/>
+          </a:xfrm>
+          <a:prstGeom prst="rect">
+            <a:avLst/>
+          </a:prstGeom>
+          <a:solidFill>
+            <a:schemeClr val="tx2">
+              <a:lumMod val="60000"/>
+              <a:lumOff val="40000"/>
+            </a:schemeClr>
+          </a:solidFill>
+        </p:spPr>
+        <p:style>
+          <a:lnRef idx="2">
+            <a:schemeClr val="accent1">
+              <a:shade val="50000"/>
+            </a:schemeClr>
+          </a:lnRef>
+          <a:fillRef idx="1">
+            <a:schemeClr val="accent1"/>
+          </a:fillRef>
+          <a:effectRef idx="0">
+            <a:schemeClr val="accent1"/>
+          </a:effectRef>
+          <a:fontRef idx="minor">
+            <a:schemeClr val="lt1"/>
+          </a:fontRef>
+        </p:style>
+        <p:txBody>
+          <a:bodyPr rtlCol="0" anchor="ctr"/>
           <a:lstStyle/>
           <a:p>
-            <a:r>
-              <a:rPr lang="en-US" dirty="0" smtClean="0"/>
-              <a:t>DOCKER NETWORK</a:t>
-            </a:r>
-            <a:endParaRPr lang="nl-NL" dirty="0"/>
+            <a:pPr algn="ctr"/>
+            <a:r>
+              <a:rPr lang="en-US" sz="1400" dirty="0" err="1" smtClean="0"/>
+              <a:t>DockerHost</a:t>
+            </a:r>
+            <a:endParaRPr lang="nl-NL" sz="1400" dirty="0"/>
           </a:p>
         </p:txBody>
       </p:sp>
     </p:spTree>
     <p:extLst>
       <p:ext uri="{BB962C8B-B14F-4D97-AF65-F5344CB8AC3E}">
-        <p14:creationId xmlns:p14="http://schemas.microsoft.com/office/powerpoint/2010/main" val="2570838152"/>
+        <p14:creationId xmlns:p14="http://schemas.microsoft.com/office/powerpoint/2010/main" val="3586595352"/>
       </p:ext>
     </p:extLst>
   </p:cSld>
   <p:clrMapOvr>
     <a:masterClrMapping/>
   </p:clrMapOvr>
+  <p:timing>
+    <p:tnLst>
+      <p:par>
+        <p:cTn id="1" dur="indefinite" restart="never" nodeType="tmRoot"/>
+      </p:par>
+    </p:tnLst>
+  </p:timing>
 </p:sld>
 </file>
 
@@ -8066,77 +8202,23 @@
             <p:ph idx="1"/>
           </p:nvPr>
         </p:nvSpPr>
-        <p:spPr/>
+        <p:spPr>
+          <a:xfrm>
+            <a:off x="617539" y="1295518"/>
+            <a:ext cx="8163164" cy="4530827"/>
+          </a:xfrm>
+        </p:spPr>
         <p:txBody>
           <a:bodyPr/>
           <a:lstStyle/>
           <a:p>
             <a:r>
               <a:rPr lang="en-US" dirty="0" smtClean="0"/>
-              <a:t>Works only on 1 host</a:t>
-            </a:r>
-          </a:p>
-          <a:p>
-            <a:pPr lvl="1"/>
-            <a:r>
-              <a:rPr lang="en-US" dirty="0" smtClean="0"/>
-              <a:t>DNS name</a:t>
-            </a:r>
-          </a:p>
-          <a:p>
-            <a:pPr lvl="2"/>
-            <a:r>
-              <a:rPr lang="en-US" dirty="0" smtClean="0"/>
-              <a:t>Default bridge has no DNS due backwards compatible</a:t>
+              <a:t>Start with 1 command:</a:t>
             </a:r>
           </a:p>
           <a:p>
             <a:endParaRPr lang="en-US" dirty="0"/>
-          </a:p>
-          <a:p>
-            <a:r>
-              <a:rPr lang="en-US" dirty="0" smtClean="0"/>
-              <a:t>Docker network create –driver bridge &lt;network-name&gt;</a:t>
-            </a:r>
-            <a:endParaRPr lang="nl-NL" dirty="0" smtClean="0"/>
-          </a:p>
-          <a:p>
-            <a:endParaRPr lang="en-US" dirty="0" smtClean="0"/>
-          </a:p>
-          <a:p>
-            <a:r>
-              <a:rPr lang="en-US" dirty="0" smtClean="0"/>
-              <a:t>Run with: --net &lt;name&gt;</a:t>
-            </a:r>
-          </a:p>
-          <a:p>
-            <a:endParaRPr lang="en-US" dirty="0"/>
-          </a:p>
-          <a:p>
-            <a:r>
-              <a:rPr lang="en-US" dirty="0" smtClean="0"/>
-              <a:t>Check with:</a:t>
-            </a:r>
-          </a:p>
-          <a:p>
-            <a:pPr lvl="1"/>
-            <a:r>
-              <a:rPr lang="en-US" dirty="0" smtClean="0"/>
-              <a:t>Docker network inspect</a:t>
-            </a:r>
-          </a:p>
-          <a:p>
-            <a:pPr lvl="1"/>
-            <a:r>
-              <a:rPr lang="en-US" dirty="0" smtClean="0"/>
-              <a:t>Docker container exec –it &lt;container-name&gt; ping &lt;container-name&gt;</a:t>
-            </a:r>
-          </a:p>
-          <a:p>
-            <a:endParaRPr lang="en-US" dirty="0" smtClean="0"/>
-          </a:p>
-          <a:p>
-            <a:endParaRPr lang="nl-NL" dirty="0"/>
           </a:p>
         </p:txBody>
       </p:sp>
@@ -8157,22 +8239,69 @@
           <a:p>
             <a:r>
               <a:rPr lang="en-US" dirty="0" smtClean="0"/>
-              <a:t>NEW Docker BRIDGE network</a:t>
+              <a:t>VOTING APP</a:t>
             </a:r>
             <a:endParaRPr lang="nl-NL" dirty="0"/>
+          </a:p>
+        </p:txBody>
+      </p:sp>
+      <p:sp>
+        <p:nvSpPr>
+          <p:cNvPr id="4" name="TextBox 3"/>
+          <p:cNvSpPr txBox="1"/>
+          <p:nvPr/>
+        </p:nvSpPr>
+        <p:spPr>
+          <a:xfrm>
+            <a:off x="1228298" y="2914600"/>
+            <a:ext cx="5459105" cy="646331"/>
+          </a:xfrm>
+          <a:prstGeom prst="rect">
+            <a:avLst/>
+          </a:prstGeom>
+          <a:solidFill>
+            <a:srgbClr val="FFFF00"/>
+          </a:solidFill>
+        </p:spPr>
+        <p:txBody>
+          <a:bodyPr wrap="square" rtlCol="0">
+            <a:spAutoFit/>
+          </a:bodyPr>
+          <a:lstStyle/>
+          <a:p>
+            <a:r>
+              <a:rPr lang="en-US" sz="3600" dirty="0" smtClean="0"/>
+              <a:t>Docker-compose </a:t>
+            </a:r>
+            <a:r>
+              <a:rPr lang="en-US" sz="3600" dirty="0"/>
+              <a:t>up -- </a:t>
+            </a:r>
+            <a:r>
+              <a:rPr lang="en-US" sz="3600" dirty="0" smtClean="0"/>
+              <a:t>build</a:t>
+            </a:r>
+            <a:endParaRPr lang="nl-NL" sz="3600" dirty="0"/>
           </a:p>
         </p:txBody>
       </p:sp>
     </p:spTree>
     <p:extLst>
       <p:ext uri="{BB962C8B-B14F-4D97-AF65-F5344CB8AC3E}">
-        <p14:creationId xmlns:p14="http://schemas.microsoft.com/office/powerpoint/2010/main" val="1303669840"/>
+        <p14:creationId xmlns:p14="http://schemas.microsoft.com/office/powerpoint/2010/main" val="1846587630"/>
       </p:ext>
     </p:extLst>
   </p:cSld>
   <p:clrMapOvr>
     <a:masterClrMapping/>
   </p:clrMapOvr>
+  <p:timing>
+    <p:tnLst>
+      <p:par>
+        <p:cTn id="1" dur="indefinite" restart="never" nodeType="tmRoot"/>
+      </p:par>
+    </p:tnLst>
+  </p:timing>
 </p:sld>
 </file>
 
@@ -8193,14 +8322,40 @@
           <a:chExt cx="0" cy="0"/>
         </a:xfrm>
       </p:grpSpPr>
-      <p:sp>
-        <p:nvSpPr>
-          <p:cNvPr id="2" name="Content Placeholder 1"/>
+      <p:pic>
+        <p:nvPicPr>
+          <p:cNvPr id="4" name="Content Placeholder 3"/>
+          <p:cNvPicPr>
+            <a:picLocks noGrp="1" noChangeAspect="1"/>
+          </p:cNvPicPr>
+          <p:nvPr>
+            <p:ph idx="1"/>
+          </p:nvPr>
+        </p:nvPicPr>
+        <p:blipFill>
+          <a:blip r:embed="rId2"/>
+          <a:stretch>
+            <a:fillRect/>
+          </a:stretch>
+        </p:blipFill>
+        <p:spPr>
+          <a:xfrm>
+            <a:off x="617538" y="1666601"/>
+            <a:ext cx="8162925" cy="4016923"/>
+          </a:xfrm>
+          <a:prstGeom prst="rect">
+            <a:avLst/>
+          </a:prstGeom>
+        </p:spPr>
+      </p:pic>
+      <p:sp>
+        <p:nvSpPr>
+          <p:cNvPr id="3" name="Title 2"/>
           <p:cNvSpPr>
             <a:spLocks noGrp="1"/>
           </p:cNvSpPr>
           <p:nvPr>
-            <p:ph idx="1"/>
+            <p:ph type="title"/>
           </p:nvPr>
         </p:nvSpPr>
         <p:spPr/>
@@ -8209,68 +8364,8 @@
           <a:lstStyle/>
           <a:p>
             <a:r>
-              <a:rPr lang="en-US" dirty="0" err="1"/>
-              <a:t>d</a:t>
-            </a:r>
-            <a:r>
-              <a:rPr lang="en-US" dirty="0" err="1" smtClean="0"/>
-              <a:t>ocker</a:t>
-            </a:r>
-            <a:r>
-              <a:rPr lang="en-US" dirty="0" smtClean="0"/>
-              <a:t> create volume &lt;name&gt;</a:t>
-            </a:r>
-          </a:p>
-          <a:p>
-            <a:pPr marL="0" indent="0">
-              <a:buNone/>
-            </a:pPr>
-            <a:endParaRPr lang="en-US" dirty="0"/>
-          </a:p>
-          <a:p>
-            <a:r>
-              <a:rPr lang="en-US" dirty="0" err="1"/>
-              <a:t>d</a:t>
-            </a:r>
-            <a:r>
-              <a:rPr lang="en-US" dirty="0" err="1" smtClean="0"/>
-              <a:t>ocker</a:t>
-            </a:r>
-            <a:r>
-              <a:rPr lang="en-US" dirty="0" smtClean="0"/>
-              <a:t> volume inspect</a:t>
-            </a:r>
-          </a:p>
-          <a:p>
-            <a:endParaRPr lang="en-US" dirty="0"/>
-          </a:p>
-          <a:p>
-            <a:r>
-              <a:rPr lang="en-US" dirty="0" smtClean="0"/>
-              <a:t>Use with –v &lt;name&gt;:&lt;directory of data&gt;</a:t>
-            </a:r>
-            <a:endParaRPr lang="nl-NL" dirty="0"/>
-          </a:p>
-        </p:txBody>
-      </p:sp>
-      <p:sp>
-        <p:nvSpPr>
-          <p:cNvPr id="3" name="Title 2"/>
-          <p:cNvSpPr>
-            <a:spLocks noGrp="1"/>
-          </p:cNvSpPr>
-          <p:nvPr>
-            <p:ph type="title"/>
-          </p:nvPr>
-        </p:nvSpPr>
-        <p:spPr/>
-        <p:txBody>
-          <a:bodyPr/>
-          <a:lstStyle/>
-          <a:p>
-            <a:r>
-              <a:rPr lang="en-US" dirty="0" smtClean="0"/>
-              <a:t>DOCKER VOLUME</a:t>
+              <a:rPr lang="en-US" dirty="0" smtClean="0"/>
+              <a:t>VOTING app</a:t>
             </a:r>
             <a:endParaRPr lang="nl-NL" dirty="0"/>
           </a:p>
@@ -8279,13 +8374,20 @@
     </p:spTree>
     <p:extLst>
       <p:ext uri="{BB962C8B-B14F-4D97-AF65-F5344CB8AC3E}">
-        <p14:creationId xmlns:p14="http://schemas.microsoft.com/office/powerpoint/2010/main" val="3781710363"/>
+        <p14:creationId xmlns:p14="http://schemas.microsoft.com/office/powerpoint/2010/main" val="2240620556"/>
       </p:ext>
     </p:extLst>
   </p:cSld>
   <p:clrMapOvr>
     <a:masterClrMapping/>
   </p:clrMapOvr>
+  <p:timing>
+    <p:tnLst>
+      <p:par>
+        <p:cTn id="1" dur="indefinite" restart="never" nodeType="tmRoot"/>
+      </p:par>
+    </p:tnLst>
+  </p:timing>
 </p:sld>
 </file>
 
@@ -8306,14 +8408,40 @@
           <a:chExt cx="0" cy="0"/>
         </a:xfrm>
       </p:grpSpPr>
-      <p:sp>
-        <p:nvSpPr>
-          <p:cNvPr id="2" name="Content Placeholder 1"/>
+      <p:pic>
+        <p:nvPicPr>
+          <p:cNvPr id="4" name="Content Placeholder 3"/>
+          <p:cNvPicPr>
+            <a:picLocks noGrp="1" noChangeAspect="1"/>
+          </p:cNvPicPr>
+          <p:nvPr>
+            <p:ph idx="1"/>
+          </p:nvPr>
+        </p:nvPicPr>
+        <p:blipFill>
+          <a:blip r:embed="rId2"/>
+          <a:stretch>
+            <a:fillRect/>
+          </a:stretch>
+        </p:blipFill>
+        <p:spPr>
+          <a:xfrm>
+            <a:off x="617539" y="1647625"/>
+            <a:ext cx="8162925" cy="888594"/>
+          </a:xfrm>
+          <a:prstGeom prst="rect">
+            <a:avLst/>
+          </a:prstGeom>
+        </p:spPr>
+      </p:pic>
+      <p:sp>
+        <p:nvSpPr>
+          <p:cNvPr id="3" name="Title 2"/>
           <p:cNvSpPr>
             <a:spLocks noGrp="1"/>
           </p:cNvSpPr>
           <p:nvPr>
-            <p:ph idx="1"/>
+            <p:ph type="title"/>
           </p:nvPr>
         </p:nvSpPr>
         <p:spPr/>
@@ -8321,28 +8449,16 @@
           <a:bodyPr/>
           <a:lstStyle/>
           <a:p>
-            <a:endParaRPr lang="nl-NL"/>
-          </a:p>
-        </p:txBody>
-      </p:sp>
-      <p:sp>
-        <p:nvSpPr>
-          <p:cNvPr id="3" name="Title 2"/>
-          <p:cNvSpPr>
-            <a:spLocks noGrp="1"/>
-          </p:cNvSpPr>
-          <p:nvPr>
-            <p:ph type="title"/>
-          </p:nvPr>
-        </p:nvSpPr>
-        <p:spPr/>
-        <p:txBody>
-          <a:bodyPr/>
-          <a:lstStyle/>
-          <a:p>
-            <a:r>
-              <a:rPr lang="en-US" dirty="0" smtClean="0"/>
-              <a:t>OSS EXAMPLE</a:t>
+            <a:r>
+              <a:rPr lang="en-US" dirty="0" smtClean="0"/>
+              <a:t>VOTING app</a:t>
+            </a:r>
+            <a:br>
+              <a:rPr lang="en-US" dirty="0" smtClean="0"/>
+            </a:br>
+            <a:r>
+              <a:rPr lang="en-US" dirty="0" smtClean="0"/>
+              <a:t>Which container are running</a:t>
             </a:r>
             <a:endParaRPr lang="nl-NL" dirty="0"/>
           </a:p>
@@ -8351,175 +8467,7 @@
     </p:spTree>
     <p:extLst>
       <p:ext uri="{BB962C8B-B14F-4D97-AF65-F5344CB8AC3E}">
-        <p14:creationId xmlns:p14="http://schemas.microsoft.com/office/powerpoint/2010/main" val="3021255920"/>
-      </p:ext>
-    </p:extLst>
-  </p:cSld>
-  <p:clrMapOvr>
-    <a:masterClrMapping/>
-  </p:clrMapOvr>
-  <p:timing>
-    <p:tnLst>
-      <p:par>
-        <p:cTn id="1" dur="indefinite" restart="never" nodeType="tmRoot"/>
-      </p:par>
-    </p:tnLst>
-  </p:timing>
-</p:sld>
-</file>
-
-<file path=ppt/slides/slide25.xml><?xml version="1.0" encoding="utf-8"?>
-<p:sld xmlns:a="http://schemas.openxmlformats.org/drawingml/2006/main" xmlns:r="http://schemas.openxmlformats.org/officeDocument/2006/relationships" xmlns:p="http://schemas.openxmlformats.org/presentationml/2006/main">
-  <p:cSld>
-    <p:spTree>
-      <p:nvGrpSpPr>
-        <p:cNvPr id="1" name=""/>
-        <p:cNvGrpSpPr/>
-        <p:nvPr/>
-      </p:nvGrpSpPr>
-      <p:grpSpPr>
-        <a:xfrm>
-          <a:off x="0" y="0"/>
-          <a:ext cx="0" cy="0"/>
-          <a:chOff x="0" y="0"/>
-          <a:chExt cx="0" cy="0"/>
-        </a:xfrm>
-      </p:grpSpPr>
-      <p:sp>
-        <p:nvSpPr>
-          <p:cNvPr id="2" name="Content Placeholder 1"/>
-          <p:cNvSpPr>
-            <a:spLocks noGrp="1"/>
-          </p:cNvSpPr>
-          <p:nvPr>
-            <p:ph idx="1"/>
-          </p:nvPr>
-        </p:nvSpPr>
-        <p:spPr/>
-        <p:txBody>
-          <a:bodyPr/>
-          <a:lstStyle/>
-          <a:p>
-            <a:endParaRPr lang="nl-NL"/>
-          </a:p>
-        </p:txBody>
-      </p:sp>
-      <p:sp>
-        <p:nvSpPr>
-          <p:cNvPr id="3" name="Title 2"/>
-          <p:cNvSpPr>
-            <a:spLocks noGrp="1"/>
-          </p:cNvSpPr>
-          <p:nvPr>
-            <p:ph type="title"/>
-          </p:nvPr>
-        </p:nvSpPr>
-        <p:spPr/>
-        <p:txBody>
-          <a:bodyPr/>
-          <a:lstStyle/>
-          <a:p>
-            <a:r>
-              <a:rPr lang="en-US" dirty="0" smtClean="0"/>
-              <a:t>LAB: OSS APP</a:t>
-            </a:r>
-            <a:endParaRPr lang="nl-NL" dirty="0"/>
-          </a:p>
-        </p:txBody>
-      </p:sp>
-    </p:spTree>
-    <p:extLst>
-      <p:ext uri="{BB962C8B-B14F-4D97-AF65-F5344CB8AC3E}">
-        <p14:creationId xmlns:p14="http://schemas.microsoft.com/office/powerpoint/2010/main" val="1886449296"/>
-      </p:ext>
-    </p:extLst>
-  </p:cSld>
-  <p:clrMapOvr>
-    <a:masterClrMapping/>
-  </p:clrMapOvr>
-  <p:timing>
-    <p:tnLst>
-      <p:par>
-        <p:cTn id="1" dur="indefinite" restart="never" nodeType="tmRoot"/>
-      </p:par>
-    </p:tnLst>
-  </p:timing>
-</p:sld>
-</file>
-
-<file path=ppt/slides/slide26.xml><?xml version="1.0" encoding="utf-8"?>
-<p:sld xmlns:a="http://schemas.openxmlformats.org/drawingml/2006/main" xmlns:r="http://schemas.openxmlformats.org/officeDocument/2006/relationships" xmlns:p="http://schemas.openxmlformats.org/presentationml/2006/main">
-  <p:cSld>
-    <p:spTree>
-      <p:nvGrpSpPr>
-        <p:cNvPr id="1" name=""/>
-        <p:cNvGrpSpPr/>
-        <p:nvPr/>
-      </p:nvGrpSpPr>
-      <p:grpSpPr>
-        <a:xfrm>
-          <a:off x="0" y="0"/>
-          <a:ext cx="0" cy="0"/>
-          <a:chOff x="0" y="0"/>
-          <a:chExt cx="0" cy="0"/>
-        </a:xfrm>
-      </p:grpSpPr>
-      <p:sp>
-        <p:nvSpPr>
-          <p:cNvPr id="2" name="Content Placeholder 1"/>
-          <p:cNvSpPr>
-            <a:spLocks noGrp="1"/>
-          </p:cNvSpPr>
-          <p:nvPr>
-            <p:ph idx="1"/>
-          </p:nvPr>
-        </p:nvSpPr>
-        <p:spPr/>
-        <p:txBody>
-          <a:bodyPr/>
-          <a:lstStyle/>
-          <a:p>
-            <a:endParaRPr lang="en-US" dirty="0"/>
-          </a:p>
-          <a:p>
-            <a:endParaRPr lang="nl-NL" dirty="0"/>
-          </a:p>
-        </p:txBody>
-      </p:sp>
-      <p:sp>
-        <p:nvSpPr>
-          <p:cNvPr id="3" name="Title 2"/>
-          <p:cNvSpPr>
-            <a:spLocks noGrp="1"/>
-          </p:cNvSpPr>
-          <p:nvPr>
-            <p:ph type="title"/>
-          </p:nvPr>
-        </p:nvSpPr>
-        <p:spPr/>
-        <p:txBody>
-          <a:bodyPr/>
-          <a:lstStyle/>
-          <a:p>
-            <a:r>
-              <a:rPr lang="en-US" dirty="0" smtClean="0"/>
-              <a:t>LAB</a:t>
-            </a:r>
-            <a:br>
-              <a:rPr lang="en-US" dirty="0" smtClean="0"/>
-            </a:br>
-            <a:r>
-              <a:rPr lang="en-US" dirty="0" smtClean="0"/>
-              <a:t>DOCKER VOTING APP</a:t>
-            </a:r>
-            <a:endParaRPr lang="nl-NL" dirty="0"/>
-          </a:p>
-        </p:txBody>
-      </p:sp>
-    </p:spTree>
-    <p:extLst>
-      <p:ext uri="{BB962C8B-B14F-4D97-AF65-F5344CB8AC3E}">
-        <p14:creationId xmlns:p14="http://schemas.microsoft.com/office/powerpoint/2010/main" val="4094036678"/>
+        <p14:creationId xmlns:p14="http://schemas.microsoft.com/office/powerpoint/2010/main" val="2838169353"/>
       </p:ext>
     </p:extLst>
   </p:cSld>
@@ -11731,15 +11679,6 @@
 </file>
 
 <file path=customXml/item1.xml><?xml version="1.0" encoding="utf-8"?>
-<?mso-contentType ?>
-<FormTemplates xmlns="http://schemas.microsoft.com/sharepoint/v3/contenttype/forms">
-  <Display>DocumentLibraryForm</Display>
-  <Edit>DocumentLibraryForm</Edit>
-  <New>DocumentLibraryForm</New>
-</FormTemplates>
-</file>
-
-<file path=customXml/item2.xml><?xml version="1.0" encoding="utf-8"?>
 <ct:contentTypeSchema xmlns:ct="http://schemas.microsoft.com/office/2006/metadata/contentType" xmlns:ma="http://schemas.microsoft.com/office/2006/metadata/properties/metaAttributes" ct:_="" ma:_="" ma:contentTypeName="Document" ma:contentTypeID="0x0101009843F10021B1B74BA5DD583B6999787F" ma:contentTypeVersion="1" ma:contentTypeDescription="Een nieuw document maken." ma:contentTypeScope="" ma:versionID="9fe8e6bb692149f7f6309adc5fa49803">
   <xsd:schema xmlns:xsd="http://www.w3.org/2001/XMLSchema" xmlns:xs="http://www.w3.org/2001/XMLSchema" xmlns:p="http://schemas.microsoft.com/office/2006/metadata/properties" targetNamespace="http://schemas.microsoft.com/office/2006/metadata/properties" ma:root="true" ma:fieldsID="eba296b9b19381bc8f01ad6905184223">
     <xsd:element name="properties">
@@ -11853,6 +11792,15 @@
 </ct:contentTypeSchema>
 </file>
 
+<file path=customXml/item2.xml><?xml version="1.0" encoding="utf-8"?>
+<?mso-contentType ?>
+<FormTemplates xmlns="http://schemas.microsoft.com/sharepoint/v3/contenttype/forms">
+  <Display>DocumentLibraryForm</Display>
+  <Edit>DocumentLibraryForm</Edit>
+  <New>DocumentLibraryForm</New>
+</FormTemplates>
+</file>
+
 <file path=customXml/item3.xml><?xml version="1.0" encoding="utf-8"?>
 <p:properties xmlns:p="http://schemas.microsoft.com/office/2006/metadata/properties" xmlns:xsi="http://www.w3.org/2001/XMLSchema-instance" xmlns:pc="http://schemas.microsoft.com/office/infopath/2007/PartnerControls">
   <documentManagement/>
@@ -11860,14 +11808,6 @@
 </file>
 
 <file path=customXml/itemProps1.xml><?xml version="1.0" encoding="utf-8"?>
-<ds:datastoreItem xmlns:ds="http://schemas.openxmlformats.org/officeDocument/2006/customXml" ds:itemID="{4A752D92-0ACC-48D2-A658-AB744FE70ECE}">
-  <ds:schemaRefs>
-    <ds:schemaRef ds:uri="http://schemas.microsoft.com/sharepoint/v3/contenttype/forms"/>
-  </ds:schemaRefs>
-</ds:datastoreItem>
-</file>
-
-<file path=customXml/itemProps2.xml><?xml version="1.0" encoding="utf-8"?>
 <ds:datastoreItem xmlns:ds="http://schemas.openxmlformats.org/officeDocument/2006/customXml" ds:itemID="{F6916CFB-C98C-4D26-B77C-F1E6DDC5B92D}">
   <ds:schemaRefs>
     <ds:schemaRef ds:uri="http://schemas.microsoft.com/office/2006/metadata/contentType"/>
@@ -11879,6 +11819,14 @@
     <ds:schemaRef ds:uri="http://purl.org/dc/terms/"/>
     <ds:schemaRef ds:uri="http://schemas.microsoft.com/internal/obd"/>
     <ds:schemaRef ds:uri="http://schemas.microsoft.com/office/infopath/2007/PartnerControls"/>
+  </ds:schemaRefs>
+</ds:datastoreItem>
+</file>
+
+<file path=customXml/itemProps2.xml><?xml version="1.0" encoding="utf-8"?>
+<ds:datastoreItem xmlns:ds="http://schemas.openxmlformats.org/officeDocument/2006/customXml" ds:itemID="{4A752D92-0ACC-48D2-A658-AB744FE70ECE}">
+  <ds:schemaRefs>
+    <ds:schemaRef ds:uri="http://schemas.microsoft.com/sharepoint/v3/contenttype/forms"/>
   </ds:schemaRefs>
 </ds:datastoreItem>
 </file>

--- a/Presentatie/Docker102.pptx
+++ b/Presentatie/Docker102.pptx
@@ -27,14 +27,14 @@
     <p:sldId id="508" r:id="rId18"/>
     <p:sldId id="509" r:id="rId19"/>
     <p:sldId id="506" r:id="rId20"/>
-    <p:sldId id="505" r:id="rId21"/>
-    <p:sldId id="507" r:id="rId22"/>
-    <p:sldId id="495" r:id="rId23"/>
-    <p:sldId id="498" r:id="rId24"/>
-    <p:sldId id="500" r:id="rId25"/>
-    <p:sldId id="501" r:id="rId26"/>
-    <p:sldId id="502" r:id="rId27"/>
-    <p:sldId id="504" r:id="rId28"/>
+    <p:sldId id="507" r:id="rId21"/>
+    <p:sldId id="495" r:id="rId22"/>
+    <p:sldId id="498" r:id="rId23"/>
+    <p:sldId id="500" r:id="rId24"/>
+    <p:sldId id="501" r:id="rId25"/>
+    <p:sldId id="502" r:id="rId26"/>
+    <p:sldId id="504" r:id="rId27"/>
+    <p:sldId id="510" r:id="rId28"/>
   </p:sldIdLst>
   <p:sldSz cx="9144000" cy="6858000" type="screen4x3"/>
   <p:notesSz cx="6858000" cy="9144000"/>
@@ -972,7 +972,7 @@
               <a:t>en</a:t>
             </a:r>
             <a:r>
-              <a:rPr lang="en-US" baseline="0" smtClean="0"/>
+              <a:rPr lang="en-US" baseline="0" dirty="0" smtClean="0"/>
               <a:t> restart</a:t>
             </a:r>
             <a:endParaRPr lang="nl-NL" dirty="0"/>
@@ -996,7 +996,7 @@
           <a:p>
             <a:fld id="{2DB1139D-5AC7-4B0B-A715-E40E0591EF82}" type="slidenum">
               <a:rPr lang="nl-NL" smtClean="0"/>
-              <a:t>18</a:t>
+              <a:t>17</a:t>
             </a:fld>
             <a:endParaRPr lang="nl-NL"/>
           </a:p>
@@ -1080,7 +1080,7 @@
           <a:p>
             <a:fld id="{2DB1139D-5AC7-4B0B-A715-E40E0591EF82}" type="slidenum">
               <a:rPr lang="nl-NL" smtClean="0"/>
-              <a:t>21</a:t>
+              <a:t>20</a:t>
             </a:fld>
             <a:endParaRPr lang="nl-NL"/>
           </a:p>
@@ -1090,6 +1090,90 @@
     <p:extLst>
       <p:ext uri="{BB962C8B-B14F-4D97-AF65-F5344CB8AC3E}">
         <p14:creationId xmlns:p14="http://schemas.microsoft.com/office/powerpoint/2010/main" val="1176128002"/>
+      </p:ext>
+    </p:extLst>
+  </p:cSld>
+  <p:clrMapOvr>
+    <a:masterClrMapping/>
+  </p:clrMapOvr>
+</p:notes>
+</file>
+
+<file path=ppt/notesSlides/notesSlide12.xml><?xml version="1.0" encoding="utf-8"?>
+<p:notes xmlns:a="http://schemas.openxmlformats.org/drawingml/2006/main" xmlns:r="http://schemas.openxmlformats.org/officeDocument/2006/relationships" xmlns:p="http://schemas.openxmlformats.org/presentationml/2006/main">
+  <p:cSld>
+    <p:spTree>
+      <p:nvGrpSpPr>
+        <p:cNvPr id="1" name=""/>
+        <p:cNvGrpSpPr/>
+        <p:nvPr/>
+      </p:nvGrpSpPr>
+      <p:grpSpPr>
+        <a:xfrm>
+          <a:off x="0" y="0"/>
+          <a:ext cx="0" cy="0"/>
+          <a:chOff x="0" y="0"/>
+          <a:chExt cx="0" cy="0"/>
+        </a:xfrm>
+      </p:grpSpPr>
+      <p:sp>
+        <p:nvSpPr>
+          <p:cNvPr id="2" name="Slide Image Placeholder 1"/>
+          <p:cNvSpPr>
+            <a:spLocks noGrp="1" noRot="1" noChangeAspect="1"/>
+          </p:cNvSpPr>
+          <p:nvPr>
+            <p:ph type="sldImg"/>
+          </p:nvPr>
+        </p:nvSpPr>
+        <p:spPr/>
+      </p:sp>
+      <p:sp>
+        <p:nvSpPr>
+          <p:cNvPr id="3" name="Notes Placeholder 2"/>
+          <p:cNvSpPr>
+            <a:spLocks noGrp="1"/>
+          </p:cNvSpPr>
+          <p:nvPr>
+            <p:ph type="body" idx="1"/>
+          </p:nvPr>
+        </p:nvSpPr>
+        <p:spPr/>
+        <p:txBody>
+          <a:bodyPr/>
+          <a:lstStyle/>
+          <a:p>
+            <a:endParaRPr lang="nl-NL" dirty="0"/>
+          </a:p>
+        </p:txBody>
+      </p:sp>
+      <p:sp>
+        <p:nvSpPr>
+          <p:cNvPr id="4" name="Slide Number Placeholder 3"/>
+          <p:cNvSpPr>
+            <a:spLocks noGrp="1"/>
+          </p:cNvSpPr>
+          <p:nvPr>
+            <p:ph type="sldNum" sz="quarter" idx="10"/>
+          </p:nvPr>
+        </p:nvSpPr>
+        <p:spPr/>
+        <p:txBody>
+          <a:bodyPr/>
+          <a:lstStyle/>
+          <a:p>
+            <a:fld id="{2DB1139D-5AC7-4B0B-A715-E40E0591EF82}" type="slidenum">
+              <a:rPr lang="nl-NL" smtClean="0"/>
+              <a:t>22</a:t>
+            </a:fld>
+            <a:endParaRPr lang="nl-NL"/>
+          </a:p>
+        </p:txBody>
+      </p:sp>
+    </p:spTree>
+    <p:extLst>
+      <p:ext uri="{BB962C8B-B14F-4D97-AF65-F5344CB8AC3E}">
+        <p14:creationId xmlns:p14="http://schemas.microsoft.com/office/powerpoint/2010/main" val="3532420139"/>
       </p:ext>
     </p:extLst>
   </p:cSld>
@@ -1927,232 +2011,6 @@
           <a:bodyPr/>
           <a:lstStyle/>
           <a:p>
-            <a:r>
-              <a:rPr lang="en-US" dirty="0" smtClean="0"/>
-              <a:t>Docker network create</a:t>
-            </a:r>
-            <a:r>
-              <a:rPr lang="en-US" baseline="0" dirty="0" smtClean="0"/>
-              <a:t> –drive bridge </a:t>
-            </a:r>
-            <a:r>
-              <a:rPr lang="en-US" baseline="0" dirty="0" err="1" smtClean="0"/>
-              <a:t>firstnetwork</a:t>
-            </a:r>
-            <a:endParaRPr lang="en-US" baseline="0" dirty="0" smtClean="0"/>
-          </a:p>
-          <a:p>
-            <a:endParaRPr lang="en-US" dirty="0" smtClean="0"/>
-          </a:p>
-          <a:p>
-            <a:r>
-              <a:rPr lang="nl-NL" dirty="0" err="1" smtClean="0"/>
-              <a:t>docker</a:t>
-            </a:r>
-            <a:r>
-              <a:rPr lang="nl-NL" dirty="0" smtClean="0"/>
-              <a:t> container run –</a:t>
-            </a:r>
-            <a:r>
-              <a:rPr lang="nl-NL" dirty="0" err="1" smtClean="0"/>
-              <a:t>rm</a:t>
-            </a:r>
-            <a:r>
-              <a:rPr lang="nl-NL" baseline="0" dirty="0" smtClean="0"/>
-              <a:t> </a:t>
-            </a:r>
-            <a:r>
-              <a:rPr lang="nl-NL" dirty="0" smtClean="0"/>
-              <a:t>-</a:t>
-            </a:r>
-            <a:r>
-              <a:rPr lang="nl-NL" dirty="0" err="1" smtClean="0"/>
-              <a:t>itd</a:t>
-            </a:r>
-            <a:r>
-              <a:rPr lang="nl-NL" dirty="0" smtClean="0"/>
-              <a:t> -p 5000:5000 -e FLASK_APP=app.py -e FLASK_DEBUG=1 --name web2 -v ${PWD}:/</a:t>
-            </a:r>
-            <a:r>
-              <a:rPr lang="nl-NL" dirty="0" err="1" smtClean="0"/>
-              <a:t>app</a:t>
-            </a:r>
-            <a:r>
-              <a:rPr lang="nl-NL" dirty="0" smtClean="0"/>
-              <a:t> --net </a:t>
-            </a:r>
-            <a:r>
-              <a:rPr lang="nl-NL" dirty="0" err="1" smtClean="0"/>
-              <a:t>firstnetwork</a:t>
-            </a:r>
-            <a:r>
-              <a:rPr lang="nl-NL" dirty="0" smtClean="0"/>
-              <a:t> web2</a:t>
-            </a:r>
-          </a:p>
-          <a:p>
-            <a:r>
-              <a:rPr lang="nl-NL" dirty="0" err="1" smtClean="0"/>
-              <a:t>docker</a:t>
-            </a:r>
-            <a:r>
-              <a:rPr lang="nl-NL" dirty="0" smtClean="0"/>
-              <a:t> container run –</a:t>
-            </a:r>
-            <a:r>
-              <a:rPr lang="nl-NL" dirty="0" err="1" smtClean="0"/>
-              <a:t>rm</a:t>
-            </a:r>
-            <a:r>
-              <a:rPr lang="nl-NL" baseline="0" dirty="0" smtClean="0"/>
-              <a:t> </a:t>
-            </a:r>
-            <a:r>
-              <a:rPr lang="nl-NL" dirty="0" smtClean="0"/>
-              <a:t>-</a:t>
-            </a:r>
-            <a:r>
-              <a:rPr lang="nl-NL" dirty="0" err="1" smtClean="0"/>
-              <a:t>itd</a:t>
-            </a:r>
-            <a:r>
-              <a:rPr lang="nl-NL" dirty="0" smtClean="0"/>
-              <a:t> -p 6379:6379 --name </a:t>
-            </a:r>
-            <a:r>
-              <a:rPr lang="nl-NL" dirty="0" err="1" smtClean="0"/>
-              <a:t>redis</a:t>
-            </a:r>
-            <a:r>
-              <a:rPr lang="nl-NL" dirty="0" smtClean="0"/>
-              <a:t> --net </a:t>
-            </a:r>
-            <a:r>
-              <a:rPr lang="nl-NL" dirty="0" err="1" smtClean="0"/>
-              <a:t>firstnetwork</a:t>
-            </a:r>
-            <a:r>
-              <a:rPr lang="nl-NL" dirty="0" smtClean="0"/>
-              <a:t> redis:3.2-alpine</a:t>
-            </a:r>
-          </a:p>
-          <a:p>
-            <a:endParaRPr lang="en-US" dirty="0" smtClean="0"/>
-          </a:p>
-          <a:p>
-            <a:r>
-              <a:rPr lang="en-US" dirty="0" err="1" smtClean="0"/>
-              <a:t>docker</a:t>
-            </a:r>
-            <a:r>
-              <a:rPr lang="en-US" dirty="0" smtClean="0"/>
-              <a:t> network inspect </a:t>
-            </a:r>
-            <a:r>
-              <a:rPr lang="en-US" dirty="0" err="1" smtClean="0"/>
-              <a:t>firstnetwork</a:t>
-            </a:r>
-            <a:endParaRPr lang="en-US" dirty="0" smtClean="0"/>
-          </a:p>
-          <a:p>
-            <a:r>
-              <a:rPr lang="en-US" dirty="0" err="1" smtClean="0"/>
-              <a:t>docker</a:t>
-            </a:r>
-            <a:r>
-              <a:rPr lang="en-US" dirty="0" smtClean="0"/>
-              <a:t> container exec web2</a:t>
-            </a:r>
-            <a:r>
-              <a:rPr lang="en-US" baseline="0" dirty="0" smtClean="0"/>
-              <a:t> </a:t>
-            </a:r>
-            <a:r>
-              <a:rPr lang="en-US" dirty="0" smtClean="0"/>
-              <a:t>ping </a:t>
-            </a:r>
-            <a:r>
-              <a:rPr lang="en-US" dirty="0" err="1" smtClean="0"/>
-              <a:t>redis</a:t>
-            </a:r>
-            <a:endParaRPr lang="en-US" dirty="0" smtClean="0"/>
-          </a:p>
-          <a:p>
-            <a:endParaRPr lang="nl-NL" dirty="0" smtClean="0"/>
-          </a:p>
-          <a:p>
-            <a:r>
-              <a:rPr lang="en-US" dirty="0" err="1" smtClean="0"/>
-              <a:t>docker</a:t>
-            </a:r>
-            <a:r>
-              <a:rPr lang="en-US" dirty="0" smtClean="0"/>
-              <a:t> container exec –it</a:t>
-            </a:r>
-            <a:r>
-              <a:rPr lang="en-US" baseline="0" dirty="0" smtClean="0"/>
-              <a:t> </a:t>
-            </a:r>
-            <a:r>
-              <a:rPr lang="en-US" dirty="0" err="1" smtClean="0"/>
-              <a:t>redis</a:t>
-            </a:r>
-            <a:r>
-              <a:rPr lang="en-US" dirty="0" smtClean="0"/>
-              <a:t> </a:t>
-            </a:r>
-            <a:r>
-              <a:rPr lang="en-US" dirty="0" err="1" smtClean="0"/>
-              <a:t>redis</a:t>
-            </a:r>
-            <a:r>
-              <a:rPr lang="en-US" dirty="0" smtClean="0"/>
-              <a:t>-cli</a:t>
-            </a:r>
-          </a:p>
-          <a:p>
-            <a:endParaRPr lang="en-US" dirty="0" smtClean="0"/>
-          </a:p>
-          <a:p>
-            <a:r>
-              <a:rPr lang="en-US" dirty="0" smtClean="0"/>
-              <a:t>127.0.0.1:6379&gt; KEYS *</a:t>
-            </a:r>
-          </a:p>
-          <a:p>
-            <a:r>
-              <a:rPr lang="en-US" dirty="0" smtClean="0"/>
-              <a:t>1) "web2_counter"</a:t>
-            </a:r>
-          </a:p>
-          <a:p>
-            <a:r>
-              <a:rPr lang="en-US" dirty="0" smtClean="0"/>
-              <a:t>127.0.0.1:6379&gt; INCRBY web2_counter 100000</a:t>
-            </a:r>
-          </a:p>
-          <a:p>
-            <a:r>
-              <a:rPr lang="en-US" dirty="0" smtClean="0"/>
-              <a:t>(integer) 100022</a:t>
-            </a:r>
-          </a:p>
-          <a:p>
-            <a:r>
-              <a:rPr lang="en-US" dirty="0" smtClean="0"/>
-              <a:t>127.0.0.1:6379&gt;</a:t>
-            </a:r>
-          </a:p>
-          <a:p>
-            <a:endParaRPr lang="en-US" dirty="0" smtClean="0"/>
-          </a:p>
-          <a:p>
-            <a:endParaRPr lang="en-US" dirty="0" smtClean="0"/>
-          </a:p>
-          <a:p>
-            <a:endParaRPr lang="en-US" dirty="0" smtClean="0"/>
-          </a:p>
-          <a:p>
             <a:endParaRPr lang="nl-NL" dirty="0"/>
           </a:p>
         </p:txBody>
@@ -2174,7 +2032,7 @@
           <a:p>
             <a:fld id="{2DB1139D-5AC7-4B0B-A715-E40E0591EF82}" type="slidenum">
               <a:rPr lang="nl-NL" smtClean="0"/>
-              <a:t>16</a:t>
+              <a:t>11</a:t>
             </a:fld>
             <a:endParaRPr lang="nl-NL"/>
           </a:p>
@@ -2183,7 +2041,7 @@
     </p:spTree>
     <p:extLst>
       <p:ext uri="{BB962C8B-B14F-4D97-AF65-F5344CB8AC3E}">
-        <p14:creationId xmlns:p14="http://schemas.microsoft.com/office/powerpoint/2010/main" val="2217171176"/>
+        <p14:creationId xmlns:p14="http://schemas.microsoft.com/office/powerpoint/2010/main" val="761165085"/>
       </p:ext>
     </p:extLst>
   </p:cSld>
@@ -2238,242 +2096,231 @@
           <a:lstStyle/>
           <a:p>
             <a:r>
+              <a:rPr lang="en-US" dirty="0" smtClean="0"/>
+              <a:t>Docker network create</a:t>
+            </a:r>
+            <a:r>
+              <a:rPr lang="en-US" baseline="0" dirty="0" smtClean="0"/>
+              <a:t> –drive bridge </a:t>
+            </a:r>
+            <a:r>
+              <a:rPr lang="en-US" baseline="0" dirty="0" err="1" smtClean="0"/>
+              <a:t>firstnetwork</a:t>
+            </a:r>
+            <a:endParaRPr lang="en-US" baseline="0" dirty="0" smtClean="0"/>
+          </a:p>
+          <a:p>
+            <a:endParaRPr lang="en-US" dirty="0" smtClean="0"/>
+          </a:p>
+          <a:p>
+            <a:r>
+              <a:rPr lang="nl-NL" dirty="0" err="1" smtClean="0"/>
+              <a:t>docker</a:t>
+            </a:r>
+            <a:r>
+              <a:rPr lang="nl-NL" dirty="0" smtClean="0"/>
+              <a:t> container run –</a:t>
+            </a:r>
+            <a:r>
+              <a:rPr lang="nl-NL" dirty="0" err="1" smtClean="0"/>
+              <a:t>rm</a:t>
+            </a:r>
+            <a:r>
+              <a:rPr lang="nl-NL" baseline="0" dirty="0" smtClean="0"/>
+              <a:t> </a:t>
+            </a:r>
+            <a:r>
+              <a:rPr lang="nl-NL" dirty="0" smtClean="0"/>
+              <a:t>-</a:t>
+            </a:r>
+            <a:r>
+              <a:rPr lang="nl-NL" dirty="0" err="1" smtClean="0"/>
+              <a:t>itd</a:t>
+            </a:r>
+            <a:r>
+              <a:rPr lang="nl-NL" dirty="0" smtClean="0"/>
+              <a:t> -p 5000:5000 -e FLASK_APP=app.py -e FLASK_DEBUG=1 --name web2 -v ${PWD}:/</a:t>
+            </a:r>
+            <a:r>
+              <a:rPr lang="nl-NL" dirty="0" err="1" smtClean="0"/>
+              <a:t>app</a:t>
+            </a:r>
+            <a:r>
+              <a:rPr lang="nl-NL" dirty="0" smtClean="0"/>
+              <a:t> --net </a:t>
+            </a:r>
+            <a:r>
+              <a:rPr lang="nl-NL" dirty="0" err="1" smtClean="0"/>
+              <a:t>firstnetwork</a:t>
+            </a:r>
+            <a:r>
+              <a:rPr lang="nl-NL" dirty="0" smtClean="0"/>
+              <a:t> web2</a:t>
+            </a:r>
+          </a:p>
+          <a:p>
+            <a:r>
+              <a:rPr lang="nl-NL" dirty="0" err="1" smtClean="0"/>
+              <a:t>docker</a:t>
+            </a:r>
+            <a:r>
+              <a:rPr lang="nl-NL" dirty="0" smtClean="0"/>
+              <a:t> container run –</a:t>
+            </a:r>
+            <a:r>
+              <a:rPr lang="nl-NL" dirty="0" err="1" smtClean="0"/>
+              <a:t>rm</a:t>
+            </a:r>
+            <a:r>
+              <a:rPr lang="nl-NL" baseline="0" dirty="0" smtClean="0"/>
+              <a:t> </a:t>
+            </a:r>
+            <a:r>
+              <a:rPr lang="nl-NL" dirty="0" smtClean="0"/>
+              <a:t>-</a:t>
+            </a:r>
+            <a:r>
+              <a:rPr lang="nl-NL" dirty="0" err="1" smtClean="0"/>
+              <a:t>itd</a:t>
+            </a:r>
+            <a:r>
+              <a:rPr lang="nl-NL" dirty="0" smtClean="0"/>
+              <a:t> -p 6379:6379 --name </a:t>
+            </a:r>
+            <a:r>
+              <a:rPr lang="nl-NL" dirty="0" err="1" smtClean="0"/>
+              <a:t>redis</a:t>
+            </a:r>
+            <a:r>
+              <a:rPr lang="nl-NL" dirty="0" smtClean="0"/>
+              <a:t> --net </a:t>
+            </a:r>
+            <a:r>
+              <a:rPr lang="nl-NL" dirty="0" err="1" smtClean="0"/>
+              <a:t>firstnetwork</a:t>
+            </a:r>
+            <a:r>
+              <a:rPr lang="nl-NL" dirty="0" smtClean="0"/>
+              <a:t> redis:3.2-alpine</a:t>
+            </a:r>
+          </a:p>
+          <a:p>
+            <a:endParaRPr lang="en-US" dirty="0" smtClean="0"/>
+          </a:p>
+          <a:p>
+            <a:r>
               <a:rPr lang="en-US" dirty="0" err="1" smtClean="0"/>
-              <a:t>Redis</a:t>
+              <a:t>docker</a:t>
+            </a:r>
+            <a:r>
+              <a:rPr lang="en-US" dirty="0" smtClean="0"/>
+              <a:t> network inspect </a:t>
+            </a:r>
+            <a:r>
+              <a:rPr lang="en-US" dirty="0" err="1" smtClean="0"/>
+              <a:t>firstnetwork</a:t>
+            </a:r>
+            <a:endParaRPr lang="en-US" dirty="0" smtClean="0"/>
+          </a:p>
+          <a:p>
+            <a:r>
+              <a:rPr lang="en-US" dirty="0" err="1" smtClean="0"/>
+              <a:t>docker</a:t>
+            </a:r>
+            <a:r>
+              <a:rPr lang="en-US" dirty="0" smtClean="0"/>
+              <a:t> container exec web2</a:t>
             </a:r>
             <a:r>
               <a:rPr lang="en-US" baseline="0" dirty="0" smtClean="0"/>
-              <a:t> example:</a:t>
-            </a:r>
-          </a:p>
-          <a:p>
-            <a:endParaRPr lang="en-US" baseline="0" dirty="0" smtClean="0"/>
-          </a:p>
-          <a:p>
+              <a:t> </a:t>
+            </a:r>
+            <a:r>
+              <a:rPr lang="en-US" dirty="0" smtClean="0"/>
+              <a:t>ping </a:t>
+            </a:r>
+            <a:r>
+              <a:rPr lang="en-US" dirty="0" err="1" smtClean="0"/>
+              <a:t>redis</a:t>
+            </a:r>
+            <a:endParaRPr lang="en-US" dirty="0" smtClean="0"/>
+          </a:p>
+          <a:p>
+            <a:endParaRPr lang="nl-NL" dirty="0" smtClean="0"/>
+          </a:p>
+          <a:p>
+            <a:r>
+              <a:rPr lang="en-US" dirty="0" err="1" smtClean="0"/>
+              <a:t>docker</a:t>
+            </a:r>
+            <a:r>
+              <a:rPr lang="en-US" dirty="0" smtClean="0"/>
+              <a:t> container exec –it</a:t>
+            </a:r>
+            <a:r>
+              <a:rPr lang="en-US" baseline="0" dirty="0" smtClean="0"/>
+              <a:t> </a:t>
+            </a:r>
+            <a:r>
+              <a:rPr lang="en-US" dirty="0" err="1" smtClean="0"/>
+              <a:t>redis</a:t>
+            </a:r>
             <a:r>
               <a:rPr lang="en-US" dirty="0" smtClean="0"/>
               <a:t> </a:t>
             </a:r>
             <a:r>
               <a:rPr lang="en-US" dirty="0" err="1" smtClean="0"/>
-              <a:t>docker</a:t>
+              <a:t>redis</a:t>
             </a:r>
             <a:r>
               <a:rPr lang="en-US" dirty="0" smtClean="0"/>
-              <a:t> container run –</a:t>
-            </a:r>
-            <a:r>
-              <a:rPr lang="en-US" dirty="0" err="1" smtClean="0"/>
-              <a:t>rm</a:t>
-            </a:r>
-            <a:r>
-              <a:rPr lang="en-US" baseline="0" dirty="0" smtClean="0"/>
-              <a:t> </a:t>
-            </a:r>
+              <a:t>-cli</a:t>
+            </a:r>
+          </a:p>
+          <a:p>
+            <a:endParaRPr lang="en-US" dirty="0" smtClean="0"/>
+          </a:p>
+          <a:p>
             <a:r>
               <a:rPr lang="en-US" dirty="0" smtClean="0"/>
-              <a:t>-</a:t>
-            </a:r>
-            <a:r>
-              <a:rPr lang="en-US" dirty="0" err="1" smtClean="0"/>
-              <a:t>itd</a:t>
-            </a:r>
+              <a:t>127.0.0.1:6379&gt; KEYS *</a:t>
+            </a:r>
+          </a:p>
+          <a:p>
             <a:r>
               <a:rPr lang="en-US" dirty="0" smtClean="0"/>
-              <a:t> -p 6379:6379 --name </a:t>
-            </a:r>
-            <a:r>
-              <a:rPr lang="en-US" dirty="0" err="1" smtClean="0"/>
-              <a:t>redis</a:t>
-            </a:r>
+              <a:t>1) "web2_counter"</a:t>
+            </a:r>
+          </a:p>
+          <a:p>
             <a:r>
               <a:rPr lang="en-US" dirty="0" smtClean="0"/>
-              <a:t> redis:3.2-alpine</a:t>
+              <a:t>127.0.0.1:6379&gt; INCRBY web2_counter 100000</a:t>
+            </a:r>
+          </a:p>
+          <a:p>
+            <a:r>
+              <a:rPr lang="en-US" dirty="0" smtClean="0"/>
+              <a:t>(integer) 100022</a:t>
+            </a:r>
+          </a:p>
+          <a:p>
+            <a:r>
+              <a:rPr lang="en-US" dirty="0" smtClean="0"/>
+              <a:t>127.0.0.1:6379&gt;</a:t>
             </a:r>
           </a:p>
           <a:p>
             <a:endParaRPr lang="en-US" dirty="0" smtClean="0"/>
           </a:p>
           <a:p>
-            <a:r>
-              <a:rPr lang="en-US" dirty="0" smtClean="0"/>
-              <a:t>Check with </a:t>
-            </a:r>
-            <a:r>
-              <a:rPr lang="en-US" dirty="0" err="1" smtClean="0"/>
-              <a:t>docker</a:t>
-            </a:r>
-            <a:r>
-              <a:rPr lang="en-US" dirty="0" smtClean="0"/>
-              <a:t> network inspect bridge</a:t>
-            </a:r>
-          </a:p>
-          <a:p>
-            <a:r>
-              <a:rPr lang="en-US" dirty="0" smtClean="0"/>
-              <a:t>Show in </a:t>
-            </a:r>
-            <a:r>
-              <a:rPr lang="en-US" dirty="0" err="1" smtClean="0"/>
-              <a:t>redis</a:t>
-            </a:r>
-            <a:r>
-              <a:rPr lang="en-US" dirty="0" smtClean="0"/>
-              <a:t> container</a:t>
-            </a:r>
-          </a:p>
-          <a:p>
             <a:endParaRPr lang="en-US" dirty="0" smtClean="0"/>
           </a:p>
           <a:p>
-            <a:r>
-              <a:rPr lang="en-US" dirty="0" err="1" smtClean="0"/>
-              <a:t>docker</a:t>
-            </a:r>
-            <a:r>
-              <a:rPr lang="en-US" dirty="0" smtClean="0"/>
-              <a:t> container run --</a:t>
-            </a:r>
-            <a:r>
-              <a:rPr lang="en-US" dirty="0" err="1" smtClean="0"/>
-              <a:t>rm</a:t>
-            </a:r>
-            <a:r>
-              <a:rPr lang="en-US" dirty="0" smtClean="0"/>
-              <a:t> –</a:t>
-            </a:r>
-            <a:r>
-              <a:rPr lang="en-US" dirty="0" err="1" smtClean="0"/>
-              <a:t>itd</a:t>
-            </a:r>
-            <a:r>
-              <a:rPr lang="en-US" baseline="0" dirty="0" smtClean="0"/>
-              <a:t> </a:t>
-            </a:r>
-            <a:r>
-              <a:rPr lang="en-US" dirty="0" smtClean="0"/>
-              <a:t>-p 5000:5000 -e FLASK_APP=app.py -e FLASK_DEBUG=1 --name web2 -v ${PWD}:/app web2</a:t>
-            </a:r>
-          </a:p>
-          <a:p>
             <a:endParaRPr lang="en-US" dirty="0" smtClean="0"/>
           </a:p>
           <a:p>
-            <a:r>
-              <a:rPr lang="en-US" dirty="0" err="1" smtClean="0"/>
-              <a:t>docker</a:t>
-            </a:r>
-            <a:r>
-              <a:rPr lang="en-US" dirty="0" smtClean="0"/>
-              <a:t> container exec </a:t>
-            </a:r>
-            <a:r>
-              <a:rPr lang="en-US" dirty="0" err="1" smtClean="0"/>
-              <a:t>redis</a:t>
-            </a:r>
-            <a:r>
-              <a:rPr lang="en-US" dirty="0" smtClean="0"/>
-              <a:t> </a:t>
-            </a:r>
-            <a:r>
-              <a:rPr lang="en-US" dirty="0" err="1" smtClean="0"/>
-              <a:t>ifconfig</a:t>
-            </a:r>
-            <a:endParaRPr lang="en-US" dirty="0" smtClean="0"/>
-          </a:p>
-          <a:p>
-            <a:r>
-              <a:rPr lang="en-US" dirty="0" err="1" smtClean="0"/>
-              <a:t>ip</a:t>
-            </a:r>
-            <a:r>
-              <a:rPr lang="en-US" dirty="0" smtClean="0"/>
-              <a:t> </a:t>
-            </a:r>
-            <a:r>
-              <a:rPr lang="en-US" dirty="0" err="1" smtClean="0"/>
-              <a:t>adres</a:t>
-            </a:r>
-            <a:endParaRPr lang="en-US" dirty="0" smtClean="0"/>
-          </a:p>
-          <a:p>
-            <a:endParaRPr lang="en-US" dirty="0" smtClean="0"/>
-          </a:p>
-          <a:p>
-            <a:r>
-              <a:rPr lang="en-US" dirty="0" err="1" smtClean="0"/>
-              <a:t>docker</a:t>
-            </a:r>
-            <a:r>
-              <a:rPr lang="en-US" dirty="0" smtClean="0"/>
-              <a:t> container exec web2</a:t>
-            </a:r>
-            <a:r>
-              <a:rPr lang="en-US" baseline="0" dirty="0" smtClean="0"/>
-              <a:t> ping 172.17.0.2</a:t>
-            </a:r>
-          </a:p>
-          <a:p>
-            <a:endParaRPr lang="en-US" baseline="0" dirty="0" smtClean="0"/>
-          </a:p>
-          <a:p>
-            <a:r>
-              <a:rPr lang="en-US" dirty="0" err="1" smtClean="0"/>
-              <a:t>docker</a:t>
-            </a:r>
-            <a:r>
-              <a:rPr lang="en-US" dirty="0" smtClean="0"/>
-              <a:t> container exec </a:t>
-            </a:r>
-            <a:r>
-              <a:rPr lang="en-US" dirty="0" err="1" smtClean="0"/>
-              <a:t>redis</a:t>
-            </a:r>
-            <a:r>
-              <a:rPr lang="en-US" dirty="0" smtClean="0"/>
-              <a:t> cat /</a:t>
-            </a:r>
-            <a:r>
-              <a:rPr lang="en-US" dirty="0" err="1" smtClean="0"/>
-              <a:t>etc</a:t>
-            </a:r>
-            <a:r>
-              <a:rPr lang="en-US" dirty="0" smtClean="0"/>
-              <a:t>/hosts</a:t>
-            </a:r>
-          </a:p>
-          <a:p>
-            <a:r>
-              <a:rPr lang="en-US" dirty="0" smtClean="0"/>
-              <a:t>Host defined</a:t>
-            </a:r>
-          </a:p>
-          <a:p>
-            <a:endParaRPr lang="en-US" dirty="0" smtClean="0"/>
-          </a:p>
-          <a:p>
-            <a:r>
-              <a:rPr lang="en-US" dirty="0" err="1" smtClean="0"/>
-              <a:t>docker</a:t>
-            </a:r>
-            <a:r>
-              <a:rPr lang="en-US" dirty="0" smtClean="0"/>
-              <a:t> run --</a:t>
-            </a:r>
-            <a:r>
-              <a:rPr lang="en-US" dirty="0" err="1" smtClean="0"/>
-              <a:t>rm</a:t>
-            </a:r>
-            <a:r>
-              <a:rPr lang="en-US" dirty="0" smtClean="0"/>
-              <a:t> -v ${PWD}:/data alpine ls /data</a:t>
-            </a:r>
-          </a:p>
-          <a:p>
-            <a:r>
-              <a:rPr lang="en-US" dirty="0" smtClean="0"/>
-              <a:t>${PWD} is path</a:t>
-            </a:r>
             <a:endParaRPr lang="nl-NL" dirty="0"/>
           </a:p>
         </p:txBody>
@@ -2495,7 +2342,7 @@
           <a:p>
             <a:fld id="{2DB1139D-5AC7-4B0B-A715-E40E0591EF82}" type="slidenum">
               <a:rPr lang="nl-NL" smtClean="0"/>
-              <a:t>17</a:t>
+              <a:t>16</a:t>
             </a:fld>
             <a:endParaRPr lang="nl-NL"/>
           </a:p>
@@ -2504,7 +2351,7 @@
     </p:spTree>
     <p:extLst>
       <p:ext uri="{BB962C8B-B14F-4D97-AF65-F5344CB8AC3E}">
-        <p14:creationId xmlns:p14="http://schemas.microsoft.com/office/powerpoint/2010/main" val="3824815070"/>
+        <p14:creationId xmlns:p14="http://schemas.microsoft.com/office/powerpoint/2010/main" val="2217171176"/>
       </p:ext>
     </p:extLst>
   </p:cSld>
@@ -5459,11 +5306,7 @@
             </a:br>
             <a:r>
               <a:rPr lang="en-US" dirty="0" smtClean="0"/>
-              <a:t>Docker </a:t>
-            </a:r>
-            <a:r>
-              <a:rPr lang="en-US" dirty="0" smtClean="0"/>
-              <a:t>102</a:t>
+              <a:t>Docker 102</a:t>
             </a:r>
             <a:br>
               <a:rPr lang="en-US" dirty="0" smtClean="0"/>
@@ -6311,6 +6154,18 @@
             <a:pPr marL="0" indent="0">
               <a:buNone/>
             </a:pPr>
+            <a:r>
+              <a:rPr lang="en-US" dirty="0" smtClean="0"/>
+              <a:t>Docker container logs &lt;</a:t>
+            </a:r>
+            <a:r>
+              <a:rPr lang="en-US" dirty="0" err="1" smtClean="0"/>
+              <a:t>containername</a:t>
+            </a:r>
+            <a:r>
+              <a:rPr lang="en-US" dirty="0" smtClean="0"/>
+              <a:t>&gt;</a:t>
+            </a:r>
             <a:endParaRPr lang="nl-NL" dirty="0"/>
           </a:p>
         </p:txBody>
@@ -6338,6 +6193,30 @@
           </a:p>
         </p:txBody>
       </p:sp>
+      <p:pic>
+        <p:nvPicPr>
+          <p:cNvPr id="4" name="Picture 3"/>
+          <p:cNvPicPr>
+            <a:picLocks noChangeAspect="1"/>
+          </p:cNvPicPr>
+          <p:nvPr/>
+        </p:nvPicPr>
+        <p:blipFill>
+          <a:blip r:embed="rId3"/>
+          <a:stretch>
+            <a:fillRect/>
+          </a:stretch>
+        </p:blipFill>
+        <p:spPr>
+          <a:xfrm>
+            <a:off x="617539" y="2303249"/>
+            <a:ext cx="7629099" cy="1371660"/>
+          </a:xfrm>
+          <a:prstGeom prst="rect">
+            <a:avLst/>
+          </a:prstGeom>
+        </p:spPr>
+      </p:pic>
     </p:spTree>
     <p:extLst>
       <p:ext uri="{BB962C8B-B14F-4D97-AF65-F5344CB8AC3E}">
@@ -6860,7 +6739,15 @@
           <a:p>
             <a:r>
               <a:rPr lang="en-US" dirty="0" smtClean="0"/>
-              <a:t>Docker network create –driver bridge &lt;network-name&gt;</a:t>
+              <a:t>Docker network create </a:t>
+            </a:r>
+            <a:r>
+              <a:rPr lang="en-US" dirty="0" smtClean="0"/>
+              <a:t>-–</a:t>
+            </a:r>
+            <a:r>
+              <a:rPr lang="en-US" dirty="0" smtClean="0"/>
+              <a:t>driver bridge &lt;network-name&gt;</a:t>
             </a:r>
             <a:endParaRPr lang="nl-NL" dirty="0" smtClean="0"/>
           </a:p>
@@ -6980,58 +6867,68 @@
           <a:lstStyle/>
           <a:p>
             <a:r>
+              <a:rPr lang="en-US" dirty="0" err="1"/>
+              <a:t>d</a:t>
+            </a:r>
+            <a:r>
+              <a:rPr lang="en-US" dirty="0" err="1" smtClean="0"/>
+              <a:t>ocker</a:t>
+            </a:r>
+            <a:r>
               <a:rPr lang="en-US" dirty="0" smtClean="0"/>
-              <a:t>DOCKER network ls</a:t>
-            </a:r>
-          </a:p>
-          <a:p>
-            <a:pPr lvl="1"/>
+              <a:t> create volume &lt;name&gt;</a:t>
+            </a:r>
+          </a:p>
+          <a:p>
+            <a:pPr marL="0" indent="0">
+              <a:buNone/>
+            </a:pPr>
+            <a:endParaRPr lang="en-US" dirty="0"/>
+          </a:p>
+          <a:p>
+            <a:r>
+              <a:rPr lang="en-US" dirty="0" err="1"/>
+              <a:t>d</a:t>
+            </a:r>
+            <a:r>
+              <a:rPr lang="en-US" dirty="0" err="1" smtClean="0"/>
+              <a:t>ocker</a:t>
+            </a:r>
             <a:r>
               <a:rPr lang="en-US" dirty="0" smtClean="0"/>
-              <a:t>bridge: default network – 1 host</a:t>
-            </a:r>
-          </a:p>
-          <a:p>
-            <a:pPr lvl="1"/>
+              <a:t> volume inspect</a:t>
+            </a:r>
+          </a:p>
+          <a:p>
+            <a:endParaRPr lang="en-US" dirty="0"/>
+          </a:p>
+          <a:p>
             <a:r>
               <a:rPr lang="en-US" dirty="0" smtClean="0"/>
-              <a:t>Host, none in use Docker </a:t>
-            </a:r>
-            <a:r>
-              <a:rPr lang="en-US" dirty="0" err="1" smtClean="0"/>
-              <a:t>deamon</a:t>
-            </a:r>
-            <a:endParaRPr lang="en-US" dirty="0" smtClean="0"/>
-          </a:p>
+              <a:t>Use with –v &lt;name&gt;:&lt;directory of data&gt;</a:t>
+            </a:r>
+            <a:endParaRPr lang="nl-NL" dirty="0"/>
+          </a:p>
+        </p:txBody>
+      </p:sp>
+      <p:sp>
+        <p:nvSpPr>
+          <p:cNvPr id="3" name="Title 2"/>
+          <p:cNvSpPr>
+            <a:spLocks noGrp="1"/>
+          </p:cNvSpPr>
+          <p:nvPr>
+            <p:ph type="title"/>
+          </p:nvPr>
+        </p:nvSpPr>
+        <p:spPr/>
+        <p:txBody>
+          <a:bodyPr/>
+          <a:lstStyle/>
           <a:p>
             <a:r>
               <a:rPr lang="en-US" dirty="0" smtClean="0"/>
-              <a:t>Docker network &lt;name&gt; inspect&gt;</a:t>
-            </a:r>
-          </a:p>
-          <a:p>
-            <a:endParaRPr lang="nl-NL" dirty="0"/>
-          </a:p>
-        </p:txBody>
-      </p:sp>
-      <p:sp>
-        <p:nvSpPr>
-          <p:cNvPr id="3" name="Title 2"/>
-          <p:cNvSpPr>
-            <a:spLocks noGrp="1"/>
-          </p:cNvSpPr>
-          <p:nvPr>
-            <p:ph type="title"/>
-          </p:nvPr>
-        </p:nvSpPr>
-        <p:spPr/>
-        <p:txBody>
-          <a:bodyPr/>
-          <a:lstStyle/>
-          <a:p>
-            <a:r>
-              <a:rPr lang="en-US" dirty="0" smtClean="0"/>
-              <a:t>DOCKER NETWORK</a:t>
+              <a:t>DOCKER VOLUME</a:t>
             </a:r>
             <a:endParaRPr lang="nl-NL" dirty="0"/>
           </a:p>
@@ -7040,7 +6937,7 @@
     </p:spTree>
     <p:extLst>
       <p:ext uri="{BB962C8B-B14F-4D97-AF65-F5344CB8AC3E}">
-        <p14:creationId xmlns:p14="http://schemas.microsoft.com/office/powerpoint/2010/main" val="2570838152"/>
+        <p14:creationId xmlns:p14="http://schemas.microsoft.com/office/powerpoint/2010/main" val="3781710363"/>
       </p:ext>
     </p:extLst>
   </p:cSld>
@@ -7086,72 +6983,220 @@
         </p:nvSpPr>
         <p:spPr/>
         <p:txBody>
-          <a:bodyPr/>
-          <a:lstStyle/>
-          <a:p>
-            <a:r>
-              <a:rPr lang="en-US" dirty="0" err="1"/>
-              <a:t>d</a:t>
-            </a:r>
-            <a:r>
-              <a:rPr lang="en-US" dirty="0" err="1" smtClean="0"/>
-              <a:t>ocker</a:t>
-            </a:r>
-            <a:r>
-              <a:rPr lang="en-US" dirty="0" smtClean="0"/>
-              <a:t> create volume &lt;name&gt;</a:t>
-            </a:r>
-          </a:p>
-          <a:p>
-            <a:pPr marL="0" indent="0">
+          <a:bodyPr>
+            <a:normAutofit fontScale="32500" lnSpcReduction="20000"/>
+          </a:bodyPr>
+          <a:lstStyle/>
+          <a:p>
+            <a:r>
+              <a:rPr lang="en-US" sz="5900" dirty="0" smtClean="0"/>
+              <a:t>Why</a:t>
+            </a:r>
+          </a:p>
+          <a:p>
+            <a:pPr lvl="1"/>
+            <a:r>
+              <a:rPr lang="en-US" sz="4200" dirty="0" smtClean="0"/>
+              <a:t>Example from Docker</a:t>
+            </a:r>
+          </a:p>
+          <a:p>
+            <a:pPr lvl="1"/>
+            <a:r>
+              <a:rPr lang="en-US" sz="4200" dirty="0" smtClean="0"/>
+              <a:t>Start with 1 Docker-compose command</a:t>
+            </a:r>
+          </a:p>
+          <a:p>
+            <a:pPr lvl="1"/>
+            <a:r>
+              <a:rPr lang="en-US" sz="4200" dirty="0" smtClean="0"/>
+              <a:t>Also with build command</a:t>
+            </a:r>
+          </a:p>
+          <a:p>
+            <a:pPr lvl="1"/>
+            <a:endParaRPr lang="en-US" sz="4200" dirty="0" smtClean="0"/>
+          </a:p>
+          <a:p>
+            <a:pPr lvl="1"/>
+            <a:endParaRPr lang="en-US" sz="4200" dirty="0"/>
+          </a:p>
+          <a:p>
+            <a:r>
+              <a:rPr lang="en-US" sz="5900" dirty="0" smtClean="0"/>
+              <a:t>What:</a:t>
+            </a:r>
+          </a:p>
+          <a:p>
+            <a:pPr lvl="1"/>
+            <a:r>
+              <a:rPr lang="en-US" sz="5700" dirty="0" smtClean="0"/>
+              <a:t>Voting app</a:t>
+            </a:r>
+          </a:p>
+          <a:p>
+            <a:pPr lvl="1"/>
+            <a:r>
+              <a:rPr lang="en-US" sz="4200" dirty="0" smtClean="0"/>
+              <a:t>5 </a:t>
+            </a:r>
+            <a:r>
+              <a:rPr lang="en-US" sz="4200" dirty="0" err="1" smtClean="0"/>
+              <a:t>Micoservices</a:t>
+            </a:r>
+            <a:endParaRPr lang="en-US" sz="4200" dirty="0" smtClean="0"/>
+          </a:p>
+          <a:p>
+            <a:pPr lvl="2"/>
+            <a:r>
+              <a:rPr lang="en-US" sz="4200" dirty="0" smtClean="0"/>
+              <a:t>Python</a:t>
+            </a:r>
+          </a:p>
+          <a:p>
+            <a:pPr lvl="2"/>
+            <a:r>
+              <a:rPr lang="en-US" sz="4200" dirty="0" err="1" smtClean="0"/>
+              <a:t>NodeJS</a:t>
+            </a:r>
+            <a:endParaRPr lang="en-US" sz="4200" dirty="0" smtClean="0"/>
+          </a:p>
+          <a:p>
+            <a:pPr lvl="2"/>
+            <a:r>
+              <a:rPr lang="en-US" sz="4200" dirty="0" err="1" smtClean="0"/>
+              <a:t>.Net</a:t>
+            </a:r>
+            <a:endParaRPr lang="en-US" sz="4200" dirty="0" smtClean="0"/>
+          </a:p>
+          <a:p>
+            <a:pPr lvl="2"/>
+            <a:r>
+              <a:rPr lang="en-US" sz="4200" dirty="0" err="1" smtClean="0"/>
+              <a:t>Redis</a:t>
+            </a:r>
+            <a:endParaRPr lang="en-US" sz="4200" dirty="0" smtClean="0"/>
+          </a:p>
+          <a:p>
+            <a:pPr lvl="2"/>
+            <a:r>
+              <a:rPr lang="en-US" sz="4200" dirty="0" smtClean="0"/>
+              <a:t>PostgreSQL</a:t>
+            </a:r>
+          </a:p>
+          <a:p>
+            <a:pPr lvl="2"/>
+            <a:endParaRPr lang="en-US" dirty="0"/>
+          </a:p>
+          <a:p>
+            <a:pPr lvl="1"/>
+            <a:endParaRPr lang="en-US" dirty="0" smtClean="0"/>
+          </a:p>
+          <a:p>
+            <a:pPr lvl="1"/>
+            <a:endParaRPr lang="en-US" dirty="0"/>
+          </a:p>
+          <a:p>
+            <a:pPr lvl="1"/>
+            <a:endParaRPr lang="en-US" dirty="0" smtClean="0"/>
+          </a:p>
+          <a:p>
+            <a:pPr lvl="1"/>
+            <a:endParaRPr lang="en-US" dirty="0"/>
+          </a:p>
+          <a:p>
+            <a:pPr lvl="1"/>
+            <a:endParaRPr lang="en-US" dirty="0" smtClean="0"/>
+          </a:p>
+          <a:p>
+            <a:pPr lvl="1"/>
+            <a:endParaRPr lang="en-US" dirty="0"/>
+          </a:p>
+          <a:p>
+            <a:pPr lvl="1"/>
+            <a:endParaRPr lang="en-US" dirty="0" smtClean="0"/>
+          </a:p>
+          <a:p>
+            <a:pPr lvl="1"/>
+            <a:endParaRPr lang="en-US" sz="4500" dirty="0"/>
+          </a:p>
+          <a:p>
+            <a:pPr lvl="1"/>
+            <a:endParaRPr lang="en-US" sz="4500" dirty="0" smtClean="0"/>
+          </a:p>
+          <a:p>
+            <a:r>
+              <a:rPr lang="en-US" sz="4500" dirty="0">
+                <a:hlinkClick r:id="rId2"/>
+              </a:rPr>
+              <a:t>https://</a:t>
+            </a:r>
+            <a:r>
+              <a:rPr lang="en-US" sz="4500" dirty="0" smtClean="0">
+                <a:hlinkClick r:id="rId2"/>
+              </a:rPr>
+              <a:t>github.com/dockersamples/example-voting-app</a:t>
+            </a:r>
+            <a:r>
+              <a:rPr lang="en-US" sz="4500" dirty="0" smtClean="0"/>
+              <a:t> </a:t>
+            </a:r>
+            <a:endParaRPr lang="en-US" sz="4500" dirty="0"/>
+          </a:p>
+          <a:p>
+            <a:pPr lvl="1"/>
+            <a:endParaRPr lang="en-US" dirty="0"/>
+          </a:p>
+          <a:p>
+            <a:pPr lvl="2"/>
+            <a:endParaRPr lang="en-US" dirty="0" smtClean="0"/>
+          </a:p>
+          <a:p>
+            <a:pPr marL="265107" lvl="1" indent="0">
               <a:buNone/>
             </a:pPr>
-            <a:endParaRPr lang="en-US" dirty="0"/>
-          </a:p>
-          <a:p>
-            <a:r>
-              <a:rPr lang="en-US" dirty="0" err="1"/>
-              <a:t>d</a:t>
+            <a:endParaRPr lang="en-US" dirty="0" smtClean="0"/>
+          </a:p>
+          <a:p>
+            <a:pPr lvl="1"/>
+            <a:endParaRPr lang="nl-NL" dirty="0"/>
+          </a:p>
+        </p:txBody>
+      </p:sp>
+      <p:sp>
+        <p:nvSpPr>
+          <p:cNvPr id="3" name="Title 2"/>
+          <p:cNvSpPr>
+            <a:spLocks noGrp="1"/>
+          </p:cNvSpPr>
+          <p:nvPr>
+            <p:ph type="title"/>
+          </p:nvPr>
+        </p:nvSpPr>
+        <p:spPr/>
+        <p:txBody>
+          <a:bodyPr/>
+          <a:lstStyle/>
+          <a:p>
+            <a:r>
+              <a:rPr lang="en-US" dirty="0" smtClean="0"/>
+              <a:t>EASE </a:t>
             </a:r>
             <a:r>
               <a:rPr lang="en-US" dirty="0" err="1" smtClean="0"/>
-              <a:t>ocker</a:t>
+              <a:t>oF</a:t>
             </a:r>
             <a:r>
               <a:rPr lang="en-US" dirty="0" smtClean="0"/>
-              <a:t> volume inspect</a:t>
-            </a:r>
-          </a:p>
-          <a:p>
-            <a:endParaRPr lang="en-US" dirty="0"/>
-          </a:p>
-          <a:p>
-            <a:r>
+              <a:t> DOCKER</a:t>
+            </a:r>
+            <a:br>
               <a:rPr lang="en-US" dirty="0" smtClean="0"/>
-              <a:t>Use with –v &lt;name&gt;:&lt;directory of data&gt;</a:t>
-            </a:r>
-            <a:endParaRPr lang="nl-NL" dirty="0"/>
-          </a:p>
-        </p:txBody>
-      </p:sp>
-      <p:sp>
-        <p:nvSpPr>
-          <p:cNvPr id="3" name="Title 2"/>
-          <p:cNvSpPr>
-            <a:spLocks noGrp="1"/>
-          </p:cNvSpPr>
-          <p:nvPr>
-            <p:ph type="title"/>
-          </p:nvPr>
-        </p:nvSpPr>
-        <p:spPr/>
-        <p:txBody>
-          <a:bodyPr/>
-          <a:lstStyle/>
-          <a:p>
+            </a:br>
             <a:r>
               <a:rPr lang="en-US" dirty="0" smtClean="0"/>
-              <a:t>DOCKER VOLUME</a:t>
+              <a:t>VOTING Application</a:t>
             </a:r>
             <a:endParaRPr lang="nl-NL" dirty="0"/>
           </a:p>
@@ -7160,7 +7205,7 @@
     </p:spTree>
     <p:extLst>
       <p:ext uri="{BB962C8B-B14F-4D97-AF65-F5344CB8AC3E}">
-        <p14:creationId xmlns:p14="http://schemas.microsoft.com/office/powerpoint/2010/main" val="3781710363"/>
+        <p14:creationId xmlns:p14="http://schemas.microsoft.com/office/powerpoint/2010/main" val="2322438100"/>
       </p:ext>
     </p:extLst>
   </p:cSld>
@@ -7194,241 +7239,331 @@
           <a:chExt cx="0" cy="0"/>
         </a:xfrm>
       </p:grpSpPr>
-      <p:sp>
-        <p:nvSpPr>
-          <p:cNvPr id="2" name="Content Placeholder 1"/>
-          <p:cNvSpPr>
-            <a:spLocks noGrp="1"/>
-          </p:cNvSpPr>
+      <p:pic>
+        <p:nvPicPr>
+          <p:cNvPr id="4" name="Content Placeholder 3"/>
+          <p:cNvPicPr>
+            <a:picLocks noGrp="1" noChangeAspect="1"/>
+          </p:cNvPicPr>
           <p:nvPr>
             <p:ph idx="1"/>
           </p:nvPr>
+        </p:nvPicPr>
+        <p:blipFill>
+          <a:blip r:embed="rId2">
+            <a:extLst>
+              <a:ext uri="{28A0092B-C50C-407E-A947-70E740481C1C}">
+                <a14:useLocalDpi xmlns:a14="http://schemas.microsoft.com/office/drawing/2010/main" val="0"/>
+              </a:ext>
+            </a:extLst>
+          </a:blip>
+          <a:stretch>
+            <a:fillRect/>
+          </a:stretch>
+        </p:blipFill>
+        <p:spPr>
+          <a:xfrm>
+            <a:off x="1009776" y="1409700"/>
+            <a:ext cx="6040966" cy="4530725"/>
+          </a:xfrm>
+        </p:spPr>
+      </p:pic>
+      <p:sp>
+        <p:nvSpPr>
+          <p:cNvPr id="3" name="Title 2"/>
+          <p:cNvSpPr>
+            <a:spLocks noGrp="1"/>
+          </p:cNvSpPr>
+          <p:nvPr>
+            <p:ph type="title"/>
+          </p:nvPr>
         </p:nvSpPr>
         <p:spPr/>
         <p:txBody>
-          <a:bodyPr>
-            <a:normAutofit fontScale="32500" lnSpcReduction="20000"/>
-          </a:bodyPr>
-          <a:lstStyle/>
-          <a:p>
-            <a:r>
-              <a:rPr lang="en-US" sz="5900" dirty="0" smtClean="0"/>
-              <a:t>Why</a:t>
-            </a:r>
-          </a:p>
-          <a:p>
-            <a:pPr lvl="1"/>
-            <a:r>
-              <a:rPr lang="en-US" sz="4200" dirty="0" smtClean="0"/>
-              <a:t>Example from Docker</a:t>
-            </a:r>
-          </a:p>
-          <a:p>
-            <a:pPr lvl="1"/>
-            <a:r>
-              <a:rPr lang="en-US" sz="4200" dirty="0" smtClean="0"/>
-              <a:t>Start with 1 Docker-compose command</a:t>
-            </a:r>
-          </a:p>
-          <a:p>
-            <a:pPr lvl="1"/>
-            <a:r>
-              <a:rPr lang="en-US" sz="4200" dirty="0" smtClean="0"/>
-              <a:t>Also with build command</a:t>
-            </a:r>
-          </a:p>
-          <a:p>
-            <a:pPr lvl="1"/>
-            <a:endParaRPr lang="en-US" sz="4200" dirty="0" smtClean="0"/>
-          </a:p>
-          <a:p>
-            <a:pPr lvl="1"/>
-            <a:endParaRPr lang="en-US" sz="4200" dirty="0"/>
-          </a:p>
-          <a:p>
-            <a:r>
-              <a:rPr lang="en-US" sz="5900" dirty="0" smtClean="0"/>
-              <a:t>What:</a:t>
-            </a:r>
-          </a:p>
-          <a:p>
-            <a:pPr lvl="1"/>
-            <a:r>
-              <a:rPr lang="en-US" sz="5700" dirty="0" smtClean="0"/>
-              <a:t>Voting app</a:t>
-            </a:r>
-          </a:p>
-          <a:p>
-            <a:pPr lvl="1"/>
-            <a:r>
-              <a:rPr lang="en-US" sz="4200" dirty="0" smtClean="0"/>
-              <a:t>5 </a:t>
-            </a:r>
-            <a:r>
-              <a:rPr lang="en-US" sz="4200" dirty="0" err="1" smtClean="0"/>
-              <a:t>Micoservices</a:t>
-            </a:r>
-            <a:endParaRPr lang="en-US" sz="4200" dirty="0" smtClean="0"/>
-          </a:p>
-          <a:p>
-            <a:pPr lvl="2"/>
-            <a:r>
-              <a:rPr lang="en-US" sz="4200" dirty="0" smtClean="0"/>
-              <a:t>Python</a:t>
-            </a:r>
-          </a:p>
-          <a:p>
-            <a:pPr lvl="2"/>
-            <a:r>
-              <a:rPr lang="en-US" sz="4200" dirty="0" err="1" smtClean="0"/>
-              <a:t>NodeJS</a:t>
-            </a:r>
-            <a:endParaRPr lang="en-US" sz="4200" dirty="0" smtClean="0"/>
-          </a:p>
-          <a:p>
-            <a:pPr lvl="2"/>
-            <a:r>
-              <a:rPr lang="en-US" sz="4200" dirty="0" err="1" smtClean="0"/>
-              <a:t>.Net</a:t>
-            </a:r>
-            <a:endParaRPr lang="en-US" sz="4200" dirty="0" smtClean="0"/>
-          </a:p>
-          <a:p>
-            <a:pPr lvl="2"/>
-            <a:r>
-              <a:rPr lang="en-US" sz="4200" dirty="0" err="1" smtClean="0"/>
-              <a:t>Redis</a:t>
-            </a:r>
-            <a:endParaRPr lang="en-US" sz="4200" dirty="0" smtClean="0"/>
-          </a:p>
-          <a:p>
-            <a:pPr lvl="2"/>
-            <a:r>
-              <a:rPr lang="en-US" sz="4200" dirty="0" smtClean="0"/>
-              <a:t>PostgreSQL</a:t>
-            </a:r>
-          </a:p>
-          <a:p>
-            <a:pPr lvl="2"/>
-            <a:endParaRPr lang="en-US" dirty="0"/>
-          </a:p>
-          <a:p>
-            <a:pPr lvl="1"/>
-            <a:endParaRPr lang="en-US" dirty="0" smtClean="0"/>
-          </a:p>
-          <a:p>
-            <a:pPr lvl="1"/>
-            <a:endParaRPr lang="en-US" dirty="0"/>
-          </a:p>
-          <a:p>
-            <a:pPr lvl="1"/>
-            <a:endParaRPr lang="en-US" dirty="0" smtClean="0"/>
-          </a:p>
-          <a:p>
-            <a:pPr lvl="1"/>
-            <a:endParaRPr lang="en-US" dirty="0"/>
-          </a:p>
-          <a:p>
-            <a:pPr lvl="1"/>
-            <a:endParaRPr lang="en-US" dirty="0" smtClean="0"/>
-          </a:p>
-          <a:p>
-            <a:pPr lvl="1"/>
-            <a:endParaRPr lang="en-US" dirty="0"/>
-          </a:p>
-          <a:p>
-            <a:pPr lvl="1"/>
-            <a:endParaRPr lang="en-US" dirty="0" smtClean="0"/>
-          </a:p>
-          <a:p>
-            <a:pPr lvl="1"/>
-            <a:endParaRPr lang="en-US" sz="4500" dirty="0"/>
-          </a:p>
-          <a:p>
-            <a:pPr lvl="1"/>
-            <a:endParaRPr lang="en-US" sz="4500" dirty="0" smtClean="0"/>
-          </a:p>
-          <a:p>
-            <a:r>
-              <a:rPr lang="en-US" sz="4500" dirty="0">
-                <a:hlinkClick r:id="rId2"/>
-              </a:rPr>
-              <a:t>https://</a:t>
-            </a:r>
-            <a:r>
-              <a:rPr lang="en-US" sz="4500" dirty="0" smtClean="0">
-                <a:hlinkClick r:id="rId2"/>
-              </a:rPr>
-              <a:t>github.com/dockersamples/example-voting-app</a:t>
-            </a:r>
-            <a:r>
-              <a:rPr lang="en-US" sz="4500" dirty="0" smtClean="0"/>
-              <a:t> </a:t>
-            </a:r>
-            <a:endParaRPr lang="en-US" sz="4500" dirty="0"/>
-          </a:p>
-          <a:p>
-            <a:pPr lvl="1"/>
-            <a:endParaRPr lang="en-US" dirty="0"/>
-          </a:p>
-          <a:p>
-            <a:pPr lvl="2"/>
-            <a:endParaRPr lang="en-US" dirty="0" smtClean="0"/>
-          </a:p>
-          <a:p>
-            <a:pPr marL="265107" lvl="1" indent="0">
-              <a:buNone/>
-            </a:pPr>
-            <a:endParaRPr lang="en-US" dirty="0" smtClean="0"/>
-          </a:p>
-          <a:p>
-            <a:pPr lvl="1"/>
-            <a:endParaRPr lang="nl-NL" dirty="0"/>
-          </a:p>
-        </p:txBody>
-      </p:sp>
-      <p:sp>
-        <p:nvSpPr>
-          <p:cNvPr id="3" name="Title 2"/>
-          <p:cNvSpPr>
-            <a:spLocks noGrp="1"/>
-          </p:cNvSpPr>
-          <p:nvPr>
-            <p:ph type="title"/>
-          </p:nvPr>
-        </p:nvSpPr>
-        <p:spPr/>
-        <p:txBody>
           <a:bodyPr/>
           <a:lstStyle/>
           <a:p>
             <a:r>
               <a:rPr lang="en-US" dirty="0" smtClean="0"/>
-              <a:t>EASE </a:t>
-            </a:r>
-            <a:r>
-              <a:rPr lang="en-US" dirty="0" err="1" smtClean="0"/>
-              <a:t>oF</a:t>
-            </a:r>
-            <a:r>
-              <a:rPr lang="en-US" dirty="0" smtClean="0"/>
-              <a:t> DOCKER</a:t>
+              <a:t>VOTING Application</a:t>
             </a:r>
             <a:br>
               <a:rPr lang="en-US" dirty="0" smtClean="0"/>
             </a:br>
             <a:r>
               <a:rPr lang="en-US" dirty="0" smtClean="0"/>
-              <a:t>VOTING Application</a:t>
+              <a:t>ARCHITECTURE – </a:t>
+            </a:r>
+            <a:r>
+              <a:rPr lang="en-US" dirty="0" err="1" smtClean="0"/>
+              <a:t>InfrastruCTURE</a:t>
+            </a:r>
+            <a:r>
+              <a:rPr lang="en-US" dirty="0" smtClean="0"/>
+              <a:t> </a:t>
             </a:r>
             <a:endParaRPr lang="nl-NL" dirty="0"/>
+          </a:p>
+        </p:txBody>
+      </p:sp>
+      <p:sp>
+        <p:nvSpPr>
+          <p:cNvPr id="2" name="Rectangle 1"/>
+          <p:cNvSpPr/>
+          <p:nvPr/>
+        </p:nvSpPr>
+        <p:spPr>
+          <a:xfrm>
+            <a:off x="2173384" y="2620370"/>
+            <a:ext cx="1607046" cy="313898"/>
+          </a:xfrm>
+          <a:prstGeom prst="rect">
+            <a:avLst/>
+          </a:prstGeom>
+          <a:solidFill>
+            <a:schemeClr val="tx2">
+              <a:lumMod val="60000"/>
+              <a:lumOff val="40000"/>
+            </a:schemeClr>
+          </a:solidFill>
+        </p:spPr>
+        <p:style>
+          <a:lnRef idx="2">
+            <a:schemeClr val="accent1">
+              <a:shade val="50000"/>
+            </a:schemeClr>
+          </a:lnRef>
+          <a:fillRef idx="1">
+            <a:schemeClr val="accent1"/>
+          </a:fillRef>
+          <a:effectRef idx="0">
+            <a:schemeClr val="accent1"/>
+          </a:effectRef>
+          <a:fontRef idx="minor">
+            <a:schemeClr val="lt1"/>
+          </a:fontRef>
+        </p:style>
+        <p:txBody>
+          <a:bodyPr rtlCol="0" anchor="ctr"/>
+          <a:lstStyle/>
+          <a:p>
+            <a:pPr algn="ctr"/>
+            <a:r>
+              <a:rPr lang="en-US" sz="1400" dirty="0" smtClean="0"/>
+              <a:t>Webserver Linux</a:t>
+            </a:r>
+            <a:endParaRPr lang="nl-NL" sz="1400" dirty="0"/>
+          </a:p>
+        </p:txBody>
+      </p:sp>
+      <p:sp>
+        <p:nvSpPr>
+          <p:cNvPr id="5" name="Rectangle 4"/>
+          <p:cNvSpPr/>
+          <p:nvPr/>
+        </p:nvSpPr>
+        <p:spPr>
+          <a:xfrm>
+            <a:off x="4304710" y="2622642"/>
+            <a:ext cx="1607046" cy="313898"/>
+          </a:xfrm>
+          <a:prstGeom prst="rect">
+            <a:avLst/>
+          </a:prstGeom>
+          <a:solidFill>
+            <a:schemeClr val="tx2">
+              <a:lumMod val="60000"/>
+              <a:lumOff val="40000"/>
+            </a:schemeClr>
+          </a:solidFill>
+        </p:spPr>
+        <p:style>
+          <a:lnRef idx="2">
+            <a:schemeClr val="accent1">
+              <a:shade val="50000"/>
+            </a:schemeClr>
+          </a:lnRef>
+          <a:fillRef idx="1">
+            <a:schemeClr val="accent1"/>
+          </a:fillRef>
+          <a:effectRef idx="0">
+            <a:schemeClr val="accent1"/>
+          </a:effectRef>
+          <a:fontRef idx="minor">
+            <a:schemeClr val="lt1"/>
+          </a:fontRef>
+        </p:style>
+        <p:txBody>
+          <a:bodyPr rtlCol="0" anchor="ctr"/>
+          <a:lstStyle/>
+          <a:p>
+            <a:pPr algn="ctr"/>
+            <a:r>
+              <a:rPr lang="en-US" sz="1600" dirty="0" err="1" smtClean="0"/>
+              <a:t>Applicatie</a:t>
+            </a:r>
+            <a:r>
+              <a:rPr lang="en-US" sz="1600" dirty="0" smtClean="0"/>
+              <a:t> server</a:t>
+            </a:r>
+            <a:endParaRPr lang="nl-NL" sz="1600" dirty="0"/>
+          </a:p>
+        </p:txBody>
+      </p:sp>
+      <p:sp>
+        <p:nvSpPr>
+          <p:cNvPr id="6" name="Rectangle 5"/>
+          <p:cNvSpPr/>
+          <p:nvPr/>
+        </p:nvSpPr>
+        <p:spPr>
+          <a:xfrm>
+            <a:off x="1957289" y="4096606"/>
+            <a:ext cx="1607046" cy="313898"/>
+          </a:xfrm>
+          <a:prstGeom prst="rect">
+            <a:avLst/>
+          </a:prstGeom>
+          <a:solidFill>
+            <a:schemeClr val="tx2">
+              <a:lumMod val="60000"/>
+              <a:lumOff val="40000"/>
+            </a:schemeClr>
+          </a:solidFill>
+        </p:spPr>
+        <p:style>
+          <a:lnRef idx="2">
+            <a:schemeClr val="accent1">
+              <a:shade val="50000"/>
+            </a:schemeClr>
+          </a:lnRef>
+          <a:fillRef idx="1">
+            <a:schemeClr val="accent1"/>
+          </a:fillRef>
+          <a:effectRef idx="0">
+            <a:schemeClr val="accent1"/>
+          </a:effectRef>
+          <a:fontRef idx="minor">
+            <a:schemeClr val="lt1"/>
+          </a:fontRef>
+        </p:style>
+        <p:txBody>
+          <a:bodyPr rtlCol="0" anchor="ctr"/>
+          <a:lstStyle/>
+          <a:p>
+            <a:pPr algn="ctr"/>
+            <a:r>
+              <a:rPr lang="en-US" sz="1600" dirty="0" smtClean="0"/>
+              <a:t>Special server</a:t>
+            </a:r>
+            <a:endParaRPr lang="nl-NL" sz="1600" dirty="0"/>
+          </a:p>
+        </p:txBody>
+      </p:sp>
+      <p:sp>
+        <p:nvSpPr>
+          <p:cNvPr id="7" name="Rectangle 6"/>
+          <p:cNvSpPr/>
+          <p:nvPr/>
+        </p:nvSpPr>
+        <p:spPr>
+          <a:xfrm>
+            <a:off x="4495784" y="4096602"/>
+            <a:ext cx="1607046" cy="313898"/>
+          </a:xfrm>
+          <a:prstGeom prst="rect">
+            <a:avLst/>
+          </a:prstGeom>
+          <a:solidFill>
+            <a:schemeClr val="tx2">
+              <a:lumMod val="60000"/>
+              <a:lumOff val="40000"/>
+            </a:schemeClr>
+          </a:solidFill>
+        </p:spPr>
+        <p:style>
+          <a:lnRef idx="2">
+            <a:schemeClr val="accent1">
+              <a:shade val="50000"/>
+            </a:schemeClr>
+          </a:lnRef>
+          <a:fillRef idx="1">
+            <a:schemeClr val="accent1"/>
+          </a:fillRef>
+          <a:effectRef idx="0">
+            <a:schemeClr val="accent1"/>
+          </a:effectRef>
+          <a:fontRef idx="minor">
+            <a:schemeClr val="lt1"/>
+          </a:fontRef>
+        </p:style>
+        <p:txBody>
+          <a:bodyPr rtlCol="0" anchor="ctr"/>
+          <a:lstStyle/>
+          <a:p>
+            <a:pPr algn="ctr"/>
+            <a:r>
+              <a:rPr lang="en-US" sz="1600" dirty="0" smtClean="0"/>
+              <a:t>Database server</a:t>
+            </a:r>
+            <a:endParaRPr lang="nl-NL" sz="1600" dirty="0"/>
+          </a:p>
+        </p:txBody>
+      </p:sp>
+      <p:sp>
+        <p:nvSpPr>
+          <p:cNvPr id="8" name="Rectangle 7"/>
+          <p:cNvSpPr/>
+          <p:nvPr/>
+        </p:nvSpPr>
+        <p:spPr>
+          <a:xfrm>
+            <a:off x="3240188" y="5584214"/>
+            <a:ext cx="1607046" cy="313898"/>
+          </a:xfrm>
+          <a:prstGeom prst="rect">
+            <a:avLst/>
+          </a:prstGeom>
+          <a:solidFill>
+            <a:schemeClr val="tx2">
+              <a:lumMod val="60000"/>
+              <a:lumOff val="40000"/>
+            </a:schemeClr>
+          </a:solidFill>
+        </p:spPr>
+        <p:style>
+          <a:lnRef idx="2">
+            <a:schemeClr val="accent1">
+              <a:shade val="50000"/>
+            </a:schemeClr>
+          </a:lnRef>
+          <a:fillRef idx="1">
+            <a:schemeClr val="accent1"/>
+          </a:fillRef>
+          <a:effectRef idx="0">
+            <a:schemeClr val="accent1"/>
+          </a:effectRef>
+          <a:fontRef idx="minor">
+            <a:schemeClr val="lt1"/>
+          </a:fontRef>
+        </p:style>
+        <p:txBody>
+          <a:bodyPr rtlCol="0" anchor="ctr"/>
+          <a:lstStyle/>
+          <a:p>
+            <a:pPr algn="ctr"/>
+            <a:r>
+              <a:rPr lang="en-US" sz="1400" dirty="0" smtClean="0"/>
+              <a:t>Webserver Wintel</a:t>
+            </a:r>
+            <a:endParaRPr lang="nl-NL" sz="1400" dirty="0"/>
           </a:p>
         </p:txBody>
       </p:sp>
     </p:spTree>
     <p:extLst>
       <p:ext uri="{BB962C8B-B14F-4D97-AF65-F5344CB8AC3E}">
-        <p14:creationId xmlns:p14="http://schemas.microsoft.com/office/powerpoint/2010/main" val="2322438100"/>
+        <p14:creationId xmlns:p14="http://schemas.microsoft.com/office/powerpoint/2010/main" val="500494257"/>
       </p:ext>
     </p:extLst>
   </p:cSld>
@@ -7691,7 +7826,7 @@
           </p:nvPr>
         </p:nvPicPr>
         <p:blipFill>
-          <a:blip r:embed="rId2">
+          <a:blip r:embed="rId3">
             <a:extLst>
               <a:ext uri="{28A0092B-C50C-407E-A947-70E740481C1C}">
                 <a14:useLocalDpi xmlns:a14="http://schemas.microsoft.com/office/drawing/2010/main" val="0"/>
@@ -7749,14 +7884,14 @@
       </p:sp>
       <p:sp>
         <p:nvSpPr>
-          <p:cNvPr id="2" name="Rectangle 1"/>
+          <p:cNvPr id="9" name="Rectangle 8"/>
           <p:cNvSpPr/>
           <p:nvPr/>
         </p:nvSpPr>
         <p:spPr>
           <a:xfrm>
-            <a:off x="2173384" y="2620370"/>
-            <a:ext cx="1607046" cy="313898"/>
+            <a:off x="1343346" y="5677469"/>
+            <a:ext cx="5592194" cy="262956"/>
           </a:xfrm>
           <a:prstGeom prst="rect">
             <a:avLst/>
@@ -7790,212 +7925,8 @@
           <a:p>
             <a:pPr algn="ctr"/>
             <a:r>
-              <a:rPr lang="en-US" sz="1400" dirty="0" smtClean="0"/>
-              <a:t>Webserver Linux</a:t>
-            </a:r>
-            <a:endParaRPr lang="nl-NL" sz="1400" dirty="0"/>
-          </a:p>
-        </p:txBody>
-      </p:sp>
-      <p:sp>
-        <p:nvSpPr>
-          <p:cNvPr id="5" name="Rectangle 4"/>
-          <p:cNvSpPr/>
-          <p:nvPr/>
-        </p:nvSpPr>
-        <p:spPr>
-          <a:xfrm>
-            <a:off x="4304710" y="2622642"/>
-            <a:ext cx="1607046" cy="313898"/>
-          </a:xfrm>
-          <a:prstGeom prst="rect">
-            <a:avLst/>
-          </a:prstGeom>
-          <a:solidFill>
-            <a:schemeClr val="tx2">
-              <a:lumMod val="60000"/>
-              <a:lumOff val="40000"/>
-            </a:schemeClr>
-          </a:solidFill>
-        </p:spPr>
-        <p:style>
-          <a:lnRef idx="2">
-            <a:schemeClr val="accent1">
-              <a:shade val="50000"/>
-            </a:schemeClr>
-          </a:lnRef>
-          <a:fillRef idx="1">
-            <a:schemeClr val="accent1"/>
-          </a:fillRef>
-          <a:effectRef idx="0">
-            <a:schemeClr val="accent1"/>
-          </a:effectRef>
-          <a:fontRef idx="minor">
-            <a:schemeClr val="lt1"/>
-          </a:fontRef>
-        </p:style>
-        <p:txBody>
-          <a:bodyPr rtlCol="0" anchor="ctr"/>
-          <a:lstStyle/>
-          <a:p>
-            <a:pPr algn="ctr"/>
-            <a:r>
-              <a:rPr lang="en-US" sz="1600" dirty="0" err="1" smtClean="0"/>
-              <a:t>Applicatie</a:t>
-            </a:r>
-            <a:r>
-              <a:rPr lang="en-US" sz="1600" dirty="0" smtClean="0"/>
-              <a:t> server</a:t>
-            </a:r>
-            <a:endParaRPr lang="nl-NL" sz="1600" dirty="0"/>
-          </a:p>
-        </p:txBody>
-      </p:sp>
-      <p:sp>
-        <p:nvSpPr>
-          <p:cNvPr id="6" name="Rectangle 5"/>
-          <p:cNvSpPr/>
-          <p:nvPr/>
-        </p:nvSpPr>
-        <p:spPr>
-          <a:xfrm>
-            <a:off x="1957289" y="4096606"/>
-            <a:ext cx="1607046" cy="313898"/>
-          </a:xfrm>
-          <a:prstGeom prst="rect">
-            <a:avLst/>
-          </a:prstGeom>
-          <a:solidFill>
-            <a:schemeClr val="tx2">
-              <a:lumMod val="60000"/>
-              <a:lumOff val="40000"/>
-            </a:schemeClr>
-          </a:solidFill>
-        </p:spPr>
-        <p:style>
-          <a:lnRef idx="2">
-            <a:schemeClr val="accent1">
-              <a:shade val="50000"/>
-            </a:schemeClr>
-          </a:lnRef>
-          <a:fillRef idx="1">
-            <a:schemeClr val="accent1"/>
-          </a:fillRef>
-          <a:effectRef idx="0">
-            <a:schemeClr val="accent1"/>
-          </a:effectRef>
-          <a:fontRef idx="minor">
-            <a:schemeClr val="lt1"/>
-          </a:fontRef>
-        </p:style>
-        <p:txBody>
-          <a:bodyPr rtlCol="0" anchor="ctr"/>
-          <a:lstStyle/>
-          <a:p>
-            <a:pPr algn="ctr"/>
-            <a:r>
-              <a:rPr lang="en-US" sz="1600" dirty="0" smtClean="0"/>
-              <a:t>Special server</a:t>
-            </a:r>
-            <a:endParaRPr lang="nl-NL" sz="1600" dirty="0"/>
-          </a:p>
-        </p:txBody>
-      </p:sp>
-      <p:sp>
-        <p:nvSpPr>
-          <p:cNvPr id="7" name="Rectangle 6"/>
-          <p:cNvSpPr/>
-          <p:nvPr/>
-        </p:nvSpPr>
-        <p:spPr>
-          <a:xfrm>
-            <a:off x="4495784" y="4096602"/>
-            <a:ext cx="1607046" cy="313898"/>
-          </a:xfrm>
-          <a:prstGeom prst="rect">
-            <a:avLst/>
-          </a:prstGeom>
-          <a:solidFill>
-            <a:schemeClr val="tx2">
-              <a:lumMod val="60000"/>
-              <a:lumOff val="40000"/>
-            </a:schemeClr>
-          </a:solidFill>
-        </p:spPr>
-        <p:style>
-          <a:lnRef idx="2">
-            <a:schemeClr val="accent1">
-              <a:shade val="50000"/>
-            </a:schemeClr>
-          </a:lnRef>
-          <a:fillRef idx="1">
-            <a:schemeClr val="accent1"/>
-          </a:fillRef>
-          <a:effectRef idx="0">
-            <a:schemeClr val="accent1"/>
-          </a:effectRef>
-          <a:fontRef idx="minor">
-            <a:schemeClr val="lt1"/>
-          </a:fontRef>
-        </p:style>
-        <p:txBody>
-          <a:bodyPr rtlCol="0" anchor="ctr"/>
-          <a:lstStyle/>
-          <a:p>
-            <a:pPr algn="ctr"/>
-            <a:r>
-              <a:rPr lang="en-US" sz="1600" dirty="0" smtClean="0"/>
-              <a:t>Database server</a:t>
-            </a:r>
-            <a:endParaRPr lang="nl-NL" sz="1600" dirty="0"/>
-          </a:p>
-        </p:txBody>
-      </p:sp>
-      <p:sp>
-        <p:nvSpPr>
-          <p:cNvPr id="8" name="Rectangle 7"/>
-          <p:cNvSpPr/>
-          <p:nvPr/>
-        </p:nvSpPr>
-        <p:spPr>
-          <a:xfrm>
-            <a:off x="3240188" y="5584214"/>
-            <a:ext cx="1607046" cy="313898"/>
-          </a:xfrm>
-          <a:prstGeom prst="rect">
-            <a:avLst/>
-          </a:prstGeom>
-          <a:solidFill>
-            <a:schemeClr val="tx2">
-              <a:lumMod val="60000"/>
-              <a:lumOff val="40000"/>
-            </a:schemeClr>
-          </a:solidFill>
-        </p:spPr>
-        <p:style>
-          <a:lnRef idx="2">
-            <a:schemeClr val="accent1">
-              <a:shade val="50000"/>
-            </a:schemeClr>
-          </a:lnRef>
-          <a:fillRef idx="1">
-            <a:schemeClr val="accent1"/>
-          </a:fillRef>
-          <a:effectRef idx="0">
-            <a:schemeClr val="accent1"/>
-          </a:effectRef>
-          <a:fontRef idx="minor">
-            <a:schemeClr val="lt1"/>
-          </a:fontRef>
-        </p:style>
-        <p:txBody>
-          <a:bodyPr rtlCol="0" anchor="ctr"/>
-          <a:lstStyle/>
-          <a:p>
-            <a:pPr algn="ctr"/>
-            <a:r>
-              <a:rPr lang="en-US" sz="1400" dirty="0" smtClean="0"/>
-              <a:t>Webserver Wintel</a:t>
+              <a:rPr lang="en-US" sz="1400" dirty="0" err="1" smtClean="0"/>
+              <a:t>DockerHost</a:t>
             </a:r>
             <a:endParaRPr lang="nl-NL" sz="1400" dirty="0"/>
           </a:p>
@@ -8004,7 +7935,7 @@
     </p:spTree>
     <p:extLst>
       <p:ext uri="{BB962C8B-B14F-4D97-AF65-F5344CB8AC3E}">
-        <p14:creationId xmlns:p14="http://schemas.microsoft.com/office/powerpoint/2010/main" val="500494257"/>
+        <p14:creationId xmlns:p14="http://schemas.microsoft.com/office/powerpoint/2010/main" val="3586595352"/>
       </p:ext>
     </p:extLst>
   </p:cSld>
@@ -8038,35 +7969,36 @@
           <a:chExt cx="0" cy="0"/>
         </a:xfrm>
       </p:grpSpPr>
-      <p:pic>
-        <p:nvPicPr>
-          <p:cNvPr id="4" name="Content Placeholder 3"/>
-          <p:cNvPicPr>
-            <a:picLocks noGrp="1" noChangeAspect="1"/>
-          </p:cNvPicPr>
+      <p:sp>
+        <p:nvSpPr>
+          <p:cNvPr id="2" name="Content Placeholder 1"/>
+          <p:cNvSpPr>
+            <a:spLocks noGrp="1"/>
+          </p:cNvSpPr>
           <p:nvPr>
             <p:ph idx="1"/>
           </p:nvPr>
-        </p:nvPicPr>
-        <p:blipFill>
-          <a:blip r:embed="rId3">
-            <a:extLst>
-              <a:ext uri="{28A0092B-C50C-407E-A947-70E740481C1C}">
-                <a14:useLocalDpi xmlns:a14="http://schemas.microsoft.com/office/drawing/2010/main" val="0"/>
-              </a:ext>
-            </a:extLst>
-          </a:blip>
-          <a:stretch>
-            <a:fillRect/>
-          </a:stretch>
-        </p:blipFill>
-        <p:spPr>
-          <a:xfrm>
-            <a:off x="1009776" y="1409700"/>
-            <a:ext cx="6040966" cy="4530725"/>
-          </a:xfrm>
-        </p:spPr>
-      </p:pic>
+        </p:nvSpPr>
+        <p:spPr>
+          <a:xfrm>
+            <a:off x="617539" y="1295518"/>
+            <a:ext cx="8163164" cy="4530827"/>
+          </a:xfrm>
+        </p:spPr>
+        <p:txBody>
+          <a:bodyPr/>
+          <a:lstStyle/>
+          <a:p>
+            <a:r>
+              <a:rPr lang="en-US" dirty="0" smtClean="0"/>
+              <a:t>Start with 1 command:</a:t>
+            </a:r>
+          </a:p>
+          <a:p>
+            <a:endParaRPr lang="en-US" dirty="0"/>
+          </a:p>
+        </p:txBody>
+      </p:sp>
       <p:sp>
         <p:nvSpPr>
           <p:cNvPr id="3" name="Title 2"/>
@@ -8084,22 +8016,7 @@
           <a:p>
             <a:r>
               <a:rPr lang="en-US" dirty="0" smtClean="0"/>
-              <a:t>VOTING Application</a:t>
-            </a:r>
-            <a:br>
-              <a:rPr lang="en-US" dirty="0" smtClean="0"/>
-            </a:br>
-            <a:r>
-              <a:rPr lang="en-US" dirty="0" smtClean="0"/>
-              <a:t>ARCHITECTURE – </a:t>
-            </a:r>
-            <a:r>
-              <a:rPr lang="en-US" dirty="0" err="1" smtClean="0"/>
-              <a:t>InfrastruCTURE</a:t>
-            </a:r>
-            <a:r>
-              <a:rPr lang="en-US" dirty="0" smtClean="0"/>
-              <a:t> </a:t>
+              <a:t>VOTING APP</a:t>
             </a:r>
             <a:endParaRPr lang="nl-NL" dirty="0"/>
           </a:p>
@@ -8107,58 +8024,48 @@
       </p:sp>
       <p:sp>
         <p:nvSpPr>
-          <p:cNvPr id="9" name="Rectangle 8"/>
-          <p:cNvSpPr/>
+          <p:cNvPr id="4" name="TextBox 3"/>
+          <p:cNvSpPr txBox="1"/>
           <p:nvPr/>
         </p:nvSpPr>
         <p:spPr>
           <a:xfrm>
-            <a:off x="1343346" y="5677469"/>
-            <a:ext cx="5592194" cy="262956"/>
+            <a:off x="1228298" y="2914600"/>
+            <a:ext cx="5459105" cy="646331"/>
           </a:xfrm>
           <a:prstGeom prst="rect">
             <a:avLst/>
           </a:prstGeom>
           <a:solidFill>
-            <a:schemeClr val="tx2">
-              <a:lumMod val="60000"/>
-              <a:lumOff val="40000"/>
-            </a:schemeClr>
+            <a:srgbClr val="FFFF00"/>
           </a:solidFill>
         </p:spPr>
-        <p:style>
-          <a:lnRef idx="2">
-            <a:schemeClr val="accent1">
-              <a:shade val="50000"/>
-            </a:schemeClr>
-          </a:lnRef>
-          <a:fillRef idx="1">
-            <a:schemeClr val="accent1"/>
-          </a:fillRef>
-          <a:effectRef idx="0">
-            <a:schemeClr val="accent1"/>
-          </a:effectRef>
-          <a:fontRef idx="minor">
-            <a:schemeClr val="lt1"/>
-          </a:fontRef>
-        </p:style>
-        <p:txBody>
-          <a:bodyPr rtlCol="0" anchor="ctr"/>
-          <a:lstStyle/>
-          <a:p>
-            <a:pPr algn="ctr"/>
-            <a:r>
-              <a:rPr lang="en-US" sz="1400" dirty="0" err="1" smtClean="0"/>
-              <a:t>DockerHost</a:t>
-            </a:r>
-            <a:endParaRPr lang="nl-NL" sz="1400" dirty="0"/>
+        <p:txBody>
+          <a:bodyPr wrap="square" rtlCol="0">
+            <a:spAutoFit/>
+          </a:bodyPr>
+          <a:lstStyle/>
+          <a:p>
+            <a:r>
+              <a:rPr lang="en-US" sz="3600" dirty="0" smtClean="0"/>
+              <a:t>Docker-compose </a:t>
+            </a:r>
+            <a:r>
+              <a:rPr lang="en-US" sz="3600" dirty="0"/>
+              <a:t>up -- </a:t>
+            </a:r>
+            <a:r>
+              <a:rPr lang="en-US" sz="3600" dirty="0" smtClean="0"/>
+              <a:t>build</a:t>
+            </a:r>
+            <a:endParaRPr lang="nl-NL" sz="3600" dirty="0"/>
           </a:p>
         </p:txBody>
       </p:sp>
     </p:spTree>
     <p:extLst>
       <p:ext uri="{BB962C8B-B14F-4D97-AF65-F5344CB8AC3E}">
-        <p14:creationId xmlns:p14="http://schemas.microsoft.com/office/powerpoint/2010/main" val="3586595352"/>
+        <p14:creationId xmlns:p14="http://schemas.microsoft.com/office/powerpoint/2010/main" val="1846587630"/>
       </p:ext>
     </p:extLst>
   </p:cSld>
@@ -8192,103 +8099,59 @@
           <a:chExt cx="0" cy="0"/>
         </a:xfrm>
       </p:grpSpPr>
-      <p:sp>
-        <p:nvSpPr>
-          <p:cNvPr id="2" name="Content Placeholder 1"/>
-          <p:cNvSpPr>
-            <a:spLocks noGrp="1"/>
-          </p:cNvSpPr>
+      <p:pic>
+        <p:nvPicPr>
+          <p:cNvPr id="4" name="Content Placeholder 3"/>
+          <p:cNvPicPr>
+            <a:picLocks noGrp="1" noChangeAspect="1"/>
+          </p:cNvPicPr>
           <p:nvPr>
             <p:ph idx="1"/>
           </p:nvPr>
-        </p:nvSpPr>
-        <p:spPr>
-          <a:xfrm>
-            <a:off x="617539" y="1295518"/>
-            <a:ext cx="8163164" cy="4530827"/>
-          </a:xfrm>
-        </p:spPr>
-        <p:txBody>
-          <a:bodyPr/>
-          <a:lstStyle/>
-          <a:p>
-            <a:r>
-              <a:rPr lang="en-US" dirty="0" smtClean="0"/>
-              <a:t>Start with 1 command:</a:t>
-            </a:r>
-          </a:p>
-          <a:p>
-            <a:endParaRPr lang="en-US" dirty="0"/>
-          </a:p>
-        </p:txBody>
-      </p:sp>
-      <p:sp>
-        <p:nvSpPr>
-          <p:cNvPr id="3" name="Title 2"/>
-          <p:cNvSpPr>
-            <a:spLocks noGrp="1"/>
-          </p:cNvSpPr>
-          <p:nvPr>
-            <p:ph type="title"/>
-          </p:nvPr>
-        </p:nvSpPr>
-        <p:spPr/>
-        <p:txBody>
-          <a:bodyPr/>
-          <a:lstStyle/>
-          <a:p>
-            <a:r>
-              <a:rPr lang="en-US" dirty="0" smtClean="0"/>
-              <a:t>VOTING APP</a:t>
-            </a:r>
-            <a:endParaRPr lang="nl-NL" dirty="0"/>
-          </a:p>
-        </p:txBody>
-      </p:sp>
-      <p:sp>
-        <p:nvSpPr>
-          <p:cNvPr id="4" name="TextBox 3"/>
-          <p:cNvSpPr txBox="1"/>
-          <p:nvPr/>
-        </p:nvSpPr>
-        <p:spPr>
-          <a:xfrm>
-            <a:off x="1228298" y="2914600"/>
-            <a:ext cx="5459105" cy="646331"/>
+        </p:nvPicPr>
+        <p:blipFill>
+          <a:blip r:embed="rId3"/>
+          <a:stretch>
+            <a:fillRect/>
+          </a:stretch>
+        </p:blipFill>
+        <p:spPr>
+          <a:xfrm>
+            <a:off x="617538" y="1666601"/>
+            <a:ext cx="8162925" cy="4016923"/>
           </a:xfrm>
           <a:prstGeom prst="rect">
             <a:avLst/>
           </a:prstGeom>
-          <a:solidFill>
-            <a:srgbClr val="FFFF00"/>
-          </a:solidFill>
-        </p:spPr>
-        <p:txBody>
-          <a:bodyPr wrap="square" rtlCol="0">
-            <a:spAutoFit/>
-          </a:bodyPr>
-          <a:lstStyle/>
-          <a:p>
-            <a:r>
-              <a:rPr lang="en-US" sz="3600" dirty="0" smtClean="0"/>
-              <a:t>Docker-compose </a:t>
-            </a:r>
-            <a:r>
-              <a:rPr lang="en-US" sz="3600" dirty="0"/>
-              <a:t>up -- </a:t>
-            </a:r>
-            <a:r>
-              <a:rPr lang="en-US" sz="3600" dirty="0" smtClean="0"/>
-              <a:t>build</a:t>
-            </a:r>
-            <a:endParaRPr lang="nl-NL" sz="3600" dirty="0"/>
+        </p:spPr>
+      </p:pic>
+      <p:sp>
+        <p:nvSpPr>
+          <p:cNvPr id="3" name="Title 2"/>
+          <p:cNvSpPr>
+            <a:spLocks noGrp="1"/>
+          </p:cNvSpPr>
+          <p:nvPr>
+            <p:ph type="title"/>
+          </p:nvPr>
+        </p:nvSpPr>
+        <p:spPr/>
+        <p:txBody>
+          <a:bodyPr/>
+          <a:lstStyle/>
+          <a:p>
+            <a:r>
+              <a:rPr lang="en-US" dirty="0" smtClean="0"/>
+              <a:t>VOTING app</a:t>
+            </a:r>
+            <a:endParaRPr lang="nl-NL" dirty="0"/>
           </a:p>
         </p:txBody>
       </p:sp>
     </p:spTree>
     <p:extLst>
       <p:ext uri="{BB962C8B-B14F-4D97-AF65-F5344CB8AC3E}">
-        <p14:creationId xmlns:p14="http://schemas.microsoft.com/office/powerpoint/2010/main" val="1846587630"/>
+        <p14:creationId xmlns:p14="http://schemas.microsoft.com/office/powerpoint/2010/main" val="2240620556"/>
       </p:ext>
     </p:extLst>
   </p:cSld>
@@ -8340,8 +8203,8 @@
         </p:blipFill>
         <p:spPr>
           <a:xfrm>
-            <a:off x="617538" y="1666601"/>
-            <a:ext cx="8162925" cy="4016923"/>
+            <a:off x="617539" y="1647625"/>
+            <a:ext cx="8162925" cy="888594"/>
           </a:xfrm>
           <a:prstGeom prst="rect">
             <a:avLst/>
@@ -8367,6 +8230,13 @@
               <a:rPr lang="en-US" dirty="0" smtClean="0"/>
               <a:t>VOTING app</a:t>
             </a:r>
+            <a:br>
+              <a:rPr lang="en-US" dirty="0" smtClean="0"/>
+            </a:br>
+            <a:r>
+              <a:rPr lang="en-US" dirty="0" smtClean="0"/>
+              <a:t>Which container are running</a:t>
+            </a:r>
             <a:endParaRPr lang="nl-NL" dirty="0"/>
           </a:p>
         </p:txBody>
@@ -8374,7 +8244,7 @@
     </p:spTree>
     <p:extLst>
       <p:ext uri="{BB962C8B-B14F-4D97-AF65-F5344CB8AC3E}">
-        <p14:creationId xmlns:p14="http://schemas.microsoft.com/office/powerpoint/2010/main" val="2240620556"/>
+        <p14:creationId xmlns:p14="http://schemas.microsoft.com/office/powerpoint/2010/main" val="2838169353"/>
       </p:ext>
     </p:extLst>
   </p:cSld>
@@ -8408,32 +8278,69 @@
           <a:chExt cx="0" cy="0"/>
         </a:xfrm>
       </p:grpSpPr>
-      <p:pic>
-        <p:nvPicPr>
-          <p:cNvPr id="4" name="Content Placeholder 3"/>
-          <p:cNvPicPr>
-            <a:picLocks noGrp="1" noChangeAspect="1"/>
-          </p:cNvPicPr>
+      <p:sp>
+        <p:nvSpPr>
+          <p:cNvPr id="2" name="Content Placeholder 1"/>
+          <p:cNvSpPr>
+            <a:spLocks noGrp="1"/>
+          </p:cNvSpPr>
           <p:nvPr>
             <p:ph idx="1"/>
           </p:nvPr>
-        </p:nvPicPr>
-        <p:blipFill>
-          <a:blip r:embed="rId2"/>
-          <a:stretch>
-            <a:fillRect/>
-          </a:stretch>
-        </p:blipFill>
-        <p:spPr>
-          <a:xfrm>
-            <a:off x="617539" y="1647625"/>
-            <a:ext cx="8162925" cy="888594"/>
-          </a:xfrm>
-          <a:prstGeom prst="rect">
-            <a:avLst/>
-          </a:prstGeom>
-        </p:spPr>
-      </p:pic>
+        </p:nvSpPr>
+        <p:spPr/>
+        <p:txBody>
+          <a:bodyPr/>
+          <a:lstStyle/>
+          <a:p>
+            <a:r>
+              <a:rPr lang="nl-NL" dirty="0">
+                <a:hlinkClick r:id="rId2"/>
+              </a:rPr>
+              <a:t>https://www.docker.com</a:t>
+            </a:r>
+            <a:r>
+              <a:rPr lang="nl-NL" dirty="0" smtClean="0">
+                <a:hlinkClick r:id="rId2"/>
+              </a:rPr>
+              <a:t>/</a:t>
+            </a:r>
+            <a:endParaRPr lang="nl-NL" dirty="0">
+              <a:hlinkClick r:id="rId2"/>
+            </a:endParaRPr>
+          </a:p>
+          <a:p>
+            <a:r>
+              <a:rPr lang="nl-NL" dirty="0" smtClean="0">
+                <a:hlinkClick r:id="rId2"/>
+              </a:rPr>
+              <a:t>https</a:t>
+            </a:r>
+            <a:r>
+              <a:rPr lang="nl-NL" dirty="0">
+                <a:hlinkClick r:id="rId2"/>
+              </a:rPr>
+              <a:t>://dockercon.docker.com</a:t>
+            </a:r>
+            <a:r>
+              <a:rPr lang="nl-NL" dirty="0" smtClean="0">
+                <a:hlinkClick r:id="rId2"/>
+              </a:rPr>
+              <a:t>/</a:t>
+            </a:r>
+            <a:r>
+              <a:rPr lang="nl-NL" dirty="0" smtClean="0"/>
+              <a:t>  - video</a:t>
+            </a:r>
+          </a:p>
+          <a:p>
+            <a:endParaRPr lang="nl-NL" dirty="0" smtClean="0"/>
+          </a:p>
+          <a:p>
+            <a:endParaRPr lang="nl-NL" dirty="0"/>
+          </a:p>
+        </p:txBody>
+      </p:sp>
       <p:sp>
         <p:nvSpPr>
           <p:cNvPr id="3" name="Title 2"/>
@@ -8451,14 +8358,7 @@
           <a:p>
             <a:r>
               <a:rPr lang="en-US" dirty="0" smtClean="0"/>
-              <a:t>VOTING app</a:t>
-            </a:r>
-            <a:br>
-              <a:rPr lang="en-US" dirty="0" smtClean="0"/>
-            </a:br>
-            <a:r>
-              <a:rPr lang="en-US" dirty="0" smtClean="0"/>
-              <a:t>Which container are running</a:t>
+              <a:t>TIPS</a:t>
             </a:r>
             <a:endParaRPr lang="nl-NL" dirty="0"/>
           </a:p>
@@ -8467,20 +8367,13 @@
     </p:spTree>
     <p:extLst>
       <p:ext uri="{BB962C8B-B14F-4D97-AF65-F5344CB8AC3E}">
-        <p14:creationId xmlns:p14="http://schemas.microsoft.com/office/powerpoint/2010/main" val="2838169353"/>
+        <p14:creationId xmlns:p14="http://schemas.microsoft.com/office/powerpoint/2010/main" val="99791286"/>
       </p:ext>
     </p:extLst>
   </p:cSld>
   <p:clrMapOvr>
     <a:masterClrMapping/>
   </p:clrMapOvr>
-  <p:timing>
-    <p:tnLst>
-      <p:par>
-        <p:cTn id="1" dur="indefinite" restart="never" nodeType="tmRoot"/>
-      </p:par>
-    </p:tnLst>
-  </p:timing>
 </p:sld>
 </file>
 
@@ -11679,6 +11572,15 @@
 </file>
 
 <file path=customXml/item1.xml><?xml version="1.0" encoding="utf-8"?>
+<?mso-contentType ?>
+<FormTemplates xmlns="http://schemas.microsoft.com/sharepoint/v3/contenttype/forms">
+  <Display>DocumentLibraryForm</Display>
+  <Edit>DocumentLibraryForm</Edit>
+  <New>DocumentLibraryForm</New>
+</FormTemplates>
+</file>
+
+<file path=customXml/item2.xml><?xml version="1.0" encoding="utf-8"?>
 <ct:contentTypeSchema xmlns:ct="http://schemas.microsoft.com/office/2006/metadata/contentType" xmlns:ma="http://schemas.microsoft.com/office/2006/metadata/properties/metaAttributes" ct:_="" ma:_="" ma:contentTypeName="Document" ma:contentTypeID="0x0101009843F10021B1B74BA5DD583B6999787F" ma:contentTypeVersion="1" ma:contentTypeDescription="Een nieuw document maken." ma:contentTypeScope="" ma:versionID="9fe8e6bb692149f7f6309adc5fa49803">
   <xsd:schema xmlns:xsd="http://www.w3.org/2001/XMLSchema" xmlns:xs="http://www.w3.org/2001/XMLSchema" xmlns:p="http://schemas.microsoft.com/office/2006/metadata/properties" targetNamespace="http://schemas.microsoft.com/office/2006/metadata/properties" ma:root="true" ma:fieldsID="eba296b9b19381bc8f01ad6905184223">
     <xsd:element name="properties">
@@ -11792,15 +11694,6 @@
 </ct:contentTypeSchema>
 </file>
 
-<file path=customXml/item2.xml><?xml version="1.0" encoding="utf-8"?>
-<?mso-contentType ?>
-<FormTemplates xmlns="http://schemas.microsoft.com/sharepoint/v3/contenttype/forms">
-  <Display>DocumentLibraryForm</Display>
-  <Edit>DocumentLibraryForm</Edit>
-  <New>DocumentLibraryForm</New>
-</FormTemplates>
-</file>
-
 <file path=customXml/item3.xml><?xml version="1.0" encoding="utf-8"?>
 <p:properties xmlns:p="http://schemas.microsoft.com/office/2006/metadata/properties" xmlns:xsi="http://www.w3.org/2001/XMLSchema-instance" xmlns:pc="http://schemas.microsoft.com/office/infopath/2007/PartnerControls">
   <documentManagement/>
@@ -11808,6 +11701,14 @@
 </file>
 
 <file path=customXml/itemProps1.xml><?xml version="1.0" encoding="utf-8"?>
+<ds:datastoreItem xmlns:ds="http://schemas.openxmlformats.org/officeDocument/2006/customXml" ds:itemID="{4A752D92-0ACC-48D2-A658-AB744FE70ECE}">
+  <ds:schemaRefs>
+    <ds:schemaRef ds:uri="http://schemas.microsoft.com/sharepoint/v3/contenttype/forms"/>
+  </ds:schemaRefs>
+</ds:datastoreItem>
+</file>
+
+<file path=customXml/itemProps2.xml><?xml version="1.0" encoding="utf-8"?>
 <ds:datastoreItem xmlns:ds="http://schemas.openxmlformats.org/officeDocument/2006/customXml" ds:itemID="{F6916CFB-C98C-4D26-B77C-F1E6DDC5B92D}">
   <ds:schemaRefs>
     <ds:schemaRef ds:uri="http://schemas.microsoft.com/office/2006/metadata/contentType"/>
@@ -11823,24 +11724,16 @@
 </ds:datastoreItem>
 </file>
 
-<file path=customXml/itemProps2.xml><?xml version="1.0" encoding="utf-8"?>
-<ds:datastoreItem xmlns:ds="http://schemas.openxmlformats.org/officeDocument/2006/customXml" ds:itemID="{4A752D92-0ACC-48D2-A658-AB744FE70ECE}">
-  <ds:schemaRefs>
-    <ds:schemaRef ds:uri="http://schemas.microsoft.com/sharepoint/v3/contenttype/forms"/>
-  </ds:schemaRefs>
-</ds:datastoreItem>
-</file>
-
 <file path=customXml/itemProps3.xml><?xml version="1.0" encoding="utf-8"?>
 <ds:datastoreItem xmlns:ds="http://schemas.openxmlformats.org/officeDocument/2006/customXml" ds:itemID="{DE0A3E1F-B2EC-4B36-9F71-3169FFDE4AE0}">
   <ds:schemaRefs>
+    <ds:schemaRef ds:uri="http://schemas.openxmlformats.org/package/2006/metadata/core-properties"/>
+    <ds:schemaRef ds:uri="http://purl.org/dc/dcmitype/"/>
     <ds:schemaRef ds:uri="http://schemas.microsoft.com/office/infopath/2007/PartnerControls"/>
+    <ds:schemaRef ds:uri="http://schemas.microsoft.com/office/2006/documentManagement/types"/>
     <ds:schemaRef ds:uri="http://purl.org/dc/elements/1.1/"/>
     <ds:schemaRef ds:uri="http://schemas.microsoft.com/office/2006/metadata/properties"/>
-    <ds:schemaRef ds:uri="http://schemas.microsoft.com/office/2006/documentManagement/types"/>
     <ds:schemaRef ds:uri="http://purl.org/dc/terms/"/>
-    <ds:schemaRef ds:uri="http://schemas.openxmlformats.org/package/2006/metadata/core-properties"/>
-    <ds:schemaRef ds:uri="http://purl.org/dc/dcmitype/"/>
     <ds:schemaRef ds:uri="http://www.w3.org/XML/1998/namespace"/>
   </ds:schemaRefs>
 </ds:datastoreItem>

--- a/Presentatie/Docker102.pptx
+++ b/Presentatie/Docker102.pptx
@@ -247,7 +247,7 @@
           <a:p>
             <a:fld id="{4FDA5BBF-9A9E-E34C-87D2-CD6D1CA60245}" type="datetime1">
               <a:rPr lang="en-US" smtClean="0"/>
-              <a:t>11/8/2017</a:t>
+              <a:t>11/10/2017</a:t>
             </a:fld>
             <a:endParaRPr lang="en-US"/>
           </a:p>
@@ -413,7 +413,7 @@
           <a:p>
             <a:fld id="{FE5FB5CF-D153-1544-8329-2FC1F4ABF24D}" type="datetime1">
               <a:rPr lang="en-US" smtClean="0"/>
-              <a:t>11/8/2017</a:t>
+              <a:t>11/10/2017</a:t>
             </a:fld>
             <a:endParaRPr lang="nl-NL"/>
           </a:p>
@@ -6739,15 +6739,7 @@
           <a:p>
             <a:r>
               <a:rPr lang="en-US" dirty="0" smtClean="0"/>
-              <a:t>Docker network create </a:t>
-            </a:r>
-            <a:r>
-              <a:rPr lang="en-US" dirty="0" smtClean="0"/>
-              <a:t>-–</a:t>
-            </a:r>
-            <a:r>
-              <a:rPr lang="en-US" dirty="0" smtClean="0"/>
-              <a:t>driver bridge &lt;network-name&gt;</a:t>
+              <a:t>Docker network create -–driver bridge &lt;network-name&gt;</a:t>
             </a:r>
             <a:endParaRPr lang="nl-NL" dirty="0" smtClean="0"/>
           </a:p>
@@ -8047,16 +8039,24 @@
           <a:lstStyle/>
           <a:p>
             <a:r>
+              <a:rPr lang="en-US" sz="3600" dirty="0" err="1"/>
+              <a:t>d</a:t>
+            </a:r>
+            <a:r>
+              <a:rPr lang="en-US" sz="3600" dirty="0" err="1" smtClean="0"/>
+              <a:t>ocker</a:t>
+            </a:r>
+            <a:r>
               <a:rPr lang="en-US" sz="3600" dirty="0" smtClean="0"/>
-              <a:t>Docker-compose </a:t>
+              <a:t>-compose </a:t>
             </a:r>
             <a:r>
               <a:rPr lang="en-US" sz="3600" dirty="0"/>
-              <a:t>up -- </a:t>
+              <a:t>up </a:t>
             </a:r>
             <a:r>
               <a:rPr lang="en-US" sz="3600" dirty="0" smtClean="0"/>
-              <a:t>build</a:t>
+              <a:t>--build</a:t>
             </a:r>
             <a:endParaRPr lang="nl-NL" sz="3600" dirty="0"/>
           </a:p>
@@ -8330,8 +8330,52 @@
             </a:r>
             <a:r>
               <a:rPr lang="nl-NL" dirty="0" smtClean="0"/>
-              <a:t>  - video</a:t>
-            </a:r>
+              <a:t>  - </a:t>
+            </a:r>
+            <a:r>
+              <a:rPr lang="nl-NL" dirty="0" smtClean="0"/>
+              <a:t>video’s</a:t>
+            </a:r>
+          </a:p>
+          <a:p>
+            <a:endParaRPr lang="en-US" dirty="0"/>
+          </a:p>
+          <a:p>
+            <a:r>
+              <a:rPr lang="en-US" dirty="0" smtClean="0"/>
+              <a:t>Workshops:</a:t>
+            </a:r>
+          </a:p>
+          <a:p>
+            <a:pPr lvl="1"/>
+            <a:r>
+              <a:rPr lang="en-US" dirty="0">
+                <a:hlinkClick r:id="rId3"/>
+              </a:rPr>
+              <a:t>https://</a:t>
+            </a:r>
+            <a:r>
+              <a:rPr lang="en-US" dirty="0" smtClean="0">
+                <a:hlinkClick r:id="rId3"/>
+              </a:rPr>
+              <a:t>github.com/sixeyed/docker-windows-workshop</a:t>
+            </a:r>
+            <a:r>
+              <a:rPr lang="en-US" dirty="0"/>
+              <a:t> </a:t>
+            </a:r>
+            <a:r>
+              <a:rPr lang="en-US" dirty="0" smtClean="0"/>
+              <a:t>(</a:t>
+            </a:r>
+            <a:r>
+              <a:rPr lang="en-US" smtClean="0"/>
+              <a:t>Windows containers)</a:t>
+            </a:r>
+          </a:p>
+          <a:p>
+            <a:pPr lvl="1"/>
+            <a:endParaRPr lang="nl-NL" dirty="0" smtClean="0"/>
           </a:p>
           <a:p>
             <a:endParaRPr lang="nl-NL" dirty="0" smtClean="0"/>
@@ -11572,15 +11616,6 @@
 </file>
 
 <file path=customXml/item1.xml><?xml version="1.0" encoding="utf-8"?>
-<?mso-contentType ?>
-<FormTemplates xmlns="http://schemas.microsoft.com/sharepoint/v3/contenttype/forms">
-  <Display>DocumentLibraryForm</Display>
-  <Edit>DocumentLibraryForm</Edit>
-  <New>DocumentLibraryForm</New>
-</FormTemplates>
-</file>
-
-<file path=customXml/item2.xml><?xml version="1.0" encoding="utf-8"?>
 <ct:contentTypeSchema xmlns:ct="http://schemas.microsoft.com/office/2006/metadata/contentType" xmlns:ma="http://schemas.microsoft.com/office/2006/metadata/properties/metaAttributes" ct:_="" ma:_="" ma:contentTypeName="Document" ma:contentTypeID="0x0101009843F10021B1B74BA5DD583B6999787F" ma:contentTypeVersion="1" ma:contentTypeDescription="Een nieuw document maken." ma:contentTypeScope="" ma:versionID="9fe8e6bb692149f7f6309adc5fa49803">
   <xsd:schema xmlns:xsd="http://www.w3.org/2001/XMLSchema" xmlns:xs="http://www.w3.org/2001/XMLSchema" xmlns:p="http://schemas.microsoft.com/office/2006/metadata/properties" targetNamespace="http://schemas.microsoft.com/office/2006/metadata/properties" ma:root="true" ma:fieldsID="eba296b9b19381bc8f01ad6905184223">
     <xsd:element name="properties">
@@ -11694,6 +11729,15 @@
 </ct:contentTypeSchema>
 </file>
 
+<file path=customXml/item2.xml><?xml version="1.0" encoding="utf-8"?>
+<?mso-contentType ?>
+<FormTemplates xmlns="http://schemas.microsoft.com/sharepoint/v3/contenttype/forms">
+  <Display>DocumentLibraryForm</Display>
+  <Edit>DocumentLibraryForm</Edit>
+  <New>DocumentLibraryForm</New>
+</FormTemplates>
+</file>
+
 <file path=customXml/item3.xml><?xml version="1.0" encoding="utf-8"?>
 <p:properties xmlns:p="http://schemas.microsoft.com/office/2006/metadata/properties" xmlns:xsi="http://www.w3.org/2001/XMLSchema-instance" xmlns:pc="http://schemas.microsoft.com/office/infopath/2007/PartnerControls">
   <documentManagement/>
@@ -11701,14 +11745,6 @@
 </file>
 
 <file path=customXml/itemProps1.xml><?xml version="1.0" encoding="utf-8"?>
-<ds:datastoreItem xmlns:ds="http://schemas.openxmlformats.org/officeDocument/2006/customXml" ds:itemID="{4A752D92-0ACC-48D2-A658-AB744FE70ECE}">
-  <ds:schemaRefs>
-    <ds:schemaRef ds:uri="http://schemas.microsoft.com/sharepoint/v3/contenttype/forms"/>
-  </ds:schemaRefs>
-</ds:datastoreItem>
-</file>
-
-<file path=customXml/itemProps2.xml><?xml version="1.0" encoding="utf-8"?>
 <ds:datastoreItem xmlns:ds="http://schemas.openxmlformats.org/officeDocument/2006/customXml" ds:itemID="{F6916CFB-C98C-4D26-B77C-F1E6DDC5B92D}">
   <ds:schemaRefs>
     <ds:schemaRef ds:uri="http://schemas.microsoft.com/office/2006/metadata/contentType"/>
@@ -11720,6 +11756,14 @@
     <ds:schemaRef ds:uri="http://purl.org/dc/terms/"/>
     <ds:schemaRef ds:uri="http://schemas.microsoft.com/internal/obd"/>
     <ds:schemaRef ds:uri="http://schemas.microsoft.com/office/infopath/2007/PartnerControls"/>
+  </ds:schemaRefs>
+</ds:datastoreItem>
+</file>
+
+<file path=customXml/itemProps2.xml><?xml version="1.0" encoding="utf-8"?>
+<ds:datastoreItem xmlns:ds="http://schemas.openxmlformats.org/officeDocument/2006/customXml" ds:itemID="{4A752D92-0ACC-48D2-A658-AB744FE70ECE}">
+  <ds:schemaRefs>
+    <ds:schemaRef ds:uri="http://schemas.microsoft.com/sharepoint/v3/contenttype/forms"/>
   </ds:schemaRefs>
 </ds:datastoreItem>
 </file>

--- a/Presentatie/Docker102.pptx
+++ b/Presentatie/Docker102.pptx
@@ -5,10 +5,10 @@
     <p:sldMasterId id="2147483648" r:id="rId4"/>
   </p:sldMasterIdLst>
   <p:notesMasterIdLst>
-    <p:notesMasterId r:id="rId29"/>
+    <p:notesMasterId r:id="rId30"/>
   </p:notesMasterIdLst>
   <p:handoutMasterIdLst>
-    <p:handoutMasterId r:id="rId30"/>
+    <p:handoutMasterId r:id="rId31"/>
   </p:handoutMasterIdLst>
   <p:sldIdLst>
     <p:sldId id="257" r:id="rId5"/>
@@ -27,14 +27,15 @@
     <p:sldId id="508" r:id="rId18"/>
     <p:sldId id="509" r:id="rId19"/>
     <p:sldId id="506" r:id="rId20"/>
-    <p:sldId id="507" r:id="rId21"/>
-    <p:sldId id="495" r:id="rId22"/>
-    <p:sldId id="498" r:id="rId23"/>
-    <p:sldId id="500" r:id="rId24"/>
-    <p:sldId id="501" r:id="rId25"/>
-    <p:sldId id="502" r:id="rId26"/>
-    <p:sldId id="504" r:id="rId27"/>
-    <p:sldId id="510" r:id="rId28"/>
+    <p:sldId id="511" r:id="rId21"/>
+    <p:sldId id="507" r:id="rId22"/>
+    <p:sldId id="495" r:id="rId23"/>
+    <p:sldId id="498" r:id="rId24"/>
+    <p:sldId id="500" r:id="rId25"/>
+    <p:sldId id="501" r:id="rId26"/>
+    <p:sldId id="502" r:id="rId27"/>
+    <p:sldId id="504" r:id="rId28"/>
+    <p:sldId id="510" r:id="rId29"/>
   </p:sldIdLst>
   <p:sldSz cx="9144000" cy="6858000" type="screen4x3"/>
   <p:notesSz cx="6858000" cy="9144000"/>
@@ -247,7 +248,7 @@
           <a:p>
             <a:fld id="{4FDA5BBF-9A9E-E34C-87D2-CD6D1CA60245}" type="datetime1">
               <a:rPr lang="en-US" smtClean="0"/>
-              <a:t>11/10/2017</a:t>
+              <a:t>11/12/2017</a:t>
             </a:fld>
             <a:endParaRPr lang="en-US"/>
           </a:p>
@@ -413,7 +414,7 @@
           <a:p>
             <a:fld id="{FE5FB5CF-D153-1544-8329-2FC1F4ABF24D}" type="datetime1">
               <a:rPr lang="en-US" smtClean="0"/>
-              <a:t>11/10/2017</a:t>
+              <a:t>11/12/2017</a:t>
             </a:fld>
             <a:endParaRPr lang="nl-NL"/>
           </a:p>
@@ -996,7 +997,7 @@
           <a:p>
             <a:fld id="{2DB1139D-5AC7-4B0B-A715-E40E0591EF82}" type="slidenum">
               <a:rPr lang="nl-NL" smtClean="0"/>
-              <a:t>17</a:t>
+              <a:t>18</a:t>
             </a:fld>
             <a:endParaRPr lang="nl-NL"/>
           </a:p>
@@ -1080,7 +1081,7 @@
           <a:p>
             <a:fld id="{2DB1139D-5AC7-4B0B-A715-E40E0591EF82}" type="slidenum">
               <a:rPr lang="nl-NL" smtClean="0"/>
-              <a:t>20</a:t>
+              <a:t>21</a:t>
             </a:fld>
             <a:endParaRPr lang="nl-NL"/>
           </a:p>
@@ -1164,7 +1165,7 @@
           <a:p>
             <a:fld id="{2DB1139D-5AC7-4B0B-A715-E40E0591EF82}" type="slidenum">
               <a:rPr lang="nl-NL" smtClean="0"/>
-              <a:t>22</a:t>
+              <a:t>23</a:t>
             </a:fld>
             <a:endParaRPr lang="nl-NL"/>
           </a:p>
@@ -6300,6 +6301,156 @@
           </a:p>
         </p:txBody>
       </p:sp>
+      <p:sp>
+        <p:nvSpPr>
+          <p:cNvPr id="4" name="Rectangle 3"/>
+          <p:cNvSpPr/>
+          <p:nvPr/>
+        </p:nvSpPr>
+        <p:spPr>
+          <a:xfrm>
+            <a:off x="617539" y="5289477"/>
+            <a:ext cx="6494703" cy="369332"/>
+          </a:xfrm>
+          <a:prstGeom prst="rect">
+            <a:avLst/>
+          </a:prstGeom>
+        </p:spPr>
+        <p:txBody>
+          <a:bodyPr wrap="square">
+            <a:spAutoFit/>
+          </a:bodyPr>
+          <a:lstStyle/>
+          <a:p>
+            <a:r>
+              <a:rPr lang="en-US" dirty="0">
+                <a:solidFill>
+                  <a:srgbClr val="000000"/>
+                </a:solidFill>
+                <a:latin typeface="Calibri" panose="020F0502020204030204" pitchFamily="34" charset="0"/>
+                <a:hlinkClick r:id="rId2"/>
+              </a:rPr>
+              <a:t>https://docs.docker.com/engine/examples/dotnetcore/</a:t>
+            </a:r>
+            <a:endParaRPr lang="en-US" dirty="0">
+              <a:solidFill>
+                <a:srgbClr val="000000"/>
+              </a:solidFill>
+              <a:latin typeface="Calibri" panose="020F0502020204030204" pitchFamily="34" charset="0"/>
+            </a:endParaRPr>
+          </a:p>
+        </p:txBody>
+      </p:sp>
+      <p:pic>
+        <p:nvPicPr>
+          <p:cNvPr id="5" name="Picture 4"/>
+          <p:cNvPicPr>
+            <a:picLocks noChangeAspect="1"/>
+          </p:cNvPicPr>
+          <p:nvPr/>
+        </p:nvPicPr>
+        <p:blipFill>
+          <a:blip r:embed="rId3"/>
+          <a:stretch>
+            <a:fillRect/>
+          </a:stretch>
+        </p:blipFill>
+        <p:spPr>
+          <a:xfrm>
+            <a:off x="997050" y="1940763"/>
+            <a:ext cx="6115192" cy="3234736"/>
+          </a:xfrm>
+          <a:prstGeom prst="rect">
+            <a:avLst/>
+          </a:prstGeom>
+        </p:spPr>
+      </p:pic>
+      <p:sp>
+        <p:nvSpPr>
+          <p:cNvPr id="6" name="Right Arrow 5"/>
+          <p:cNvSpPr/>
+          <p:nvPr/>
+        </p:nvSpPr>
+        <p:spPr>
+          <a:xfrm>
+            <a:off x="302526" y="2060812"/>
+            <a:ext cx="818865" cy="354842"/>
+          </a:xfrm>
+          <a:prstGeom prst="rightArrow">
+            <a:avLst/>
+          </a:prstGeom>
+          <a:solidFill>
+            <a:srgbClr val="92D050"/>
+          </a:solidFill>
+        </p:spPr>
+        <p:style>
+          <a:lnRef idx="2">
+            <a:schemeClr val="accent1">
+              <a:shade val="50000"/>
+            </a:schemeClr>
+          </a:lnRef>
+          <a:fillRef idx="1">
+            <a:schemeClr val="accent1"/>
+          </a:fillRef>
+          <a:effectRef idx="0">
+            <a:schemeClr val="accent1"/>
+          </a:effectRef>
+          <a:fontRef idx="minor">
+            <a:schemeClr val="lt1"/>
+          </a:fontRef>
+        </p:style>
+        <p:txBody>
+          <a:bodyPr rtlCol="0" anchor="ctr"/>
+          <a:lstStyle/>
+          <a:p>
+            <a:pPr algn="ctr"/>
+            <a:endParaRPr lang="nl-NL"/>
+          </a:p>
+        </p:txBody>
+      </p:sp>
+      <p:sp>
+        <p:nvSpPr>
+          <p:cNvPr id="7" name="Right Arrow 6"/>
+          <p:cNvSpPr/>
+          <p:nvPr/>
+        </p:nvSpPr>
+        <p:spPr>
+          <a:xfrm>
+            <a:off x="302526" y="4001070"/>
+            <a:ext cx="818865" cy="354842"/>
+          </a:xfrm>
+          <a:prstGeom prst="rightArrow">
+            <a:avLst/>
+          </a:prstGeom>
+          <a:solidFill>
+            <a:srgbClr val="92D050"/>
+          </a:solidFill>
+        </p:spPr>
+        <p:style>
+          <a:lnRef idx="2">
+            <a:schemeClr val="accent1">
+              <a:shade val="50000"/>
+            </a:schemeClr>
+          </a:lnRef>
+          <a:fillRef idx="1">
+            <a:schemeClr val="accent1"/>
+          </a:fillRef>
+          <a:effectRef idx="0">
+            <a:schemeClr val="accent1"/>
+          </a:effectRef>
+          <a:fontRef idx="minor">
+            <a:schemeClr val="lt1"/>
+          </a:fontRef>
+        </p:style>
+        <p:txBody>
+          <a:bodyPr rtlCol="0" anchor="ctr"/>
+          <a:lstStyle/>
+          <a:p>
+            <a:pPr algn="ctr"/>
+            <a:endParaRPr lang="nl-NL"/>
+          </a:p>
+        </p:txBody>
+      </p:sp>
     </p:spTree>
     <p:extLst>
       <p:ext uri="{BB962C8B-B14F-4D97-AF65-F5344CB8AC3E}">
@@ -6845,66 +6996,6 @@
       </p:grpSpPr>
       <p:sp>
         <p:nvSpPr>
-          <p:cNvPr id="2" name="Content Placeholder 1"/>
-          <p:cNvSpPr>
-            <a:spLocks noGrp="1"/>
-          </p:cNvSpPr>
-          <p:nvPr>
-            <p:ph idx="1"/>
-          </p:nvPr>
-        </p:nvSpPr>
-        <p:spPr/>
-        <p:txBody>
-          <a:bodyPr/>
-          <a:lstStyle/>
-          <a:p>
-            <a:r>
-              <a:rPr lang="en-US" dirty="0" err="1"/>
-              <a:t>d</a:t>
-            </a:r>
-            <a:r>
-              <a:rPr lang="en-US" dirty="0" err="1" smtClean="0"/>
-              <a:t>ocker</a:t>
-            </a:r>
-            <a:r>
-              <a:rPr lang="en-US" dirty="0" smtClean="0"/>
-              <a:t> create volume &lt;name&gt;</a:t>
-            </a:r>
-          </a:p>
-          <a:p>
-            <a:pPr marL="0" indent="0">
-              <a:buNone/>
-            </a:pPr>
-            <a:endParaRPr lang="en-US" dirty="0"/>
-          </a:p>
-          <a:p>
-            <a:r>
-              <a:rPr lang="en-US" dirty="0" err="1"/>
-              <a:t>d</a:t>
-            </a:r>
-            <a:r>
-              <a:rPr lang="en-US" dirty="0" err="1" smtClean="0"/>
-              <a:t>ocker</a:t>
-            </a:r>
-            <a:r>
-              <a:rPr lang="en-US" dirty="0" smtClean="0"/>
-              <a:t> volume inspect</a:t>
-            </a:r>
-          </a:p>
-          <a:p>
-            <a:endParaRPr lang="en-US" dirty="0"/>
-          </a:p>
-          <a:p>
-            <a:r>
-              <a:rPr lang="en-US" dirty="0" smtClean="0"/>
-              <a:t>Use with –v &lt;name&gt;:&lt;directory of data&gt;</a:t>
-            </a:r>
-            <a:endParaRPr lang="nl-NL" dirty="0"/>
-          </a:p>
-        </p:txBody>
-      </p:sp>
-      <p:sp>
-        <p:nvSpPr>
           <p:cNvPr id="3" name="Title 2"/>
           <p:cNvSpPr>
             <a:spLocks noGrp="1"/>
@@ -6926,23 +7017,59 @@
           </a:p>
         </p:txBody>
       </p:sp>
+      <p:pic>
+        <p:nvPicPr>
+          <p:cNvPr id="4" name="Picture 2" descr="volumes on the Docker host"/>
+          <p:cNvPicPr>
+            <a:picLocks noGrp="1" noChangeAspect="1" noChangeArrowheads="1"/>
+          </p:cNvPicPr>
+          <p:nvPr>
+            <p:ph idx="1"/>
+          </p:nvPr>
+        </p:nvPicPr>
+        <p:blipFill>
+          <a:blip r:embed="rId2">
+            <a:extLst>
+              <a:ext uri="{28A0092B-C50C-407E-A947-70E740481C1C}">
+                <a14:useLocalDpi xmlns:a14="http://schemas.microsoft.com/office/drawing/2010/main" val="0"/>
+              </a:ext>
+            </a:extLst>
+          </a:blip>
+          <a:srcRect/>
+          <a:stretch>
+            <a:fillRect/>
+          </a:stretch>
+        </p:blipFill>
+        <p:spPr bwMode="auto">
+          <a:xfrm>
+            <a:off x="2308225" y="2460625"/>
+            <a:ext cx="4781550" cy="2428875"/>
+          </a:xfrm>
+          <a:prstGeom prst="rect">
+            <a:avLst/>
+          </a:prstGeom>
+          <a:noFill/>
+          <a:extLst>
+            <a:ext uri="{909E8E84-426E-40DD-AFC4-6F175D3DCCD1}">
+              <a14:hiddenFill xmlns:a14="http://schemas.microsoft.com/office/drawing/2010/main">
+                <a:solidFill>
+                  <a:srgbClr val="FFFFFF"/>
+                </a:solidFill>
+              </a14:hiddenFill>
+            </a:ext>
+          </a:extLst>
+        </p:spPr>
+      </p:pic>
     </p:spTree>
     <p:extLst>
       <p:ext uri="{BB962C8B-B14F-4D97-AF65-F5344CB8AC3E}">
-        <p14:creationId xmlns:p14="http://schemas.microsoft.com/office/powerpoint/2010/main" val="3781710363"/>
+        <p14:creationId xmlns:p14="http://schemas.microsoft.com/office/powerpoint/2010/main" val="3399856877"/>
       </p:ext>
     </p:extLst>
   </p:cSld>
   <p:clrMapOvr>
     <a:masterClrMapping/>
   </p:clrMapOvr>
-  <p:timing>
-    <p:tnLst>
-      <p:par>
-        <p:cTn id="1" dur="indefinite" restart="never" nodeType="tmRoot"/>
-      </p:par>
-    </p:tnLst>
-  </p:timing>
 </p:sld>
 </file>
 
@@ -6975,183 +7102,142 @@
         </p:nvSpPr>
         <p:spPr/>
         <p:txBody>
-          <a:bodyPr>
-            <a:normAutofit fontScale="32500" lnSpcReduction="20000"/>
-          </a:bodyPr>
-          <a:lstStyle/>
-          <a:p>
-            <a:r>
-              <a:rPr lang="en-US" sz="5900" dirty="0" smtClean="0"/>
-              <a:t>Why</a:t>
-            </a:r>
-          </a:p>
-          <a:p>
-            <a:pPr lvl="1"/>
-            <a:r>
-              <a:rPr lang="en-US" sz="4200" dirty="0" smtClean="0"/>
-              <a:t>Example from Docker</a:t>
-            </a:r>
-          </a:p>
-          <a:p>
-            <a:pPr lvl="1"/>
-            <a:r>
-              <a:rPr lang="en-US" sz="4200" dirty="0" smtClean="0"/>
-              <a:t>Start with 1 Docker-compose command</a:t>
-            </a:r>
-          </a:p>
-          <a:p>
-            <a:pPr lvl="1"/>
-            <a:r>
-              <a:rPr lang="en-US" sz="4200" dirty="0" smtClean="0"/>
-              <a:t>Also with build command</a:t>
-            </a:r>
-          </a:p>
-          <a:p>
-            <a:pPr lvl="1"/>
-            <a:endParaRPr lang="en-US" sz="4200" dirty="0" smtClean="0"/>
-          </a:p>
-          <a:p>
-            <a:pPr lvl="1"/>
-            <a:endParaRPr lang="en-US" sz="4200" dirty="0"/>
-          </a:p>
-          <a:p>
-            <a:r>
-              <a:rPr lang="en-US" sz="5900" dirty="0" smtClean="0"/>
-              <a:t>What:</a:t>
-            </a:r>
-          </a:p>
-          <a:p>
-            <a:pPr lvl="1"/>
-            <a:r>
-              <a:rPr lang="en-US" sz="5700" dirty="0" smtClean="0"/>
-              <a:t>Voting app</a:t>
-            </a:r>
-          </a:p>
-          <a:p>
-            <a:pPr lvl="1"/>
-            <a:r>
-              <a:rPr lang="en-US" sz="4200" dirty="0" smtClean="0"/>
-              <a:t>5 </a:t>
-            </a:r>
-            <a:r>
-              <a:rPr lang="en-US" sz="4200" dirty="0" err="1" smtClean="0"/>
-              <a:t>Micoservices</a:t>
-            </a:r>
-            <a:endParaRPr lang="en-US" sz="4200" dirty="0" smtClean="0"/>
-          </a:p>
-          <a:p>
-            <a:pPr lvl="2"/>
-            <a:r>
-              <a:rPr lang="en-US" sz="4200" dirty="0" smtClean="0"/>
-              <a:t>Python</a:t>
-            </a:r>
-          </a:p>
-          <a:p>
-            <a:pPr lvl="2"/>
-            <a:r>
-              <a:rPr lang="en-US" sz="4200" dirty="0" err="1" smtClean="0"/>
-              <a:t>NodeJS</a:t>
-            </a:r>
-            <a:endParaRPr lang="en-US" sz="4200" dirty="0" smtClean="0"/>
-          </a:p>
-          <a:p>
-            <a:pPr lvl="2"/>
-            <a:r>
-              <a:rPr lang="en-US" sz="4200" dirty="0" err="1" smtClean="0"/>
-              <a:t>.Net</a:t>
-            </a:r>
-            <a:endParaRPr lang="en-US" sz="4200" dirty="0" smtClean="0"/>
-          </a:p>
-          <a:p>
-            <a:pPr lvl="2"/>
-            <a:r>
-              <a:rPr lang="en-US" sz="4200" dirty="0" err="1" smtClean="0"/>
-              <a:t>Redis</a:t>
-            </a:r>
-            <a:endParaRPr lang="en-US" sz="4200" dirty="0" smtClean="0"/>
-          </a:p>
-          <a:p>
-            <a:pPr lvl="2"/>
-            <a:r>
-              <a:rPr lang="en-US" sz="4200" dirty="0" smtClean="0"/>
-              <a:t>PostgreSQL</a:t>
-            </a:r>
-          </a:p>
-          <a:p>
-            <a:pPr lvl="2"/>
+          <a:bodyPr/>
+          <a:lstStyle/>
+          <a:p>
+            <a:r>
+              <a:rPr lang="en-US" dirty="0" err="1" smtClean="0"/>
+              <a:t>Delen</a:t>
+            </a:r>
+            <a:r>
+              <a:rPr lang="en-US" dirty="0" smtClean="0"/>
+              <a:t> van de </a:t>
+            </a:r>
+            <a:r>
+              <a:rPr lang="en-US" dirty="0" err="1" smtClean="0"/>
+              <a:t>schijf</a:t>
+            </a:r>
+            <a:r>
+              <a:rPr lang="en-US" dirty="0" smtClean="0"/>
+              <a:t> Docker for Windows</a:t>
+            </a:r>
+          </a:p>
+          <a:p>
             <a:endParaRPr lang="en-US" dirty="0"/>
           </a:p>
           <a:p>
-            <a:pPr lvl="1"/>
-            <a:endParaRPr lang="en-US" dirty="0" smtClean="0"/>
-          </a:p>
-          <a:p>
-            <a:pPr lvl="1"/>
-            <a:endParaRPr lang="en-US" dirty="0"/>
-          </a:p>
-          <a:p>
-            <a:pPr lvl="1"/>
-            <a:endParaRPr lang="en-US" dirty="0" smtClean="0"/>
-          </a:p>
-          <a:p>
-            <a:pPr lvl="1"/>
-            <a:endParaRPr lang="en-US" dirty="0"/>
-          </a:p>
-          <a:p>
-            <a:pPr lvl="1"/>
-            <a:endParaRPr lang="en-US" dirty="0" smtClean="0"/>
-          </a:p>
-          <a:p>
-            <a:pPr lvl="1"/>
-            <a:endParaRPr lang="en-US" dirty="0"/>
-          </a:p>
-          <a:p>
-            <a:pPr lvl="1"/>
-            <a:endParaRPr lang="en-US" dirty="0" smtClean="0"/>
-          </a:p>
-          <a:p>
-            <a:pPr lvl="1"/>
-            <a:endParaRPr lang="en-US" sz="4500" dirty="0"/>
-          </a:p>
-          <a:p>
-            <a:pPr lvl="1"/>
-            <a:endParaRPr lang="en-US" sz="4500" dirty="0" smtClean="0"/>
-          </a:p>
-          <a:p>
-            <a:r>
-              <a:rPr lang="en-US" sz="4500" dirty="0">
-                <a:hlinkClick r:id="rId2"/>
-              </a:rPr>
-              <a:t>https://</a:t>
-            </a:r>
-            <a:r>
-              <a:rPr lang="en-US" sz="4500" dirty="0" smtClean="0">
-                <a:hlinkClick r:id="rId2"/>
-              </a:rPr>
-              <a:t>github.com/dockersamples/example-voting-app</a:t>
-            </a:r>
-            <a:r>
-              <a:rPr lang="en-US" sz="4500" dirty="0" smtClean="0"/>
-              <a:t> </a:t>
-            </a:r>
-            <a:endParaRPr lang="en-US" sz="4500" dirty="0"/>
-          </a:p>
-          <a:p>
-            <a:pPr lvl="1"/>
-            <a:endParaRPr lang="en-US" dirty="0"/>
-          </a:p>
-          <a:p>
-            <a:pPr lvl="2"/>
-            <a:endParaRPr lang="en-US" dirty="0" smtClean="0"/>
-          </a:p>
-          <a:p>
-            <a:pPr marL="265107" lvl="1" indent="0">
+            <a:r>
+              <a:rPr lang="en-US" dirty="0" err="1" smtClean="0"/>
+              <a:t>docker</a:t>
+            </a:r>
+            <a:r>
+              <a:rPr lang="en-US" dirty="0" smtClean="0"/>
+              <a:t> create volume &lt;name&gt;</a:t>
+            </a:r>
+          </a:p>
+          <a:p>
+            <a:pPr marL="0" indent="0">
               <a:buNone/>
             </a:pPr>
-            <a:endParaRPr lang="en-US" dirty="0" smtClean="0"/>
-          </a:p>
-          <a:p>
-            <a:pPr lvl="1"/>
+            <a:endParaRPr lang="en-US" dirty="0"/>
+          </a:p>
+          <a:p>
+            <a:r>
+              <a:rPr lang="en-US" dirty="0" err="1"/>
+              <a:t>d</a:t>
+            </a:r>
+            <a:r>
+              <a:rPr lang="en-US" dirty="0" err="1" smtClean="0"/>
+              <a:t>ocker</a:t>
+            </a:r>
+            <a:r>
+              <a:rPr lang="en-US" dirty="0" smtClean="0"/>
+              <a:t> volume inspect</a:t>
+            </a:r>
+          </a:p>
+          <a:p>
+            <a:endParaRPr lang="en-US" dirty="0"/>
+          </a:p>
+          <a:p>
+            <a:r>
+              <a:rPr lang="en-US" dirty="0" smtClean="0"/>
+              <a:t>Use with –v &lt;name&gt;:&lt;directory of data&gt;</a:t>
+            </a:r>
+          </a:p>
+          <a:p>
+            <a:endParaRPr lang="en-US" dirty="0"/>
+          </a:p>
+          <a:p>
+            <a:r>
+              <a:rPr lang="en-US" dirty="0" err="1" smtClean="0"/>
+              <a:t>docker</a:t>
+            </a:r>
+            <a:r>
+              <a:rPr lang="en-US" dirty="0" smtClean="0"/>
+              <a:t> </a:t>
+            </a:r>
+            <a:r>
+              <a:rPr lang="en-US" dirty="0"/>
+              <a:t>container run --name </a:t>
+            </a:r>
+            <a:r>
+              <a:rPr lang="en-US" dirty="0" err="1"/>
+              <a:t>staticws</a:t>
+            </a:r>
+            <a:r>
+              <a:rPr lang="en-US" dirty="0"/>
+              <a:t> -d -p 4200:80 </a:t>
+            </a:r>
+            <a:r>
+              <a:rPr lang="en-US" dirty="0" smtClean="0"/>
+              <a:t> -v &lt;</a:t>
+            </a:r>
+            <a:r>
+              <a:rPr lang="en-US" dirty="0" err="1" smtClean="0"/>
+              <a:t>wndows</a:t>
+            </a:r>
+            <a:r>
+              <a:rPr lang="en-US" dirty="0" smtClean="0"/>
+              <a:t> path&gt;:</a:t>
+            </a:r>
+            <a:r>
+              <a:rPr lang="nl-NL" dirty="0"/>
+              <a:t>/</a:t>
+            </a:r>
+            <a:r>
+              <a:rPr lang="nl-NL" dirty="0" err="1" smtClean="0"/>
+              <a:t>usr</a:t>
+            </a:r>
+            <a:r>
+              <a:rPr lang="nl-NL" dirty="0" smtClean="0"/>
+              <a:t>/share/</a:t>
+            </a:r>
+            <a:r>
+              <a:rPr lang="nl-NL" dirty="0" err="1" smtClean="0"/>
+              <a:t>nginx</a:t>
+            </a:r>
+            <a:r>
+              <a:rPr lang="nl-NL" dirty="0" smtClean="0"/>
+              <a:t>/html/ </a:t>
+            </a:r>
+            <a:r>
+              <a:rPr lang="en-US" dirty="0" err="1" smtClean="0"/>
+              <a:t>centricms</a:t>
+            </a:r>
+            <a:r>
+              <a:rPr lang="en-US" dirty="0" smtClean="0"/>
+              <a:t>/</a:t>
+            </a:r>
+            <a:r>
+              <a:rPr lang="en-US" dirty="0" err="1" smtClean="0"/>
+              <a:t>staticws:latest</a:t>
+            </a:r>
+            <a:endParaRPr lang="en-US" dirty="0"/>
+          </a:p>
+          <a:p>
+            <a:pPr marL="0" indent="0">
+              <a:buNone/>
+            </a:pPr>
             <a:endParaRPr lang="nl-NL" dirty="0"/>
           </a:p>
         </p:txBody>
@@ -7173,31 +7259,40 @@
           <a:p>
             <a:r>
               <a:rPr lang="en-US" dirty="0" smtClean="0"/>
-              <a:t>EASE </a:t>
-            </a:r>
-            <a:r>
-              <a:rPr lang="en-US" dirty="0" err="1" smtClean="0"/>
-              <a:t>oF</a:t>
-            </a:r>
-            <a:r>
-              <a:rPr lang="en-US" dirty="0" smtClean="0"/>
-              <a:t> DOCKER</a:t>
-            </a:r>
-            <a:br>
-              <a:rPr lang="en-US" dirty="0" smtClean="0"/>
-            </a:br>
-            <a:r>
-              <a:rPr lang="en-US" dirty="0" smtClean="0"/>
-              <a:t>VOTING Application</a:t>
+              <a:t>DOCKER VOLUME</a:t>
             </a:r>
             <a:endParaRPr lang="nl-NL" dirty="0"/>
           </a:p>
         </p:txBody>
       </p:sp>
+      <p:pic>
+        <p:nvPicPr>
+          <p:cNvPr id="4" name="Picture 3"/>
+          <p:cNvPicPr>
+            <a:picLocks noChangeAspect="1"/>
+          </p:cNvPicPr>
+          <p:nvPr/>
+        </p:nvPicPr>
+        <p:blipFill>
+          <a:blip r:embed="rId3"/>
+          <a:stretch>
+            <a:fillRect/>
+          </a:stretch>
+        </p:blipFill>
+        <p:spPr>
+          <a:xfrm>
+            <a:off x="6141318" y="104586"/>
+            <a:ext cx="2868675" cy="1874340"/>
+          </a:xfrm>
+          <a:prstGeom prst="rect">
+            <a:avLst/>
+          </a:prstGeom>
+        </p:spPr>
+      </p:pic>
     </p:spTree>
     <p:extLst>
       <p:ext uri="{BB962C8B-B14F-4D97-AF65-F5344CB8AC3E}">
-        <p14:creationId xmlns:p14="http://schemas.microsoft.com/office/powerpoint/2010/main" val="2322438100"/>
+        <p14:creationId xmlns:p14="http://schemas.microsoft.com/office/powerpoint/2010/main" val="3781710363"/>
       </p:ext>
     </p:extLst>
   </p:cSld>
@@ -7231,35 +7326,199 @@
           <a:chExt cx="0" cy="0"/>
         </a:xfrm>
       </p:grpSpPr>
-      <p:pic>
-        <p:nvPicPr>
-          <p:cNvPr id="4" name="Content Placeholder 3"/>
-          <p:cNvPicPr>
-            <a:picLocks noGrp="1" noChangeAspect="1"/>
-          </p:cNvPicPr>
+      <p:sp>
+        <p:nvSpPr>
+          <p:cNvPr id="2" name="Content Placeholder 1"/>
+          <p:cNvSpPr>
+            <a:spLocks noGrp="1"/>
+          </p:cNvSpPr>
           <p:nvPr>
             <p:ph idx="1"/>
           </p:nvPr>
-        </p:nvPicPr>
-        <p:blipFill>
-          <a:blip r:embed="rId2">
-            <a:extLst>
-              <a:ext uri="{28A0092B-C50C-407E-A947-70E740481C1C}">
-                <a14:useLocalDpi xmlns:a14="http://schemas.microsoft.com/office/drawing/2010/main" val="0"/>
-              </a:ext>
-            </a:extLst>
-          </a:blip>
-          <a:stretch>
-            <a:fillRect/>
-          </a:stretch>
-        </p:blipFill>
-        <p:spPr>
-          <a:xfrm>
-            <a:off x="1009776" y="1409700"/>
-            <a:ext cx="6040966" cy="4530725"/>
-          </a:xfrm>
-        </p:spPr>
-      </p:pic>
+        </p:nvSpPr>
+        <p:spPr/>
+        <p:txBody>
+          <a:bodyPr>
+            <a:normAutofit fontScale="32500" lnSpcReduction="20000"/>
+          </a:bodyPr>
+          <a:lstStyle/>
+          <a:p>
+            <a:r>
+              <a:rPr lang="en-US" sz="5900" dirty="0" smtClean="0"/>
+              <a:t>Why</a:t>
+            </a:r>
+          </a:p>
+          <a:p>
+            <a:pPr lvl="1"/>
+            <a:r>
+              <a:rPr lang="en-US" sz="4200" dirty="0" smtClean="0"/>
+              <a:t>Example from Docker</a:t>
+            </a:r>
+          </a:p>
+          <a:p>
+            <a:pPr lvl="1"/>
+            <a:r>
+              <a:rPr lang="en-US" sz="4200" dirty="0" smtClean="0"/>
+              <a:t>Start with 1 Docker-compose command</a:t>
+            </a:r>
+          </a:p>
+          <a:p>
+            <a:pPr lvl="1"/>
+            <a:r>
+              <a:rPr lang="en-US" sz="4200" dirty="0" smtClean="0"/>
+              <a:t>Also with build command</a:t>
+            </a:r>
+          </a:p>
+          <a:p>
+            <a:pPr lvl="1"/>
+            <a:endParaRPr lang="en-US" sz="4200" dirty="0" smtClean="0"/>
+          </a:p>
+          <a:p>
+            <a:pPr lvl="1"/>
+            <a:endParaRPr lang="en-US" sz="4200" dirty="0"/>
+          </a:p>
+          <a:p>
+            <a:r>
+              <a:rPr lang="en-US" sz="5900" dirty="0" smtClean="0"/>
+              <a:t>What:</a:t>
+            </a:r>
+          </a:p>
+          <a:p>
+            <a:pPr lvl="1"/>
+            <a:r>
+              <a:rPr lang="en-US" sz="5700" dirty="0" smtClean="0"/>
+              <a:t>Voting app</a:t>
+            </a:r>
+          </a:p>
+          <a:p>
+            <a:pPr lvl="1"/>
+            <a:r>
+              <a:rPr lang="en-US" sz="4200" dirty="0" smtClean="0"/>
+              <a:t>5 </a:t>
+            </a:r>
+            <a:r>
+              <a:rPr lang="en-US" sz="4200" dirty="0" err="1" smtClean="0"/>
+              <a:t>Micoservices</a:t>
+            </a:r>
+            <a:endParaRPr lang="en-US" sz="4200" dirty="0" smtClean="0"/>
+          </a:p>
+          <a:p>
+            <a:pPr lvl="2"/>
+            <a:r>
+              <a:rPr lang="en-US" sz="4200" dirty="0" smtClean="0"/>
+              <a:t>Python</a:t>
+            </a:r>
+          </a:p>
+          <a:p>
+            <a:pPr lvl="2"/>
+            <a:r>
+              <a:rPr lang="en-US" sz="4200" dirty="0" err="1" smtClean="0"/>
+              <a:t>NodeJS</a:t>
+            </a:r>
+            <a:endParaRPr lang="en-US" sz="4200" dirty="0" smtClean="0"/>
+          </a:p>
+          <a:p>
+            <a:pPr lvl="2"/>
+            <a:r>
+              <a:rPr lang="en-US" sz="4200" dirty="0" err="1" smtClean="0"/>
+              <a:t>.Net</a:t>
+            </a:r>
+            <a:endParaRPr lang="en-US" sz="4200" dirty="0" smtClean="0"/>
+          </a:p>
+          <a:p>
+            <a:pPr lvl="2"/>
+            <a:r>
+              <a:rPr lang="en-US" sz="4200" dirty="0" err="1" smtClean="0"/>
+              <a:t>Redis</a:t>
+            </a:r>
+            <a:endParaRPr lang="en-US" sz="4200" dirty="0" smtClean="0"/>
+          </a:p>
+          <a:p>
+            <a:pPr lvl="2"/>
+            <a:r>
+              <a:rPr lang="en-US" sz="4200" dirty="0" smtClean="0"/>
+              <a:t>PostgreSQL</a:t>
+            </a:r>
+          </a:p>
+          <a:p>
+            <a:pPr lvl="2"/>
+            <a:endParaRPr lang="en-US" dirty="0"/>
+          </a:p>
+          <a:p>
+            <a:pPr lvl="1"/>
+            <a:endParaRPr lang="en-US" dirty="0" smtClean="0"/>
+          </a:p>
+          <a:p>
+            <a:pPr lvl="1"/>
+            <a:endParaRPr lang="en-US" dirty="0"/>
+          </a:p>
+          <a:p>
+            <a:pPr lvl="1"/>
+            <a:endParaRPr lang="en-US" dirty="0" smtClean="0"/>
+          </a:p>
+          <a:p>
+            <a:pPr lvl="1"/>
+            <a:endParaRPr lang="en-US" dirty="0"/>
+          </a:p>
+          <a:p>
+            <a:pPr lvl="1"/>
+            <a:endParaRPr lang="en-US" dirty="0" smtClean="0"/>
+          </a:p>
+          <a:p>
+            <a:pPr lvl="1"/>
+            <a:endParaRPr lang="en-US" dirty="0"/>
+          </a:p>
+          <a:p>
+            <a:pPr lvl="1"/>
+            <a:endParaRPr lang="en-US" dirty="0" smtClean="0"/>
+          </a:p>
+          <a:p>
+            <a:pPr lvl="1"/>
+            <a:endParaRPr lang="en-US" sz="4500" dirty="0"/>
+          </a:p>
+          <a:p>
+            <a:pPr lvl="1"/>
+            <a:endParaRPr lang="en-US" sz="4500" dirty="0" smtClean="0"/>
+          </a:p>
+          <a:p>
+            <a:r>
+              <a:rPr lang="en-US" sz="4500" dirty="0">
+                <a:hlinkClick r:id="rId2"/>
+              </a:rPr>
+              <a:t>https://</a:t>
+            </a:r>
+            <a:r>
+              <a:rPr lang="en-US" sz="4500" dirty="0" smtClean="0">
+                <a:hlinkClick r:id="rId2"/>
+              </a:rPr>
+              <a:t>github.com/dockersamples/example-voting-app</a:t>
+            </a:r>
+            <a:r>
+              <a:rPr lang="en-US" sz="4500" dirty="0" smtClean="0"/>
+              <a:t> </a:t>
+            </a:r>
+            <a:endParaRPr lang="en-US" sz="4500" dirty="0"/>
+          </a:p>
+          <a:p>
+            <a:pPr lvl="1"/>
+            <a:endParaRPr lang="en-US" dirty="0"/>
+          </a:p>
+          <a:p>
+            <a:pPr lvl="2"/>
+            <a:endParaRPr lang="en-US" dirty="0" smtClean="0"/>
+          </a:p>
+          <a:p>
+            <a:pPr marL="265107" lvl="1" indent="0">
+              <a:buNone/>
+            </a:pPr>
+            <a:endParaRPr lang="en-US" dirty="0" smtClean="0"/>
+          </a:p>
+          <a:p>
+            <a:pPr lvl="1"/>
+            <a:endParaRPr lang="nl-NL" dirty="0"/>
+          </a:p>
+        </p:txBody>
+      </p:sp>
       <p:sp>
         <p:nvSpPr>
           <p:cNvPr id="3" name="Title 2"/>
@@ -7277,285 +7536,31 @@
           <a:p>
             <a:r>
               <a:rPr lang="en-US" dirty="0" smtClean="0"/>
-              <a:t>VOTING Application</a:t>
+              <a:t>EASE </a:t>
+            </a:r>
+            <a:r>
+              <a:rPr lang="en-US" dirty="0" err="1" smtClean="0"/>
+              <a:t>oF</a:t>
+            </a:r>
+            <a:r>
+              <a:rPr lang="en-US" dirty="0" smtClean="0"/>
+              <a:t> DOCKER</a:t>
             </a:r>
             <a:br>
               <a:rPr lang="en-US" dirty="0" smtClean="0"/>
             </a:br>
             <a:r>
               <a:rPr lang="en-US" dirty="0" smtClean="0"/>
-              <a:t>ARCHITECTURE – </a:t>
-            </a:r>
-            <a:r>
-              <a:rPr lang="en-US" dirty="0" err="1" smtClean="0"/>
-              <a:t>InfrastruCTURE</a:t>
-            </a:r>
-            <a:r>
-              <a:rPr lang="en-US" dirty="0" smtClean="0"/>
-              <a:t> </a:t>
+              <a:t>VOTING Application</a:t>
             </a:r>
             <a:endParaRPr lang="nl-NL" dirty="0"/>
-          </a:p>
-        </p:txBody>
-      </p:sp>
-      <p:sp>
-        <p:nvSpPr>
-          <p:cNvPr id="2" name="Rectangle 1"/>
-          <p:cNvSpPr/>
-          <p:nvPr/>
-        </p:nvSpPr>
-        <p:spPr>
-          <a:xfrm>
-            <a:off x="2173384" y="2620370"/>
-            <a:ext cx="1607046" cy="313898"/>
-          </a:xfrm>
-          <a:prstGeom prst="rect">
-            <a:avLst/>
-          </a:prstGeom>
-          <a:solidFill>
-            <a:schemeClr val="tx2">
-              <a:lumMod val="60000"/>
-              <a:lumOff val="40000"/>
-            </a:schemeClr>
-          </a:solidFill>
-        </p:spPr>
-        <p:style>
-          <a:lnRef idx="2">
-            <a:schemeClr val="accent1">
-              <a:shade val="50000"/>
-            </a:schemeClr>
-          </a:lnRef>
-          <a:fillRef idx="1">
-            <a:schemeClr val="accent1"/>
-          </a:fillRef>
-          <a:effectRef idx="0">
-            <a:schemeClr val="accent1"/>
-          </a:effectRef>
-          <a:fontRef idx="minor">
-            <a:schemeClr val="lt1"/>
-          </a:fontRef>
-        </p:style>
-        <p:txBody>
-          <a:bodyPr rtlCol="0" anchor="ctr"/>
-          <a:lstStyle/>
-          <a:p>
-            <a:pPr algn="ctr"/>
-            <a:r>
-              <a:rPr lang="en-US" sz="1400" dirty="0" smtClean="0"/>
-              <a:t>Webserver Linux</a:t>
-            </a:r>
-            <a:endParaRPr lang="nl-NL" sz="1400" dirty="0"/>
-          </a:p>
-        </p:txBody>
-      </p:sp>
-      <p:sp>
-        <p:nvSpPr>
-          <p:cNvPr id="5" name="Rectangle 4"/>
-          <p:cNvSpPr/>
-          <p:nvPr/>
-        </p:nvSpPr>
-        <p:spPr>
-          <a:xfrm>
-            <a:off x="4304710" y="2622642"/>
-            <a:ext cx="1607046" cy="313898"/>
-          </a:xfrm>
-          <a:prstGeom prst="rect">
-            <a:avLst/>
-          </a:prstGeom>
-          <a:solidFill>
-            <a:schemeClr val="tx2">
-              <a:lumMod val="60000"/>
-              <a:lumOff val="40000"/>
-            </a:schemeClr>
-          </a:solidFill>
-        </p:spPr>
-        <p:style>
-          <a:lnRef idx="2">
-            <a:schemeClr val="accent1">
-              <a:shade val="50000"/>
-            </a:schemeClr>
-          </a:lnRef>
-          <a:fillRef idx="1">
-            <a:schemeClr val="accent1"/>
-          </a:fillRef>
-          <a:effectRef idx="0">
-            <a:schemeClr val="accent1"/>
-          </a:effectRef>
-          <a:fontRef idx="minor">
-            <a:schemeClr val="lt1"/>
-          </a:fontRef>
-        </p:style>
-        <p:txBody>
-          <a:bodyPr rtlCol="0" anchor="ctr"/>
-          <a:lstStyle/>
-          <a:p>
-            <a:pPr algn="ctr"/>
-            <a:r>
-              <a:rPr lang="en-US" sz="1600" dirty="0" err="1" smtClean="0"/>
-              <a:t>Applicatie</a:t>
-            </a:r>
-            <a:r>
-              <a:rPr lang="en-US" sz="1600" dirty="0" smtClean="0"/>
-              <a:t> server</a:t>
-            </a:r>
-            <a:endParaRPr lang="nl-NL" sz="1600" dirty="0"/>
-          </a:p>
-        </p:txBody>
-      </p:sp>
-      <p:sp>
-        <p:nvSpPr>
-          <p:cNvPr id="6" name="Rectangle 5"/>
-          <p:cNvSpPr/>
-          <p:nvPr/>
-        </p:nvSpPr>
-        <p:spPr>
-          <a:xfrm>
-            <a:off x="1957289" y="4096606"/>
-            <a:ext cx="1607046" cy="313898"/>
-          </a:xfrm>
-          <a:prstGeom prst="rect">
-            <a:avLst/>
-          </a:prstGeom>
-          <a:solidFill>
-            <a:schemeClr val="tx2">
-              <a:lumMod val="60000"/>
-              <a:lumOff val="40000"/>
-            </a:schemeClr>
-          </a:solidFill>
-        </p:spPr>
-        <p:style>
-          <a:lnRef idx="2">
-            <a:schemeClr val="accent1">
-              <a:shade val="50000"/>
-            </a:schemeClr>
-          </a:lnRef>
-          <a:fillRef idx="1">
-            <a:schemeClr val="accent1"/>
-          </a:fillRef>
-          <a:effectRef idx="0">
-            <a:schemeClr val="accent1"/>
-          </a:effectRef>
-          <a:fontRef idx="minor">
-            <a:schemeClr val="lt1"/>
-          </a:fontRef>
-        </p:style>
-        <p:txBody>
-          <a:bodyPr rtlCol="0" anchor="ctr"/>
-          <a:lstStyle/>
-          <a:p>
-            <a:pPr algn="ctr"/>
-            <a:r>
-              <a:rPr lang="en-US" sz="1600" dirty="0" smtClean="0"/>
-              <a:t>Special server</a:t>
-            </a:r>
-            <a:endParaRPr lang="nl-NL" sz="1600" dirty="0"/>
-          </a:p>
-        </p:txBody>
-      </p:sp>
-      <p:sp>
-        <p:nvSpPr>
-          <p:cNvPr id="7" name="Rectangle 6"/>
-          <p:cNvSpPr/>
-          <p:nvPr/>
-        </p:nvSpPr>
-        <p:spPr>
-          <a:xfrm>
-            <a:off x="4495784" y="4096602"/>
-            <a:ext cx="1607046" cy="313898"/>
-          </a:xfrm>
-          <a:prstGeom prst="rect">
-            <a:avLst/>
-          </a:prstGeom>
-          <a:solidFill>
-            <a:schemeClr val="tx2">
-              <a:lumMod val="60000"/>
-              <a:lumOff val="40000"/>
-            </a:schemeClr>
-          </a:solidFill>
-        </p:spPr>
-        <p:style>
-          <a:lnRef idx="2">
-            <a:schemeClr val="accent1">
-              <a:shade val="50000"/>
-            </a:schemeClr>
-          </a:lnRef>
-          <a:fillRef idx="1">
-            <a:schemeClr val="accent1"/>
-          </a:fillRef>
-          <a:effectRef idx="0">
-            <a:schemeClr val="accent1"/>
-          </a:effectRef>
-          <a:fontRef idx="minor">
-            <a:schemeClr val="lt1"/>
-          </a:fontRef>
-        </p:style>
-        <p:txBody>
-          <a:bodyPr rtlCol="0" anchor="ctr"/>
-          <a:lstStyle/>
-          <a:p>
-            <a:pPr algn="ctr"/>
-            <a:r>
-              <a:rPr lang="en-US" sz="1600" dirty="0" smtClean="0"/>
-              <a:t>Database server</a:t>
-            </a:r>
-            <a:endParaRPr lang="nl-NL" sz="1600" dirty="0"/>
-          </a:p>
-        </p:txBody>
-      </p:sp>
-      <p:sp>
-        <p:nvSpPr>
-          <p:cNvPr id="8" name="Rectangle 7"/>
-          <p:cNvSpPr/>
-          <p:nvPr/>
-        </p:nvSpPr>
-        <p:spPr>
-          <a:xfrm>
-            <a:off x="3240188" y="5584214"/>
-            <a:ext cx="1607046" cy="313898"/>
-          </a:xfrm>
-          <a:prstGeom prst="rect">
-            <a:avLst/>
-          </a:prstGeom>
-          <a:solidFill>
-            <a:schemeClr val="tx2">
-              <a:lumMod val="60000"/>
-              <a:lumOff val="40000"/>
-            </a:schemeClr>
-          </a:solidFill>
-        </p:spPr>
-        <p:style>
-          <a:lnRef idx="2">
-            <a:schemeClr val="accent1">
-              <a:shade val="50000"/>
-            </a:schemeClr>
-          </a:lnRef>
-          <a:fillRef idx="1">
-            <a:schemeClr val="accent1"/>
-          </a:fillRef>
-          <a:effectRef idx="0">
-            <a:schemeClr val="accent1"/>
-          </a:effectRef>
-          <a:fontRef idx="minor">
-            <a:schemeClr val="lt1"/>
-          </a:fontRef>
-        </p:style>
-        <p:txBody>
-          <a:bodyPr rtlCol="0" anchor="ctr"/>
-          <a:lstStyle/>
-          <a:p>
-            <a:pPr algn="ctr"/>
-            <a:r>
-              <a:rPr lang="en-US" sz="1400" dirty="0" smtClean="0"/>
-              <a:t>Webserver Wintel</a:t>
-            </a:r>
-            <a:endParaRPr lang="nl-NL" sz="1400" dirty="0"/>
           </a:p>
         </p:txBody>
       </p:sp>
     </p:spTree>
     <p:extLst>
       <p:ext uri="{BB962C8B-B14F-4D97-AF65-F5344CB8AC3E}">
-        <p14:creationId xmlns:p14="http://schemas.microsoft.com/office/powerpoint/2010/main" val="500494257"/>
+        <p14:creationId xmlns:p14="http://schemas.microsoft.com/office/powerpoint/2010/main" val="2322438100"/>
       </p:ext>
     </p:extLst>
   </p:cSld>
@@ -7818,7 +7823,7 @@
           </p:nvPr>
         </p:nvPicPr>
         <p:blipFill>
-          <a:blip r:embed="rId3">
+          <a:blip r:embed="rId2">
             <a:extLst>
               <a:ext uri="{28A0092B-C50C-407E-A947-70E740481C1C}">
                 <a14:useLocalDpi xmlns:a14="http://schemas.microsoft.com/office/drawing/2010/main" val="0"/>
@@ -7876,14 +7881,14 @@
       </p:sp>
       <p:sp>
         <p:nvSpPr>
-          <p:cNvPr id="9" name="Rectangle 8"/>
+          <p:cNvPr id="2" name="Rectangle 1"/>
           <p:cNvSpPr/>
           <p:nvPr/>
         </p:nvSpPr>
         <p:spPr>
           <a:xfrm>
-            <a:off x="1343346" y="5677469"/>
-            <a:ext cx="5592194" cy="262956"/>
+            <a:off x="2173384" y="2620370"/>
+            <a:ext cx="1607046" cy="313898"/>
           </a:xfrm>
           <a:prstGeom prst="rect">
             <a:avLst/>
@@ -7917,8 +7922,212 @@
           <a:p>
             <a:pPr algn="ctr"/>
             <a:r>
-              <a:rPr lang="en-US" sz="1400" dirty="0" err="1" smtClean="0"/>
-              <a:t>DockerHost</a:t>
+              <a:rPr lang="en-US" sz="1400" dirty="0" smtClean="0"/>
+              <a:t>Webserver Linux</a:t>
+            </a:r>
+            <a:endParaRPr lang="nl-NL" sz="1400" dirty="0"/>
+          </a:p>
+        </p:txBody>
+      </p:sp>
+      <p:sp>
+        <p:nvSpPr>
+          <p:cNvPr id="5" name="Rectangle 4"/>
+          <p:cNvSpPr/>
+          <p:nvPr/>
+        </p:nvSpPr>
+        <p:spPr>
+          <a:xfrm>
+            <a:off x="4304710" y="2622642"/>
+            <a:ext cx="1607046" cy="313898"/>
+          </a:xfrm>
+          <a:prstGeom prst="rect">
+            <a:avLst/>
+          </a:prstGeom>
+          <a:solidFill>
+            <a:schemeClr val="tx2">
+              <a:lumMod val="60000"/>
+              <a:lumOff val="40000"/>
+            </a:schemeClr>
+          </a:solidFill>
+        </p:spPr>
+        <p:style>
+          <a:lnRef idx="2">
+            <a:schemeClr val="accent1">
+              <a:shade val="50000"/>
+            </a:schemeClr>
+          </a:lnRef>
+          <a:fillRef idx="1">
+            <a:schemeClr val="accent1"/>
+          </a:fillRef>
+          <a:effectRef idx="0">
+            <a:schemeClr val="accent1"/>
+          </a:effectRef>
+          <a:fontRef idx="minor">
+            <a:schemeClr val="lt1"/>
+          </a:fontRef>
+        </p:style>
+        <p:txBody>
+          <a:bodyPr rtlCol="0" anchor="ctr"/>
+          <a:lstStyle/>
+          <a:p>
+            <a:pPr algn="ctr"/>
+            <a:r>
+              <a:rPr lang="en-US" sz="1600" dirty="0" err="1" smtClean="0"/>
+              <a:t>Applicatie</a:t>
+            </a:r>
+            <a:r>
+              <a:rPr lang="en-US" sz="1600" dirty="0" smtClean="0"/>
+              <a:t> server</a:t>
+            </a:r>
+            <a:endParaRPr lang="nl-NL" sz="1600" dirty="0"/>
+          </a:p>
+        </p:txBody>
+      </p:sp>
+      <p:sp>
+        <p:nvSpPr>
+          <p:cNvPr id="6" name="Rectangle 5"/>
+          <p:cNvSpPr/>
+          <p:nvPr/>
+        </p:nvSpPr>
+        <p:spPr>
+          <a:xfrm>
+            <a:off x="1957289" y="4096606"/>
+            <a:ext cx="1607046" cy="313898"/>
+          </a:xfrm>
+          <a:prstGeom prst="rect">
+            <a:avLst/>
+          </a:prstGeom>
+          <a:solidFill>
+            <a:schemeClr val="tx2">
+              <a:lumMod val="60000"/>
+              <a:lumOff val="40000"/>
+            </a:schemeClr>
+          </a:solidFill>
+        </p:spPr>
+        <p:style>
+          <a:lnRef idx="2">
+            <a:schemeClr val="accent1">
+              <a:shade val="50000"/>
+            </a:schemeClr>
+          </a:lnRef>
+          <a:fillRef idx="1">
+            <a:schemeClr val="accent1"/>
+          </a:fillRef>
+          <a:effectRef idx="0">
+            <a:schemeClr val="accent1"/>
+          </a:effectRef>
+          <a:fontRef idx="minor">
+            <a:schemeClr val="lt1"/>
+          </a:fontRef>
+        </p:style>
+        <p:txBody>
+          <a:bodyPr rtlCol="0" anchor="ctr"/>
+          <a:lstStyle/>
+          <a:p>
+            <a:pPr algn="ctr"/>
+            <a:r>
+              <a:rPr lang="en-US" sz="1600" dirty="0" smtClean="0"/>
+              <a:t>Special server</a:t>
+            </a:r>
+            <a:endParaRPr lang="nl-NL" sz="1600" dirty="0"/>
+          </a:p>
+        </p:txBody>
+      </p:sp>
+      <p:sp>
+        <p:nvSpPr>
+          <p:cNvPr id="7" name="Rectangle 6"/>
+          <p:cNvSpPr/>
+          <p:nvPr/>
+        </p:nvSpPr>
+        <p:spPr>
+          <a:xfrm>
+            <a:off x="4495784" y="4096602"/>
+            <a:ext cx="1607046" cy="313898"/>
+          </a:xfrm>
+          <a:prstGeom prst="rect">
+            <a:avLst/>
+          </a:prstGeom>
+          <a:solidFill>
+            <a:schemeClr val="tx2">
+              <a:lumMod val="60000"/>
+              <a:lumOff val="40000"/>
+            </a:schemeClr>
+          </a:solidFill>
+        </p:spPr>
+        <p:style>
+          <a:lnRef idx="2">
+            <a:schemeClr val="accent1">
+              <a:shade val="50000"/>
+            </a:schemeClr>
+          </a:lnRef>
+          <a:fillRef idx="1">
+            <a:schemeClr val="accent1"/>
+          </a:fillRef>
+          <a:effectRef idx="0">
+            <a:schemeClr val="accent1"/>
+          </a:effectRef>
+          <a:fontRef idx="minor">
+            <a:schemeClr val="lt1"/>
+          </a:fontRef>
+        </p:style>
+        <p:txBody>
+          <a:bodyPr rtlCol="0" anchor="ctr"/>
+          <a:lstStyle/>
+          <a:p>
+            <a:pPr algn="ctr"/>
+            <a:r>
+              <a:rPr lang="en-US" sz="1600" dirty="0" smtClean="0"/>
+              <a:t>Database server</a:t>
+            </a:r>
+            <a:endParaRPr lang="nl-NL" sz="1600" dirty="0"/>
+          </a:p>
+        </p:txBody>
+      </p:sp>
+      <p:sp>
+        <p:nvSpPr>
+          <p:cNvPr id="8" name="Rectangle 7"/>
+          <p:cNvSpPr/>
+          <p:nvPr/>
+        </p:nvSpPr>
+        <p:spPr>
+          <a:xfrm>
+            <a:off x="3240188" y="5584214"/>
+            <a:ext cx="1607046" cy="313898"/>
+          </a:xfrm>
+          <a:prstGeom prst="rect">
+            <a:avLst/>
+          </a:prstGeom>
+          <a:solidFill>
+            <a:schemeClr val="tx2">
+              <a:lumMod val="60000"/>
+              <a:lumOff val="40000"/>
+            </a:schemeClr>
+          </a:solidFill>
+        </p:spPr>
+        <p:style>
+          <a:lnRef idx="2">
+            <a:schemeClr val="accent1">
+              <a:shade val="50000"/>
+            </a:schemeClr>
+          </a:lnRef>
+          <a:fillRef idx="1">
+            <a:schemeClr val="accent1"/>
+          </a:fillRef>
+          <a:effectRef idx="0">
+            <a:schemeClr val="accent1"/>
+          </a:effectRef>
+          <a:fontRef idx="minor">
+            <a:schemeClr val="lt1"/>
+          </a:fontRef>
+        </p:style>
+        <p:txBody>
+          <a:bodyPr rtlCol="0" anchor="ctr"/>
+          <a:lstStyle/>
+          <a:p>
+            <a:pPr algn="ctr"/>
+            <a:r>
+              <a:rPr lang="en-US" sz="1400" dirty="0" smtClean="0"/>
+              <a:t>Webserver Wintel</a:t>
             </a:r>
             <a:endParaRPr lang="nl-NL" sz="1400" dirty="0"/>
           </a:p>
@@ -7927,7 +8136,7 @@
     </p:spTree>
     <p:extLst>
       <p:ext uri="{BB962C8B-B14F-4D97-AF65-F5344CB8AC3E}">
-        <p14:creationId xmlns:p14="http://schemas.microsoft.com/office/powerpoint/2010/main" val="3586595352"/>
+        <p14:creationId xmlns:p14="http://schemas.microsoft.com/office/powerpoint/2010/main" val="500494257"/>
       </p:ext>
     </p:extLst>
   </p:cSld>
@@ -7961,54 +8170,68 @@
           <a:chExt cx="0" cy="0"/>
         </a:xfrm>
       </p:grpSpPr>
-      <p:sp>
-        <p:nvSpPr>
-          <p:cNvPr id="2" name="Content Placeholder 1"/>
+      <p:pic>
+        <p:nvPicPr>
+          <p:cNvPr id="4" name="Content Placeholder 3"/>
+          <p:cNvPicPr>
+            <a:picLocks noGrp="1" noChangeAspect="1"/>
+          </p:cNvPicPr>
+          <p:nvPr>
+            <p:ph idx="1"/>
+          </p:nvPr>
+        </p:nvPicPr>
+        <p:blipFill>
+          <a:blip r:embed="rId3">
+            <a:extLst>
+              <a:ext uri="{28A0092B-C50C-407E-A947-70E740481C1C}">
+                <a14:useLocalDpi xmlns:a14="http://schemas.microsoft.com/office/drawing/2010/main" val="0"/>
+              </a:ext>
+            </a:extLst>
+          </a:blip>
+          <a:stretch>
+            <a:fillRect/>
+          </a:stretch>
+        </p:blipFill>
+        <p:spPr>
+          <a:xfrm>
+            <a:off x="1009776" y="1409700"/>
+            <a:ext cx="6040966" cy="4530725"/>
+          </a:xfrm>
+        </p:spPr>
+      </p:pic>
+      <p:sp>
+        <p:nvSpPr>
+          <p:cNvPr id="3" name="Title 2"/>
           <p:cNvSpPr>
             <a:spLocks noGrp="1"/>
           </p:cNvSpPr>
           <p:nvPr>
-            <p:ph idx="1"/>
-          </p:nvPr>
-        </p:nvSpPr>
-        <p:spPr>
-          <a:xfrm>
-            <a:off x="617539" y="1295518"/>
-            <a:ext cx="8163164" cy="4530827"/>
-          </a:xfrm>
-        </p:spPr>
+            <p:ph type="title"/>
+          </p:nvPr>
+        </p:nvSpPr>
+        <p:spPr/>
         <p:txBody>
           <a:bodyPr/>
           <a:lstStyle/>
           <a:p>
             <a:r>
               <a:rPr lang="en-US" dirty="0" smtClean="0"/>
-              <a:t>Start with 1 command:</a:t>
-            </a:r>
-          </a:p>
-          <a:p>
-            <a:endParaRPr lang="en-US" dirty="0"/>
-          </a:p>
-        </p:txBody>
-      </p:sp>
-      <p:sp>
-        <p:nvSpPr>
-          <p:cNvPr id="3" name="Title 2"/>
-          <p:cNvSpPr>
-            <a:spLocks noGrp="1"/>
-          </p:cNvSpPr>
-          <p:nvPr>
-            <p:ph type="title"/>
-          </p:nvPr>
-        </p:nvSpPr>
-        <p:spPr/>
-        <p:txBody>
-          <a:bodyPr/>
-          <a:lstStyle/>
-          <a:p>
-            <a:r>
+              <a:t>VOTING Application</a:t>
+            </a:r>
+            <a:br>
               <a:rPr lang="en-US" dirty="0" smtClean="0"/>
-              <a:t>VOTING APP</a:t>
+            </a:br>
+            <a:r>
+              <a:rPr lang="en-US" dirty="0" smtClean="0"/>
+              <a:t>ARCHITECTURE – </a:t>
+            </a:r>
+            <a:r>
+              <a:rPr lang="en-US" dirty="0" err="1" smtClean="0"/>
+              <a:t>InfrastruCTURE</a:t>
+            </a:r>
+            <a:r>
+              <a:rPr lang="en-US" dirty="0" smtClean="0"/>
+              <a:t> </a:t>
             </a:r>
             <a:endParaRPr lang="nl-NL" dirty="0"/>
           </a:p>
@@ -8016,56 +8239,58 @@
       </p:sp>
       <p:sp>
         <p:nvSpPr>
-          <p:cNvPr id="4" name="TextBox 3"/>
-          <p:cNvSpPr txBox="1"/>
+          <p:cNvPr id="9" name="Rectangle 8"/>
+          <p:cNvSpPr/>
           <p:nvPr/>
         </p:nvSpPr>
         <p:spPr>
           <a:xfrm>
-            <a:off x="1228298" y="2914600"/>
-            <a:ext cx="5459105" cy="646331"/>
+            <a:off x="1343346" y="5677469"/>
+            <a:ext cx="5592194" cy="262956"/>
           </a:xfrm>
           <a:prstGeom prst="rect">
             <a:avLst/>
           </a:prstGeom>
           <a:solidFill>
-            <a:srgbClr val="FFFF00"/>
+            <a:schemeClr val="tx2">
+              <a:lumMod val="60000"/>
+              <a:lumOff val="40000"/>
+            </a:schemeClr>
           </a:solidFill>
         </p:spPr>
-        <p:txBody>
-          <a:bodyPr wrap="square" rtlCol="0">
-            <a:spAutoFit/>
-          </a:bodyPr>
-          <a:lstStyle/>
-          <a:p>
-            <a:r>
-              <a:rPr lang="en-US" sz="3600" dirty="0" err="1"/>
-              <a:t>d</a:t>
-            </a:r>
-            <a:r>
-              <a:rPr lang="en-US" sz="3600" dirty="0" err="1" smtClean="0"/>
-              <a:t>ocker</a:t>
-            </a:r>
-            <a:r>
-              <a:rPr lang="en-US" sz="3600" dirty="0" smtClean="0"/>
-              <a:t>-compose </a:t>
-            </a:r>
-            <a:r>
-              <a:rPr lang="en-US" sz="3600" dirty="0"/>
-              <a:t>up </a:t>
-            </a:r>
-            <a:r>
-              <a:rPr lang="en-US" sz="3600" dirty="0" smtClean="0"/>
-              <a:t>--build</a:t>
-            </a:r>
-            <a:endParaRPr lang="nl-NL" sz="3600" dirty="0"/>
+        <p:style>
+          <a:lnRef idx="2">
+            <a:schemeClr val="accent1">
+              <a:shade val="50000"/>
+            </a:schemeClr>
+          </a:lnRef>
+          <a:fillRef idx="1">
+            <a:schemeClr val="accent1"/>
+          </a:fillRef>
+          <a:effectRef idx="0">
+            <a:schemeClr val="accent1"/>
+          </a:effectRef>
+          <a:fontRef idx="minor">
+            <a:schemeClr val="lt1"/>
+          </a:fontRef>
+        </p:style>
+        <p:txBody>
+          <a:bodyPr rtlCol="0" anchor="ctr"/>
+          <a:lstStyle/>
+          <a:p>
+            <a:pPr algn="ctr"/>
+            <a:r>
+              <a:rPr lang="en-US" sz="1400" dirty="0" err="1" smtClean="0"/>
+              <a:t>DockerHost</a:t>
+            </a:r>
+            <a:endParaRPr lang="nl-NL" sz="1400" dirty="0"/>
           </a:p>
         </p:txBody>
       </p:sp>
     </p:spTree>
     <p:extLst>
       <p:ext uri="{BB962C8B-B14F-4D97-AF65-F5344CB8AC3E}">
-        <p14:creationId xmlns:p14="http://schemas.microsoft.com/office/powerpoint/2010/main" val="1846587630"/>
+        <p14:creationId xmlns:p14="http://schemas.microsoft.com/office/powerpoint/2010/main" val="3586595352"/>
       </p:ext>
     </p:extLst>
   </p:cSld>
@@ -8099,59 +8324,111 @@
           <a:chExt cx="0" cy="0"/>
         </a:xfrm>
       </p:grpSpPr>
-      <p:pic>
-        <p:nvPicPr>
-          <p:cNvPr id="4" name="Content Placeholder 3"/>
-          <p:cNvPicPr>
-            <a:picLocks noGrp="1" noChangeAspect="1"/>
-          </p:cNvPicPr>
+      <p:sp>
+        <p:nvSpPr>
+          <p:cNvPr id="2" name="Content Placeholder 1"/>
+          <p:cNvSpPr>
+            <a:spLocks noGrp="1"/>
+          </p:cNvSpPr>
           <p:nvPr>
             <p:ph idx="1"/>
           </p:nvPr>
-        </p:nvPicPr>
-        <p:blipFill>
-          <a:blip r:embed="rId3"/>
-          <a:stretch>
-            <a:fillRect/>
-          </a:stretch>
-        </p:blipFill>
-        <p:spPr>
-          <a:xfrm>
-            <a:off x="617538" y="1666601"/>
-            <a:ext cx="8162925" cy="4016923"/>
+        </p:nvSpPr>
+        <p:spPr>
+          <a:xfrm>
+            <a:off x="617539" y="1295518"/>
+            <a:ext cx="8163164" cy="4530827"/>
+          </a:xfrm>
+        </p:spPr>
+        <p:txBody>
+          <a:bodyPr/>
+          <a:lstStyle/>
+          <a:p>
+            <a:r>
+              <a:rPr lang="en-US" dirty="0" smtClean="0"/>
+              <a:t>Start with 1 command:</a:t>
+            </a:r>
+          </a:p>
+          <a:p>
+            <a:endParaRPr lang="en-US" dirty="0"/>
+          </a:p>
+        </p:txBody>
+      </p:sp>
+      <p:sp>
+        <p:nvSpPr>
+          <p:cNvPr id="3" name="Title 2"/>
+          <p:cNvSpPr>
+            <a:spLocks noGrp="1"/>
+          </p:cNvSpPr>
+          <p:nvPr>
+            <p:ph type="title"/>
+          </p:nvPr>
+        </p:nvSpPr>
+        <p:spPr/>
+        <p:txBody>
+          <a:bodyPr/>
+          <a:lstStyle/>
+          <a:p>
+            <a:r>
+              <a:rPr lang="en-US" dirty="0" smtClean="0"/>
+              <a:t>VOTING APP</a:t>
+            </a:r>
+            <a:endParaRPr lang="nl-NL" dirty="0"/>
+          </a:p>
+        </p:txBody>
+      </p:sp>
+      <p:sp>
+        <p:nvSpPr>
+          <p:cNvPr id="4" name="TextBox 3"/>
+          <p:cNvSpPr txBox="1"/>
+          <p:nvPr/>
+        </p:nvSpPr>
+        <p:spPr>
+          <a:xfrm>
+            <a:off x="1228298" y="2914600"/>
+            <a:ext cx="5459105" cy="646331"/>
           </a:xfrm>
           <a:prstGeom prst="rect">
             <a:avLst/>
           </a:prstGeom>
-        </p:spPr>
-      </p:pic>
-      <p:sp>
-        <p:nvSpPr>
-          <p:cNvPr id="3" name="Title 2"/>
-          <p:cNvSpPr>
-            <a:spLocks noGrp="1"/>
-          </p:cNvSpPr>
-          <p:nvPr>
-            <p:ph type="title"/>
-          </p:nvPr>
-        </p:nvSpPr>
-        <p:spPr/>
-        <p:txBody>
-          <a:bodyPr/>
-          <a:lstStyle/>
-          <a:p>
-            <a:r>
-              <a:rPr lang="en-US" dirty="0" smtClean="0"/>
-              <a:t>VOTING app</a:t>
-            </a:r>
-            <a:endParaRPr lang="nl-NL" dirty="0"/>
+          <a:solidFill>
+            <a:srgbClr val="FFFF00"/>
+          </a:solidFill>
+        </p:spPr>
+        <p:txBody>
+          <a:bodyPr wrap="square" rtlCol="0">
+            <a:spAutoFit/>
+          </a:bodyPr>
+          <a:lstStyle/>
+          <a:p>
+            <a:r>
+              <a:rPr lang="en-US" sz="3600" dirty="0" err="1"/>
+              <a:t>d</a:t>
+            </a:r>
+            <a:r>
+              <a:rPr lang="en-US" sz="3600" dirty="0" err="1" smtClean="0"/>
+              <a:t>ocker</a:t>
+            </a:r>
+            <a:r>
+              <a:rPr lang="en-US" sz="3600" dirty="0" smtClean="0"/>
+              <a:t>-compose </a:t>
+            </a:r>
+            <a:r>
+              <a:rPr lang="en-US" sz="3600" dirty="0"/>
+              <a:t>up </a:t>
+            </a:r>
+            <a:r>
+              <a:rPr lang="en-US" sz="3600" dirty="0" smtClean="0"/>
+              <a:t>--build</a:t>
+            </a:r>
+            <a:endParaRPr lang="nl-NL" sz="3600" dirty="0"/>
           </a:p>
         </p:txBody>
       </p:sp>
     </p:spTree>
     <p:extLst>
       <p:ext uri="{BB962C8B-B14F-4D97-AF65-F5344CB8AC3E}">
-        <p14:creationId xmlns:p14="http://schemas.microsoft.com/office/powerpoint/2010/main" val="2240620556"/>
+        <p14:creationId xmlns:p14="http://schemas.microsoft.com/office/powerpoint/2010/main" val="1846587630"/>
       </p:ext>
     </p:extLst>
   </p:cSld>
@@ -8196,15 +8473,15 @@
           </p:nvPr>
         </p:nvPicPr>
         <p:blipFill>
-          <a:blip r:embed="rId2"/>
+          <a:blip r:embed="rId3"/>
           <a:stretch>
             <a:fillRect/>
           </a:stretch>
         </p:blipFill>
         <p:spPr>
           <a:xfrm>
-            <a:off x="617539" y="1647625"/>
-            <a:ext cx="8162925" cy="888594"/>
+            <a:off x="617538" y="1666601"/>
+            <a:ext cx="8162925" cy="4016923"/>
           </a:xfrm>
           <a:prstGeom prst="rect">
             <a:avLst/>
@@ -8230,13 +8507,6 @@
               <a:rPr lang="en-US" dirty="0" smtClean="0"/>
               <a:t>VOTING app</a:t>
             </a:r>
-            <a:br>
-              <a:rPr lang="en-US" dirty="0" smtClean="0"/>
-            </a:br>
-            <a:r>
-              <a:rPr lang="en-US" dirty="0" smtClean="0"/>
-              <a:t>Which container are running</a:t>
-            </a:r>
             <a:endParaRPr lang="nl-NL" dirty="0"/>
           </a:p>
         </p:txBody>
@@ -8244,7 +8514,7 @@
     </p:spTree>
     <p:extLst>
       <p:ext uri="{BB962C8B-B14F-4D97-AF65-F5344CB8AC3E}">
-        <p14:creationId xmlns:p14="http://schemas.microsoft.com/office/powerpoint/2010/main" val="2838169353"/>
+        <p14:creationId xmlns:p14="http://schemas.microsoft.com/office/powerpoint/2010/main" val="2240620556"/>
       </p:ext>
     </p:extLst>
   </p:cSld>
@@ -8278,6 +8548,99 @@
           <a:chExt cx="0" cy="0"/>
         </a:xfrm>
       </p:grpSpPr>
+      <p:pic>
+        <p:nvPicPr>
+          <p:cNvPr id="4" name="Content Placeholder 3"/>
+          <p:cNvPicPr>
+            <a:picLocks noGrp="1" noChangeAspect="1"/>
+          </p:cNvPicPr>
+          <p:nvPr>
+            <p:ph idx="1"/>
+          </p:nvPr>
+        </p:nvPicPr>
+        <p:blipFill>
+          <a:blip r:embed="rId2"/>
+          <a:stretch>
+            <a:fillRect/>
+          </a:stretch>
+        </p:blipFill>
+        <p:spPr>
+          <a:xfrm>
+            <a:off x="617539" y="1647625"/>
+            <a:ext cx="8162925" cy="888594"/>
+          </a:xfrm>
+          <a:prstGeom prst="rect">
+            <a:avLst/>
+          </a:prstGeom>
+        </p:spPr>
+      </p:pic>
+      <p:sp>
+        <p:nvSpPr>
+          <p:cNvPr id="3" name="Title 2"/>
+          <p:cNvSpPr>
+            <a:spLocks noGrp="1"/>
+          </p:cNvSpPr>
+          <p:nvPr>
+            <p:ph type="title"/>
+          </p:nvPr>
+        </p:nvSpPr>
+        <p:spPr/>
+        <p:txBody>
+          <a:bodyPr/>
+          <a:lstStyle/>
+          <a:p>
+            <a:r>
+              <a:rPr lang="en-US" dirty="0" smtClean="0"/>
+              <a:t>VOTING app</a:t>
+            </a:r>
+            <a:br>
+              <a:rPr lang="en-US" dirty="0" smtClean="0"/>
+            </a:br>
+            <a:r>
+              <a:rPr lang="en-US" dirty="0" smtClean="0"/>
+              <a:t>Which container are running</a:t>
+            </a:r>
+            <a:endParaRPr lang="nl-NL" dirty="0"/>
+          </a:p>
+        </p:txBody>
+      </p:sp>
+    </p:spTree>
+    <p:extLst>
+      <p:ext uri="{BB962C8B-B14F-4D97-AF65-F5344CB8AC3E}">
+        <p14:creationId xmlns:p14="http://schemas.microsoft.com/office/powerpoint/2010/main" val="2838169353"/>
+      </p:ext>
+    </p:extLst>
+  </p:cSld>
+  <p:clrMapOvr>
+    <a:masterClrMapping/>
+  </p:clrMapOvr>
+  <p:timing>
+    <p:tnLst>
+      <p:par>
+        <p:cTn id="1" dur="indefinite" restart="never" nodeType="tmRoot"/>
+      </p:par>
+    </p:tnLst>
+  </p:timing>
+</p:sld>
+</file>
+
+<file path=ppt/slides/slide25.xml><?xml version="1.0" encoding="utf-8"?>
+<p:sld xmlns:a="http://schemas.openxmlformats.org/drawingml/2006/main" xmlns:r="http://schemas.openxmlformats.org/officeDocument/2006/relationships" xmlns:p="http://schemas.openxmlformats.org/presentationml/2006/main">
+  <p:cSld>
+    <p:spTree>
+      <p:nvGrpSpPr>
+        <p:cNvPr id="1" name=""/>
+        <p:cNvGrpSpPr/>
+        <p:nvPr/>
+      </p:nvGrpSpPr>
+      <p:grpSpPr>
+        <a:xfrm>
+          <a:off x="0" y="0"/>
+          <a:ext cx="0" cy="0"/>
+          <a:chOff x="0" y="0"/>
+          <a:chExt cx="0" cy="0"/>
+        </a:xfrm>
+      </p:grpSpPr>
       <p:sp>
         <p:nvSpPr>
           <p:cNvPr id="2" name="Content Placeholder 1"/>
@@ -8330,11 +8693,7 @@
             </a:r>
             <a:r>
               <a:rPr lang="nl-NL" dirty="0" smtClean="0"/>
-              <a:t>  - </a:t>
-            </a:r>
-            <a:r>
-              <a:rPr lang="nl-NL" dirty="0" smtClean="0"/>
-              <a:t>video’s</a:t>
+              <a:t>  - video’s</a:t>
             </a:r>
           </a:p>
           <a:p>
@@ -8342,9 +8701,10 @@
           </a:p>
           <a:p>
             <a:r>
-              <a:rPr lang="en-US" dirty="0" smtClean="0"/>
-              <a:t>Workshops:</a:t>
-            </a:r>
+              <a:rPr lang="en-US" smtClean="0"/>
+              <a:t>Workshop:</a:t>
+            </a:r>
+            <a:endParaRPr lang="en-US" dirty="0" smtClean="0"/>
           </a:p>
           <a:p>
             <a:pPr lvl="1"/>
@@ -8369,7 +8729,7 @@
               <a:t>(</a:t>
             </a:r>
             <a:r>
-              <a:rPr lang="en-US" smtClean="0"/>
+              <a:rPr lang="en-US" dirty="0" smtClean="0"/>
               <a:t>Windows containers)</a:t>
             </a:r>
           </a:p>
@@ -8633,28 +8993,13 @@
             </a:r>
           </a:p>
           <a:p>
+            <a:r>
+              <a:rPr lang="en-US" sz="2600" b="1" dirty="0" smtClean="0"/>
+              <a:t>Multi container app cats &amp; dogs</a:t>
+            </a:r>
+          </a:p>
+          <a:p>
             <a:endParaRPr lang="en-US" sz="2600" b="1" dirty="0"/>
-          </a:p>
-          <a:p>
-            <a:r>
-              <a:rPr lang="en-US" sz="2600" b="1" dirty="0" smtClean="0"/>
-              <a:t>Examples:</a:t>
-            </a:r>
-          </a:p>
-          <a:p>
-            <a:pPr lvl="1"/>
-            <a:r>
-              <a:rPr lang="en-US" sz="2400" b="1" dirty="0" smtClean="0"/>
-              <a:t>OSS </a:t>
-            </a:r>
-          </a:p>
-          <a:p>
-            <a:pPr lvl="1"/>
-            <a:r>
-              <a:rPr lang="en-US" sz="2400" b="1" dirty="0" smtClean="0"/>
-              <a:t>Docker voting app</a:t>
-            </a:r>
-            <a:endParaRPr lang="en-US" sz="2400" b="1" dirty="0"/>
           </a:p>
           <a:p>
             <a:pPr marL="265107" lvl="1" indent="0">
